--- a/resources/glucocheck-Demo2.pptx
+++ b/resources/glucocheck-Demo2.pptx
@@ -19,16 +19,23 @@
   <p:notesSz cx="6858000" cy="9144000"/>
   <p:embeddedFontLst>
     <p:embeddedFont>
-      <p:font typeface="Inter-Regular" panose="020B0502030000000004" pitchFamily="34" charset="0"/>
+      <p:font typeface="Calibri" panose="020F0502020204030204" pitchFamily="34" charset="0"/>
       <p:regular r:id="rId9"/>
       <p:bold r:id="rId10"/>
+      <p:italic r:id="rId11"/>
+      <p:boldItalic r:id="rId12"/>
     </p:embeddedFont>
     <p:embeddedFont>
-      <p:font typeface="Playfair Display Regular" pitchFamily="2" charset="77"/>
-      <p:regular r:id="rId11"/>
-      <p:bold r:id="rId12"/>
-      <p:italic r:id="rId13"/>
-      <p:boldItalic r:id="rId14"/>
+      <p:font typeface="Inter-Regular" panose="020B0604020202020204" charset="0"/>
+      <p:regular r:id="rId13"/>
+      <p:bold r:id="rId14"/>
+    </p:embeddedFont>
+    <p:embeddedFont>
+      <p:font typeface="Playfair Display Regular" panose="020B0604020202020204" charset="0"/>
+      <p:regular r:id="rId15"/>
+      <p:bold r:id="rId16"/>
+      <p:italic r:id="rId17"/>
+      <p:boldItalic r:id="rId18"/>
     </p:embeddedFont>
   </p:embeddedFontLst>
   <p:defaultTextStyle>
@@ -3151,7 +3158,8 @@
                 <a:solidFill>
                   <a:srgbClr val="F3768E"/>
                 </a:solidFill>
-                <a:latin typeface="Avenir Roman" panose="02000503020000020003" pitchFamily="2" charset="0"/>
+                <a:latin typeface="Calibri" panose="020F0502020204030204" pitchFamily="34" charset="0"/>
+                <a:cs typeface="Calibri" panose="020F0502020204030204" pitchFamily="34" charset="0"/>
                 <a:hlinkClick r:id="rId4" action="ppaction://hlinksldjump"/>
               </a:rPr>
               <a:t>Home</a:t>
@@ -3160,7 +3168,8 @@
               <a:solidFill>
                 <a:srgbClr val="F3768E"/>
               </a:solidFill>
-              <a:latin typeface="Avenir Roman" panose="02000503020000020003" pitchFamily="2" charset="0"/>
+              <a:latin typeface="Calibri" panose="020F0502020204030204" pitchFamily="34" charset="0"/>
+              <a:cs typeface="Calibri" panose="020F0502020204030204" pitchFamily="34" charset="0"/>
             </a:endParaRPr>
           </a:p>
         </p:txBody>
@@ -3480,7 +3489,8 @@
                 <a:solidFill>
                   <a:srgbClr val="272364"/>
                 </a:solidFill>
-                <a:latin typeface="Avenir Roman" panose="02000503020000020003" pitchFamily="2" charset="0"/>
+                <a:latin typeface="Calibri" panose="020F0502020204030204" pitchFamily="34" charset="0"/>
+                <a:cs typeface="Calibri" panose="020F0502020204030204" pitchFamily="34" charset="0"/>
               </a:rPr>
               <a:t>Dashboard</a:t>
             </a:r>
@@ -3771,7 +3781,8 @@
                 <a:solidFill>
                   <a:srgbClr val="272364"/>
                 </a:solidFill>
-                <a:latin typeface="Avenir Roman" panose="02000503020000020003" pitchFamily="2" charset="0"/>
+                <a:latin typeface="Calibri" panose="020F0502020204030204" pitchFamily="34" charset="0"/>
+                <a:cs typeface="Calibri" panose="020F0502020204030204" pitchFamily="34" charset="0"/>
                 <a:hlinkClick r:id="rId6" action="ppaction://hlinksldjump"/>
               </a:rPr>
               <a:t>About us</a:t>
@@ -3780,7 +3791,8 @@
               <a:solidFill>
                 <a:srgbClr val="272364"/>
               </a:solidFill>
-              <a:latin typeface="Avenir Roman" panose="02000503020000020003" pitchFamily="2" charset="0"/>
+              <a:latin typeface="Calibri" panose="020F0502020204030204" pitchFamily="34" charset="0"/>
+              <a:cs typeface="Calibri" panose="020F0502020204030204" pitchFamily="34" charset="0"/>
             </a:endParaRPr>
           </a:p>
         </p:txBody>
@@ -4069,7 +4081,8 @@
                 <a:solidFill>
                   <a:srgbClr val="272364"/>
                 </a:solidFill>
-                <a:latin typeface="Avenir Roman" panose="02000503020000020003" pitchFamily="2" charset="0"/>
+                <a:latin typeface="Calibri" panose="020F0502020204030204" pitchFamily="34" charset="0"/>
+                <a:cs typeface="Calibri" panose="020F0502020204030204" pitchFamily="34" charset="0"/>
                 <a:hlinkClick r:id="rId3" action="ppaction://hlinksldjump"/>
               </a:rPr>
               <a:t>Login</a:t>
@@ -4078,7 +4091,8 @@
               <a:solidFill>
                 <a:srgbClr val="272364"/>
               </a:solidFill>
-              <a:latin typeface="Avenir Roman" panose="02000503020000020003" pitchFamily="2" charset="0"/>
+              <a:latin typeface="Calibri" panose="020F0502020204030204" pitchFamily="34" charset="0"/>
+              <a:cs typeface="Calibri" panose="020F0502020204030204" pitchFamily="34" charset="0"/>
             </a:endParaRPr>
           </a:p>
         </p:txBody>
@@ -4367,7 +4381,8 @@
                 <a:solidFill>
                   <a:srgbClr val="272364"/>
                 </a:solidFill>
-                <a:latin typeface="Avenir Roman" panose="02000503020000020003" pitchFamily="2" charset="0"/>
+                <a:latin typeface="Calibri" panose="020F0502020204030204" pitchFamily="34" charset="0"/>
+                <a:cs typeface="Calibri" panose="020F0502020204030204" pitchFamily="34" charset="0"/>
                 <a:hlinkClick r:id="rId3" action="ppaction://hlinksldjump"/>
               </a:rPr>
               <a:t>Getting started</a:t>
@@ -4376,7 +4391,8 @@
               <a:solidFill>
                 <a:srgbClr val="272364"/>
               </a:solidFill>
-              <a:latin typeface="Avenir Roman" panose="02000503020000020003" pitchFamily="2" charset="0"/>
+              <a:latin typeface="Calibri" panose="020F0502020204030204" pitchFamily="34" charset="0"/>
+              <a:cs typeface="Calibri" panose="020F0502020204030204" pitchFamily="34" charset="0"/>
             </a:endParaRPr>
           </a:p>
         </p:txBody>
@@ -4395,8 +4411,8 @@
         </p:nvSpPr>
         <p:spPr>
           <a:xfrm>
-            <a:off x="552892" y="2152963"/>
-            <a:ext cx="2717411" cy="461665"/>
+            <a:off x="632734" y="2021612"/>
+            <a:ext cx="2791149" cy="523220"/>
           </a:xfrm>
           <a:prstGeom prst="rect">
             <a:avLst/>
@@ -4410,28 +4426,31 @@
           <a:lstStyle/>
           <a:p>
             <a:r>
-              <a:rPr lang="en-US" sz="2000" dirty="0">
+              <a:rPr lang="en-US" sz="2400" dirty="0">
                 <a:solidFill>
                   <a:srgbClr val="272364"/>
                 </a:solidFill>
-                <a:latin typeface="American Typewriter" panose="02090604020004020304" pitchFamily="18" charset="77"/>
+                <a:latin typeface="Calibri" panose="020F0502020204030204" pitchFamily="34" charset="0"/>
+                <a:cs typeface="Calibri" panose="020F0502020204030204" pitchFamily="34" charset="0"/>
               </a:rPr>
               <a:t>Welcome To </a:t>
             </a:r>
             <a:r>
-              <a:rPr lang="en-US" sz="2400" dirty="0">
+              <a:rPr lang="en-US" sz="2800" dirty="0">
                 <a:solidFill>
                   <a:srgbClr val="F3768E"/>
                 </a:solidFill>
-                <a:latin typeface="American Typewriter" panose="02090604020004020304" pitchFamily="18" charset="77"/>
+                <a:latin typeface="Calibri" panose="020F0502020204030204" pitchFamily="34" charset="0"/>
+                <a:cs typeface="Calibri" panose="020F0502020204030204" pitchFamily="34" charset="0"/>
               </a:rPr>
               <a:t>Future</a:t>
             </a:r>
-            <a:endParaRPr lang="en-US" sz="2000" dirty="0">
+            <a:endParaRPr lang="en-US" sz="2400" dirty="0">
               <a:solidFill>
                 <a:srgbClr val="F3768E"/>
               </a:solidFill>
-              <a:latin typeface="American Typewriter" panose="02090604020004020304" pitchFamily="18" charset="77"/>
+              <a:latin typeface="Calibri" panose="020F0502020204030204" pitchFamily="34" charset="0"/>
+              <a:cs typeface="Calibri" panose="020F0502020204030204" pitchFamily="34" charset="0"/>
             </a:endParaRPr>
           </a:p>
         </p:txBody>
@@ -4481,7 +4500,7 @@
         <p:spPr>
           <a:xfrm>
             <a:off x="797347" y="3464567"/>
-            <a:ext cx="1124026" cy="307777"/>
+            <a:ext cx="1026243" cy="307777"/>
           </a:xfrm>
           <a:prstGeom prst="rect">
             <a:avLst/>
@@ -4495,12 +4514,12 @@
           <a:lstStyle/>
           <a:p>
             <a:r>
-              <a:rPr lang="en-US" dirty="0">
+              <a:rPr lang="en-US" i="1" dirty="0">
                 <a:solidFill>
                   <a:schemeClr val="bg1"/>
                 </a:solidFill>
-                <a:latin typeface="Avenir Roman" panose="02000503020000020003" pitchFamily="2" charset="0"/>
-                <a:cs typeface="Angsana New" panose="02020603050405020304" pitchFamily="18" charset="-34"/>
+                <a:latin typeface="Calibri" panose="020F0502020204030204" pitchFamily="34" charset="0"/>
+                <a:cs typeface="Calibri" panose="020F0502020204030204" pitchFamily="34" charset="0"/>
               </a:rPr>
               <a:t>Get Started</a:t>
             </a:r>
@@ -4566,18 +4585,11 @@
           <a:lstStyle/>
           <a:p>
             <a:r>
-              <a:rPr lang="en-US" sz="1050" dirty="0"/>
-              <a:t>http://</a:t>
-            </a:r>
-            <a:r>
               <a:rPr lang="en-US" sz="1050" dirty="0">
-                <a:latin typeface="Avenir Roman" panose="02000503020000020003" pitchFamily="2" charset="0"/>
+                <a:latin typeface="Calibri" panose="020F0502020204030204" pitchFamily="34" charset="0"/>
+                <a:cs typeface="Calibri" panose="020F0502020204030204" pitchFamily="34" charset="0"/>
               </a:rPr>
-              <a:t>127.0.0.1:8000</a:t>
-            </a:r>
-            <a:r>
-              <a:rPr lang="en-US" sz="1050" dirty="0"/>
-              <a:t>/</a:t>
+              <a:t>http://127.0.0.1:8000/</a:t>
             </a:r>
           </a:p>
         </p:txBody>
@@ -4596,8 +4608,8 @@
         </p:nvSpPr>
         <p:spPr>
           <a:xfrm>
-            <a:off x="552892" y="2690250"/>
-            <a:ext cx="3939266" cy="769441"/>
+            <a:off x="632734" y="2558899"/>
+            <a:ext cx="3939266" cy="892552"/>
           </a:xfrm>
           <a:prstGeom prst="rect">
             <a:avLst/>
@@ -4610,43 +4622,47 @@
           <a:lstStyle/>
           <a:p>
             <a:r>
-              <a:rPr lang="en-US" sz="1100" dirty="0">
+              <a:rPr lang="en-US" sz="1300" dirty="0">
                 <a:solidFill>
                   <a:srgbClr val="272364"/>
                 </a:solidFill>
-                <a:latin typeface="American Typewriter" panose="02090604020004020304" pitchFamily="18" charset="77"/>
+                <a:latin typeface="Calibri" panose="020F0502020204030204" pitchFamily="34" charset="0"/>
+                <a:cs typeface="Calibri" panose="020F0502020204030204" pitchFamily="34" charset="0"/>
               </a:rPr>
               <a:t>CSC 289 Capstone project</a:t>
             </a:r>
           </a:p>
           <a:p>
             <a:r>
-              <a:rPr lang="en-US" sz="1100" dirty="0">
+              <a:rPr lang="en-US" sz="1300" dirty="0">
                 <a:solidFill>
                   <a:srgbClr val="272364"/>
                 </a:solidFill>
-                <a:latin typeface="American Typewriter" panose="02090604020004020304" pitchFamily="18" charset="77"/>
+                <a:latin typeface="Calibri" panose="020F0502020204030204" pitchFamily="34" charset="0"/>
+                <a:cs typeface="Calibri" panose="020F0502020204030204" pitchFamily="34" charset="0"/>
               </a:rPr>
               <a:t>Programming &amp; Information Sciences Department</a:t>
             </a:r>
           </a:p>
           <a:p>
             <a:r>
-              <a:rPr lang="en-US" sz="1100" dirty="0">
+              <a:rPr lang="en-US" sz="1300" dirty="0">
                 <a:solidFill>
                   <a:srgbClr val="272364"/>
                 </a:solidFill>
-                <a:latin typeface="American Typewriter" panose="02090604020004020304" pitchFamily="18" charset="77"/>
+                <a:latin typeface="Calibri" panose="020F0502020204030204" pitchFamily="34" charset="0"/>
+                <a:cs typeface="Calibri" panose="020F0502020204030204" pitchFamily="34" charset="0"/>
               </a:rPr>
               <a:t>Spring 2021</a:t>
             </a:r>
           </a:p>
           <a:p>
-            <a:endParaRPr lang="en-US" sz="1100" dirty="0">
+            <a:endParaRPr lang="en-US" sz="1300" dirty="0">
               <a:solidFill>
                 <a:srgbClr val="272364"/>
               </a:solidFill>
-              <a:latin typeface="American Typewriter" panose="02090604020004020304" pitchFamily="18" charset="77"/>
+              <a:latin typeface="Calibri" panose="020F0502020204030204" pitchFamily="34" charset="0"/>
+              <a:cs typeface="Calibri" panose="020F0502020204030204" pitchFamily="34" charset="0"/>
             </a:endParaRPr>
           </a:p>
         </p:txBody>
@@ -5677,7 +5693,8 @@
                 <a:solidFill>
                   <a:srgbClr val="272364"/>
                 </a:solidFill>
-                <a:latin typeface="Avenir Roman" panose="02000503020000020003" pitchFamily="2" charset="0"/>
+                <a:latin typeface="Calibri" panose="020F0502020204030204" pitchFamily="34" charset="0"/>
+                <a:cs typeface="Calibri" panose="020F0502020204030204" pitchFamily="34" charset="0"/>
                 <a:hlinkClick r:id="rId3" action="ppaction://hlinksldjump"/>
               </a:rPr>
               <a:t>Home</a:t>
@@ -5686,7 +5703,8 @@
               <a:solidFill>
                 <a:srgbClr val="272364"/>
               </a:solidFill>
-              <a:latin typeface="Avenir Roman" panose="02000503020000020003" pitchFamily="2" charset="0"/>
+              <a:latin typeface="Calibri" panose="020F0502020204030204" pitchFamily="34" charset="0"/>
+              <a:cs typeface="Calibri" panose="020F0502020204030204" pitchFamily="34" charset="0"/>
             </a:endParaRPr>
           </a:p>
         </p:txBody>
@@ -6006,7 +6024,8 @@
                 <a:solidFill>
                   <a:srgbClr val="272364"/>
                 </a:solidFill>
-                <a:latin typeface="Avenir Roman" panose="02000503020000020003" pitchFamily="2" charset="0"/>
+                <a:latin typeface="Calibri" panose="020F0502020204030204" pitchFamily="34" charset="0"/>
+                <a:cs typeface="Calibri" panose="020F0502020204030204" pitchFamily="34" charset="0"/>
               </a:rPr>
               <a:t>Dashboard</a:t>
             </a:r>
@@ -6297,7 +6316,8 @@
                 <a:solidFill>
                   <a:srgbClr val="F3768E"/>
                 </a:solidFill>
-                <a:latin typeface="Avenir Roman" panose="02000503020000020003" pitchFamily="2" charset="0"/>
+                <a:latin typeface="Calibri" panose="020F0502020204030204" pitchFamily="34" charset="0"/>
+                <a:cs typeface="Calibri" panose="020F0502020204030204" pitchFamily="34" charset="0"/>
               </a:rPr>
               <a:t>About</a:t>
             </a:r>
@@ -6306,7 +6326,8 @@
                 <a:solidFill>
                   <a:srgbClr val="F38EBC"/>
                 </a:solidFill>
-                <a:latin typeface="Avenir Roman" panose="02000503020000020003" pitchFamily="2" charset="0"/>
+                <a:latin typeface="Calibri" panose="020F0502020204030204" pitchFamily="34" charset="0"/>
+                <a:cs typeface="Calibri" panose="020F0502020204030204" pitchFamily="34" charset="0"/>
               </a:rPr>
               <a:t> </a:t>
             </a:r>
@@ -6315,7 +6336,8 @@
                 <a:solidFill>
                   <a:srgbClr val="F3768E"/>
                 </a:solidFill>
-                <a:latin typeface="Avenir Roman" panose="02000503020000020003" pitchFamily="2" charset="0"/>
+                <a:latin typeface="Calibri" panose="020F0502020204030204" pitchFamily="34" charset="0"/>
+                <a:cs typeface="Calibri" panose="020F0502020204030204" pitchFamily="34" charset="0"/>
               </a:rPr>
               <a:t>us</a:t>
             </a:r>
@@ -6606,7 +6628,8 @@
                 <a:solidFill>
                   <a:srgbClr val="272364"/>
                 </a:solidFill>
-                <a:latin typeface="Avenir Roman" panose="02000503020000020003" pitchFamily="2" charset="0"/>
+                <a:latin typeface="Calibri" panose="020F0502020204030204" pitchFamily="34" charset="0"/>
+                <a:cs typeface="Calibri" panose="020F0502020204030204" pitchFamily="34" charset="0"/>
                 <a:hlinkClick r:id="rId5" action="ppaction://hlinksldjump"/>
               </a:rPr>
               <a:t>Login</a:t>
@@ -6615,7 +6638,8 @@
               <a:solidFill>
                 <a:srgbClr val="272364"/>
               </a:solidFill>
-              <a:latin typeface="Avenir Roman" panose="02000503020000020003" pitchFamily="2" charset="0"/>
+              <a:latin typeface="Calibri" panose="020F0502020204030204" pitchFamily="34" charset="0"/>
+              <a:cs typeface="Calibri" panose="020F0502020204030204" pitchFamily="34" charset="0"/>
             </a:endParaRPr>
           </a:p>
         </p:txBody>
@@ -6904,7 +6928,8 @@
                 <a:solidFill>
                   <a:srgbClr val="272364"/>
                 </a:solidFill>
-                <a:latin typeface="Avenir Roman" panose="02000503020000020003" pitchFamily="2" charset="0"/>
+                <a:latin typeface="Calibri" panose="020F0502020204030204" pitchFamily="34" charset="0"/>
+                <a:cs typeface="Calibri" panose="020F0502020204030204" pitchFamily="34" charset="0"/>
                 <a:hlinkClick r:id="rId5" action="ppaction://hlinksldjump"/>
               </a:rPr>
               <a:t>Getting started</a:t>
@@ -6913,7 +6938,8 @@
               <a:solidFill>
                 <a:srgbClr val="272364"/>
               </a:solidFill>
-              <a:latin typeface="Avenir Roman" panose="02000503020000020003" pitchFamily="2" charset="0"/>
+              <a:latin typeface="Calibri" panose="020F0502020204030204" pitchFamily="34" charset="0"/>
+              <a:cs typeface="Calibri" panose="020F0502020204030204" pitchFamily="34" charset="0"/>
             </a:endParaRPr>
           </a:p>
         </p:txBody>
@@ -6933,7 +6959,7 @@
         <p:spPr>
           <a:xfrm>
             <a:off x="1116053" y="1171998"/>
-            <a:ext cx="2076209" cy="400110"/>
+            <a:ext cx="1830950" cy="400110"/>
           </a:xfrm>
           <a:prstGeom prst="rect">
             <a:avLst/>
@@ -6951,7 +6977,8 @@
                 <a:solidFill>
                   <a:srgbClr val="272364"/>
                 </a:solidFill>
-                <a:latin typeface="American Typewriter" panose="02090604020004020304" pitchFamily="18" charset="77"/>
+                <a:latin typeface="Calibri" panose="020F0502020204030204" pitchFamily="34" charset="0"/>
+                <a:cs typeface="Calibri" panose="020F0502020204030204" pitchFamily="34" charset="0"/>
               </a:rPr>
               <a:t>Team </a:t>
             </a:r>
@@ -6960,7 +6987,8 @@
                 <a:solidFill>
                   <a:srgbClr val="F3768E"/>
                 </a:solidFill>
-                <a:latin typeface="American Typewriter" panose="02090604020004020304" pitchFamily="18" charset="77"/>
+                <a:latin typeface="Calibri" panose="020F0502020204030204" pitchFamily="34" charset="0"/>
+                <a:cs typeface="Calibri" panose="020F0502020204030204" pitchFamily="34" charset="0"/>
               </a:rPr>
               <a:t>Members</a:t>
             </a:r>
@@ -6982,7 +7010,7 @@
         <p:spPr>
           <a:xfrm>
             <a:off x="659838" y="1855444"/>
-            <a:ext cx="1781257" cy="276999"/>
+            <a:ext cx="1781257" cy="307777"/>
           </a:xfrm>
           <a:prstGeom prst="rect">
             <a:avLst/>
@@ -6996,34 +7024,38 @@
           <a:lstStyle/>
           <a:p>
             <a:r>
-              <a:rPr lang="en-US" sz="1200" dirty="0">
+              <a:rPr lang="en-US" dirty="0">
                 <a:solidFill>
                   <a:srgbClr val="272364"/>
                 </a:solidFill>
-                <a:latin typeface="American Typewriter" panose="02090604020004020304" pitchFamily="18" charset="77"/>
+                <a:latin typeface="Calibri" panose="020F0502020204030204" pitchFamily="34" charset="0"/>
+                <a:cs typeface="Calibri" panose="020F0502020204030204" pitchFamily="34" charset="0"/>
               </a:rPr>
               <a:t>Jeremiah</a:t>
             </a:r>
             <a:r>
-              <a:rPr lang="en-US" sz="1200" dirty="0">
-                <a:latin typeface="American Typewriter" panose="02090604020004020304" pitchFamily="18" charset="77"/>
+              <a:rPr lang="en-US" dirty="0">
+                <a:latin typeface="Calibri" panose="020F0502020204030204" pitchFamily="34" charset="0"/>
+                <a:cs typeface="Calibri" panose="020F0502020204030204" pitchFamily="34" charset="0"/>
               </a:rPr>
               <a:t> </a:t>
             </a:r>
             <a:r>
-              <a:rPr lang="en-US" sz="1200" dirty="0">
+              <a:rPr lang="en-US" dirty="0">
                 <a:solidFill>
                   <a:srgbClr val="F3768E"/>
                 </a:solidFill>
-                <a:latin typeface="American Typewriter" panose="02090604020004020304" pitchFamily="18" charset="77"/>
+                <a:latin typeface="Calibri" panose="020F0502020204030204" pitchFamily="34" charset="0"/>
+                <a:cs typeface="Calibri" panose="020F0502020204030204" pitchFamily="34" charset="0"/>
               </a:rPr>
               <a:t>Thomas</a:t>
             </a:r>
-            <a:endParaRPr lang="en-US" sz="1200" dirty="0">
+            <a:endParaRPr lang="en-US" dirty="0">
               <a:solidFill>
                 <a:srgbClr val="FFC000"/>
               </a:solidFill>
-              <a:latin typeface="American Typewriter" panose="02090604020004020304" pitchFamily="18" charset="77"/>
+              <a:latin typeface="Calibri" panose="020F0502020204030204" pitchFamily="34" charset="0"/>
+              <a:cs typeface="Calibri" panose="020F0502020204030204" pitchFamily="34" charset="0"/>
             </a:endParaRPr>
           </a:p>
         </p:txBody>
@@ -7043,7 +7075,7 @@
         <p:spPr>
           <a:xfrm>
             <a:off x="659838" y="2372309"/>
-            <a:ext cx="1423788" cy="276999"/>
+            <a:ext cx="1423788" cy="307777"/>
           </a:xfrm>
           <a:prstGeom prst="rect">
             <a:avLst/>
@@ -7057,26 +7089,29 @@
           <a:lstStyle/>
           <a:p>
             <a:r>
-              <a:rPr lang="en-US" sz="1200" dirty="0">
+              <a:rPr lang="en-US" dirty="0">
                 <a:solidFill>
                   <a:srgbClr val="272364"/>
                 </a:solidFill>
-                <a:latin typeface="American Typewriter" panose="02090604020004020304" pitchFamily="18" charset="77"/>
+                <a:latin typeface="Calibri" panose="020F0502020204030204" pitchFamily="34" charset="0"/>
+                <a:cs typeface="Calibri" panose="020F0502020204030204" pitchFamily="34" charset="0"/>
               </a:rPr>
               <a:t>Stuart</a:t>
             </a:r>
             <a:r>
-              <a:rPr lang="en-US" sz="1200" dirty="0">
-                <a:latin typeface="American Typewriter" panose="02090604020004020304" pitchFamily="18" charset="77"/>
+              <a:rPr lang="en-US" dirty="0">
+                <a:latin typeface="Calibri" panose="020F0502020204030204" pitchFamily="34" charset="0"/>
+                <a:cs typeface="Calibri" panose="020F0502020204030204" pitchFamily="34" charset="0"/>
               </a:rPr>
               <a:t> </a:t>
             </a:r>
             <a:r>
-              <a:rPr lang="en-US" sz="1200" dirty="0">
+              <a:rPr lang="en-US" dirty="0">
                 <a:solidFill>
                   <a:srgbClr val="F3768E"/>
                 </a:solidFill>
-                <a:latin typeface="American Typewriter" panose="02090604020004020304" pitchFamily="18" charset="77"/>
+                <a:latin typeface="Calibri" panose="020F0502020204030204" pitchFamily="34" charset="0"/>
+                <a:cs typeface="Calibri" panose="020F0502020204030204" pitchFamily="34" charset="0"/>
               </a:rPr>
               <a:t>Watson</a:t>
             </a:r>
@@ -7098,7 +7133,7 @@
         <p:spPr>
           <a:xfrm>
             <a:off x="659839" y="2891087"/>
-            <a:ext cx="1425390" cy="276999"/>
+            <a:ext cx="1425390" cy="307777"/>
           </a:xfrm>
           <a:prstGeom prst="rect">
             <a:avLst/>
@@ -7112,26 +7147,29 @@
           <a:lstStyle/>
           <a:p>
             <a:r>
-              <a:rPr lang="en-US" sz="1200" dirty="0">
+              <a:rPr lang="en-US" dirty="0">
                 <a:solidFill>
                   <a:srgbClr val="272364"/>
                 </a:solidFill>
-                <a:latin typeface="American Typewriter" panose="02090604020004020304" pitchFamily="18" charset="77"/>
+                <a:latin typeface="Calibri" panose="020F0502020204030204" pitchFamily="34" charset="0"/>
+                <a:cs typeface="Calibri" panose="020F0502020204030204" pitchFamily="34" charset="0"/>
               </a:rPr>
               <a:t>Anjali</a:t>
             </a:r>
             <a:r>
-              <a:rPr lang="en-US" sz="1200" dirty="0">
-                <a:latin typeface="American Typewriter" panose="02090604020004020304" pitchFamily="18" charset="77"/>
+              <a:rPr lang="en-US" dirty="0">
+                <a:latin typeface="Calibri" panose="020F0502020204030204" pitchFamily="34" charset="0"/>
+                <a:cs typeface="Calibri" panose="020F0502020204030204" pitchFamily="34" charset="0"/>
               </a:rPr>
               <a:t> </a:t>
             </a:r>
             <a:r>
-              <a:rPr lang="en-US" sz="1200" dirty="0">
+              <a:rPr lang="en-US" dirty="0">
                 <a:solidFill>
                   <a:srgbClr val="F3768E"/>
                 </a:solidFill>
-                <a:latin typeface="American Typewriter" panose="02090604020004020304" pitchFamily="18" charset="77"/>
+                <a:latin typeface="Calibri" panose="020F0502020204030204" pitchFamily="34" charset="0"/>
+                <a:cs typeface="Calibri" panose="020F0502020204030204" pitchFamily="34" charset="0"/>
               </a:rPr>
               <a:t>Sharma</a:t>
             </a:r>
@@ -7153,7 +7191,7 @@
         <p:spPr>
           <a:xfrm>
             <a:off x="659838" y="3444142"/>
-            <a:ext cx="1494320" cy="276999"/>
+            <a:ext cx="1494320" cy="307777"/>
           </a:xfrm>
           <a:prstGeom prst="rect">
             <a:avLst/>
@@ -7167,26 +7205,29 @@
           <a:lstStyle/>
           <a:p>
             <a:r>
-              <a:rPr lang="en-US" sz="1200" dirty="0">
+              <a:rPr lang="en-US" dirty="0">
                 <a:solidFill>
                   <a:srgbClr val="272364"/>
                 </a:solidFill>
-                <a:latin typeface="American Typewriter" panose="02090604020004020304" pitchFamily="18" charset="77"/>
+                <a:latin typeface="Calibri" panose="020F0502020204030204" pitchFamily="34" charset="0"/>
+                <a:cs typeface="Calibri" panose="020F0502020204030204" pitchFamily="34" charset="0"/>
               </a:rPr>
               <a:t>Elmehdi</a:t>
             </a:r>
             <a:r>
-              <a:rPr lang="en-US" sz="1200" dirty="0">
-                <a:latin typeface="American Typewriter" panose="02090604020004020304" pitchFamily="18" charset="77"/>
+              <a:rPr lang="en-US" dirty="0">
+                <a:latin typeface="Calibri" panose="020F0502020204030204" pitchFamily="34" charset="0"/>
+                <a:cs typeface="Calibri" panose="020F0502020204030204" pitchFamily="34" charset="0"/>
               </a:rPr>
               <a:t> </a:t>
             </a:r>
             <a:r>
-              <a:rPr lang="en-US" sz="1200" dirty="0">
+              <a:rPr lang="en-US" dirty="0">
                 <a:solidFill>
                   <a:srgbClr val="F3768E"/>
                 </a:solidFill>
-                <a:latin typeface="American Typewriter" panose="02090604020004020304" pitchFamily="18" charset="77"/>
+                <a:latin typeface="Calibri" panose="020F0502020204030204" pitchFamily="34" charset="0"/>
+                <a:cs typeface="Calibri" panose="020F0502020204030204" pitchFamily="34" charset="0"/>
               </a:rPr>
               <a:t>Mnajli</a:t>
             </a:r>
@@ -7208,7 +7249,7 @@
         <p:spPr>
           <a:xfrm>
             <a:off x="659838" y="4040617"/>
-            <a:ext cx="1383712" cy="276999"/>
+            <a:ext cx="1383712" cy="307777"/>
           </a:xfrm>
           <a:prstGeom prst="rect">
             <a:avLst/>
@@ -7222,26 +7263,29 @@
           <a:lstStyle/>
           <a:p>
             <a:r>
-              <a:rPr lang="en-US" sz="1200" dirty="0">
+              <a:rPr lang="en-US" dirty="0">
                 <a:solidFill>
                   <a:srgbClr val="272364"/>
                 </a:solidFill>
-                <a:latin typeface="American Typewriter" panose="02090604020004020304" pitchFamily="18" charset="77"/>
+                <a:latin typeface="Calibri" panose="020F0502020204030204" pitchFamily="34" charset="0"/>
+                <a:cs typeface="Calibri" panose="020F0502020204030204" pitchFamily="34" charset="0"/>
               </a:rPr>
               <a:t>Kai</a:t>
             </a:r>
             <a:r>
-              <a:rPr lang="en-US" sz="1200" dirty="0">
-                <a:latin typeface="American Typewriter" panose="02090604020004020304" pitchFamily="18" charset="77"/>
+              <a:rPr lang="en-US" dirty="0">
+                <a:latin typeface="Calibri" panose="020F0502020204030204" pitchFamily="34" charset="0"/>
+                <a:cs typeface="Calibri" panose="020F0502020204030204" pitchFamily="34" charset="0"/>
               </a:rPr>
               <a:t> </a:t>
             </a:r>
             <a:r>
-              <a:rPr lang="en-US" sz="1200" dirty="0">
+              <a:rPr lang="en-US" dirty="0">
                 <a:solidFill>
                   <a:srgbClr val="F3768E"/>
                 </a:solidFill>
-                <a:latin typeface="American Typewriter" panose="02090604020004020304" pitchFamily="18" charset="77"/>
+                <a:latin typeface="Calibri" panose="020F0502020204030204" pitchFamily="34" charset="0"/>
+                <a:cs typeface="Calibri" panose="020F0502020204030204" pitchFamily="34" charset="0"/>
               </a:rPr>
               <a:t>McGregor</a:t>
             </a:r>
@@ -7263,7 +7307,7 @@
         <p:spPr>
           <a:xfrm>
             <a:off x="659838" y="2083099"/>
-            <a:ext cx="3470822" cy="230832"/>
+            <a:ext cx="3470822" cy="246221"/>
           </a:xfrm>
           <a:prstGeom prst="rect">
             <a:avLst/>
@@ -7277,11 +7321,12 @@
           <a:lstStyle/>
           <a:p>
             <a:r>
-              <a:rPr lang="en-US" sz="900" dirty="0">
+              <a:rPr lang="en-US" sz="1000" dirty="0">
                 <a:solidFill>
                   <a:srgbClr val="8CC63F"/>
                 </a:solidFill>
-                <a:latin typeface="American Typewriter" panose="02090604020004020304" pitchFamily="18" charset="77"/>
+                <a:latin typeface="Calibri" panose="020F0502020204030204" pitchFamily="34" charset="0"/>
+                <a:cs typeface="Calibri" panose="020F0502020204030204" pitchFamily="34" charset="0"/>
               </a:rPr>
               <a:t>COMPUTER PROGRAMMING AND DEVELOPMENT</a:t>
             </a:r>
@@ -7303,7 +7348,7 @@
         <p:spPr>
           <a:xfrm>
             <a:off x="659838" y="2614322"/>
-            <a:ext cx="3828292" cy="230832"/>
+            <a:ext cx="3828292" cy="246221"/>
           </a:xfrm>
           <a:prstGeom prst="rect">
             <a:avLst/>
@@ -7317,11 +7362,12 @@
           <a:lstStyle/>
           <a:p>
             <a:r>
-              <a:rPr lang="en-US" sz="900" dirty="0">
+              <a:rPr lang="en-US" sz="1000" dirty="0">
                 <a:solidFill>
                   <a:srgbClr val="8CC63F"/>
                 </a:solidFill>
-                <a:latin typeface="American Typewriter" panose="02090604020004020304" pitchFamily="18" charset="77"/>
+                <a:latin typeface="Calibri" panose="020F0502020204030204" pitchFamily="34" charset="0"/>
+                <a:cs typeface="Calibri" panose="020F0502020204030204" pitchFamily="34" charset="0"/>
               </a:rPr>
               <a:t>DATA SCIENCE AND PROGRAMMING SUPPORT SERVICES</a:t>
             </a:r>
@@ -7343,7 +7389,7 @@
         <p:spPr>
           <a:xfrm>
             <a:off x="659838" y="3136837"/>
-            <a:ext cx="3470822" cy="230832"/>
+            <a:ext cx="3470822" cy="246221"/>
           </a:xfrm>
           <a:prstGeom prst="rect">
             <a:avLst/>
@@ -7357,11 +7403,12 @@
           <a:lstStyle/>
           <a:p>
             <a:r>
-              <a:rPr lang="en-US" sz="900" dirty="0">
+              <a:rPr lang="en-US" sz="1000" dirty="0">
                 <a:solidFill>
                   <a:srgbClr val="8CC63F"/>
                 </a:solidFill>
-                <a:latin typeface="American Typewriter" panose="02090604020004020304" pitchFamily="18" charset="77"/>
+                <a:latin typeface="Calibri" panose="020F0502020204030204" pitchFamily="34" charset="0"/>
+                <a:cs typeface="Calibri" panose="020F0502020204030204" pitchFamily="34" charset="0"/>
               </a:rPr>
               <a:t>DATA SCIENCE AND PROGRAMMING SUPPORT SERVICES</a:t>
             </a:r>
@@ -7383,7 +7430,7 @@
         <p:spPr>
           <a:xfrm>
             <a:off x="668546" y="3711602"/>
-            <a:ext cx="3828292" cy="230832"/>
+            <a:ext cx="3828292" cy="246221"/>
           </a:xfrm>
           <a:prstGeom prst="rect">
             <a:avLst/>
@@ -7397,11 +7444,12 @@
           <a:lstStyle/>
           <a:p>
             <a:r>
-              <a:rPr lang="en-US" sz="900" dirty="0">
+              <a:rPr lang="en-US" sz="1000" dirty="0">
                 <a:solidFill>
                   <a:srgbClr val="8CC63F"/>
                 </a:solidFill>
-                <a:latin typeface="American Typewriter" panose="02090604020004020304" pitchFamily="18" charset="77"/>
+                <a:latin typeface="Calibri" panose="020F0502020204030204" pitchFamily="34" charset="0"/>
+                <a:cs typeface="Calibri" panose="020F0502020204030204" pitchFamily="34" charset="0"/>
               </a:rPr>
               <a:t>DATA SCIENCE AND PROGRAMMING SUPPORT SERVICES</a:t>
             </a:r>
@@ -7423,7 +7471,7 @@
         <p:spPr>
           <a:xfrm>
             <a:off x="659838" y="4295077"/>
-            <a:ext cx="3304110" cy="230832"/>
+            <a:ext cx="3304110" cy="246221"/>
           </a:xfrm>
           <a:prstGeom prst="rect">
             <a:avLst/>
@@ -7437,11 +7485,12 @@
           <a:lstStyle/>
           <a:p>
             <a:r>
-              <a:rPr lang="en-US" sz="900" dirty="0">
+              <a:rPr lang="en-US" sz="1000" dirty="0">
                 <a:solidFill>
                   <a:srgbClr val="8CC63F"/>
                 </a:solidFill>
-                <a:latin typeface="American Typewriter" panose="02090604020004020304" pitchFamily="18" charset="77"/>
+                <a:latin typeface="Calibri" panose="020F0502020204030204" pitchFamily="34" charset="0"/>
+                <a:cs typeface="Calibri" panose="020F0502020204030204" pitchFamily="34" charset="0"/>
               </a:rPr>
               <a:t>COMPUTER PROGRAMMING AND DEVELOPMENT</a:t>
             </a:r>
@@ -7463,7 +7512,7 @@
         <p:spPr>
           <a:xfrm>
             <a:off x="2509153" y="1846058"/>
-            <a:ext cx="1410964" cy="276999"/>
+            <a:ext cx="1410964" cy="307777"/>
           </a:xfrm>
           <a:prstGeom prst="rect">
             <a:avLst/>
@@ -7476,15 +7525,19 @@
           <a:lstStyle/>
           <a:p>
             <a:r>
-              <a:rPr lang="en-US" sz="1200" dirty="0">
+              <a:rPr lang="en-US" dirty="0">
                 <a:solidFill>
                   <a:srgbClr val="FFC000"/>
                 </a:solidFill>
-                <a:latin typeface="American Typewriter" panose="02090604020004020304" pitchFamily="18" charset="77"/>
+                <a:latin typeface="Calibri" panose="020F0502020204030204" pitchFamily="34" charset="0"/>
+                <a:cs typeface="Calibri" panose="020F0502020204030204" pitchFamily="34" charset="0"/>
               </a:rPr>
               <a:t>Scrum Master</a:t>
             </a:r>
-            <a:endParaRPr lang="en-US" sz="1200" dirty="0"/>
+            <a:endParaRPr lang="en-US" dirty="0">
+              <a:latin typeface="Calibri" panose="020F0502020204030204" pitchFamily="34" charset="0"/>
+              <a:cs typeface="Calibri" panose="020F0502020204030204" pitchFamily="34" charset="0"/>
+            </a:endParaRPr>
           </a:p>
         </p:txBody>
       </p:sp>
@@ -7503,7 +7556,7 @@
         <p:spPr>
           <a:xfrm>
             <a:off x="2509153" y="2372309"/>
-            <a:ext cx="1468672" cy="276999"/>
+            <a:ext cx="1468672" cy="307777"/>
           </a:xfrm>
           <a:prstGeom prst="rect">
             <a:avLst/>
@@ -7516,15 +7569,19 @@
           <a:lstStyle/>
           <a:p>
             <a:r>
-              <a:rPr lang="en-US" sz="1200" dirty="0">
+              <a:rPr lang="en-US" dirty="0">
                 <a:solidFill>
                   <a:srgbClr val="FFC000"/>
                 </a:solidFill>
-                <a:latin typeface="American Typewriter" panose="02090604020004020304" pitchFamily="18" charset="77"/>
+                <a:latin typeface="Calibri" panose="020F0502020204030204" pitchFamily="34" charset="0"/>
+                <a:cs typeface="Calibri" panose="020F0502020204030204" pitchFamily="34" charset="0"/>
               </a:rPr>
               <a:t>Product Owner</a:t>
             </a:r>
-            <a:endParaRPr lang="en-US" sz="1200" dirty="0"/>
+            <a:endParaRPr lang="en-US" dirty="0">
+              <a:latin typeface="Calibri" panose="020F0502020204030204" pitchFamily="34" charset="0"/>
+              <a:cs typeface="Calibri" panose="020F0502020204030204" pitchFamily="34" charset="0"/>
+            </a:endParaRPr>
           </a:p>
         </p:txBody>
       </p:sp>
@@ -7543,7 +7600,7 @@
         <p:spPr>
           <a:xfrm>
             <a:off x="2509153" y="2880405"/>
-            <a:ext cx="1056700" cy="276999"/>
+            <a:ext cx="1056700" cy="307777"/>
           </a:xfrm>
           <a:prstGeom prst="rect">
             <a:avLst/>
@@ -7556,15 +7613,19 @@
           <a:lstStyle/>
           <a:p>
             <a:r>
-              <a:rPr lang="en-US" sz="1200" dirty="0">
+              <a:rPr lang="en-US" dirty="0">
                 <a:solidFill>
                   <a:srgbClr val="FFC000"/>
                 </a:solidFill>
-                <a:latin typeface="American Typewriter" panose="02090604020004020304" pitchFamily="18" charset="77"/>
+                <a:latin typeface="Calibri" panose="020F0502020204030204" pitchFamily="34" charset="0"/>
+                <a:cs typeface="Calibri" panose="020F0502020204030204" pitchFamily="34" charset="0"/>
               </a:rPr>
               <a:t>Developer</a:t>
             </a:r>
-            <a:endParaRPr lang="en-US" sz="1200" dirty="0"/>
+            <a:endParaRPr lang="en-US" dirty="0">
+              <a:latin typeface="Calibri" panose="020F0502020204030204" pitchFamily="34" charset="0"/>
+              <a:cs typeface="Calibri" panose="020F0502020204030204" pitchFamily="34" charset="0"/>
+            </a:endParaRPr>
           </a:p>
         </p:txBody>
       </p:sp>
@@ -7583,7 +7644,7 @@
         <p:spPr>
           <a:xfrm>
             <a:off x="2509153" y="3442642"/>
-            <a:ext cx="1056700" cy="276999"/>
+            <a:ext cx="1056700" cy="307777"/>
           </a:xfrm>
           <a:prstGeom prst="rect">
             <a:avLst/>
@@ -7596,15 +7657,19 @@
           <a:lstStyle/>
           <a:p>
             <a:r>
-              <a:rPr lang="en-US" sz="1200" dirty="0">
+              <a:rPr lang="en-US" dirty="0">
                 <a:solidFill>
                   <a:srgbClr val="FFC000"/>
                 </a:solidFill>
-                <a:latin typeface="American Typewriter" panose="02090604020004020304" pitchFamily="18" charset="77"/>
+                <a:latin typeface="Calibri" panose="020F0502020204030204" pitchFamily="34" charset="0"/>
+                <a:cs typeface="Calibri" panose="020F0502020204030204" pitchFamily="34" charset="0"/>
               </a:rPr>
               <a:t>Developer</a:t>
             </a:r>
-            <a:endParaRPr lang="en-US" sz="1200" dirty="0"/>
+            <a:endParaRPr lang="en-US" dirty="0">
+              <a:latin typeface="Calibri" panose="020F0502020204030204" pitchFamily="34" charset="0"/>
+              <a:cs typeface="Calibri" panose="020F0502020204030204" pitchFamily="34" charset="0"/>
+            </a:endParaRPr>
           </a:p>
         </p:txBody>
       </p:sp>
@@ -7623,7 +7688,7 @@
         <p:spPr>
           <a:xfrm>
             <a:off x="2509153" y="4040616"/>
-            <a:ext cx="1056700" cy="276999"/>
+            <a:ext cx="1056700" cy="307777"/>
           </a:xfrm>
           <a:prstGeom prst="rect">
             <a:avLst/>
@@ -7636,15 +7701,19 @@
           <a:lstStyle/>
           <a:p>
             <a:r>
-              <a:rPr lang="en-US" sz="1200" dirty="0">
+              <a:rPr lang="en-US" dirty="0">
                 <a:solidFill>
                   <a:srgbClr val="FFC000"/>
                 </a:solidFill>
-                <a:latin typeface="American Typewriter" panose="02090604020004020304" pitchFamily="18" charset="77"/>
+                <a:latin typeface="Calibri" panose="020F0502020204030204" pitchFamily="34" charset="0"/>
+                <a:cs typeface="Calibri" panose="020F0502020204030204" pitchFamily="34" charset="0"/>
               </a:rPr>
               <a:t>Developer</a:t>
             </a:r>
-            <a:endParaRPr lang="en-US" sz="1200" dirty="0"/>
+            <a:endParaRPr lang="en-US" dirty="0">
+              <a:latin typeface="Calibri" panose="020F0502020204030204" pitchFamily="34" charset="0"/>
+              <a:cs typeface="Calibri" panose="020F0502020204030204" pitchFamily="34" charset="0"/>
+            </a:endParaRPr>
           </a:p>
         </p:txBody>
       </p:sp>
@@ -7662,8 +7731,8 @@
         </p:nvSpPr>
         <p:spPr>
           <a:xfrm>
-            <a:off x="5362775" y="1855444"/>
-            <a:ext cx="3897946" cy="461665"/>
+            <a:off x="4830630" y="1822681"/>
+            <a:ext cx="3897946" cy="492443"/>
           </a:xfrm>
           <a:prstGeom prst="rect">
             <a:avLst/>
@@ -7676,31 +7745,34 @@
           <a:lstStyle/>
           <a:p>
             <a:r>
-              <a:rPr lang="en-US" sz="1200" dirty="0">
+              <a:rPr lang="en-US" dirty="0">
                 <a:solidFill>
                   <a:srgbClr val="272364"/>
                 </a:solidFill>
-                <a:latin typeface="American Typewriter" panose="02090604020004020304" pitchFamily="18" charset="77"/>
+                <a:latin typeface="Calibri" panose="020F0502020204030204" pitchFamily="34" charset="0"/>
+                <a:cs typeface="Calibri" panose="020F0502020204030204" pitchFamily="34" charset="0"/>
               </a:rPr>
               <a:t>William </a:t>
             </a:r>
             <a:r>
-              <a:rPr lang="en-US" sz="1200" dirty="0">
+              <a:rPr lang="en-US" dirty="0">
                 <a:solidFill>
                   <a:srgbClr val="F3768E"/>
                 </a:solidFill>
-                <a:latin typeface="American Typewriter" panose="02090604020004020304" pitchFamily="18" charset="77"/>
+                <a:latin typeface="Calibri" panose="020F0502020204030204" pitchFamily="34" charset="0"/>
+                <a:cs typeface="Calibri" panose="020F0502020204030204" pitchFamily="34" charset="0"/>
               </a:rPr>
               <a:t>Calhoun</a:t>
             </a:r>
           </a:p>
           <a:p>
             <a:r>
-              <a:rPr lang="en-US" sz="1100" dirty="0">
+              <a:rPr lang="en-US" sz="1200" dirty="0">
                 <a:solidFill>
                   <a:srgbClr val="8CC63F"/>
                 </a:solidFill>
-                <a:latin typeface="American Typewriter" panose="02090604020004020304" pitchFamily="18" charset="77"/>
+                <a:latin typeface="Calibri" panose="020F0502020204030204" pitchFamily="34" charset="0"/>
+                <a:cs typeface="Calibri" panose="020F0502020204030204" pitchFamily="34" charset="0"/>
               </a:rPr>
               <a:t>Executive Director - Software Engineering</a:t>
             </a:r>
@@ -7721,7 +7793,7 @@
         </p:nvSpPr>
         <p:spPr>
           <a:xfrm>
-            <a:off x="5692644" y="1171998"/>
+            <a:off x="5160499" y="1171998"/>
             <a:ext cx="2603598" cy="400110"/>
           </a:xfrm>
           <a:prstGeom prst="rect">
@@ -7740,13 +7812,15 @@
                 <a:solidFill>
                   <a:srgbClr val="272364"/>
                 </a:solidFill>
-                <a:latin typeface="American Typewriter" panose="02090604020004020304" pitchFamily="18" charset="77"/>
+                <a:latin typeface="Calibri" panose="020F0502020204030204" pitchFamily="34" charset="0"/>
+                <a:cs typeface="Calibri" panose="020F0502020204030204" pitchFamily="34" charset="0"/>
               </a:rPr>
               <a:t>Industry</a:t>
             </a:r>
             <a:r>
               <a:rPr lang="en-US" sz="2000" dirty="0">
-                <a:latin typeface="American Typewriter" panose="02090604020004020304" pitchFamily="18" charset="77"/>
+                <a:latin typeface="Calibri" panose="020F0502020204030204" pitchFamily="34" charset="0"/>
+                <a:cs typeface="Calibri" panose="020F0502020204030204" pitchFamily="34" charset="0"/>
               </a:rPr>
               <a:t> </a:t>
             </a:r>
@@ -7755,7 +7829,8 @@
                 <a:solidFill>
                   <a:srgbClr val="F3768E"/>
                 </a:solidFill>
-                <a:latin typeface="American Typewriter" panose="02090604020004020304" pitchFamily="18" charset="77"/>
+                <a:latin typeface="Calibri" panose="020F0502020204030204" pitchFamily="34" charset="0"/>
+                <a:cs typeface="Calibri" panose="020F0502020204030204" pitchFamily="34" charset="0"/>
               </a:rPr>
               <a:t>Mentor(s)</a:t>
             </a:r>
@@ -7776,8 +7851,8 @@
         </p:nvSpPr>
         <p:spPr>
           <a:xfrm>
-            <a:off x="7276627" y="1863836"/>
-            <a:ext cx="1008609" cy="276999"/>
+            <a:off x="6462298" y="1841319"/>
+            <a:ext cx="950901" cy="307777"/>
           </a:xfrm>
           <a:prstGeom prst="rect">
             <a:avLst/>
@@ -7790,15 +7865,19 @@
           <a:lstStyle/>
           <a:p>
             <a:r>
-              <a:rPr lang="en-US" sz="1200" dirty="0">
+              <a:rPr lang="en-US" dirty="0">
                 <a:solidFill>
                   <a:srgbClr val="FFC000"/>
                 </a:solidFill>
-                <a:latin typeface="American Typewriter" panose="02090604020004020304" pitchFamily="18" charset="77"/>
+                <a:latin typeface="Calibri" panose="020F0502020204030204" pitchFamily="34" charset="0"/>
+                <a:cs typeface="Calibri" panose="020F0502020204030204" pitchFamily="34" charset="0"/>
               </a:rPr>
               <a:t>IHS Markit</a:t>
             </a:r>
-            <a:endParaRPr lang="en-US" sz="1200" dirty="0"/>
+            <a:endParaRPr lang="en-US" dirty="0">
+              <a:latin typeface="Calibri" panose="020F0502020204030204" pitchFamily="34" charset="0"/>
+              <a:cs typeface="Calibri" panose="020F0502020204030204" pitchFamily="34" charset="0"/>
+            </a:endParaRPr>
           </a:p>
         </p:txBody>
       </p:sp>
@@ -7816,7 +7895,7 @@
         </p:nvSpPr>
         <p:spPr>
           <a:xfrm>
-            <a:off x="6448628" y="3350309"/>
+            <a:off x="5916483" y="3317546"/>
             <a:ext cx="1693886" cy="400110"/>
           </a:xfrm>
           <a:prstGeom prst="rect">
@@ -7835,7 +7914,8 @@
                 <a:solidFill>
                   <a:srgbClr val="272364"/>
                 </a:solidFill>
-                <a:latin typeface="American Typewriter" panose="02090604020004020304" pitchFamily="18" charset="77"/>
+                <a:latin typeface="Calibri" panose="020F0502020204030204" pitchFamily="34" charset="0"/>
+                <a:cs typeface="Calibri" panose="020F0502020204030204" pitchFamily="34" charset="0"/>
               </a:rPr>
               <a:t>Instructor</a:t>
             </a:r>
@@ -7843,7 +7923,8 @@
               <a:solidFill>
                 <a:srgbClr val="F3768E"/>
               </a:solidFill>
-              <a:latin typeface="American Typewriter" panose="02090604020004020304" pitchFamily="18" charset="77"/>
+              <a:latin typeface="Calibri" panose="020F0502020204030204" pitchFamily="34" charset="0"/>
+              <a:cs typeface="Calibri" panose="020F0502020204030204" pitchFamily="34" charset="0"/>
             </a:endParaRPr>
           </a:p>
         </p:txBody>
@@ -7862,8 +7943,8 @@
         </p:nvSpPr>
         <p:spPr>
           <a:xfrm>
-            <a:off x="5362775" y="3900668"/>
-            <a:ext cx="1255740" cy="276999"/>
+            <a:off x="4830630" y="3867905"/>
+            <a:ext cx="1255740" cy="307777"/>
           </a:xfrm>
           <a:prstGeom prst="rect">
             <a:avLst/>
@@ -7876,20 +7957,22 @@
           <a:lstStyle/>
           <a:p>
             <a:r>
-              <a:rPr lang="en-US" sz="1200" dirty="0">
+              <a:rPr lang="en-US" dirty="0">
                 <a:solidFill>
                   <a:srgbClr val="272364"/>
                 </a:solidFill>
-                <a:latin typeface="American Typewriter" panose="02090604020004020304" pitchFamily="18" charset="77"/>
+                <a:latin typeface="Calibri" panose="020F0502020204030204" pitchFamily="34" charset="0"/>
+                <a:cs typeface="Calibri" panose="020F0502020204030204" pitchFamily="34" charset="0"/>
               </a:rPr>
               <a:t>Susan </a:t>
             </a:r>
             <a:r>
-              <a:rPr lang="en-US" sz="1200" dirty="0">
+              <a:rPr lang="en-US" dirty="0">
                 <a:solidFill>
                   <a:srgbClr val="F3768E"/>
                 </a:solidFill>
-                <a:latin typeface="American Typewriter" panose="02090604020004020304" pitchFamily="18" charset="77"/>
+                <a:latin typeface="Calibri" panose="020F0502020204030204" pitchFamily="34" charset="0"/>
+                <a:cs typeface="Calibri" panose="020F0502020204030204" pitchFamily="34" charset="0"/>
               </a:rPr>
               <a:t>Rizzo</a:t>
             </a:r>
@@ -7941,7 +8024,7 @@
         <p:spPr>
           <a:xfrm>
             <a:off x="1253911" y="195451"/>
-            <a:ext cx="1938351" cy="253916"/>
+            <a:ext cx="1863011" cy="253916"/>
           </a:xfrm>
           <a:prstGeom prst="rect">
             <a:avLst/>
@@ -7955,18 +8038,11 @@
           <a:lstStyle/>
           <a:p>
             <a:r>
-              <a:rPr lang="en-US" sz="1050" dirty="0"/>
-              <a:t>http://</a:t>
-            </a:r>
-            <a:r>
               <a:rPr lang="en-US" sz="1050" dirty="0">
-                <a:latin typeface="Avenir Roman" panose="02000503020000020003" pitchFamily="2" charset="0"/>
+                <a:latin typeface="Calibri" panose="020F0502020204030204" pitchFamily="34" charset="0"/>
+                <a:cs typeface="Calibri" panose="020F0502020204030204" pitchFamily="34" charset="0"/>
               </a:rPr>
-              <a:t>127.0.0.1:8000</a:t>
-            </a:r>
-            <a:r>
-              <a:rPr lang="en-US" sz="1050" dirty="0"/>
-              <a:t>/aboutus</a:t>
+              <a:t>http://127.0.0.1:8000/aboutus</a:t>
             </a:r>
           </a:p>
         </p:txBody>
@@ -7985,8 +8061,8 @@
         </p:nvSpPr>
         <p:spPr>
           <a:xfrm>
-            <a:off x="6392833" y="3923751"/>
-            <a:ext cx="2481770" cy="253916"/>
+            <a:off x="5951170" y="3867905"/>
+            <a:ext cx="2799164" cy="307777"/>
           </a:xfrm>
           <a:prstGeom prst="rect">
             <a:avLst/>
@@ -7999,15 +8075,19 @@
           <a:lstStyle/>
           <a:p>
             <a:r>
-              <a:rPr lang="en-US" sz="1050" dirty="0">
+              <a:rPr lang="en-US" dirty="0">
                 <a:solidFill>
                   <a:srgbClr val="FFC000"/>
                 </a:solidFill>
-                <a:latin typeface="American Typewriter" panose="02090604020004020304" pitchFamily="18" charset="77"/>
+                <a:latin typeface="Calibri" panose="020F0502020204030204" pitchFamily="34" charset="0"/>
+                <a:cs typeface="Calibri" panose="020F0502020204030204" pitchFamily="34" charset="0"/>
               </a:rPr>
               <a:t>Wake Technical Community College</a:t>
             </a:r>
-            <a:endParaRPr lang="en-US" sz="1050" dirty="0"/>
+            <a:endParaRPr lang="en-US" dirty="0">
+              <a:latin typeface="Calibri" panose="020F0502020204030204" pitchFamily="34" charset="0"/>
+              <a:cs typeface="Calibri" panose="020F0502020204030204" pitchFamily="34" charset="0"/>
+            </a:endParaRPr>
           </a:p>
         </p:txBody>
       </p:sp>
@@ -8025,8 +8105,8 @@
         </p:nvSpPr>
         <p:spPr>
           <a:xfrm>
-            <a:off x="5362775" y="2562026"/>
-            <a:ext cx="3897946" cy="461665"/>
+            <a:off x="4830630" y="2529263"/>
+            <a:ext cx="3897946" cy="492443"/>
           </a:xfrm>
           <a:prstGeom prst="rect">
             <a:avLst/>
@@ -8039,31 +8119,34 @@
           <a:lstStyle/>
           <a:p>
             <a:r>
-              <a:rPr lang="en-US" sz="1200" dirty="0">
+              <a:rPr lang="en-US" dirty="0">
                 <a:solidFill>
                   <a:srgbClr val="272364"/>
                 </a:solidFill>
-                <a:latin typeface="American Typewriter" panose="02090604020004020304" pitchFamily="18" charset="77"/>
+                <a:latin typeface="Calibri" panose="020F0502020204030204" pitchFamily="34" charset="0"/>
+                <a:cs typeface="Calibri" panose="020F0502020204030204" pitchFamily="34" charset="0"/>
               </a:rPr>
               <a:t>Mike </a:t>
             </a:r>
             <a:r>
-              <a:rPr lang="en-US" sz="1200" dirty="0">
+              <a:rPr lang="en-US" dirty="0">
                 <a:solidFill>
                   <a:srgbClr val="F3768E"/>
                 </a:solidFill>
-                <a:latin typeface="American Typewriter" panose="02090604020004020304" pitchFamily="18" charset="77"/>
+                <a:latin typeface="Calibri" panose="020F0502020204030204" pitchFamily="34" charset="0"/>
+                <a:cs typeface="Calibri" panose="020F0502020204030204" pitchFamily="34" charset="0"/>
               </a:rPr>
               <a:t>Fitzpatrick</a:t>
             </a:r>
           </a:p>
           <a:p>
             <a:r>
-              <a:rPr lang="en-US" sz="1100" dirty="0">
+              <a:rPr lang="en-US" sz="1200" dirty="0">
                 <a:solidFill>
                   <a:srgbClr val="8CC63F"/>
                 </a:solidFill>
-                <a:latin typeface="American Typewriter" panose="02090604020004020304" pitchFamily="18" charset="77"/>
+                <a:latin typeface="Calibri" panose="020F0502020204030204" pitchFamily="34" charset="0"/>
+                <a:cs typeface="Calibri" panose="020F0502020204030204" pitchFamily="34" charset="0"/>
               </a:rPr>
               <a:t>Software Developer</a:t>
             </a:r>
@@ -8084,7 +8167,7 @@
         </p:nvSpPr>
         <p:spPr>
           <a:xfrm>
-            <a:off x="5346137" y="4128822"/>
+            <a:off x="4813992" y="4128822"/>
             <a:ext cx="3436431" cy="261610"/>
           </a:xfrm>
           <a:prstGeom prst="rect">
@@ -8103,7 +8186,8 @@
                 <a:solidFill>
                   <a:srgbClr val="8CC63F"/>
                 </a:solidFill>
-                <a:latin typeface="American Typewriter" panose="02090604020004020304" pitchFamily="18" charset="77"/>
+                <a:latin typeface="Calibri" panose="020F0502020204030204" pitchFamily="34" charset="0"/>
+                <a:cs typeface="Calibri" panose="020F0502020204030204" pitchFamily="34" charset="0"/>
               </a:rPr>
               <a:t>Computer Programming &amp; Information Sciences</a:t>
             </a:r>
@@ -8124,8 +8208,8 @@
         </p:nvSpPr>
         <p:spPr>
           <a:xfrm>
-            <a:off x="7276627" y="2580809"/>
-            <a:ext cx="1008609" cy="276999"/>
+            <a:off x="6399851" y="2525335"/>
+            <a:ext cx="950901" cy="307777"/>
           </a:xfrm>
           <a:prstGeom prst="rect">
             <a:avLst/>
@@ -8138,15 +8222,19 @@
           <a:lstStyle/>
           <a:p>
             <a:r>
-              <a:rPr lang="en-US" sz="1200" dirty="0">
+              <a:rPr lang="en-US" dirty="0">
                 <a:solidFill>
                   <a:srgbClr val="FFC000"/>
                 </a:solidFill>
-                <a:latin typeface="American Typewriter" panose="02090604020004020304" pitchFamily="18" charset="77"/>
+                <a:latin typeface="Calibri" panose="020F0502020204030204" pitchFamily="34" charset="0"/>
+                <a:cs typeface="Calibri" panose="020F0502020204030204" pitchFamily="34" charset="0"/>
               </a:rPr>
               <a:t>IHS Markit</a:t>
             </a:r>
-            <a:endParaRPr lang="en-US" sz="1200" dirty="0"/>
+            <a:endParaRPr lang="en-US" dirty="0">
+              <a:latin typeface="Calibri" panose="020F0502020204030204" pitchFamily="34" charset="0"/>
+              <a:cs typeface="Calibri" panose="020F0502020204030204" pitchFamily="34" charset="0"/>
+            </a:endParaRPr>
           </a:p>
         </p:txBody>
       </p:sp>
@@ -10168,7 +10256,8 @@
                 <a:solidFill>
                   <a:srgbClr val="272364"/>
                 </a:solidFill>
-                <a:latin typeface="Avenir Roman" panose="02000503020000020003" pitchFamily="2" charset="0"/>
+                <a:latin typeface="Calibri" panose="020F0502020204030204" pitchFamily="34" charset="0"/>
+                <a:cs typeface="Calibri" panose="020F0502020204030204" pitchFamily="34" charset="0"/>
                 <a:hlinkClick r:id="rId3" action="ppaction://hlinksldjump"/>
               </a:rPr>
               <a:t>Home</a:t>
@@ -10177,7 +10266,8 @@
               <a:solidFill>
                 <a:srgbClr val="272364"/>
               </a:solidFill>
-              <a:latin typeface="Avenir Roman" panose="02000503020000020003" pitchFamily="2" charset="0"/>
+              <a:latin typeface="Calibri" panose="020F0502020204030204" pitchFamily="34" charset="0"/>
+              <a:cs typeface="Calibri" panose="020F0502020204030204" pitchFamily="34" charset="0"/>
             </a:endParaRPr>
           </a:p>
         </p:txBody>
@@ -10497,7 +10587,8 @@
                 <a:solidFill>
                   <a:srgbClr val="272364"/>
                 </a:solidFill>
-                <a:latin typeface="Avenir Roman" panose="02000503020000020003" pitchFamily="2" charset="0"/>
+                <a:latin typeface="Calibri" panose="020F0502020204030204" pitchFamily="34" charset="0"/>
+                <a:cs typeface="Calibri" panose="020F0502020204030204" pitchFamily="34" charset="0"/>
               </a:rPr>
               <a:t>Dashboard</a:t>
             </a:r>
@@ -10788,7 +10879,8 @@
                 <a:solidFill>
                   <a:srgbClr val="272364"/>
                 </a:solidFill>
-                <a:latin typeface="Avenir Roman" panose="02000503020000020003" pitchFamily="2" charset="0"/>
+                <a:latin typeface="Calibri" panose="020F0502020204030204" pitchFamily="34" charset="0"/>
+                <a:cs typeface="Calibri" panose="020F0502020204030204" pitchFamily="34" charset="0"/>
                 <a:hlinkClick r:id="rId5" action="ppaction://hlinksldjump"/>
               </a:rPr>
               <a:t>About us</a:t>
@@ -10797,7 +10889,8 @@
               <a:solidFill>
                 <a:srgbClr val="272364"/>
               </a:solidFill>
-              <a:latin typeface="Avenir Roman" panose="02000503020000020003" pitchFamily="2" charset="0"/>
+              <a:latin typeface="Calibri" panose="020F0502020204030204" pitchFamily="34" charset="0"/>
+              <a:cs typeface="Calibri" panose="020F0502020204030204" pitchFamily="34" charset="0"/>
             </a:endParaRPr>
           </a:p>
         </p:txBody>
@@ -11086,7 +11179,8 @@
                 <a:solidFill>
                   <a:srgbClr val="272364"/>
                 </a:solidFill>
-                <a:latin typeface="Avenir Roman" panose="02000503020000020003" pitchFamily="2" charset="0"/>
+                <a:latin typeface="Calibri" panose="020F0502020204030204" pitchFamily="34" charset="0"/>
+                <a:cs typeface="Calibri" panose="020F0502020204030204" pitchFamily="34" charset="0"/>
                 <a:hlinkClick r:id="rId6" action="ppaction://hlinksldjump"/>
               </a:rPr>
               <a:t>Login</a:t>
@@ -11095,7 +11189,8 @@
               <a:solidFill>
                 <a:srgbClr val="272364"/>
               </a:solidFill>
-              <a:latin typeface="Avenir Roman" panose="02000503020000020003" pitchFamily="2" charset="0"/>
+              <a:latin typeface="Calibri" panose="020F0502020204030204" pitchFamily="34" charset="0"/>
+              <a:cs typeface="Calibri" panose="020F0502020204030204" pitchFamily="34" charset="0"/>
             </a:endParaRPr>
           </a:p>
         </p:txBody>
@@ -11384,7 +11479,8 @@
                 <a:solidFill>
                   <a:srgbClr val="F3768E"/>
                 </a:solidFill>
-                <a:latin typeface="Avenir Roman" panose="02000503020000020003" pitchFamily="2" charset="0"/>
+                <a:latin typeface="Calibri" panose="020F0502020204030204" pitchFamily="34" charset="0"/>
+                <a:cs typeface="Calibri" panose="020F0502020204030204" pitchFamily="34" charset="0"/>
               </a:rPr>
               <a:t>Getting started</a:t>
             </a:r>
@@ -11436,7 +11532,7 @@
         <p:spPr>
           <a:xfrm>
             <a:off x="1253911" y="195451"/>
-            <a:ext cx="1938351" cy="253916"/>
+            <a:ext cx="1863011" cy="253916"/>
           </a:xfrm>
           <a:prstGeom prst="rect">
             <a:avLst/>
@@ -11450,18 +11546,11 @@
           <a:lstStyle/>
           <a:p>
             <a:r>
-              <a:rPr lang="en-US" sz="1050" dirty="0"/>
-              <a:t>http://</a:t>
-            </a:r>
-            <a:r>
               <a:rPr lang="en-US" sz="1050" dirty="0">
-                <a:latin typeface="Avenir Roman" panose="02000503020000020003" pitchFamily="2" charset="0"/>
+                <a:latin typeface="Calibri" panose="020F0502020204030204" pitchFamily="34" charset="0"/>
+                <a:cs typeface="Calibri" panose="020F0502020204030204" pitchFamily="34" charset="0"/>
               </a:rPr>
-              <a:t>127.0.0.1:8000</a:t>
-            </a:r>
-            <a:r>
-              <a:rPr lang="en-US" sz="1050" dirty="0"/>
-              <a:t>/aboutus</a:t>
+              <a:t>http://127.0.0.1:8000/aboutus</a:t>
             </a:r>
           </a:p>
         </p:txBody>
@@ -11481,7 +11570,7 @@
         <p:spPr>
           <a:xfrm>
             <a:off x="3192262" y="1374040"/>
-            <a:ext cx="2313454" cy="369332"/>
+            <a:ext cx="2178802" cy="400110"/>
           </a:xfrm>
           <a:prstGeom prst="rect">
             <a:avLst/>
@@ -11495,26 +11584,29 @@
           <a:lstStyle/>
           <a:p>
             <a:r>
-              <a:rPr lang="en-US" sz="1800" dirty="0">
+              <a:rPr lang="en-US" sz="2000" dirty="0">
                 <a:solidFill>
                   <a:srgbClr val="272364"/>
                 </a:solidFill>
-                <a:latin typeface="American Typewriter" panose="02090604020004020304" pitchFamily="18" charset="77"/>
+                <a:latin typeface="Calibri" panose="020F0502020204030204" pitchFamily="34" charset="0"/>
+                <a:cs typeface="Calibri" panose="020F0502020204030204" pitchFamily="34" charset="0"/>
               </a:rPr>
               <a:t>Project</a:t>
             </a:r>
             <a:r>
-              <a:rPr lang="en-US" sz="1800" dirty="0">
-                <a:latin typeface="American Typewriter" panose="02090604020004020304" pitchFamily="18" charset="77"/>
+              <a:rPr lang="en-US" sz="2000" dirty="0">
+                <a:latin typeface="Calibri" panose="020F0502020204030204" pitchFamily="34" charset="0"/>
+                <a:cs typeface="Calibri" panose="020F0502020204030204" pitchFamily="34" charset="0"/>
               </a:rPr>
               <a:t> </a:t>
             </a:r>
             <a:r>
-              <a:rPr lang="en-US" sz="1800" dirty="0">
+              <a:rPr lang="en-US" sz="2000" dirty="0">
                 <a:solidFill>
                   <a:srgbClr val="F3768E"/>
                 </a:solidFill>
-                <a:latin typeface="American Typewriter" panose="02090604020004020304" pitchFamily="18" charset="77"/>
+                <a:latin typeface="Calibri" panose="020F0502020204030204" pitchFamily="34" charset="0"/>
+                <a:cs typeface="Calibri" panose="020F0502020204030204" pitchFamily="34" charset="0"/>
               </a:rPr>
               <a:t>Description</a:t>
             </a:r>
@@ -11536,7 +11628,7 @@
         <p:spPr>
           <a:xfrm>
             <a:off x="496845" y="2023900"/>
-            <a:ext cx="4583746" cy="2002087"/>
+            <a:ext cx="4583746" cy="2321085"/>
           </a:xfrm>
           <a:prstGeom prst="rect">
             <a:avLst/>
@@ -11555,29 +11647,32 @@
               </a:lnSpc>
             </a:pPr>
             <a:r>
-              <a:rPr lang="en-US" sz="1200" dirty="0">
+              <a:rPr lang="en-US" dirty="0">
                 <a:solidFill>
                   <a:srgbClr val="272364"/>
                 </a:solidFill>
-                <a:latin typeface="American Typewriter" panose="02090604020004020304" pitchFamily="18" charset="77"/>
+                <a:latin typeface="Calibri" panose="020F0502020204030204" pitchFamily="34" charset="0"/>
+                <a:cs typeface="Calibri" panose="020F0502020204030204" pitchFamily="34" charset="0"/>
               </a:rPr>
               <a:t>Team 6 will be creating Gluco</a:t>
             </a:r>
             <a:r>
-              <a:rPr lang="en-US" sz="1200" dirty="0">
+              <a:rPr lang="en-US" dirty="0">
                 <a:solidFill>
                   <a:srgbClr val="8CC63F"/>
                 </a:solidFill>
-                <a:latin typeface="American Typewriter" panose="02090604020004020304" pitchFamily="18" charset="77"/>
+                <a:latin typeface="Calibri" panose="020F0502020204030204" pitchFamily="34" charset="0"/>
+                <a:cs typeface="Calibri" panose="020F0502020204030204" pitchFamily="34" charset="0"/>
               </a:rPr>
               <a:t>Check</a:t>
             </a:r>
             <a:r>
-              <a:rPr lang="en-US" sz="1200" dirty="0">
+              <a:rPr lang="en-US" dirty="0">
                 <a:solidFill>
                   <a:srgbClr val="272364"/>
                 </a:solidFill>
-                <a:latin typeface="American Typewriter" panose="02090604020004020304" pitchFamily="18" charset="77"/>
+                <a:latin typeface="Calibri" panose="020F0502020204030204" pitchFamily="34" charset="0"/>
+                <a:cs typeface="Calibri" panose="020F0502020204030204" pitchFamily="34" charset="0"/>
               </a:rPr>
               <a:t>, a program to track glucose and insulin levels.</a:t>
             </a:r>
@@ -11589,11 +11684,12 @@
               </a:lnSpc>
             </a:pPr>
             <a:r>
-              <a:rPr lang="en-US" sz="1200" dirty="0">
+              <a:rPr lang="en-US" dirty="0">
                 <a:solidFill>
                   <a:srgbClr val="272364"/>
                 </a:solidFill>
-                <a:latin typeface="American Typewriter" panose="02090604020004020304" pitchFamily="18" charset="77"/>
+                <a:latin typeface="Calibri" panose="020F0502020204030204" pitchFamily="34" charset="0"/>
+                <a:cs typeface="Calibri" panose="020F0502020204030204" pitchFamily="34" charset="0"/>
               </a:rPr>
               <a:t>This program will offer a secure, web-based, DB-backed UI for users to create an account,</a:t>
             </a:r>
@@ -11605,11 +11701,12 @@
               </a:lnSpc>
             </a:pPr>
             <a:r>
-              <a:rPr lang="en-US" sz="1200" dirty="0">
+              <a:rPr lang="en-US" dirty="0">
                 <a:solidFill>
                   <a:srgbClr val="272364"/>
                 </a:solidFill>
-                <a:latin typeface="American Typewriter" panose="02090604020004020304" pitchFamily="18" charset="77"/>
+                <a:latin typeface="Calibri" panose="020F0502020204030204" pitchFamily="34" charset="0"/>
+                <a:cs typeface="Calibri" panose="020F0502020204030204" pitchFamily="34" charset="0"/>
               </a:rPr>
               <a:t>log in, and input health data. Users will be able to visualize this data, as well as receive</a:t>
             </a:r>
@@ -11621,29 +11718,31 @@
               </a:lnSpc>
             </a:pPr>
             <a:r>
-              <a:rPr lang="en-US" sz="1200" dirty="0">
+              <a:rPr lang="en-US" dirty="0">
                 <a:solidFill>
                   <a:srgbClr val="272364"/>
                 </a:solidFill>
-                <a:latin typeface="American Typewriter" panose="02090604020004020304" pitchFamily="18" charset="77"/>
+                <a:latin typeface="Calibri" panose="020F0502020204030204" pitchFamily="34" charset="0"/>
+                <a:cs typeface="Calibri" panose="020F0502020204030204" pitchFamily="34" charset="0"/>
               </a:rPr>
               <a:t>different dietary recommendations based upon it.</a:t>
             </a:r>
-            <a:endParaRPr lang="en-US" sz="1200" dirty="0">
+            <a:endParaRPr lang="en-US" dirty="0">
               <a:solidFill>
                 <a:srgbClr val="F3768E"/>
               </a:solidFill>
-              <a:latin typeface="American Typewriter" panose="02090604020004020304" pitchFamily="18" charset="77"/>
+              <a:latin typeface="Calibri" panose="020F0502020204030204" pitchFamily="34" charset="0"/>
+              <a:cs typeface="Calibri" panose="020F0502020204030204" pitchFamily="34" charset="0"/>
             </a:endParaRPr>
           </a:p>
         </p:txBody>
       </p:sp>
       <p:pic>
         <p:nvPicPr>
-          <p:cNvPr id="4" name="Picture 3">
+          <p:cNvPr id="6" name="Graphic 5">
             <a:extLst>
               <a:ext uri="{FF2B5EF4-FFF2-40B4-BE49-F238E27FC236}">
-                <a16:creationId xmlns:a16="http://schemas.microsoft.com/office/drawing/2014/main" id="{1F493EDD-A4D7-BD42-B60C-F6368AA2C967}"/>
+                <a16:creationId xmlns:a16="http://schemas.microsoft.com/office/drawing/2014/main" id="{11450E05-AE9B-4A06-BF5F-D5CA4E0AB273}"/>
               </a:ext>
             </a:extLst>
           </p:cNvPr>
@@ -11653,15 +11752,21 @@
           <p:nvPr/>
         </p:nvPicPr>
         <p:blipFill>
-          <a:blip r:embed="rId8"/>
+          <a:blip r:embed="rId8">
+            <a:extLst>
+              <a:ext uri="{96DAC541-7B7A-43D3-8B79-37D633B846F1}">
+                <asvg:svgBlip xmlns:asvg="http://schemas.microsoft.com/office/drawing/2016/SVG/main" r:embed="rId9"/>
+              </a:ext>
+            </a:extLst>
+          </a:blip>
           <a:stretch>
             <a:fillRect/>
           </a:stretch>
         </p:blipFill>
         <p:spPr>
           <a:xfrm>
-            <a:off x="5714660" y="1743372"/>
-            <a:ext cx="2681431" cy="2598286"/>
+            <a:off x="5514045" y="1624398"/>
+            <a:ext cx="2899145" cy="2899145"/>
           </a:xfrm>
           <a:prstGeom prst="rect">
             <a:avLst/>
@@ -11750,7 +11855,8 @@
                 <a:solidFill>
                   <a:srgbClr val="272364"/>
                 </a:solidFill>
-                <a:latin typeface="Avenir Roman" panose="02000503020000020003" pitchFamily="2" charset="0"/>
+                <a:latin typeface="Calibri" panose="020F0502020204030204" pitchFamily="34" charset="0"/>
+                <a:cs typeface="Calibri" panose="020F0502020204030204" pitchFamily="34" charset="0"/>
               </a:rPr>
               <a:t>Home</a:t>
             </a:r>
@@ -11758,7 +11864,8 @@
               <a:solidFill>
                 <a:srgbClr val="272364"/>
               </a:solidFill>
-              <a:latin typeface="Avenir Roman" panose="02000503020000020003" pitchFamily="2" charset="0"/>
+              <a:latin typeface="Calibri" panose="020F0502020204030204" pitchFamily="34" charset="0"/>
+              <a:cs typeface="Calibri" panose="020F0502020204030204" pitchFamily="34" charset="0"/>
             </a:endParaRPr>
           </a:p>
         </p:txBody>
@@ -12077,7 +12184,8 @@
                 <a:solidFill>
                   <a:srgbClr val="272364"/>
                 </a:solidFill>
-                <a:latin typeface="Avenir Roman" panose="02000503020000020003" pitchFamily="2" charset="0"/>
+                <a:latin typeface="Calibri" panose="020F0502020204030204" pitchFamily="34" charset="0"/>
+                <a:cs typeface="Calibri" panose="020F0502020204030204" pitchFamily="34" charset="0"/>
               </a:rPr>
               <a:t>Dashboard</a:t>
             </a:r>
@@ -12368,7 +12476,8 @@
                 <a:solidFill>
                   <a:srgbClr val="272364"/>
                 </a:solidFill>
-                <a:latin typeface="Avenir Roman" panose="02000503020000020003" pitchFamily="2" charset="0"/>
+                <a:latin typeface="Calibri" panose="020F0502020204030204" pitchFamily="34" charset="0"/>
+                <a:cs typeface="Calibri" panose="020F0502020204030204" pitchFamily="34" charset="0"/>
               </a:rPr>
               <a:t>About us</a:t>
             </a:r>
@@ -12659,7 +12768,8 @@
                 <a:solidFill>
                   <a:srgbClr val="272364"/>
                 </a:solidFill>
-                <a:latin typeface="Avenir Roman" panose="02000503020000020003" pitchFamily="2" charset="0"/>
+                <a:latin typeface="Calibri" panose="020F0502020204030204" pitchFamily="34" charset="0"/>
+                <a:cs typeface="Calibri" panose="020F0502020204030204" pitchFamily="34" charset="0"/>
               </a:rPr>
               <a:t>Login</a:t>
             </a:r>
@@ -12950,7 +13060,8 @@
                 <a:solidFill>
                   <a:srgbClr val="F3768E"/>
                 </a:solidFill>
-                <a:latin typeface="Avenir Roman" panose="02000503020000020003" pitchFamily="2" charset="0"/>
+                <a:latin typeface="Calibri" panose="020F0502020204030204" pitchFamily="34" charset="0"/>
+                <a:cs typeface="Calibri" panose="020F0502020204030204" pitchFamily="34" charset="0"/>
               </a:rPr>
               <a:t>Getting started</a:t>
             </a:r>
@@ -13016,18 +13127,11 @@
           <a:lstStyle/>
           <a:p>
             <a:r>
-              <a:rPr lang="en-US" sz="1050" dirty="0"/>
-              <a:t>http://</a:t>
-            </a:r>
-            <a:r>
               <a:rPr lang="en-US" sz="1050" dirty="0">
-                <a:latin typeface="Avenir Roman" panose="02000503020000020003" pitchFamily="2" charset="0"/>
+                <a:latin typeface="Calibri" panose="020F0502020204030204" pitchFamily="34" charset="0"/>
+                <a:cs typeface="Calibri" panose="020F0502020204030204" pitchFamily="34" charset="0"/>
               </a:rPr>
-              <a:t>127.0.0.1:8000</a:t>
-            </a:r>
-            <a:r>
-              <a:rPr lang="en-US" sz="1050" dirty="0"/>
-              <a:t>/gettingstarted</a:t>
+              <a:t>http://127.0.0.1:8000/gettingstarted</a:t>
             </a:r>
           </a:p>
         </p:txBody>
@@ -13047,7 +13151,7 @@
         <p:spPr>
           <a:xfrm>
             <a:off x="361580" y="1450578"/>
-            <a:ext cx="4991026" cy="3662541"/>
+            <a:ext cx="4991026" cy="3693319"/>
           </a:xfrm>
           <a:prstGeom prst="rect">
             <a:avLst/>
@@ -13062,11 +13166,12 @@
           <a:p>
             <a:pPr fontAlgn="base"/>
             <a:r>
-              <a:rPr lang="en-US" dirty="0">
+              <a:rPr lang="en-US" sz="1300" dirty="0">
                 <a:solidFill>
                   <a:srgbClr val="272364"/>
                 </a:solidFill>
-                <a:latin typeface="American Typewriter" panose="02090604020004020304" pitchFamily="18" charset="77"/>
+                <a:latin typeface="Calibri" panose="020F0502020204030204" pitchFamily="34" charset="0"/>
+                <a:cs typeface="Calibri" panose="020F0502020204030204" pitchFamily="34" charset="0"/>
               </a:rPr>
               <a:t>​</a:t>
             </a:r>
@@ -13074,29 +13179,32 @@
           <a:p>
             <a:pPr fontAlgn="base"/>
             <a:r>
-              <a:rPr lang="en-US" sz="1200" b="1" dirty="0">
+              <a:rPr lang="en-US" sz="1300" b="1" dirty="0">
                 <a:solidFill>
                   <a:srgbClr val="423CAD"/>
                 </a:solidFill>
-                <a:latin typeface="American Typewriter" panose="02090604020004020304" pitchFamily="18" charset="77"/>
+                <a:latin typeface="Calibri" panose="020F0502020204030204" pitchFamily="34" charset="0"/>
+                <a:cs typeface="Calibri" panose="020F0502020204030204" pitchFamily="34" charset="0"/>
               </a:rPr>
               <a:t>For</a:t>
             </a:r>
             <a:r>
-              <a:rPr lang="en-US" sz="1200" b="1" dirty="0">
+              <a:rPr lang="en-US" sz="1300" b="1" dirty="0">
                 <a:solidFill>
                   <a:srgbClr val="272364"/>
                 </a:solidFill>
-                <a:latin typeface="American Typewriter" panose="02090604020004020304" pitchFamily="18" charset="77"/>
+                <a:latin typeface="Calibri" panose="020F0502020204030204" pitchFamily="34" charset="0"/>
+                <a:cs typeface="Calibri" panose="020F0502020204030204" pitchFamily="34" charset="0"/>
               </a:rPr>
               <a:t> </a:t>
             </a:r>
             <a:r>
-              <a:rPr lang="en-US" sz="1200" dirty="0">
+              <a:rPr lang="en-US" sz="1300" dirty="0">
                 <a:solidFill>
                   <a:srgbClr val="272364"/>
                 </a:solidFill>
-                <a:latin typeface="American Typewriter" panose="02090604020004020304" pitchFamily="18" charset="77"/>
+                <a:latin typeface="Calibri" panose="020F0502020204030204" pitchFamily="34" charset="0"/>
+                <a:cs typeface="Calibri" panose="020F0502020204030204" pitchFamily="34" charset="0"/>
               </a:rPr>
               <a:t>diabetics and their caregivers.​</a:t>
             </a:r>
@@ -13104,29 +13212,32 @@
           <a:p>
             <a:pPr fontAlgn="base"/>
             <a:r>
-              <a:rPr lang="en-US" sz="1200" b="1" dirty="0">
+              <a:rPr lang="en-US" sz="1300" b="1" dirty="0">
                 <a:solidFill>
                   <a:srgbClr val="423CAD"/>
                 </a:solidFill>
-                <a:latin typeface="American Typewriter" panose="02090604020004020304" pitchFamily="18" charset="77"/>
+                <a:latin typeface="Calibri" panose="020F0502020204030204" pitchFamily="34" charset="0"/>
+                <a:cs typeface="Calibri" panose="020F0502020204030204" pitchFamily="34" charset="0"/>
               </a:rPr>
               <a:t>Who</a:t>
             </a:r>
             <a:r>
-              <a:rPr lang="en-US" sz="1200" b="1" dirty="0">
+              <a:rPr lang="en-US" sz="1300" b="1" dirty="0">
                 <a:solidFill>
                   <a:srgbClr val="272364"/>
                 </a:solidFill>
-                <a:latin typeface="American Typewriter" panose="02090604020004020304" pitchFamily="18" charset="77"/>
+                <a:latin typeface="Calibri" panose="020F0502020204030204" pitchFamily="34" charset="0"/>
+                <a:cs typeface="Calibri" panose="020F0502020204030204" pitchFamily="34" charset="0"/>
               </a:rPr>
               <a:t> </a:t>
             </a:r>
             <a:r>
-              <a:rPr lang="en-US" sz="1200" dirty="0">
+              <a:rPr lang="en-US" sz="1300" dirty="0">
                 <a:solidFill>
                   <a:srgbClr val="272364"/>
                 </a:solidFill>
-                <a:latin typeface="American Typewriter" panose="02090604020004020304" pitchFamily="18" charset="77"/>
+                <a:latin typeface="Calibri" panose="020F0502020204030204" pitchFamily="34" charset="0"/>
+                <a:cs typeface="Calibri" panose="020F0502020204030204" pitchFamily="34" charset="0"/>
               </a:rPr>
               <a:t>need help monitoring, tracking, and managing blood sugar levels​</a:t>
             </a:r>
@@ -13134,11 +13245,12 @@
           <a:p>
             <a:pPr fontAlgn="base"/>
             <a:r>
-              <a:rPr lang="en-US" sz="1200" dirty="0">
+              <a:rPr lang="en-US" sz="1300" dirty="0">
                 <a:solidFill>
                   <a:srgbClr val="272364"/>
                 </a:solidFill>
-                <a:latin typeface="American Typewriter" panose="02090604020004020304" pitchFamily="18" charset="77"/>
+                <a:latin typeface="Calibri" panose="020F0502020204030204" pitchFamily="34" charset="0"/>
+                <a:cs typeface="Calibri" panose="020F0502020204030204" pitchFamily="34" charset="0"/>
               </a:rPr>
               <a:t>and stopping dietary glucose spikes.​</a:t>
             </a:r>
@@ -13146,47 +13258,52 @@
           <a:p>
             <a:pPr fontAlgn="base"/>
             <a:r>
-              <a:rPr lang="en-US" sz="1200" b="1" dirty="0">
+              <a:rPr lang="en-US" sz="1300" b="1" dirty="0">
                 <a:solidFill>
                   <a:srgbClr val="423CAD"/>
                 </a:solidFill>
-                <a:latin typeface="American Typewriter" panose="02090604020004020304" pitchFamily="18" charset="77"/>
+                <a:latin typeface="Calibri" panose="020F0502020204030204" pitchFamily="34" charset="0"/>
+                <a:cs typeface="Calibri" panose="020F0502020204030204" pitchFamily="34" charset="0"/>
               </a:rPr>
               <a:t>The</a:t>
             </a:r>
             <a:r>
-              <a:rPr lang="en-US" sz="1200" b="1" dirty="0">
+              <a:rPr lang="en-US" sz="1300" b="1" dirty="0">
                 <a:solidFill>
                   <a:srgbClr val="272364"/>
                 </a:solidFill>
-                <a:latin typeface="American Typewriter" panose="02090604020004020304" pitchFamily="18" charset="77"/>
+                <a:latin typeface="Calibri" panose="020F0502020204030204" pitchFamily="34" charset="0"/>
+                <a:cs typeface="Calibri" panose="020F0502020204030204" pitchFamily="34" charset="0"/>
               </a:rPr>
               <a:t> </a:t>
             </a:r>
             <a:r>
-              <a:rPr lang="en-US" sz="1200" dirty="0">
+              <a:rPr lang="en-US" sz="1300" dirty="0">
                 <a:solidFill>
                   <a:srgbClr val="272364"/>
                 </a:solidFill>
-                <a:latin typeface="American Typewriter" panose="02090604020004020304" pitchFamily="18" charset="77"/>
+                <a:latin typeface="Calibri" panose="020F0502020204030204" pitchFamily="34" charset="0"/>
+                <a:cs typeface="Calibri" panose="020F0502020204030204" pitchFamily="34" charset="0"/>
               </a:rPr>
               <a:t>program Gluco</a:t>
             </a:r>
             <a:r>
-              <a:rPr lang="en-US" sz="1200" dirty="0">
+              <a:rPr lang="en-US" sz="1300" dirty="0">
                 <a:solidFill>
                   <a:srgbClr val="8CC63F"/>
                 </a:solidFill>
-                <a:latin typeface="American Typewriter" panose="02090604020004020304" pitchFamily="18" charset="77"/>
+                <a:latin typeface="Calibri" panose="020F0502020204030204" pitchFamily="34" charset="0"/>
+                <a:cs typeface="Calibri" panose="020F0502020204030204" pitchFamily="34" charset="0"/>
               </a:rPr>
               <a:t>Check</a:t>
             </a:r>
             <a:r>
-              <a:rPr lang="en-US" sz="1200" dirty="0">
+              <a:rPr lang="en-US" sz="1300" dirty="0">
                 <a:solidFill>
                   <a:srgbClr val="272364"/>
                 </a:solidFill>
-                <a:latin typeface="American Typewriter" panose="02090604020004020304" pitchFamily="18" charset="77"/>
+                <a:latin typeface="Calibri" panose="020F0502020204030204" pitchFamily="34" charset="0"/>
+                <a:cs typeface="Calibri" panose="020F0502020204030204" pitchFamily="34" charset="0"/>
               </a:rPr>
               <a:t>.​</a:t>
             </a:r>
@@ -13194,20 +13311,22 @@
           <a:p>
             <a:pPr fontAlgn="base"/>
             <a:r>
-              <a:rPr lang="en-US" sz="1200" b="1" dirty="0">
+              <a:rPr lang="en-US" sz="1300" b="1" dirty="0">
                 <a:solidFill>
                   <a:srgbClr val="423CAD"/>
                 </a:solidFill>
-                <a:latin typeface="American Typewriter" panose="02090604020004020304" pitchFamily="18" charset="77"/>
+                <a:latin typeface="Calibri" panose="020F0502020204030204" pitchFamily="34" charset="0"/>
+                <a:cs typeface="Calibri" panose="020F0502020204030204" pitchFamily="34" charset="0"/>
               </a:rPr>
               <a:t>Is a</a:t>
             </a:r>
             <a:r>
-              <a:rPr lang="en-US" sz="1200" dirty="0">
+              <a:rPr lang="en-US" sz="1300" dirty="0">
                 <a:solidFill>
                   <a:srgbClr val="272364"/>
                 </a:solidFill>
-                <a:latin typeface="American Typewriter" panose="02090604020004020304" pitchFamily="18" charset="77"/>
+                <a:latin typeface="Calibri" panose="020F0502020204030204" pitchFamily="34" charset="0"/>
+                <a:cs typeface="Calibri" panose="020F0502020204030204" pitchFamily="34" charset="0"/>
               </a:rPr>
               <a:t> simple, easy to use and clear web-based personal logbook.​</a:t>
             </a:r>
@@ -13215,29 +13334,32 @@
           <a:p>
             <a:pPr fontAlgn="base"/>
             <a:r>
-              <a:rPr lang="en-US" sz="1200" b="1" dirty="0">
+              <a:rPr lang="en-US" sz="1300" b="1" dirty="0">
                 <a:solidFill>
                   <a:srgbClr val="423CAD"/>
                 </a:solidFill>
-                <a:latin typeface="American Typewriter" panose="02090604020004020304" pitchFamily="18" charset="77"/>
+                <a:latin typeface="Calibri" panose="020F0502020204030204" pitchFamily="34" charset="0"/>
+                <a:cs typeface="Calibri" panose="020F0502020204030204" pitchFamily="34" charset="0"/>
               </a:rPr>
               <a:t>That</a:t>
             </a:r>
             <a:r>
-              <a:rPr lang="en-US" sz="1200" b="1" dirty="0">
+              <a:rPr lang="en-US" sz="1300" b="1" dirty="0">
                 <a:solidFill>
                   <a:srgbClr val="272364"/>
                 </a:solidFill>
-                <a:latin typeface="American Typewriter" panose="02090604020004020304" pitchFamily="18" charset="77"/>
+                <a:latin typeface="Calibri" panose="020F0502020204030204" pitchFamily="34" charset="0"/>
+                <a:cs typeface="Calibri" panose="020F0502020204030204" pitchFamily="34" charset="0"/>
               </a:rPr>
               <a:t> </a:t>
             </a:r>
             <a:r>
-              <a:rPr lang="en-US" sz="1200" dirty="0">
+              <a:rPr lang="en-US" sz="1300" dirty="0">
                 <a:solidFill>
                   <a:srgbClr val="272364"/>
                 </a:solidFill>
-                <a:latin typeface="American Typewriter" panose="02090604020004020304" pitchFamily="18" charset="77"/>
+                <a:latin typeface="Calibri" panose="020F0502020204030204" pitchFamily="34" charset="0"/>
+                <a:cs typeface="Calibri" panose="020F0502020204030204" pitchFamily="34" charset="0"/>
               </a:rPr>
               <a:t>allows even non-professionals to log in from anywhere, ​</a:t>
             </a:r>
@@ -13245,11 +13367,12 @@
           <a:p>
             <a:pPr fontAlgn="base"/>
             <a:r>
-              <a:rPr lang="en-US" sz="1200" dirty="0">
+              <a:rPr lang="en-US" sz="1300" dirty="0">
                 <a:solidFill>
                   <a:srgbClr val="272364"/>
                 </a:solidFill>
-                <a:latin typeface="American Typewriter" panose="02090604020004020304" pitchFamily="18" charset="77"/>
+                <a:latin typeface="Calibri" panose="020F0502020204030204" pitchFamily="34" charset="0"/>
+                <a:cs typeface="Calibri" panose="020F0502020204030204" pitchFamily="34" charset="0"/>
               </a:rPr>
               <a:t>Input insulin and glucose levels, visualize the changes over time, get reminders,​</a:t>
             </a:r>
@@ -13257,11 +13380,12 @@
           <a:p>
             <a:pPr fontAlgn="base"/>
             <a:r>
-              <a:rPr lang="en-US" sz="1200" dirty="0">
+              <a:rPr lang="en-US" sz="1300" dirty="0">
                 <a:solidFill>
                   <a:srgbClr val="272364"/>
                 </a:solidFill>
-                <a:latin typeface="American Typewriter" panose="02090604020004020304" pitchFamily="18" charset="77"/>
+                <a:latin typeface="Calibri" panose="020F0502020204030204" pitchFamily="34" charset="0"/>
+                <a:cs typeface="Calibri" panose="020F0502020204030204" pitchFamily="34" charset="0"/>
               </a:rPr>
               <a:t>and receive dietary recommendations.​</a:t>
             </a:r>
@@ -13269,29 +13393,32 @@
           <a:p>
             <a:pPr fontAlgn="base"/>
             <a:r>
-              <a:rPr lang="en-US" sz="1200" b="1" dirty="0">
+              <a:rPr lang="en-US" sz="1300" b="1" dirty="0">
                 <a:solidFill>
                   <a:srgbClr val="423CAD"/>
                 </a:solidFill>
-                <a:latin typeface="American Typewriter" panose="02090604020004020304" pitchFamily="18" charset="77"/>
+                <a:latin typeface="Calibri" panose="020F0502020204030204" pitchFamily="34" charset="0"/>
+                <a:cs typeface="Calibri" panose="020F0502020204030204" pitchFamily="34" charset="0"/>
               </a:rPr>
               <a:t>Unlike</a:t>
             </a:r>
             <a:r>
-              <a:rPr lang="en-US" sz="1200" b="1" dirty="0">
+              <a:rPr lang="en-US" sz="1300" b="1" dirty="0">
                 <a:solidFill>
                   <a:srgbClr val="272364"/>
                 </a:solidFill>
-                <a:latin typeface="American Typewriter" panose="02090604020004020304" pitchFamily="18" charset="77"/>
+                <a:latin typeface="Calibri" panose="020F0502020204030204" pitchFamily="34" charset="0"/>
+                <a:cs typeface="Calibri" panose="020F0502020204030204" pitchFamily="34" charset="0"/>
               </a:rPr>
               <a:t> </a:t>
             </a:r>
             <a:r>
-              <a:rPr lang="en-US" sz="1200" dirty="0">
+              <a:rPr lang="en-US" sz="1300" dirty="0">
                 <a:solidFill>
                   <a:srgbClr val="272364"/>
                 </a:solidFill>
-                <a:latin typeface="American Typewriter" panose="02090604020004020304" pitchFamily="18" charset="77"/>
+                <a:latin typeface="Calibri" panose="020F0502020204030204" pitchFamily="34" charset="0"/>
+                <a:cs typeface="Calibri" panose="020F0502020204030204" pitchFamily="34" charset="0"/>
               </a:rPr>
               <a:t>competitors, such as Omnipod and Medtronic, which focus heavily ​</a:t>
             </a:r>
@@ -13299,11 +13426,12 @@
           <a:p>
             <a:pPr fontAlgn="base"/>
             <a:r>
-              <a:rPr lang="en-US" sz="1200" dirty="0">
+              <a:rPr lang="en-US" sz="1300" dirty="0">
                 <a:solidFill>
                   <a:srgbClr val="272364"/>
                 </a:solidFill>
-                <a:latin typeface="American Typewriter" panose="02090604020004020304" pitchFamily="18" charset="77"/>
+                <a:latin typeface="Calibri" panose="020F0502020204030204" pitchFamily="34" charset="0"/>
+                <a:cs typeface="Calibri" panose="020F0502020204030204" pitchFamily="34" charset="0"/>
               </a:rPr>
               <a:t>on bolus doses and medical intervention to manage diabetes.​</a:t>
             </a:r>
@@ -13311,20 +13439,22 @@
           <a:p>
             <a:pPr fontAlgn="base"/>
             <a:r>
-              <a:rPr lang="en-US" sz="1200" b="1" dirty="0">
+              <a:rPr lang="en-US" sz="1300" b="1" dirty="0">
                 <a:solidFill>
                   <a:srgbClr val="423CAD"/>
                 </a:solidFill>
-                <a:latin typeface="American Typewriter" panose="02090604020004020304" pitchFamily="18" charset="77"/>
+                <a:latin typeface="Calibri" panose="020F0502020204030204" pitchFamily="34" charset="0"/>
+                <a:cs typeface="Calibri" panose="020F0502020204030204" pitchFamily="34" charset="0"/>
               </a:rPr>
               <a:t>Our product</a:t>
             </a:r>
             <a:r>
-              <a:rPr lang="en-US" sz="1200" dirty="0">
+              <a:rPr lang="en-US" sz="1300" dirty="0">
                 <a:solidFill>
                   <a:srgbClr val="272364"/>
                 </a:solidFill>
-                <a:latin typeface="American Typewriter" panose="02090604020004020304" pitchFamily="18" charset="77"/>
+                <a:latin typeface="Calibri" panose="020F0502020204030204" pitchFamily="34" charset="0"/>
+                <a:cs typeface="Calibri" panose="020F0502020204030204" pitchFamily="34" charset="0"/>
               </a:rPr>
               <a:t> also offers lifestyle changes and USDA/FDA approved meal ideas​</a:t>
             </a:r>
@@ -13332,11 +13462,12 @@
           <a:p>
             <a:pPr fontAlgn="base"/>
             <a:r>
-              <a:rPr lang="en-US" sz="1200" dirty="0">
+              <a:rPr lang="en-US" sz="1300" dirty="0">
                 <a:solidFill>
                   <a:srgbClr val="272364"/>
                 </a:solidFill>
-                <a:latin typeface="American Typewriter" panose="02090604020004020304" pitchFamily="18" charset="77"/>
+                <a:latin typeface="Calibri" panose="020F0502020204030204" pitchFamily="34" charset="0"/>
+                <a:cs typeface="Calibri" panose="020F0502020204030204" pitchFamily="34" charset="0"/>
               </a:rPr>
               <a:t>for controlling blood sugar spikes with a more holistic approach ​</a:t>
             </a:r>
@@ -13344,21 +13475,23 @@
           <a:p>
             <a:pPr fontAlgn="base"/>
             <a:r>
-              <a:rPr lang="en-US" sz="1200" dirty="0">
+              <a:rPr lang="en-US" sz="1300" dirty="0">
                 <a:solidFill>
                   <a:srgbClr val="272364"/>
                 </a:solidFill>
-                <a:latin typeface="American Typewriter" panose="02090604020004020304" pitchFamily="18" charset="77"/>
+                <a:latin typeface="Calibri" panose="020F0502020204030204" pitchFamily="34" charset="0"/>
+                <a:cs typeface="Calibri" panose="020F0502020204030204" pitchFamily="34" charset="0"/>
               </a:rPr>
               <a:t>that treats the whole person.​</a:t>
             </a:r>
           </a:p>
           <a:p>
-            <a:endParaRPr lang="en-US" dirty="0">
+            <a:endParaRPr lang="en-US" sz="1300" dirty="0">
               <a:solidFill>
                 <a:srgbClr val="272364"/>
               </a:solidFill>
-              <a:latin typeface="American Typewriter" panose="02090604020004020304" pitchFamily="18" charset="77"/>
+              <a:latin typeface="Calibri" panose="020F0502020204030204" pitchFamily="34" charset="0"/>
+              <a:cs typeface="Calibri" panose="020F0502020204030204" pitchFamily="34" charset="0"/>
             </a:endParaRPr>
           </a:p>
         </p:txBody>
@@ -13377,8 +13510,8 @@
         </p:nvSpPr>
         <p:spPr>
           <a:xfrm>
-            <a:off x="3081318" y="1112024"/>
-            <a:ext cx="2717412" cy="338554"/>
+            <a:off x="3145968" y="1112024"/>
+            <a:ext cx="2584362" cy="369332"/>
           </a:xfrm>
           <a:prstGeom prst="rect">
             <a:avLst/>
@@ -13393,28 +13526,31 @@
           <a:p>
             <a:pPr algn="r" rtl="1"/>
             <a:r>
-              <a:rPr lang="en-US" sz="1600" dirty="0">
+              <a:rPr lang="en-US" sz="1800" dirty="0">
                 <a:solidFill>
                   <a:srgbClr val="272364"/>
                 </a:solidFill>
-                <a:latin typeface="American Typewriter" panose="02090604020004020304" pitchFamily="18" charset="77"/>
+                <a:latin typeface="Calibri" panose="020F0502020204030204" pitchFamily="34" charset="0"/>
+                <a:cs typeface="Calibri" panose="020F0502020204030204" pitchFamily="34" charset="0"/>
               </a:rPr>
               <a:t>Product Vision </a:t>
             </a:r>
             <a:r>
-              <a:rPr lang="en-US" sz="1600" dirty="0">
+              <a:rPr lang="en-US" sz="1800" dirty="0">
                 <a:solidFill>
                   <a:srgbClr val="F3768E"/>
                 </a:solidFill>
-                <a:latin typeface="American Typewriter" panose="02090604020004020304" pitchFamily="18" charset="77"/>
+                <a:latin typeface="Calibri" panose="020F0502020204030204" pitchFamily="34" charset="0"/>
+                <a:cs typeface="Calibri" panose="020F0502020204030204" pitchFamily="34" charset="0"/>
               </a:rPr>
               <a:t>Statement</a:t>
             </a:r>
-            <a:endParaRPr lang="ar-SA" sz="1600" dirty="0">
+            <a:endParaRPr lang="ar-SA" sz="1800" dirty="0">
               <a:solidFill>
                 <a:srgbClr val="F3768E"/>
               </a:solidFill>
-              <a:latin typeface="American Typewriter" panose="02090604020004020304" pitchFamily="18" charset="77"/>
+              <a:latin typeface="Calibri" panose="020F0502020204030204" pitchFamily="34" charset="0"/>
+              <a:cs typeface="Calibri" panose="020F0502020204030204" pitchFamily="34" charset="0"/>
             </a:endParaRPr>
           </a:p>
         </p:txBody>
@@ -13433,8 +13569,8 @@
         </p:nvSpPr>
         <p:spPr>
           <a:xfrm>
-            <a:off x="3749770" y="1302056"/>
-            <a:ext cx="1380507" cy="338554"/>
+            <a:off x="3842744" y="1302056"/>
+            <a:ext cx="1287533" cy="369332"/>
           </a:xfrm>
           <a:prstGeom prst="rect">
             <a:avLst/>
@@ -13449,25 +13585,28 @@
           <a:p>
             <a:pPr algn="r" rtl="1"/>
             <a:r>
-              <a:rPr lang="en-US" sz="1600" dirty="0">
+              <a:rPr lang="en-US" sz="1800" dirty="0">
                 <a:solidFill>
                   <a:srgbClr val="272364"/>
                 </a:solidFill>
-                <a:latin typeface="American Typewriter" panose="02090604020004020304" pitchFamily="18" charset="77"/>
+                <a:latin typeface="Calibri" panose="020F0502020204030204" pitchFamily="34" charset="0"/>
+                <a:cs typeface="Calibri" panose="020F0502020204030204" pitchFamily="34" charset="0"/>
               </a:rPr>
               <a:t>Gluco</a:t>
             </a:r>
             <a:r>
-              <a:rPr lang="en-US" sz="1600" dirty="0">
+              <a:rPr lang="en-US" sz="1800" dirty="0">
                 <a:solidFill>
                   <a:srgbClr val="8CC63F"/>
                 </a:solidFill>
-                <a:latin typeface="American Typewriter" panose="02090604020004020304" pitchFamily="18" charset="77"/>
+                <a:latin typeface="Calibri" panose="020F0502020204030204" pitchFamily="34" charset="0"/>
+                <a:cs typeface="Calibri" panose="020F0502020204030204" pitchFamily="34" charset="0"/>
               </a:rPr>
               <a:t>Check</a:t>
             </a:r>
-            <a:endParaRPr lang="en-US" dirty="0">
-              <a:latin typeface="American Typewriter" panose="02090604020004020304" pitchFamily="18" charset="77"/>
+            <a:endParaRPr lang="en-US" sz="1600" dirty="0">
+              <a:latin typeface="Calibri" panose="020F0502020204030204" pitchFamily="34" charset="0"/>
+              <a:cs typeface="Calibri" panose="020F0502020204030204" pitchFamily="34" charset="0"/>
             </a:endParaRPr>
           </a:p>
         </p:txBody>
@@ -13500,8 +13639,8 @@
         </p:blipFill>
         <p:spPr>
           <a:xfrm>
-            <a:off x="5493355" y="1471333"/>
-            <a:ext cx="3392944" cy="3392944"/>
+            <a:off x="5626832" y="1551720"/>
+            <a:ext cx="3125989" cy="3125989"/>
           </a:xfrm>
           <a:prstGeom prst="rect">
             <a:avLst/>
@@ -13654,7 +13793,8 @@
                     <a:schemeClr val="tx2"/>
                   </a:solidFill>
                 </a:uFill>
-                <a:latin typeface="Avenir Roman" panose="02000503020000020003" pitchFamily="2" charset="0"/>
+                <a:latin typeface="Calibri" panose="020F0502020204030204" pitchFamily="34" charset="0"/>
+                <a:cs typeface="Calibri" panose="020F0502020204030204" pitchFamily="34" charset="0"/>
                 <a:hlinkClick r:id="rId4" action="ppaction://hlinksldjump">
                   <a:extLst>
                     <a:ext uri="{A12FA001-AC4F-418D-AE19-62706E023703}">
@@ -13674,7 +13814,8 @@
                   <a:schemeClr val="tx2"/>
                 </a:solidFill>
               </a:uFill>
-              <a:latin typeface="Avenir Roman" panose="02000503020000020003" pitchFamily="2" charset="0"/>
+              <a:latin typeface="Calibri" panose="020F0502020204030204" pitchFamily="34" charset="0"/>
+              <a:cs typeface="Calibri" panose="020F0502020204030204" pitchFamily="34" charset="0"/>
             </a:endParaRPr>
           </a:p>
         </p:txBody>
@@ -13999,7 +14140,8 @@
                     <a:schemeClr val="tx2"/>
                   </a:solidFill>
                 </a:uFill>
-                <a:latin typeface="Avenir Roman" panose="02000503020000020003" pitchFamily="2" charset="0"/>
+                <a:latin typeface="Calibri" panose="020F0502020204030204" pitchFamily="34" charset="0"/>
+                <a:cs typeface="Calibri" panose="020F0502020204030204" pitchFamily="34" charset="0"/>
               </a:rPr>
               <a:t>Dashboard</a:t>
             </a:r>
@@ -14295,7 +14437,8 @@
                     <a:schemeClr val="tx2"/>
                   </a:solidFill>
                 </a:uFill>
-                <a:latin typeface="Avenir Roman" panose="02000503020000020003" pitchFamily="2" charset="0"/>
+                <a:latin typeface="Calibri" panose="020F0502020204030204" pitchFamily="34" charset="0"/>
+                <a:cs typeface="Calibri" panose="020F0502020204030204" pitchFamily="34" charset="0"/>
                 <a:hlinkClick r:id="rId6" action="ppaction://hlinksldjump">
                   <a:extLst>
                     <a:ext uri="{A12FA001-AC4F-418D-AE19-62706E023703}">
@@ -14315,7 +14458,8 @@
                   <a:schemeClr val="tx2"/>
                 </a:solidFill>
               </a:uFill>
-              <a:latin typeface="Avenir Roman" panose="02000503020000020003" pitchFamily="2" charset="0"/>
+              <a:latin typeface="Calibri" panose="020F0502020204030204" pitchFamily="34" charset="0"/>
+              <a:cs typeface="Calibri" panose="020F0502020204030204" pitchFamily="34" charset="0"/>
             </a:endParaRPr>
           </a:p>
         </p:txBody>
@@ -14609,7 +14753,8 @@
                     <a:schemeClr val="tx2"/>
                   </a:solidFill>
                 </a:uFill>
-                <a:latin typeface="Avenir Roman" panose="02000503020000020003" pitchFamily="2" charset="0"/>
+                <a:latin typeface="Calibri" panose="020F0502020204030204" pitchFamily="34" charset="0"/>
+                <a:cs typeface="Calibri" panose="020F0502020204030204" pitchFamily="34" charset="0"/>
               </a:rPr>
               <a:t>LOGIN</a:t>
             </a:r>
@@ -14905,7 +15050,8 @@
                     <a:schemeClr val="tx2"/>
                   </a:solidFill>
                 </a:uFill>
-                <a:latin typeface="Avenir Roman" panose="02000503020000020003" pitchFamily="2" charset="0"/>
+                <a:latin typeface="Calibri" panose="020F0502020204030204" pitchFamily="34" charset="0"/>
+                <a:cs typeface="Calibri" panose="020F0502020204030204" pitchFamily="34" charset="0"/>
                 <a:hlinkClick r:id="rId7" action="ppaction://hlinksldjump">
                   <a:extLst>
                     <a:ext uri="{A12FA001-AC4F-418D-AE19-62706E023703}">
@@ -14925,7 +15071,8 @@
                   <a:schemeClr val="tx2"/>
                 </a:solidFill>
               </a:uFill>
-              <a:latin typeface="Avenir Roman" panose="02000503020000020003" pitchFamily="2" charset="0"/>
+              <a:latin typeface="Calibri" panose="020F0502020204030204" pitchFamily="34" charset="0"/>
+              <a:cs typeface="Calibri" panose="020F0502020204030204" pitchFamily="34" charset="0"/>
             </a:endParaRPr>
           </a:p>
         </p:txBody>
@@ -14944,7 +15091,7 @@
         </p:nvSpPr>
         <p:spPr>
           <a:xfrm>
-            <a:off x="1024485" y="2692494"/>
+            <a:off x="1151901" y="2652447"/>
             <a:ext cx="2050263" cy="369332"/>
           </a:xfrm>
           <a:prstGeom prst="rect">
@@ -14963,7 +15110,8 @@
                 <a:solidFill>
                   <a:srgbClr val="272364"/>
                 </a:solidFill>
-                <a:latin typeface="American Typewriter" panose="02090604020004020304" pitchFamily="18" charset="77"/>
+                <a:latin typeface="Calibri" panose="020F0502020204030204" pitchFamily="34" charset="0"/>
+                <a:cs typeface="Calibri" panose="020F0502020204030204" pitchFamily="34" charset="0"/>
               </a:rPr>
               <a:t>Let’s start </a:t>
             </a:r>
@@ -14972,7 +15120,8 @@
                 <a:solidFill>
                   <a:srgbClr val="F3768E"/>
                 </a:solidFill>
-                <a:latin typeface="American Typewriter" panose="02090604020004020304" pitchFamily="18" charset="77"/>
+                <a:latin typeface="Calibri" panose="020F0502020204030204" pitchFamily="34" charset="0"/>
+                <a:cs typeface="Calibri" panose="020F0502020204030204" pitchFamily="34" charset="0"/>
               </a:rPr>
               <a:t>demo</a:t>
             </a:r>
@@ -15024,7 +15173,7 @@
         <p:spPr>
           <a:xfrm>
             <a:off x="1382223" y="3204161"/>
-            <a:ext cx="1111202" cy="307777"/>
+            <a:ext cx="1019831" cy="307777"/>
           </a:xfrm>
           <a:prstGeom prst="rect">
             <a:avLst/>
@@ -15047,8 +15196,8 @@
                     <a:srgbClr val="F3768E"/>
                   </a:solidFill>
                 </a:uFill>
-                <a:latin typeface="Avenir Roman" panose="02000503020000020003" pitchFamily="2" charset="0"/>
-                <a:cs typeface="Angsana New" panose="02020603050405020304" pitchFamily="18" charset="-34"/>
+                <a:latin typeface="Calibri" panose="020F0502020204030204" pitchFamily="34" charset="0"/>
+                <a:cs typeface="Calibri" panose="020F0502020204030204" pitchFamily="34" charset="0"/>
                 <a:hlinkClick r:id="rId3" tooltip="Get Started">
                   <a:extLst>
                     <a:ext uri="{A12FA001-AC4F-418D-AE19-62706E023703}">
@@ -15068,8 +15217,8 @@
                   <a:srgbClr val="F3768E"/>
                 </a:solidFill>
               </a:uFill>
-              <a:latin typeface="Avenir Roman" panose="02000503020000020003" pitchFamily="2" charset="0"/>
-              <a:cs typeface="Angsana New" panose="02020603050405020304" pitchFamily="18" charset="-34"/>
+              <a:latin typeface="Calibri" panose="020F0502020204030204" pitchFamily="34" charset="0"/>
+              <a:cs typeface="Calibri" panose="020F0502020204030204" pitchFamily="34" charset="0"/>
             </a:endParaRPr>
           </a:p>
         </p:txBody>
@@ -15119,7 +15268,7 @@
         <p:spPr>
           <a:xfrm>
             <a:off x="1253829" y="184611"/>
-            <a:ext cx="1457450" cy="253916"/>
+            <a:ext cx="1430200" cy="253916"/>
           </a:xfrm>
           <a:prstGeom prst="rect">
             <a:avLst/>
@@ -15133,18 +15282,11 @@
           <a:lstStyle/>
           <a:p>
             <a:r>
-              <a:rPr lang="en-US" sz="1050" dirty="0"/>
-              <a:t>http://</a:t>
-            </a:r>
-            <a:r>
               <a:rPr lang="en-US" sz="1050" dirty="0">
-                <a:latin typeface="Avenir Roman" panose="02000503020000020003" pitchFamily="2" charset="0"/>
+                <a:latin typeface="Calibri" panose="020F0502020204030204" pitchFamily="34" charset="0"/>
+                <a:cs typeface="Calibri" panose="020F0502020204030204" pitchFamily="34" charset="0"/>
               </a:rPr>
-              <a:t>127.0.0.1:8000</a:t>
-            </a:r>
-            <a:r>
-              <a:rPr lang="en-US" sz="1050" dirty="0"/>
-              <a:t>/</a:t>
+              <a:t>http://127.0.0.1:8000/</a:t>
             </a:r>
           </a:p>
         </p:txBody>
@@ -15268,7 +15410,8 @@
                     <a:schemeClr val="tx2"/>
                   </a:solidFill>
                 </a:uFill>
-                <a:latin typeface="Avenir Roman" panose="02000503020000020003" pitchFamily="2" charset="0"/>
+                <a:latin typeface="Calibri" panose="020F0502020204030204" pitchFamily="34" charset="0"/>
+                <a:cs typeface="Calibri" panose="020F0502020204030204" pitchFamily="34" charset="0"/>
                 <a:hlinkClick r:id="rId3" action="ppaction://hlinksldjump">
                   <a:extLst>
                     <a:ext uri="{A12FA001-AC4F-418D-AE19-62706E023703}">
@@ -15288,7 +15431,8 @@
                   <a:schemeClr val="tx2"/>
                 </a:solidFill>
               </a:uFill>
-              <a:latin typeface="Avenir Roman" panose="02000503020000020003" pitchFamily="2" charset="0"/>
+              <a:latin typeface="Calibri" panose="020F0502020204030204" pitchFamily="34" charset="0"/>
+              <a:cs typeface="Calibri" panose="020F0502020204030204" pitchFamily="34" charset="0"/>
             </a:endParaRPr>
           </a:p>
         </p:txBody>
@@ -15613,7 +15757,8 @@
                     <a:schemeClr val="tx2"/>
                   </a:solidFill>
                 </a:uFill>
-                <a:latin typeface="Avenir Roman" panose="02000503020000020003" pitchFamily="2" charset="0"/>
+                <a:latin typeface="Calibri" panose="020F0502020204030204" pitchFamily="34" charset="0"/>
+                <a:cs typeface="Calibri" panose="020F0502020204030204" pitchFamily="34" charset="0"/>
               </a:rPr>
               <a:t>Dashboard</a:t>
             </a:r>
@@ -15909,7 +16054,8 @@
                     <a:schemeClr val="tx2"/>
                   </a:solidFill>
                 </a:uFill>
-                <a:latin typeface="Avenir Roman" panose="02000503020000020003" pitchFamily="2" charset="0"/>
+                <a:latin typeface="Calibri" panose="020F0502020204030204" pitchFamily="34" charset="0"/>
+                <a:cs typeface="Calibri" panose="020F0502020204030204" pitchFamily="34" charset="0"/>
                 <a:hlinkClick r:id="rId5" action="ppaction://hlinksldjump">
                   <a:extLst>
                     <a:ext uri="{A12FA001-AC4F-418D-AE19-62706E023703}">
@@ -15929,7 +16075,8 @@
                   <a:schemeClr val="tx2"/>
                 </a:solidFill>
               </a:uFill>
-              <a:latin typeface="Avenir Roman" panose="02000503020000020003" pitchFamily="2" charset="0"/>
+              <a:latin typeface="Calibri" panose="020F0502020204030204" pitchFamily="34" charset="0"/>
+              <a:cs typeface="Calibri" panose="020F0502020204030204" pitchFamily="34" charset="0"/>
             </a:endParaRPr>
           </a:p>
         </p:txBody>
@@ -16223,7 +16370,8 @@
                     <a:schemeClr val="tx2"/>
                   </a:solidFill>
                 </a:uFill>
-                <a:latin typeface="Avenir Roman" panose="02000503020000020003" pitchFamily="2" charset="0"/>
+                <a:latin typeface="Calibri" panose="020F0502020204030204" pitchFamily="34" charset="0"/>
+                <a:cs typeface="Calibri" panose="020F0502020204030204" pitchFamily="34" charset="0"/>
               </a:rPr>
               <a:t>LOGIN</a:t>
             </a:r>
@@ -16519,7 +16667,8 @@
                     <a:schemeClr val="tx2"/>
                   </a:solidFill>
                 </a:uFill>
-                <a:latin typeface="Avenir Roman" panose="02000503020000020003" pitchFamily="2" charset="0"/>
+                <a:latin typeface="Calibri" panose="020F0502020204030204" pitchFamily="34" charset="0"/>
+                <a:cs typeface="Calibri" panose="020F0502020204030204" pitchFamily="34" charset="0"/>
                 <a:hlinkClick r:id="rId6" action="ppaction://hlinksldjump">
                   <a:extLst>
                     <a:ext uri="{A12FA001-AC4F-418D-AE19-62706E023703}">
@@ -16539,7 +16688,8 @@
                   <a:schemeClr val="tx2"/>
                 </a:solidFill>
               </a:uFill>
-              <a:latin typeface="Avenir Roman" panose="02000503020000020003" pitchFamily="2" charset="0"/>
+              <a:latin typeface="Calibri" panose="020F0502020204030204" pitchFamily="34" charset="0"/>
+              <a:cs typeface="Calibri" panose="020F0502020204030204" pitchFamily="34" charset="0"/>
             </a:endParaRPr>
           </a:p>
         </p:txBody>
@@ -16559,7 +16709,7 @@
         <p:spPr>
           <a:xfrm>
             <a:off x="837448" y="1778094"/>
-            <a:ext cx="3229455" cy="461665"/>
+            <a:ext cx="3229455" cy="523220"/>
           </a:xfrm>
           <a:prstGeom prst="rect">
             <a:avLst/>
@@ -16573,20 +16723,22 @@
           <a:lstStyle/>
           <a:p>
             <a:r>
-              <a:rPr lang="en-US" sz="2400" dirty="0">
+              <a:rPr lang="en-US" sz="2800" dirty="0">
                 <a:solidFill>
                   <a:srgbClr val="272364"/>
                 </a:solidFill>
-                <a:latin typeface="American Typewriter" panose="02090604020004020304" pitchFamily="18" charset="77"/>
+                <a:latin typeface="Calibri" panose="020F0502020204030204" pitchFamily="34" charset="0"/>
+                <a:cs typeface="Calibri" panose="020F0502020204030204" pitchFamily="34" charset="0"/>
               </a:rPr>
               <a:t>Welcome </a:t>
             </a:r>
             <a:r>
-              <a:rPr lang="en-US" sz="2400" dirty="0">
+              <a:rPr lang="en-US" sz="2800" dirty="0">
                 <a:solidFill>
                   <a:srgbClr val="F3768E"/>
                 </a:solidFill>
-                <a:latin typeface="American Typewriter" panose="02090604020004020304" pitchFamily="18" charset="77"/>
+                <a:latin typeface="Calibri" panose="020F0502020204030204" pitchFamily="34" charset="0"/>
+                <a:cs typeface="Calibri" panose="020F0502020204030204" pitchFamily="34" charset="0"/>
               </a:rPr>
               <a:t>Back!</a:t>
             </a:r>
@@ -16638,7 +16790,7 @@
         <p:spPr>
           <a:xfrm>
             <a:off x="1253829" y="184611"/>
-            <a:ext cx="1457450" cy="253916"/>
+            <a:ext cx="1430200" cy="253916"/>
           </a:xfrm>
           <a:prstGeom prst="rect">
             <a:avLst/>
@@ -16652,18 +16804,11 @@
           <a:lstStyle/>
           <a:p>
             <a:r>
-              <a:rPr lang="en-US" sz="1050" dirty="0"/>
-              <a:t>http://</a:t>
-            </a:r>
-            <a:r>
               <a:rPr lang="en-US" sz="1050" dirty="0">
-                <a:latin typeface="Avenir Roman" panose="02000503020000020003" pitchFamily="2" charset="0"/>
+                <a:latin typeface="Calibri" panose="020F0502020204030204" pitchFamily="34" charset="0"/>
+                <a:cs typeface="Calibri" panose="020F0502020204030204" pitchFamily="34" charset="0"/>
               </a:rPr>
-              <a:t>127.0.0.1:8000</a:t>
-            </a:r>
-            <a:r>
-              <a:rPr lang="en-US" sz="1050" dirty="0"/>
-              <a:t>/</a:t>
+              <a:t>http://127.0.0.1:8000/</a:t>
             </a:r>
           </a:p>
         </p:txBody>
@@ -16714,8 +16859,8 @@
         </p:nvSpPr>
         <p:spPr>
           <a:xfrm>
-            <a:off x="1418573" y="3247063"/>
-            <a:ext cx="3153427" cy="400110"/>
+            <a:off x="1443255" y="3072953"/>
+            <a:ext cx="3219151" cy="461665"/>
           </a:xfrm>
           <a:prstGeom prst="rect">
             <a:avLst/>
@@ -16729,11 +16874,12 @@
           <a:lstStyle/>
           <a:p>
             <a:r>
-              <a:rPr lang="en-US" sz="2000" dirty="0">
+              <a:rPr lang="en-US" sz="2400" dirty="0">
                 <a:solidFill>
                   <a:srgbClr val="272364"/>
                 </a:solidFill>
-                <a:latin typeface="American Typewriter" panose="02090604020004020304" pitchFamily="18" charset="77"/>
+                <a:latin typeface="Calibri" panose="020F0502020204030204" pitchFamily="34" charset="0"/>
+                <a:cs typeface="Calibri" panose="020F0502020204030204" pitchFamily="34" charset="0"/>
               </a:rPr>
               <a:t>Are there any Questions</a:t>
             </a:r>

--- a/resources/glucocheck-Demo2.pptx
+++ b/resources/glucocheck-Demo2.pptx
@@ -26,16 +26,11 @@
       <p:boldItalic r:id="rId12"/>
     </p:embeddedFont>
     <p:embeddedFont>
-      <p:font typeface="Inter-Regular" panose="020B0604020202020204" charset="0"/>
+      <p:font typeface="Playfair Display Regular" panose="020B0604020202020204" charset="0"/>
       <p:regular r:id="rId13"/>
       <p:bold r:id="rId14"/>
-    </p:embeddedFont>
-    <p:embeddedFont>
-      <p:font typeface="Playfair Display Regular" panose="020B0604020202020204" charset="0"/>
-      <p:regular r:id="rId15"/>
-      <p:bold r:id="rId16"/>
-      <p:italic r:id="rId17"/>
-      <p:boldItalic r:id="rId18"/>
+      <p:italic r:id="rId15"/>
+      <p:boldItalic r:id="rId16"/>
     </p:embeddedFont>
   </p:embeddedFontLst>
   <p:defaultTextStyle>
@@ -1380,12 +1375,14 @@
 </file>
 
 <file path=ppt/slideLayouts/slideLayout1.xml><?xml version="1.0" encoding="utf-8"?>
-<p:sldLayout xmlns:a="http://schemas.openxmlformats.org/drawingml/2006/main" xmlns:r="http://schemas.openxmlformats.org/officeDocument/2006/relationships" xmlns:p="http://schemas.openxmlformats.org/presentationml/2006/main" matchingName="Title" type="title">
+<p:sldLayout xmlns:a="http://schemas.openxmlformats.org/drawingml/2006/main" xmlns:r="http://schemas.openxmlformats.org/officeDocument/2006/relationships" xmlns:p="http://schemas.openxmlformats.org/presentationml/2006/main" matchingName="Title" userDrawn="1">
   <p:cSld name="TITLE">
     <p:bg>
       <p:bgPr>
         <a:solidFill>
-          <a:schemeClr val="lt2"/>
+          <a:schemeClr val="tx2">
+            <a:alpha val="91000"/>
+          </a:schemeClr>
         </a:solidFill>
         <a:effectLst/>
       </p:bgPr>
@@ -1404,206 +1401,6 @@
           <a:chExt cx="0" cy="0"/>
         </a:xfrm>
       </p:grpSpPr>
-      <p:sp>
-        <p:nvSpPr>
-          <p:cNvPr id="10" name="Google Shape;10;p2"/>
-          <p:cNvSpPr/>
-          <p:nvPr/>
-        </p:nvSpPr>
-        <p:spPr>
-          <a:xfrm rot="10800000">
-            <a:off x="-576525" y="577350"/>
-            <a:ext cx="3988800" cy="3988800"/>
-          </a:xfrm>
-          <a:prstGeom prst="chord">
-            <a:avLst>
-              <a:gd name="adj1" fmla="val 2673960"/>
-              <a:gd name="adj2" fmla="val 18921779"/>
-            </a:avLst>
-          </a:prstGeom>
-          <a:solidFill>
-            <a:schemeClr val="lt1"/>
-          </a:solidFill>
-          <a:ln>
-            <a:noFill/>
-          </a:ln>
-        </p:spPr>
-        <p:txBody>
-          <a:bodyPr spcFirstLastPara="1" wrap="square" lIns="91425" tIns="91425" rIns="91425" bIns="91425" anchor="ctr" anchorCtr="0">
-            <a:noAutofit/>
-          </a:bodyPr>
-          <a:lstStyle/>
-          <a:p>
-            <a:pPr marL="0" lvl="0" indent="0" algn="l" rtl="0">
-              <a:spcBef>
-                <a:spcPts val="0"/>
-              </a:spcBef>
-              <a:spcAft>
-                <a:spcPts val="0"/>
-              </a:spcAft>
-              <a:buNone/>
-            </a:pPr>
-            <a:endParaRPr/>
-          </a:p>
-        </p:txBody>
-      </p:sp>
-      <p:pic>
-        <p:nvPicPr>
-          <p:cNvPr id="11" name="Google Shape;11;p2"/>
-          <p:cNvPicPr preferRelativeResize="0"/>
-          <p:nvPr/>
-        </p:nvPicPr>
-        <p:blipFill>
-          <a:blip r:embed="rId2">
-            <a:alphaModFix/>
-          </a:blip>
-          <a:stretch>
-            <a:fillRect/>
-          </a:stretch>
-        </p:blipFill>
-        <p:spPr>
-          <a:xfrm>
-            <a:off x="4211150" y="0"/>
-            <a:ext cx="4932849" cy="4403851"/>
-          </a:xfrm>
-          <a:prstGeom prst="rect">
-            <a:avLst/>
-          </a:prstGeom>
-          <a:noFill/>
-          <a:ln>
-            <a:noFill/>
-          </a:ln>
-        </p:spPr>
-      </p:pic>
-      <p:sp>
-        <p:nvSpPr>
-          <p:cNvPr id="12" name="Google Shape;12;p2"/>
-          <p:cNvSpPr txBox="1">
-            <a:spLocks noGrp="1"/>
-          </p:cNvSpPr>
-          <p:nvPr>
-            <p:ph type="ctrTitle"/>
-          </p:nvPr>
-        </p:nvSpPr>
-        <p:spPr>
-          <a:xfrm>
-            <a:off x="685800" y="1569375"/>
-            <a:ext cx="3942300" cy="2004600"/>
-          </a:xfrm>
-          <a:prstGeom prst="rect">
-            <a:avLst/>
-          </a:prstGeom>
-        </p:spPr>
-        <p:txBody>
-          <a:bodyPr spcFirstLastPara="1" wrap="square" lIns="0" tIns="0" rIns="0" bIns="0" anchor="ctr" anchorCtr="0">
-            <a:noAutofit/>
-          </a:bodyPr>
-          <a:lstStyle>
-            <a:lvl1pPr lvl="0" rtl="0">
-              <a:spcBef>
-                <a:spcPts val="0"/>
-              </a:spcBef>
-              <a:spcAft>
-                <a:spcPts val="0"/>
-              </a:spcAft>
-              <a:buSzPts val="5000"/>
-              <a:buNone/>
-              <a:defRPr sz="5000"/>
-            </a:lvl1pPr>
-            <a:lvl2pPr lvl="1" rtl="0">
-              <a:spcBef>
-                <a:spcPts val="0"/>
-              </a:spcBef>
-              <a:spcAft>
-                <a:spcPts val="0"/>
-              </a:spcAft>
-              <a:buSzPts val="5000"/>
-              <a:buNone/>
-              <a:defRPr sz="5000"/>
-            </a:lvl2pPr>
-            <a:lvl3pPr lvl="2" rtl="0">
-              <a:spcBef>
-                <a:spcPts val="0"/>
-              </a:spcBef>
-              <a:spcAft>
-                <a:spcPts val="0"/>
-              </a:spcAft>
-              <a:buSzPts val="5000"/>
-              <a:buNone/>
-              <a:defRPr sz="5000"/>
-            </a:lvl3pPr>
-            <a:lvl4pPr lvl="3" rtl="0">
-              <a:spcBef>
-                <a:spcPts val="0"/>
-              </a:spcBef>
-              <a:spcAft>
-                <a:spcPts val="0"/>
-              </a:spcAft>
-              <a:buSzPts val="5000"/>
-              <a:buNone/>
-              <a:defRPr sz="5000"/>
-            </a:lvl4pPr>
-            <a:lvl5pPr lvl="4" rtl="0">
-              <a:spcBef>
-                <a:spcPts val="0"/>
-              </a:spcBef>
-              <a:spcAft>
-                <a:spcPts val="0"/>
-              </a:spcAft>
-              <a:buSzPts val="5000"/>
-              <a:buNone/>
-              <a:defRPr sz="5000"/>
-            </a:lvl5pPr>
-            <a:lvl6pPr lvl="5" rtl="0">
-              <a:spcBef>
-                <a:spcPts val="0"/>
-              </a:spcBef>
-              <a:spcAft>
-                <a:spcPts val="0"/>
-              </a:spcAft>
-              <a:buSzPts val="5000"/>
-              <a:buNone/>
-              <a:defRPr sz="5000"/>
-            </a:lvl6pPr>
-            <a:lvl7pPr lvl="6" rtl="0">
-              <a:spcBef>
-                <a:spcPts val="0"/>
-              </a:spcBef>
-              <a:spcAft>
-                <a:spcPts val="0"/>
-              </a:spcAft>
-              <a:buSzPts val="5000"/>
-              <a:buNone/>
-              <a:defRPr sz="5000"/>
-            </a:lvl7pPr>
-            <a:lvl8pPr lvl="7" rtl="0">
-              <a:spcBef>
-                <a:spcPts val="0"/>
-              </a:spcBef>
-              <a:spcAft>
-                <a:spcPts val="0"/>
-              </a:spcAft>
-              <a:buSzPts val="5000"/>
-              <a:buNone/>
-              <a:defRPr sz="5000"/>
-            </a:lvl8pPr>
-            <a:lvl9pPr lvl="8" rtl="0">
-              <a:spcBef>
-                <a:spcPts val="0"/>
-              </a:spcBef>
-              <a:spcAft>
-                <a:spcPts val="0"/>
-              </a:spcAft>
-              <a:buSzPts val="5000"/>
-              <a:buNone/>
-              <a:defRPr sz="5000"/>
-            </a:lvl9pPr>
-          </a:lstStyle>
-          <a:p>
-            <a:endParaRPr/>
-          </a:p>
-        </p:txBody>
-      </p:sp>
     </p:spTree>
   </p:cSld>
   <p:clrMapOvr>
@@ -1637,697 +1434,6 @@
           <a:chExt cx="0" cy="0"/>
         </a:xfrm>
       </p:grpSpPr>
-      <p:sp>
-        <p:nvSpPr>
-          <p:cNvPr id="6" name="Google Shape;6;p1"/>
-          <p:cNvSpPr txBox="1">
-            <a:spLocks noGrp="1"/>
-          </p:cNvSpPr>
-          <p:nvPr>
-            <p:ph type="title"/>
-          </p:nvPr>
-        </p:nvSpPr>
-        <p:spPr>
-          <a:xfrm>
-            <a:off x="855300" y="748950"/>
-            <a:ext cx="4549500" cy="487500"/>
-          </a:xfrm>
-          <a:prstGeom prst="rect">
-            <a:avLst/>
-          </a:prstGeom>
-          <a:noFill/>
-          <a:ln>
-            <a:noFill/>
-          </a:ln>
-        </p:spPr>
-        <p:txBody>
-          <a:bodyPr spcFirstLastPara="1" wrap="square" lIns="0" tIns="0" rIns="0" bIns="0" anchor="ctr" anchorCtr="0">
-            <a:noAutofit/>
-          </a:bodyPr>
-          <a:lstStyle>
-            <a:lvl1pPr lvl="0" rtl="0">
-              <a:lnSpc>
-                <a:spcPct val="90000"/>
-              </a:lnSpc>
-              <a:spcBef>
-                <a:spcPts val="0"/>
-              </a:spcBef>
-              <a:spcAft>
-                <a:spcPts val="0"/>
-              </a:spcAft>
-              <a:buClr>
-                <a:schemeClr val="dk1"/>
-              </a:buClr>
-              <a:buSzPts val="3200"/>
-              <a:buFont typeface="Playfair Display Regular"/>
-              <a:buNone/>
-              <a:defRPr sz="3200">
-                <a:solidFill>
-                  <a:schemeClr val="dk1"/>
-                </a:solidFill>
-                <a:latin typeface="Playfair Display Regular"/>
-                <a:ea typeface="Playfair Display Regular"/>
-                <a:cs typeface="Playfair Display Regular"/>
-                <a:sym typeface="Playfair Display Regular"/>
-              </a:defRPr>
-            </a:lvl1pPr>
-            <a:lvl2pPr lvl="1" rtl="0">
-              <a:lnSpc>
-                <a:spcPct val="90000"/>
-              </a:lnSpc>
-              <a:spcBef>
-                <a:spcPts val="0"/>
-              </a:spcBef>
-              <a:spcAft>
-                <a:spcPts val="0"/>
-              </a:spcAft>
-              <a:buClr>
-                <a:schemeClr val="dk1"/>
-              </a:buClr>
-              <a:buSzPts val="3200"/>
-              <a:buFont typeface="Playfair Display Regular"/>
-              <a:buNone/>
-              <a:defRPr sz="3200">
-                <a:solidFill>
-                  <a:schemeClr val="dk1"/>
-                </a:solidFill>
-                <a:latin typeface="Playfair Display Regular"/>
-                <a:ea typeface="Playfair Display Regular"/>
-                <a:cs typeface="Playfair Display Regular"/>
-                <a:sym typeface="Playfair Display Regular"/>
-              </a:defRPr>
-            </a:lvl2pPr>
-            <a:lvl3pPr lvl="2" rtl="0">
-              <a:lnSpc>
-                <a:spcPct val="90000"/>
-              </a:lnSpc>
-              <a:spcBef>
-                <a:spcPts val="0"/>
-              </a:spcBef>
-              <a:spcAft>
-                <a:spcPts val="0"/>
-              </a:spcAft>
-              <a:buClr>
-                <a:schemeClr val="dk1"/>
-              </a:buClr>
-              <a:buSzPts val="3200"/>
-              <a:buFont typeface="Playfair Display Regular"/>
-              <a:buNone/>
-              <a:defRPr sz="3200">
-                <a:solidFill>
-                  <a:schemeClr val="dk1"/>
-                </a:solidFill>
-                <a:latin typeface="Playfair Display Regular"/>
-                <a:ea typeface="Playfair Display Regular"/>
-                <a:cs typeface="Playfair Display Regular"/>
-                <a:sym typeface="Playfair Display Regular"/>
-              </a:defRPr>
-            </a:lvl3pPr>
-            <a:lvl4pPr lvl="3" rtl="0">
-              <a:lnSpc>
-                <a:spcPct val="90000"/>
-              </a:lnSpc>
-              <a:spcBef>
-                <a:spcPts val="0"/>
-              </a:spcBef>
-              <a:spcAft>
-                <a:spcPts val="0"/>
-              </a:spcAft>
-              <a:buClr>
-                <a:schemeClr val="dk1"/>
-              </a:buClr>
-              <a:buSzPts val="3200"/>
-              <a:buFont typeface="Playfair Display Regular"/>
-              <a:buNone/>
-              <a:defRPr sz="3200">
-                <a:solidFill>
-                  <a:schemeClr val="dk1"/>
-                </a:solidFill>
-                <a:latin typeface="Playfair Display Regular"/>
-                <a:ea typeface="Playfair Display Regular"/>
-                <a:cs typeface="Playfair Display Regular"/>
-                <a:sym typeface="Playfair Display Regular"/>
-              </a:defRPr>
-            </a:lvl4pPr>
-            <a:lvl5pPr lvl="4" rtl="0">
-              <a:lnSpc>
-                <a:spcPct val="90000"/>
-              </a:lnSpc>
-              <a:spcBef>
-                <a:spcPts val="0"/>
-              </a:spcBef>
-              <a:spcAft>
-                <a:spcPts val="0"/>
-              </a:spcAft>
-              <a:buClr>
-                <a:schemeClr val="dk1"/>
-              </a:buClr>
-              <a:buSzPts val="3200"/>
-              <a:buFont typeface="Playfair Display Regular"/>
-              <a:buNone/>
-              <a:defRPr sz="3200">
-                <a:solidFill>
-                  <a:schemeClr val="dk1"/>
-                </a:solidFill>
-                <a:latin typeface="Playfair Display Regular"/>
-                <a:ea typeface="Playfair Display Regular"/>
-                <a:cs typeface="Playfair Display Regular"/>
-                <a:sym typeface="Playfair Display Regular"/>
-              </a:defRPr>
-            </a:lvl5pPr>
-            <a:lvl6pPr lvl="5" rtl="0">
-              <a:lnSpc>
-                <a:spcPct val="90000"/>
-              </a:lnSpc>
-              <a:spcBef>
-                <a:spcPts val="0"/>
-              </a:spcBef>
-              <a:spcAft>
-                <a:spcPts val="0"/>
-              </a:spcAft>
-              <a:buClr>
-                <a:schemeClr val="dk1"/>
-              </a:buClr>
-              <a:buSzPts val="3200"/>
-              <a:buFont typeface="Playfair Display Regular"/>
-              <a:buNone/>
-              <a:defRPr sz="3200">
-                <a:solidFill>
-                  <a:schemeClr val="dk1"/>
-                </a:solidFill>
-                <a:latin typeface="Playfair Display Regular"/>
-                <a:ea typeface="Playfair Display Regular"/>
-                <a:cs typeface="Playfair Display Regular"/>
-                <a:sym typeface="Playfair Display Regular"/>
-              </a:defRPr>
-            </a:lvl6pPr>
-            <a:lvl7pPr lvl="6" rtl="0">
-              <a:lnSpc>
-                <a:spcPct val="90000"/>
-              </a:lnSpc>
-              <a:spcBef>
-                <a:spcPts val="0"/>
-              </a:spcBef>
-              <a:spcAft>
-                <a:spcPts val="0"/>
-              </a:spcAft>
-              <a:buClr>
-                <a:schemeClr val="dk1"/>
-              </a:buClr>
-              <a:buSzPts val="3200"/>
-              <a:buFont typeface="Playfair Display Regular"/>
-              <a:buNone/>
-              <a:defRPr sz="3200">
-                <a:solidFill>
-                  <a:schemeClr val="dk1"/>
-                </a:solidFill>
-                <a:latin typeface="Playfair Display Regular"/>
-                <a:ea typeface="Playfair Display Regular"/>
-                <a:cs typeface="Playfair Display Regular"/>
-                <a:sym typeface="Playfair Display Regular"/>
-              </a:defRPr>
-            </a:lvl7pPr>
-            <a:lvl8pPr lvl="7" rtl="0">
-              <a:lnSpc>
-                <a:spcPct val="90000"/>
-              </a:lnSpc>
-              <a:spcBef>
-                <a:spcPts val="0"/>
-              </a:spcBef>
-              <a:spcAft>
-                <a:spcPts val="0"/>
-              </a:spcAft>
-              <a:buClr>
-                <a:schemeClr val="dk1"/>
-              </a:buClr>
-              <a:buSzPts val="3200"/>
-              <a:buFont typeface="Playfair Display Regular"/>
-              <a:buNone/>
-              <a:defRPr sz="3200">
-                <a:solidFill>
-                  <a:schemeClr val="dk1"/>
-                </a:solidFill>
-                <a:latin typeface="Playfair Display Regular"/>
-                <a:ea typeface="Playfair Display Regular"/>
-                <a:cs typeface="Playfair Display Regular"/>
-                <a:sym typeface="Playfair Display Regular"/>
-              </a:defRPr>
-            </a:lvl8pPr>
-            <a:lvl9pPr lvl="8" rtl="0">
-              <a:lnSpc>
-                <a:spcPct val="90000"/>
-              </a:lnSpc>
-              <a:spcBef>
-                <a:spcPts val="0"/>
-              </a:spcBef>
-              <a:spcAft>
-                <a:spcPts val="0"/>
-              </a:spcAft>
-              <a:buClr>
-                <a:schemeClr val="dk1"/>
-              </a:buClr>
-              <a:buSzPts val="3200"/>
-              <a:buFont typeface="Playfair Display Regular"/>
-              <a:buNone/>
-              <a:defRPr sz="3200">
-                <a:solidFill>
-                  <a:schemeClr val="dk1"/>
-                </a:solidFill>
-                <a:latin typeface="Playfair Display Regular"/>
-                <a:ea typeface="Playfair Display Regular"/>
-                <a:cs typeface="Playfair Display Regular"/>
-                <a:sym typeface="Playfair Display Regular"/>
-              </a:defRPr>
-            </a:lvl9pPr>
-          </a:lstStyle>
-          <a:p>
-            <a:endParaRPr/>
-          </a:p>
-        </p:txBody>
-      </p:sp>
-      <p:sp>
-        <p:nvSpPr>
-          <p:cNvPr id="7" name="Google Shape;7;p1"/>
-          <p:cNvSpPr txBox="1">
-            <a:spLocks noGrp="1"/>
-          </p:cNvSpPr>
-          <p:nvPr>
-            <p:ph type="body" idx="1"/>
-          </p:nvPr>
-        </p:nvSpPr>
-        <p:spPr>
-          <a:xfrm>
-            <a:off x="855300" y="1506348"/>
-            <a:ext cx="4549500" cy="3033900"/>
-          </a:xfrm>
-          <a:prstGeom prst="rect">
-            <a:avLst/>
-          </a:prstGeom>
-          <a:noFill/>
-          <a:ln>
-            <a:noFill/>
-          </a:ln>
-        </p:spPr>
-        <p:txBody>
-          <a:bodyPr spcFirstLastPara="1" wrap="square" lIns="0" tIns="0" rIns="0" bIns="0" anchor="t" anchorCtr="0">
-            <a:noAutofit/>
-          </a:bodyPr>
-          <a:lstStyle>
-            <a:lvl1pPr marL="457200" lvl="0" indent="-355600" rtl="0">
-              <a:lnSpc>
-                <a:spcPct val="115000"/>
-              </a:lnSpc>
-              <a:spcBef>
-                <a:spcPts val="600"/>
-              </a:spcBef>
-              <a:spcAft>
-                <a:spcPts val="0"/>
-              </a:spcAft>
-              <a:buClr>
-                <a:schemeClr val="accent2"/>
-              </a:buClr>
-              <a:buSzPts val="2000"/>
-              <a:buFont typeface="Inter-Regular"/>
-              <a:buChar char="✓"/>
-              <a:defRPr sz="2000">
-                <a:solidFill>
-                  <a:schemeClr val="dk2"/>
-                </a:solidFill>
-                <a:latin typeface="Inter-Regular"/>
-                <a:ea typeface="Inter-Regular"/>
-                <a:cs typeface="Inter-Regular"/>
-                <a:sym typeface="Inter-Regular"/>
-              </a:defRPr>
-            </a:lvl1pPr>
-            <a:lvl2pPr marL="914400" lvl="1" indent="-355600" rtl="0">
-              <a:lnSpc>
-                <a:spcPct val="115000"/>
-              </a:lnSpc>
-              <a:spcBef>
-                <a:spcPts val="600"/>
-              </a:spcBef>
-              <a:spcAft>
-                <a:spcPts val="0"/>
-              </a:spcAft>
-              <a:buClr>
-                <a:schemeClr val="accent2"/>
-              </a:buClr>
-              <a:buSzPts val="2000"/>
-              <a:buFont typeface="Inter-Regular"/>
-              <a:buChar char="○"/>
-              <a:defRPr sz="2000">
-                <a:solidFill>
-                  <a:schemeClr val="dk2"/>
-                </a:solidFill>
-                <a:latin typeface="Inter-Regular"/>
-                <a:ea typeface="Inter-Regular"/>
-                <a:cs typeface="Inter-Regular"/>
-                <a:sym typeface="Inter-Regular"/>
-              </a:defRPr>
-            </a:lvl2pPr>
-            <a:lvl3pPr marL="1371600" lvl="2" indent="-355600" rtl="0">
-              <a:lnSpc>
-                <a:spcPct val="115000"/>
-              </a:lnSpc>
-              <a:spcBef>
-                <a:spcPts val="600"/>
-              </a:spcBef>
-              <a:spcAft>
-                <a:spcPts val="0"/>
-              </a:spcAft>
-              <a:buClr>
-                <a:schemeClr val="accent1"/>
-              </a:buClr>
-              <a:buSzPts val="2000"/>
-              <a:buFont typeface="Inter-Regular"/>
-              <a:buChar char="●"/>
-              <a:defRPr sz="2000">
-                <a:solidFill>
-                  <a:schemeClr val="dk2"/>
-                </a:solidFill>
-                <a:latin typeface="Inter-Regular"/>
-                <a:ea typeface="Inter-Regular"/>
-                <a:cs typeface="Inter-Regular"/>
-                <a:sym typeface="Inter-Regular"/>
-              </a:defRPr>
-            </a:lvl3pPr>
-            <a:lvl4pPr marL="1828800" lvl="3" indent="-355600" rtl="0">
-              <a:lnSpc>
-                <a:spcPct val="115000"/>
-              </a:lnSpc>
-              <a:spcBef>
-                <a:spcPts val="600"/>
-              </a:spcBef>
-              <a:spcAft>
-                <a:spcPts val="0"/>
-              </a:spcAft>
-              <a:buClr>
-                <a:schemeClr val="accent1"/>
-              </a:buClr>
-              <a:buSzPts val="2000"/>
-              <a:buFont typeface="Inter-Regular"/>
-              <a:buChar char="●"/>
-              <a:defRPr sz="2000">
-                <a:solidFill>
-                  <a:schemeClr val="dk2"/>
-                </a:solidFill>
-                <a:latin typeface="Inter-Regular"/>
-                <a:ea typeface="Inter-Regular"/>
-                <a:cs typeface="Inter-Regular"/>
-                <a:sym typeface="Inter-Regular"/>
-              </a:defRPr>
-            </a:lvl4pPr>
-            <a:lvl5pPr marL="2286000" lvl="4" indent="-355600" rtl="0">
-              <a:lnSpc>
-                <a:spcPct val="115000"/>
-              </a:lnSpc>
-              <a:spcBef>
-                <a:spcPts val="600"/>
-              </a:spcBef>
-              <a:spcAft>
-                <a:spcPts val="0"/>
-              </a:spcAft>
-              <a:buClr>
-                <a:schemeClr val="dk2"/>
-              </a:buClr>
-              <a:buSzPts val="2000"/>
-              <a:buFont typeface="Inter-Regular"/>
-              <a:buChar char="○"/>
-              <a:defRPr sz="2000">
-                <a:solidFill>
-                  <a:schemeClr val="dk2"/>
-                </a:solidFill>
-                <a:latin typeface="Inter-Regular"/>
-                <a:ea typeface="Inter-Regular"/>
-                <a:cs typeface="Inter-Regular"/>
-                <a:sym typeface="Inter-Regular"/>
-              </a:defRPr>
-            </a:lvl5pPr>
-            <a:lvl6pPr marL="2743200" lvl="5" indent="-355600" rtl="0">
-              <a:lnSpc>
-                <a:spcPct val="115000"/>
-              </a:lnSpc>
-              <a:spcBef>
-                <a:spcPts val="600"/>
-              </a:spcBef>
-              <a:spcAft>
-                <a:spcPts val="0"/>
-              </a:spcAft>
-              <a:buClr>
-                <a:schemeClr val="dk2"/>
-              </a:buClr>
-              <a:buSzPts val="2000"/>
-              <a:buFont typeface="Inter-Regular"/>
-              <a:buChar char="■"/>
-              <a:defRPr sz="2000">
-                <a:solidFill>
-                  <a:schemeClr val="dk2"/>
-                </a:solidFill>
-                <a:latin typeface="Inter-Regular"/>
-                <a:ea typeface="Inter-Regular"/>
-                <a:cs typeface="Inter-Regular"/>
-                <a:sym typeface="Inter-Regular"/>
-              </a:defRPr>
-            </a:lvl6pPr>
-            <a:lvl7pPr marL="3200400" lvl="6" indent="-355600" rtl="0">
-              <a:lnSpc>
-                <a:spcPct val="115000"/>
-              </a:lnSpc>
-              <a:spcBef>
-                <a:spcPts val="600"/>
-              </a:spcBef>
-              <a:spcAft>
-                <a:spcPts val="0"/>
-              </a:spcAft>
-              <a:buClr>
-                <a:schemeClr val="dk2"/>
-              </a:buClr>
-              <a:buSzPts val="2000"/>
-              <a:buFont typeface="Inter-Regular"/>
-              <a:buChar char="●"/>
-              <a:defRPr sz="2000">
-                <a:solidFill>
-                  <a:schemeClr val="dk2"/>
-                </a:solidFill>
-                <a:latin typeface="Inter-Regular"/>
-                <a:ea typeface="Inter-Regular"/>
-                <a:cs typeface="Inter-Regular"/>
-                <a:sym typeface="Inter-Regular"/>
-              </a:defRPr>
-            </a:lvl7pPr>
-            <a:lvl8pPr marL="3657600" lvl="7" indent="-355600" rtl="0">
-              <a:lnSpc>
-                <a:spcPct val="115000"/>
-              </a:lnSpc>
-              <a:spcBef>
-                <a:spcPts val="600"/>
-              </a:spcBef>
-              <a:spcAft>
-                <a:spcPts val="0"/>
-              </a:spcAft>
-              <a:buClr>
-                <a:schemeClr val="dk2"/>
-              </a:buClr>
-              <a:buSzPts val="2000"/>
-              <a:buFont typeface="Inter-Regular"/>
-              <a:buChar char="○"/>
-              <a:defRPr sz="2000">
-                <a:solidFill>
-                  <a:schemeClr val="dk2"/>
-                </a:solidFill>
-                <a:latin typeface="Inter-Regular"/>
-                <a:ea typeface="Inter-Regular"/>
-                <a:cs typeface="Inter-Regular"/>
-                <a:sym typeface="Inter-Regular"/>
-              </a:defRPr>
-            </a:lvl8pPr>
-            <a:lvl9pPr marL="4114800" lvl="8" indent="-355600" rtl="0">
-              <a:lnSpc>
-                <a:spcPct val="115000"/>
-              </a:lnSpc>
-              <a:spcBef>
-                <a:spcPts val="600"/>
-              </a:spcBef>
-              <a:spcAft>
-                <a:spcPts val="600"/>
-              </a:spcAft>
-              <a:buClr>
-                <a:schemeClr val="dk2"/>
-              </a:buClr>
-              <a:buSzPts val="2000"/>
-              <a:buFont typeface="Inter-Regular"/>
-              <a:buChar char="■"/>
-              <a:defRPr sz="2000">
-                <a:solidFill>
-                  <a:schemeClr val="dk2"/>
-                </a:solidFill>
-                <a:latin typeface="Inter-Regular"/>
-                <a:ea typeface="Inter-Regular"/>
-                <a:cs typeface="Inter-Regular"/>
-                <a:sym typeface="Inter-Regular"/>
-              </a:defRPr>
-            </a:lvl9pPr>
-          </a:lstStyle>
-          <a:p>
-            <a:endParaRPr/>
-          </a:p>
-        </p:txBody>
-      </p:sp>
-      <p:sp>
-        <p:nvSpPr>
-          <p:cNvPr id="8" name="Google Shape;8;p1"/>
-          <p:cNvSpPr txBox="1">
-            <a:spLocks noGrp="1"/>
-          </p:cNvSpPr>
-          <p:nvPr>
-            <p:ph type="sldNum" idx="12"/>
-          </p:nvPr>
-        </p:nvSpPr>
-        <p:spPr>
-          <a:xfrm>
-            <a:off x="8404384" y="4673651"/>
-            <a:ext cx="548700" cy="393600"/>
-          </a:xfrm>
-          <a:prstGeom prst="rect">
-            <a:avLst/>
-          </a:prstGeom>
-          <a:noFill/>
-          <a:ln>
-            <a:noFill/>
-          </a:ln>
-        </p:spPr>
-        <p:txBody>
-          <a:bodyPr spcFirstLastPara="1" wrap="square" lIns="0" tIns="0" rIns="0" bIns="0" anchor="ctr" anchorCtr="0">
-            <a:noAutofit/>
-          </a:bodyPr>
-          <a:lstStyle>
-            <a:lvl1pPr lvl="0" algn="r" rtl="0">
-              <a:buNone/>
-              <a:defRPr sz="1200">
-                <a:solidFill>
-                  <a:schemeClr val="accent2"/>
-                </a:solidFill>
-                <a:latin typeface="Inter-Regular"/>
-                <a:ea typeface="Inter-Regular"/>
-                <a:cs typeface="Inter-Regular"/>
-                <a:sym typeface="Inter-Regular"/>
-              </a:defRPr>
-            </a:lvl1pPr>
-            <a:lvl2pPr lvl="1" algn="r" rtl="0">
-              <a:buNone/>
-              <a:defRPr sz="1200">
-                <a:solidFill>
-                  <a:schemeClr val="accent2"/>
-                </a:solidFill>
-                <a:latin typeface="Inter-Regular"/>
-                <a:ea typeface="Inter-Regular"/>
-                <a:cs typeface="Inter-Regular"/>
-                <a:sym typeface="Inter-Regular"/>
-              </a:defRPr>
-            </a:lvl2pPr>
-            <a:lvl3pPr lvl="2" algn="r" rtl="0">
-              <a:buNone/>
-              <a:defRPr sz="1200">
-                <a:solidFill>
-                  <a:schemeClr val="accent2"/>
-                </a:solidFill>
-                <a:latin typeface="Inter-Regular"/>
-                <a:ea typeface="Inter-Regular"/>
-                <a:cs typeface="Inter-Regular"/>
-                <a:sym typeface="Inter-Regular"/>
-              </a:defRPr>
-            </a:lvl3pPr>
-            <a:lvl4pPr lvl="3" algn="r" rtl="0">
-              <a:buNone/>
-              <a:defRPr sz="1200">
-                <a:solidFill>
-                  <a:schemeClr val="accent2"/>
-                </a:solidFill>
-                <a:latin typeface="Inter-Regular"/>
-                <a:ea typeface="Inter-Regular"/>
-                <a:cs typeface="Inter-Regular"/>
-                <a:sym typeface="Inter-Regular"/>
-              </a:defRPr>
-            </a:lvl4pPr>
-            <a:lvl5pPr lvl="4" algn="r" rtl="0">
-              <a:buNone/>
-              <a:defRPr sz="1200">
-                <a:solidFill>
-                  <a:schemeClr val="accent2"/>
-                </a:solidFill>
-                <a:latin typeface="Inter-Regular"/>
-                <a:ea typeface="Inter-Regular"/>
-                <a:cs typeface="Inter-Regular"/>
-                <a:sym typeface="Inter-Regular"/>
-              </a:defRPr>
-            </a:lvl5pPr>
-            <a:lvl6pPr lvl="5" algn="r" rtl="0">
-              <a:buNone/>
-              <a:defRPr sz="1200">
-                <a:solidFill>
-                  <a:schemeClr val="accent2"/>
-                </a:solidFill>
-                <a:latin typeface="Inter-Regular"/>
-                <a:ea typeface="Inter-Regular"/>
-                <a:cs typeface="Inter-Regular"/>
-                <a:sym typeface="Inter-Regular"/>
-              </a:defRPr>
-            </a:lvl6pPr>
-            <a:lvl7pPr lvl="6" algn="r" rtl="0">
-              <a:buNone/>
-              <a:defRPr sz="1200">
-                <a:solidFill>
-                  <a:schemeClr val="accent2"/>
-                </a:solidFill>
-                <a:latin typeface="Inter-Regular"/>
-                <a:ea typeface="Inter-Regular"/>
-                <a:cs typeface="Inter-Regular"/>
-                <a:sym typeface="Inter-Regular"/>
-              </a:defRPr>
-            </a:lvl7pPr>
-            <a:lvl8pPr lvl="7" algn="r" rtl="0">
-              <a:buNone/>
-              <a:defRPr sz="1200">
-                <a:solidFill>
-                  <a:schemeClr val="accent2"/>
-                </a:solidFill>
-                <a:latin typeface="Inter-Regular"/>
-                <a:ea typeface="Inter-Regular"/>
-                <a:cs typeface="Inter-Regular"/>
-                <a:sym typeface="Inter-Regular"/>
-              </a:defRPr>
-            </a:lvl8pPr>
-            <a:lvl9pPr lvl="8" algn="r" rtl="0">
-              <a:buNone/>
-              <a:defRPr sz="1200">
-                <a:solidFill>
-                  <a:schemeClr val="accent2"/>
-                </a:solidFill>
-                <a:latin typeface="Inter-Regular"/>
-                <a:ea typeface="Inter-Regular"/>
-                <a:cs typeface="Inter-Regular"/>
-                <a:sym typeface="Inter-Regular"/>
-              </a:defRPr>
-            </a:lvl9pPr>
-          </a:lstStyle>
-          <a:p>
-            <a:pPr marL="0" lvl="0" indent="0" algn="r" rtl="0">
-              <a:spcBef>
-                <a:spcPts val="0"/>
-              </a:spcBef>
-              <a:spcAft>
-                <a:spcPts val="0"/>
-              </a:spcAft>
-              <a:buNone/>
-            </a:pPr>
-            <a:fld id="{00000000-1234-1234-1234-123412341234}" type="slidenum">
-              <a:rPr lang="en"/>
-              <a:t>‹#›</a:t>
-            </a:fld>
-            <a:endParaRPr/>
-          </a:p>
-        </p:txBody>
-      </p:sp>
     </p:spTree>
   </p:cSld>
   <p:clrMap bg1="lt1" tx1="dk1" bg2="dk2" tx2="lt2" accent1="accent1" accent2="accent2" accent3="accent3" accent4="accent4" accent5="accent5" accent6="accent6" hlink="hlink" folHlink="folHlink"/>
@@ -2580,7 +1686,7 @@
           <a:spcPts val="0"/>
         </a:spcAft>
       </a:defPPr>
-      <a:lvl1pPr marR="0" lvl="0" algn="l" rtl="0">
+      <a:lvl1pPr marL="101600" marR="0" lvl="0" indent="0" algn="l" rtl="0">
         <a:lnSpc>
           <a:spcPct val="100000"/>
         </a:lnSpc>
@@ -2594,6 +1700,7 @@
           <a:srgbClr val="000000"/>
         </a:buClr>
         <a:buFont typeface="Arial"/>
+        <a:buNone/>
         <a:defRPr sz="1400" b="0" i="0" u="none" strike="noStrike" cap="none">
           <a:solidFill>
             <a:srgbClr val="000000"/>
@@ -3119,61 +2226,6 @@
           </a:p>
         </p:txBody>
       </p:sp>
-      <p:sp>
-        <p:nvSpPr>
-          <p:cNvPr id="79" name="Google Shape;79;p15"/>
-          <p:cNvSpPr txBox="1">
-            <a:spLocks noGrp="1"/>
-          </p:cNvSpPr>
-          <p:nvPr>
-            <p:ph type="ctrTitle"/>
-          </p:nvPr>
-        </p:nvSpPr>
-        <p:spPr>
-          <a:xfrm>
-            <a:off x="4665921" y="598603"/>
-            <a:ext cx="414670" cy="312588"/>
-          </a:xfrm>
-          <a:prstGeom prst="rect">
-            <a:avLst/>
-          </a:prstGeom>
-        </p:spPr>
-        <p:txBody>
-          <a:bodyPr spcFirstLastPara="1" wrap="square" lIns="0" tIns="0" rIns="0" bIns="0" anchor="ctr" anchorCtr="0">
-            <a:noAutofit/>
-          </a:bodyPr>
-          <a:lstStyle/>
-          <a:p>
-            <a:pPr marL="0" lvl="0" indent="0" algn="l" rtl="0">
-              <a:spcBef>
-                <a:spcPts val="0"/>
-              </a:spcBef>
-              <a:spcAft>
-                <a:spcPts val="0"/>
-              </a:spcAft>
-              <a:buNone/>
-            </a:pPr>
-            <a:r>
-              <a:rPr lang="en-US" sz="1100" dirty="0">
-                <a:solidFill>
-                  <a:srgbClr val="F3768E"/>
-                </a:solidFill>
-                <a:latin typeface="Calibri" panose="020F0502020204030204" pitchFamily="34" charset="0"/>
-                <a:cs typeface="Calibri" panose="020F0502020204030204" pitchFamily="34" charset="0"/>
-                <a:hlinkClick r:id="rId4" action="ppaction://hlinksldjump"/>
-              </a:rPr>
-              <a:t>Home</a:t>
-            </a:r>
-            <a:endParaRPr sz="1100" dirty="0">
-              <a:solidFill>
-                <a:srgbClr val="F3768E"/>
-              </a:solidFill>
-              <a:latin typeface="Calibri" panose="020F0502020204030204" pitchFamily="34" charset="0"/>
-              <a:cs typeface="Calibri" panose="020F0502020204030204" pitchFamily="34" charset="0"/>
-            </a:endParaRPr>
-          </a:p>
-        </p:txBody>
-      </p:sp>
       <p:pic>
         <p:nvPicPr>
           <p:cNvPr id="7" name="Picture 6">
@@ -3207,1198 +2259,6 @@
       </p:pic>
       <p:sp>
         <p:nvSpPr>
-          <p:cNvPr id="9" name="Google Shape;79;p15">
-            <a:extLst>
-              <a:ext uri="{FF2B5EF4-FFF2-40B4-BE49-F238E27FC236}">
-                <a16:creationId xmlns:a16="http://schemas.microsoft.com/office/drawing/2014/main" id="{1ACB8FC9-001A-484D-BD27-9A3DA2FB283C}"/>
-              </a:ext>
-            </a:extLst>
-          </p:cNvPr>
-          <p:cNvSpPr txBox="1">
-            <a:spLocks/>
-          </p:cNvSpPr>
-          <p:nvPr/>
-        </p:nvSpPr>
-        <p:spPr>
-          <a:xfrm>
-            <a:off x="5352606" y="594709"/>
-            <a:ext cx="892249" cy="312588"/>
-          </a:xfrm>
-          <a:prstGeom prst="rect">
-            <a:avLst/>
-          </a:prstGeom>
-          <a:noFill/>
-          <a:ln>
-            <a:noFill/>
-          </a:ln>
-        </p:spPr>
-        <p:txBody>
-          <a:bodyPr spcFirstLastPara="1" wrap="square" lIns="0" tIns="0" rIns="0" bIns="0" anchor="ctr" anchorCtr="0">
-            <a:noAutofit/>
-          </a:bodyPr>
-          <a:lstStyle>
-            <a:defPPr marR="0" lvl="0" algn="l" rtl="0">
-              <a:lnSpc>
-                <a:spcPct val="100000"/>
-              </a:lnSpc>
-              <a:spcBef>
-                <a:spcPts val="0"/>
-              </a:spcBef>
-              <a:spcAft>
-                <a:spcPts val="0"/>
-              </a:spcAft>
-            </a:defPPr>
-            <a:lvl1pPr marR="0" lvl="0" algn="l" rtl="0">
-              <a:lnSpc>
-                <a:spcPct val="90000"/>
-              </a:lnSpc>
-              <a:spcBef>
-                <a:spcPts val="0"/>
-              </a:spcBef>
-              <a:spcAft>
-                <a:spcPts val="0"/>
-              </a:spcAft>
-              <a:buClr>
-                <a:schemeClr val="dk1"/>
-              </a:buClr>
-              <a:buSzPts val="5000"/>
-              <a:buFont typeface="Playfair Display Regular"/>
-              <a:buNone/>
-              <a:defRPr sz="5000" b="0" i="0" u="none" strike="noStrike" cap="none">
-                <a:solidFill>
-                  <a:schemeClr val="dk1"/>
-                </a:solidFill>
-                <a:latin typeface="Playfair Display Regular"/>
-                <a:ea typeface="Playfair Display Regular"/>
-                <a:cs typeface="Playfair Display Regular"/>
-                <a:sym typeface="Playfair Display Regular"/>
-              </a:defRPr>
-            </a:lvl1pPr>
-            <a:lvl2pPr marR="0" lvl="1" algn="l" rtl="0">
-              <a:lnSpc>
-                <a:spcPct val="90000"/>
-              </a:lnSpc>
-              <a:spcBef>
-                <a:spcPts val="0"/>
-              </a:spcBef>
-              <a:spcAft>
-                <a:spcPts val="0"/>
-              </a:spcAft>
-              <a:buClr>
-                <a:schemeClr val="dk1"/>
-              </a:buClr>
-              <a:buSzPts val="5000"/>
-              <a:buFont typeface="Playfair Display Regular"/>
-              <a:buNone/>
-              <a:defRPr sz="5000" b="0" i="0" u="none" strike="noStrike" cap="none">
-                <a:solidFill>
-                  <a:schemeClr val="dk1"/>
-                </a:solidFill>
-                <a:latin typeface="Playfair Display Regular"/>
-                <a:ea typeface="Playfair Display Regular"/>
-                <a:cs typeface="Playfair Display Regular"/>
-                <a:sym typeface="Playfair Display Regular"/>
-              </a:defRPr>
-            </a:lvl2pPr>
-            <a:lvl3pPr marR="0" lvl="2" algn="l" rtl="0">
-              <a:lnSpc>
-                <a:spcPct val="90000"/>
-              </a:lnSpc>
-              <a:spcBef>
-                <a:spcPts val="0"/>
-              </a:spcBef>
-              <a:spcAft>
-                <a:spcPts val="0"/>
-              </a:spcAft>
-              <a:buClr>
-                <a:schemeClr val="dk1"/>
-              </a:buClr>
-              <a:buSzPts val="5000"/>
-              <a:buFont typeface="Playfair Display Regular"/>
-              <a:buNone/>
-              <a:defRPr sz="5000" b="0" i="0" u="none" strike="noStrike" cap="none">
-                <a:solidFill>
-                  <a:schemeClr val="dk1"/>
-                </a:solidFill>
-                <a:latin typeface="Playfair Display Regular"/>
-                <a:ea typeface="Playfair Display Regular"/>
-                <a:cs typeface="Playfair Display Regular"/>
-                <a:sym typeface="Playfair Display Regular"/>
-              </a:defRPr>
-            </a:lvl3pPr>
-            <a:lvl4pPr marR="0" lvl="3" algn="l" rtl="0">
-              <a:lnSpc>
-                <a:spcPct val="90000"/>
-              </a:lnSpc>
-              <a:spcBef>
-                <a:spcPts val="0"/>
-              </a:spcBef>
-              <a:spcAft>
-                <a:spcPts val="0"/>
-              </a:spcAft>
-              <a:buClr>
-                <a:schemeClr val="dk1"/>
-              </a:buClr>
-              <a:buSzPts val="5000"/>
-              <a:buFont typeface="Playfair Display Regular"/>
-              <a:buNone/>
-              <a:defRPr sz="5000" b="0" i="0" u="none" strike="noStrike" cap="none">
-                <a:solidFill>
-                  <a:schemeClr val="dk1"/>
-                </a:solidFill>
-                <a:latin typeface="Playfair Display Regular"/>
-                <a:ea typeface="Playfair Display Regular"/>
-                <a:cs typeface="Playfair Display Regular"/>
-                <a:sym typeface="Playfair Display Regular"/>
-              </a:defRPr>
-            </a:lvl4pPr>
-            <a:lvl5pPr marR="0" lvl="4" algn="l" rtl="0">
-              <a:lnSpc>
-                <a:spcPct val="90000"/>
-              </a:lnSpc>
-              <a:spcBef>
-                <a:spcPts val="0"/>
-              </a:spcBef>
-              <a:spcAft>
-                <a:spcPts val="0"/>
-              </a:spcAft>
-              <a:buClr>
-                <a:schemeClr val="dk1"/>
-              </a:buClr>
-              <a:buSzPts val="5000"/>
-              <a:buFont typeface="Playfair Display Regular"/>
-              <a:buNone/>
-              <a:defRPr sz="5000" b="0" i="0" u="none" strike="noStrike" cap="none">
-                <a:solidFill>
-                  <a:schemeClr val="dk1"/>
-                </a:solidFill>
-                <a:latin typeface="Playfair Display Regular"/>
-                <a:ea typeface="Playfair Display Regular"/>
-                <a:cs typeface="Playfair Display Regular"/>
-                <a:sym typeface="Playfair Display Regular"/>
-              </a:defRPr>
-            </a:lvl5pPr>
-            <a:lvl6pPr marR="0" lvl="5" algn="l" rtl="0">
-              <a:lnSpc>
-                <a:spcPct val="90000"/>
-              </a:lnSpc>
-              <a:spcBef>
-                <a:spcPts val="0"/>
-              </a:spcBef>
-              <a:spcAft>
-                <a:spcPts val="0"/>
-              </a:spcAft>
-              <a:buClr>
-                <a:schemeClr val="dk1"/>
-              </a:buClr>
-              <a:buSzPts val="5000"/>
-              <a:buFont typeface="Playfair Display Regular"/>
-              <a:buNone/>
-              <a:defRPr sz="5000" b="0" i="0" u="none" strike="noStrike" cap="none">
-                <a:solidFill>
-                  <a:schemeClr val="dk1"/>
-                </a:solidFill>
-                <a:latin typeface="Playfair Display Regular"/>
-                <a:ea typeface="Playfair Display Regular"/>
-                <a:cs typeface="Playfair Display Regular"/>
-                <a:sym typeface="Playfair Display Regular"/>
-              </a:defRPr>
-            </a:lvl6pPr>
-            <a:lvl7pPr marR="0" lvl="6" algn="l" rtl="0">
-              <a:lnSpc>
-                <a:spcPct val="90000"/>
-              </a:lnSpc>
-              <a:spcBef>
-                <a:spcPts val="0"/>
-              </a:spcBef>
-              <a:spcAft>
-                <a:spcPts val="0"/>
-              </a:spcAft>
-              <a:buClr>
-                <a:schemeClr val="dk1"/>
-              </a:buClr>
-              <a:buSzPts val="5000"/>
-              <a:buFont typeface="Playfair Display Regular"/>
-              <a:buNone/>
-              <a:defRPr sz="5000" b="0" i="0" u="none" strike="noStrike" cap="none">
-                <a:solidFill>
-                  <a:schemeClr val="dk1"/>
-                </a:solidFill>
-                <a:latin typeface="Playfair Display Regular"/>
-                <a:ea typeface="Playfair Display Regular"/>
-                <a:cs typeface="Playfair Display Regular"/>
-                <a:sym typeface="Playfair Display Regular"/>
-              </a:defRPr>
-            </a:lvl7pPr>
-            <a:lvl8pPr marR="0" lvl="7" algn="l" rtl="0">
-              <a:lnSpc>
-                <a:spcPct val="90000"/>
-              </a:lnSpc>
-              <a:spcBef>
-                <a:spcPts val="0"/>
-              </a:spcBef>
-              <a:spcAft>
-                <a:spcPts val="0"/>
-              </a:spcAft>
-              <a:buClr>
-                <a:schemeClr val="dk1"/>
-              </a:buClr>
-              <a:buSzPts val="5000"/>
-              <a:buFont typeface="Playfair Display Regular"/>
-              <a:buNone/>
-              <a:defRPr sz="5000" b="0" i="0" u="none" strike="noStrike" cap="none">
-                <a:solidFill>
-                  <a:schemeClr val="dk1"/>
-                </a:solidFill>
-                <a:latin typeface="Playfair Display Regular"/>
-                <a:ea typeface="Playfair Display Regular"/>
-                <a:cs typeface="Playfair Display Regular"/>
-                <a:sym typeface="Playfair Display Regular"/>
-              </a:defRPr>
-            </a:lvl8pPr>
-            <a:lvl9pPr marR="0" lvl="8" algn="l" rtl="0">
-              <a:lnSpc>
-                <a:spcPct val="90000"/>
-              </a:lnSpc>
-              <a:spcBef>
-                <a:spcPts val="0"/>
-              </a:spcBef>
-              <a:spcAft>
-                <a:spcPts val="0"/>
-              </a:spcAft>
-              <a:buClr>
-                <a:schemeClr val="dk1"/>
-              </a:buClr>
-              <a:buSzPts val="5000"/>
-              <a:buFont typeface="Playfair Display Regular"/>
-              <a:buNone/>
-              <a:defRPr sz="5000" b="0" i="0" u="none" strike="noStrike" cap="none">
-                <a:solidFill>
-                  <a:schemeClr val="dk1"/>
-                </a:solidFill>
-                <a:latin typeface="Playfair Display Regular"/>
-                <a:ea typeface="Playfair Display Regular"/>
-                <a:cs typeface="Playfair Display Regular"/>
-                <a:sym typeface="Playfair Display Regular"/>
-              </a:defRPr>
-            </a:lvl9pPr>
-          </a:lstStyle>
-          <a:p>
-            <a:r>
-              <a:rPr lang="en-US" sz="1100" dirty="0">
-                <a:solidFill>
-                  <a:srgbClr val="272364"/>
-                </a:solidFill>
-                <a:latin typeface="Calibri" panose="020F0502020204030204" pitchFamily="34" charset="0"/>
-                <a:cs typeface="Calibri" panose="020F0502020204030204" pitchFamily="34" charset="0"/>
-              </a:rPr>
-              <a:t>Dashboard</a:t>
-            </a:r>
-          </a:p>
-        </p:txBody>
-      </p:sp>
-      <p:sp>
-        <p:nvSpPr>
-          <p:cNvPr id="11" name="Google Shape;79;p15">
-            <a:extLst>
-              <a:ext uri="{FF2B5EF4-FFF2-40B4-BE49-F238E27FC236}">
-                <a16:creationId xmlns:a16="http://schemas.microsoft.com/office/drawing/2014/main" id="{E864C77B-D2C6-8D46-839A-D148EBF3FB45}"/>
-              </a:ext>
-            </a:extLst>
-          </p:cNvPr>
-          <p:cNvSpPr txBox="1">
-            <a:spLocks/>
-          </p:cNvSpPr>
-          <p:nvPr/>
-        </p:nvSpPr>
-        <p:spPr>
-          <a:xfrm>
-            <a:off x="6297578" y="594709"/>
-            <a:ext cx="892249" cy="312588"/>
-          </a:xfrm>
-          <a:prstGeom prst="rect">
-            <a:avLst/>
-          </a:prstGeom>
-          <a:noFill/>
-          <a:ln>
-            <a:noFill/>
-          </a:ln>
-        </p:spPr>
-        <p:txBody>
-          <a:bodyPr spcFirstLastPara="1" wrap="square" lIns="0" tIns="0" rIns="0" bIns="0" anchor="ctr" anchorCtr="0">
-            <a:noAutofit/>
-          </a:bodyPr>
-          <a:lstStyle>
-            <a:defPPr marR="0" lvl="0" algn="l" rtl="0">
-              <a:lnSpc>
-                <a:spcPct val="100000"/>
-              </a:lnSpc>
-              <a:spcBef>
-                <a:spcPts val="0"/>
-              </a:spcBef>
-              <a:spcAft>
-                <a:spcPts val="0"/>
-              </a:spcAft>
-            </a:defPPr>
-            <a:lvl1pPr marR="0" lvl="0" algn="l" rtl="0">
-              <a:lnSpc>
-                <a:spcPct val="90000"/>
-              </a:lnSpc>
-              <a:spcBef>
-                <a:spcPts val="0"/>
-              </a:spcBef>
-              <a:spcAft>
-                <a:spcPts val="0"/>
-              </a:spcAft>
-              <a:buClr>
-                <a:schemeClr val="dk1"/>
-              </a:buClr>
-              <a:buSzPts val="5000"/>
-              <a:buFont typeface="Playfair Display Regular"/>
-              <a:buNone/>
-              <a:defRPr sz="5000" b="0" i="0" u="none" strike="noStrike" cap="none">
-                <a:solidFill>
-                  <a:schemeClr val="dk1"/>
-                </a:solidFill>
-                <a:latin typeface="Playfair Display Regular"/>
-                <a:ea typeface="Playfair Display Regular"/>
-                <a:cs typeface="Playfair Display Regular"/>
-                <a:sym typeface="Playfair Display Regular"/>
-              </a:defRPr>
-            </a:lvl1pPr>
-            <a:lvl2pPr marR="0" lvl="1" algn="l" rtl="0">
-              <a:lnSpc>
-                <a:spcPct val="90000"/>
-              </a:lnSpc>
-              <a:spcBef>
-                <a:spcPts val="0"/>
-              </a:spcBef>
-              <a:spcAft>
-                <a:spcPts val="0"/>
-              </a:spcAft>
-              <a:buClr>
-                <a:schemeClr val="dk1"/>
-              </a:buClr>
-              <a:buSzPts val="5000"/>
-              <a:buFont typeface="Playfair Display Regular"/>
-              <a:buNone/>
-              <a:defRPr sz="5000" b="0" i="0" u="none" strike="noStrike" cap="none">
-                <a:solidFill>
-                  <a:schemeClr val="dk1"/>
-                </a:solidFill>
-                <a:latin typeface="Playfair Display Regular"/>
-                <a:ea typeface="Playfair Display Regular"/>
-                <a:cs typeface="Playfair Display Regular"/>
-                <a:sym typeface="Playfair Display Regular"/>
-              </a:defRPr>
-            </a:lvl2pPr>
-            <a:lvl3pPr marR="0" lvl="2" algn="l" rtl="0">
-              <a:lnSpc>
-                <a:spcPct val="90000"/>
-              </a:lnSpc>
-              <a:spcBef>
-                <a:spcPts val="0"/>
-              </a:spcBef>
-              <a:spcAft>
-                <a:spcPts val="0"/>
-              </a:spcAft>
-              <a:buClr>
-                <a:schemeClr val="dk1"/>
-              </a:buClr>
-              <a:buSzPts val="5000"/>
-              <a:buFont typeface="Playfair Display Regular"/>
-              <a:buNone/>
-              <a:defRPr sz="5000" b="0" i="0" u="none" strike="noStrike" cap="none">
-                <a:solidFill>
-                  <a:schemeClr val="dk1"/>
-                </a:solidFill>
-                <a:latin typeface="Playfair Display Regular"/>
-                <a:ea typeface="Playfair Display Regular"/>
-                <a:cs typeface="Playfair Display Regular"/>
-                <a:sym typeface="Playfair Display Regular"/>
-              </a:defRPr>
-            </a:lvl3pPr>
-            <a:lvl4pPr marR="0" lvl="3" algn="l" rtl="0">
-              <a:lnSpc>
-                <a:spcPct val="90000"/>
-              </a:lnSpc>
-              <a:spcBef>
-                <a:spcPts val="0"/>
-              </a:spcBef>
-              <a:spcAft>
-                <a:spcPts val="0"/>
-              </a:spcAft>
-              <a:buClr>
-                <a:schemeClr val="dk1"/>
-              </a:buClr>
-              <a:buSzPts val="5000"/>
-              <a:buFont typeface="Playfair Display Regular"/>
-              <a:buNone/>
-              <a:defRPr sz="5000" b="0" i="0" u="none" strike="noStrike" cap="none">
-                <a:solidFill>
-                  <a:schemeClr val="dk1"/>
-                </a:solidFill>
-                <a:latin typeface="Playfair Display Regular"/>
-                <a:ea typeface="Playfair Display Regular"/>
-                <a:cs typeface="Playfair Display Regular"/>
-                <a:sym typeface="Playfair Display Regular"/>
-              </a:defRPr>
-            </a:lvl4pPr>
-            <a:lvl5pPr marR="0" lvl="4" algn="l" rtl="0">
-              <a:lnSpc>
-                <a:spcPct val="90000"/>
-              </a:lnSpc>
-              <a:spcBef>
-                <a:spcPts val="0"/>
-              </a:spcBef>
-              <a:spcAft>
-                <a:spcPts val="0"/>
-              </a:spcAft>
-              <a:buClr>
-                <a:schemeClr val="dk1"/>
-              </a:buClr>
-              <a:buSzPts val="5000"/>
-              <a:buFont typeface="Playfair Display Regular"/>
-              <a:buNone/>
-              <a:defRPr sz="5000" b="0" i="0" u="none" strike="noStrike" cap="none">
-                <a:solidFill>
-                  <a:schemeClr val="dk1"/>
-                </a:solidFill>
-                <a:latin typeface="Playfair Display Regular"/>
-                <a:ea typeface="Playfair Display Regular"/>
-                <a:cs typeface="Playfair Display Regular"/>
-                <a:sym typeface="Playfair Display Regular"/>
-              </a:defRPr>
-            </a:lvl5pPr>
-            <a:lvl6pPr marR="0" lvl="5" algn="l" rtl="0">
-              <a:lnSpc>
-                <a:spcPct val="90000"/>
-              </a:lnSpc>
-              <a:spcBef>
-                <a:spcPts val="0"/>
-              </a:spcBef>
-              <a:spcAft>
-                <a:spcPts val="0"/>
-              </a:spcAft>
-              <a:buClr>
-                <a:schemeClr val="dk1"/>
-              </a:buClr>
-              <a:buSzPts val="5000"/>
-              <a:buFont typeface="Playfair Display Regular"/>
-              <a:buNone/>
-              <a:defRPr sz="5000" b="0" i="0" u="none" strike="noStrike" cap="none">
-                <a:solidFill>
-                  <a:schemeClr val="dk1"/>
-                </a:solidFill>
-                <a:latin typeface="Playfair Display Regular"/>
-                <a:ea typeface="Playfair Display Regular"/>
-                <a:cs typeface="Playfair Display Regular"/>
-                <a:sym typeface="Playfair Display Regular"/>
-              </a:defRPr>
-            </a:lvl6pPr>
-            <a:lvl7pPr marR="0" lvl="6" algn="l" rtl="0">
-              <a:lnSpc>
-                <a:spcPct val="90000"/>
-              </a:lnSpc>
-              <a:spcBef>
-                <a:spcPts val="0"/>
-              </a:spcBef>
-              <a:spcAft>
-                <a:spcPts val="0"/>
-              </a:spcAft>
-              <a:buClr>
-                <a:schemeClr val="dk1"/>
-              </a:buClr>
-              <a:buSzPts val="5000"/>
-              <a:buFont typeface="Playfair Display Regular"/>
-              <a:buNone/>
-              <a:defRPr sz="5000" b="0" i="0" u="none" strike="noStrike" cap="none">
-                <a:solidFill>
-                  <a:schemeClr val="dk1"/>
-                </a:solidFill>
-                <a:latin typeface="Playfair Display Regular"/>
-                <a:ea typeface="Playfair Display Regular"/>
-                <a:cs typeface="Playfair Display Regular"/>
-                <a:sym typeface="Playfair Display Regular"/>
-              </a:defRPr>
-            </a:lvl7pPr>
-            <a:lvl8pPr marR="0" lvl="7" algn="l" rtl="0">
-              <a:lnSpc>
-                <a:spcPct val="90000"/>
-              </a:lnSpc>
-              <a:spcBef>
-                <a:spcPts val="0"/>
-              </a:spcBef>
-              <a:spcAft>
-                <a:spcPts val="0"/>
-              </a:spcAft>
-              <a:buClr>
-                <a:schemeClr val="dk1"/>
-              </a:buClr>
-              <a:buSzPts val="5000"/>
-              <a:buFont typeface="Playfair Display Regular"/>
-              <a:buNone/>
-              <a:defRPr sz="5000" b="0" i="0" u="none" strike="noStrike" cap="none">
-                <a:solidFill>
-                  <a:schemeClr val="dk1"/>
-                </a:solidFill>
-                <a:latin typeface="Playfair Display Regular"/>
-                <a:ea typeface="Playfair Display Regular"/>
-                <a:cs typeface="Playfair Display Regular"/>
-                <a:sym typeface="Playfair Display Regular"/>
-              </a:defRPr>
-            </a:lvl8pPr>
-            <a:lvl9pPr marR="0" lvl="8" algn="l" rtl="0">
-              <a:lnSpc>
-                <a:spcPct val="90000"/>
-              </a:lnSpc>
-              <a:spcBef>
-                <a:spcPts val="0"/>
-              </a:spcBef>
-              <a:spcAft>
-                <a:spcPts val="0"/>
-              </a:spcAft>
-              <a:buClr>
-                <a:schemeClr val="dk1"/>
-              </a:buClr>
-              <a:buSzPts val="5000"/>
-              <a:buFont typeface="Playfair Display Regular"/>
-              <a:buNone/>
-              <a:defRPr sz="5000" b="0" i="0" u="none" strike="noStrike" cap="none">
-                <a:solidFill>
-                  <a:schemeClr val="dk1"/>
-                </a:solidFill>
-                <a:latin typeface="Playfair Display Regular"/>
-                <a:ea typeface="Playfair Display Regular"/>
-                <a:cs typeface="Playfair Display Regular"/>
-                <a:sym typeface="Playfair Display Regular"/>
-              </a:defRPr>
-            </a:lvl9pPr>
-          </a:lstStyle>
-          <a:p>
-            <a:r>
-              <a:rPr lang="en-US" sz="1100" dirty="0">
-                <a:solidFill>
-                  <a:srgbClr val="272364"/>
-                </a:solidFill>
-                <a:latin typeface="Calibri" panose="020F0502020204030204" pitchFamily="34" charset="0"/>
-                <a:cs typeface="Calibri" panose="020F0502020204030204" pitchFamily="34" charset="0"/>
-                <a:hlinkClick r:id="rId6" action="ppaction://hlinksldjump"/>
-              </a:rPr>
-              <a:t>About us</a:t>
-            </a:r>
-            <a:endParaRPr lang="en-US" sz="1100" dirty="0">
-              <a:solidFill>
-                <a:srgbClr val="272364"/>
-              </a:solidFill>
-              <a:latin typeface="Calibri" panose="020F0502020204030204" pitchFamily="34" charset="0"/>
-              <a:cs typeface="Calibri" panose="020F0502020204030204" pitchFamily="34" charset="0"/>
-            </a:endParaRPr>
-          </a:p>
-        </p:txBody>
-      </p:sp>
-      <p:sp>
-        <p:nvSpPr>
-          <p:cNvPr id="12" name="Google Shape;79;p15">
-            <a:extLst>
-              <a:ext uri="{FF2B5EF4-FFF2-40B4-BE49-F238E27FC236}">
-                <a16:creationId xmlns:a16="http://schemas.microsoft.com/office/drawing/2014/main" id="{ECDBA6EF-AD52-A74D-BD26-1595F0DC5522}"/>
-              </a:ext>
-            </a:extLst>
-          </p:cNvPr>
-          <p:cNvSpPr txBox="1">
-            <a:spLocks/>
-          </p:cNvSpPr>
-          <p:nvPr/>
-        </p:nvSpPr>
-        <p:spPr>
-          <a:xfrm>
-            <a:off x="8416961" y="594709"/>
-            <a:ext cx="365608" cy="312588"/>
-          </a:xfrm>
-          <a:prstGeom prst="rect">
-            <a:avLst/>
-          </a:prstGeom>
-          <a:noFill/>
-          <a:ln>
-            <a:noFill/>
-          </a:ln>
-        </p:spPr>
-        <p:txBody>
-          <a:bodyPr spcFirstLastPara="1" wrap="square" lIns="0" tIns="0" rIns="0" bIns="0" anchor="ctr" anchorCtr="0">
-            <a:noAutofit/>
-          </a:bodyPr>
-          <a:lstStyle>
-            <a:defPPr marR="0" lvl="0" algn="l" rtl="0">
-              <a:lnSpc>
-                <a:spcPct val="100000"/>
-              </a:lnSpc>
-              <a:spcBef>
-                <a:spcPts val="0"/>
-              </a:spcBef>
-              <a:spcAft>
-                <a:spcPts val="0"/>
-              </a:spcAft>
-            </a:defPPr>
-            <a:lvl1pPr marR="0" lvl="0" algn="l" rtl="0">
-              <a:lnSpc>
-                <a:spcPct val="90000"/>
-              </a:lnSpc>
-              <a:spcBef>
-                <a:spcPts val="0"/>
-              </a:spcBef>
-              <a:spcAft>
-                <a:spcPts val="0"/>
-              </a:spcAft>
-              <a:buClr>
-                <a:schemeClr val="dk1"/>
-              </a:buClr>
-              <a:buSzPts val="5000"/>
-              <a:buFont typeface="Playfair Display Regular"/>
-              <a:buNone/>
-              <a:defRPr sz="5000" b="0" i="0" u="none" strike="noStrike" cap="none">
-                <a:solidFill>
-                  <a:schemeClr val="dk1"/>
-                </a:solidFill>
-                <a:latin typeface="Playfair Display Regular"/>
-                <a:ea typeface="Playfair Display Regular"/>
-                <a:cs typeface="Playfair Display Regular"/>
-                <a:sym typeface="Playfair Display Regular"/>
-              </a:defRPr>
-            </a:lvl1pPr>
-            <a:lvl2pPr marR="0" lvl="1" algn="l" rtl="0">
-              <a:lnSpc>
-                <a:spcPct val="90000"/>
-              </a:lnSpc>
-              <a:spcBef>
-                <a:spcPts val="0"/>
-              </a:spcBef>
-              <a:spcAft>
-                <a:spcPts val="0"/>
-              </a:spcAft>
-              <a:buClr>
-                <a:schemeClr val="dk1"/>
-              </a:buClr>
-              <a:buSzPts val="5000"/>
-              <a:buFont typeface="Playfair Display Regular"/>
-              <a:buNone/>
-              <a:defRPr sz="5000" b="0" i="0" u="none" strike="noStrike" cap="none">
-                <a:solidFill>
-                  <a:schemeClr val="dk1"/>
-                </a:solidFill>
-                <a:latin typeface="Playfair Display Regular"/>
-                <a:ea typeface="Playfair Display Regular"/>
-                <a:cs typeface="Playfair Display Regular"/>
-                <a:sym typeface="Playfair Display Regular"/>
-              </a:defRPr>
-            </a:lvl2pPr>
-            <a:lvl3pPr marR="0" lvl="2" algn="l" rtl="0">
-              <a:lnSpc>
-                <a:spcPct val="90000"/>
-              </a:lnSpc>
-              <a:spcBef>
-                <a:spcPts val="0"/>
-              </a:spcBef>
-              <a:spcAft>
-                <a:spcPts val="0"/>
-              </a:spcAft>
-              <a:buClr>
-                <a:schemeClr val="dk1"/>
-              </a:buClr>
-              <a:buSzPts val="5000"/>
-              <a:buFont typeface="Playfair Display Regular"/>
-              <a:buNone/>
-              <a:defRPr sz="5000" b="0" i="0" u="none" strike="noStrike" cap="none">
-                <a:solidFill>
-                  <a:schemeClr val="dk1"/>
-                </a:solidFill>
-                <a:latin typeface="Playfair Display Regular"/>
-                <a:ea typeface="Playfair Display Regular"/>
-                <a:cs typeface="Playfair Display Regular"/>
-                <a:sym typeface="Playfair Display Regular"/>
-              </a:defRPr>
-            </a:lvl3pPr>
-            <a:lvl4pPr marR="0" lvl="3" algn="l" rtl="0">
-              <a:lnSpc>
-                <a:spcPct val="90000"/>
-              </a:lnSpc>
-              <a:spcBef>
-                <a:spcPts val="0"/>
-              </a:spcBef>
-              <a:spcAft>
-                <a:spcPts val="0"/>
-              </a:spcAft>
-              <a:buClr>
-                <a:schemeClr val="dk1"/>
-              </a:buClr>
-              <a:buSzPts val="5000"/>
-              <a:buFont typeface="Playfair Display Regular"/>
-              <a:buNone/>
-              <a:defRPr sz="5000" b="0" i="0" u="none" strike="noStrike" cap="none">
-                <a:solidFill>
-                  <a:schemeClr val="dk1"/>
-                </a:solidFill>
-                <a:latin typeface="Playfair Display Regular"/>
-                <a:ea typeface="Playfair Display Regular"/>
-                <a:cs typeface="Playfair Display Regular"/>
-                <a:sym typeface="Playfair Display Regular"/>
-              </a:defRPr>
-            </a:lvl4pPr>
-            <a:lvl5pPr marR="0" lvl="4" algn="l" rtl="0">
-              <a:lnSpc>
-                <a:spcPct val="90000"/>
-              </a:lnSpc>
-              <a:spcBef>
-                <a:spcPts val="0"/>
-              </a:spcBef>
-              <a:spcAft>
-                <a:spcPts val="0"/>
-              </a:spcAft>
-              <a:buClr>
-                <a:schemeClr val="dk1"/>
-              </a:buClr>
-              <a:buSzPts val="5000"/>
-              <a:buFont typeface="Playfair Display Regular"/>
-              <a:buNone/>
-              <a:defRPr sz="5000" b="0" i="0" u="none" strike="noStrike" cap="none">
-                <a:solidFill>
-                  <a:schemeClr val="dk1"/>
-                </a:solidFill>
-                <a:latin typeface="Playfair Display Regular"/>
-                <a:ea typeface="Playfair Display Regular"/>
-                <a:cs typeface="Playfair Display Regular"/>
-                <a:sym typeface="Playfair Display Regular"/>
-              </a:defRPr>
-            </a:lvl5pPr>
-            <a:lvl6pPr marR="0" lvl="5" algn="l" rtl="0">
-              <a:lnSpc>
-                <a:spcPct val="90000"/>
-              </a:lnSpc>
-              <a:spcBef>
-                <a:spcPts val="0"/>
-              </a:spcBef>
-              <a:spcAft>
-                <a:spcPts val="0"/>
-              </a:spcAft>
-              <a:buClr>
-                <a:schemeClr val="dk1"/>
-              </a:buClr>
-              <a:buSzPts val="5000"/>
-              <a:buFont typeface="Playfair Display Regular"/>
-              <a:buNone/>
-              <a:defRPr sz="5000" b="0" i="0" u="none" strike="noStrike" cap="none">
-                <a:solidFill>
-                  <a:schemeClr val="dk1"/>
-                </a:solidFill>
-                <a:latin typeface="Playfair Display Regular"/>
-                <a:ea typeface="Playfair Display Regular"/>
-                <a:cs typeface="Playfair Display Regular"/>
-                <a:sym typeface="Playfair Display Regular"/>
-              </a:defRPr>
-            </a:lvl6pPr>
-            <a:lvl7pPr marR="0" lvl="6" algn="l" rtl="0">
-              <a:lnSpc>
-                <a:spcPct val="90000"/>
-              </a:lnSpc>
-              <a:spcBef>
-                <a:spcPts val="0"/>
-              </a:spcBef>
-              <a:spcAft>
-                <a:spcPts val="0"/>
-              </a:spcAft>
-              <a:buClr>
-                <a:schemeClr val="dk1"/>
-              </a:buClr>
-              <a:buSzPts val="5000"/>
-              <a:buFont typeface="Playfair Display Regular"/>
-              <a:buNone/>
-              <a:defRPr sz="5000" b="0" i="0" u="none" strike="noStrike" cap="none">
-                <a:solidFill>
-                  <a:schemeClr val="dk1"/>
-                </a:solidFill>
-                <a:latin typeface="Playfair Display Regular"/>
-                <a:ea typeface="Playfair Display Regular"/>
-                <a:cs typeface="Playfair Display Regular"/>
-                <a:sym typeface="Playfair Display Regular"/>
-              </a:defRPr>
-            </a:lvl7pPr>
-            <a:lvl8pPr marR="0" lvl="7" algn="l" rtl="0">
-              <a:lnSpc>
-                <a:spcPct val="90000"/>
-              </a:lnSpc>
-              <a:spcBef>
-                <a:spcPts val="0"/>
-              </a:spcBef>
-              <a:spcAft>
-                <a:spcPts val="0"/>
-              </a:spcAft>
-              <a:buClr>
-                <a:schemeClr val="dk1"/>
-              </a:buClr>
-              <a:buSzPts val="5000"/>
-              <a:buFont typeface="Playfair Display Regular"/>
-              <a:buNone/>
-              <a:defRPr sz="5000" b="0" i="0" u="none" strike="noStrike" cap="none">
-                <a:solidFill>
-                  <a:schemeClr val="dk1"/>
-                </a:solidFill>
-                <a:latin typeface="Playfair Display Regular"/>
-                <a:ea typeface="Playfair Display Regular"/>
-                <a:cs typeface="Playfair Display Regular"/>
-                <a:sym typeface="Playfair Display Regular"/>
-              </a:defRPr>
-            </a:lvl8pPr>
-            <a:lvl9pPr marR="0" lvl="8" algn="l" rtl="0">
-              <a:lnSpc>
-                <a:spcPct val="90000"/>
-              </a:lnSpc>
-              <a:spcBef>
-                <a:spcPts val="0"/>
-              </a:spcBef>
-              <a:spcAft>
-                <a:spcPts val="0"/>
-              </a:spcAft>
-              <a:buClr>
-                <a:schemeClr val="dk1"/>
-              </a:buClr>
-              <a:buSzPts val="5000"/>
-              <a:buFont typeface="Playfair Display Regular"/>
-              <a:buNone/>
-              <a:defRPr sz="5000" b="0" i="0" u="none" strike="noStrike" cap="none">
-                <a:solidFill>
-                  <a:schemeClr val="dk1"/>
-                </a:solidFill>
-                <a:latin typeface="Playfair Display Regular"/>
-                <a:ea typeface="Playfair Display Regular"/>
-                <a:cs typeface="Playfair Display Regular"/>
-                <a:sym typeface="Playfair Display Regular"/>
-              </a:defRPr>
-            </a:lvl9pPr>
-          </a:lstStyle>
-          <a:p>
-            <a:r>
-              <a:rPr lang="en-US" sz="1100" dirty="0">
-                <a:solidFill>
-                  <a:srgbClr val="272364"/>
-                </a:solidFill>
-                <a:latin typeface="Calibri" panose="020F0502020204030204" pitchFamily="34" charset="0"/>
-                <a:cs typeface="Calibri" panose="020F0502020204030204" pitchFamily="34" charset="0"/>
-                <a:hlinkClick r:id="rId3" action="ppaction://hlinksldjump"/>
-              </a:rPr>
-              <a:t>Login</a:t>
-            </a:r>
-            <a:endParaRPr lang="en-US" sz="1100" dirty="0">
-              <a:solidFill>
-                <a:srgbClr val="272364"/>
-              </a:solidFill>
-              <a:latin typeface="Calibri" panose="020F0502020204030204" pitchFamily="34" charset="0"/>
-              <a:cs typeface="Calibri" panose="020F0502020204030204" pitchFamily="34" charset="0"/>
-            </a:endParaRPr>
-          </a:p>
-        </p:txBody>
-      </p:sp>
-      <p:sp>
-        <p:nvSpPr>
-          <p:cNvPr id="13" name="Google Shape;79;p15">
-            <a:extLst>
-              <a:ext uri="{FF2B5EF4-FFF2-40B4-BE49-F238E27FC236}">
-                <a16:creationId xmlns:a16="http://schemas.microsoft.com/office/drawing/2014/main" id="{7065FEC3-9551-9F41-9DCD-B24AFABE7EE6}"/>
-              </a:ext>
-            </a:extLst>
-          </p:cNvPr>
-          <p:cNvSpPr txBox="1">
-            <a:spLocks/>
-          </p:cNvSpPr>
-          <p:nvPr/>
-        </p:nvSpPr>
-        <p:spPr>
-          <a:xfrm>
-            <a:off x="7124923" y="594709"/>
-            <a:ext cx="1017591" cy="312588"/>
-          </a:xfrm>
-          <a:prstGeom prst="rect">
-            <a:avLst/>
-          </a:prstGeom>
-          <a:noFill/>
-          <a:ln>
-            <a:noFill/>
-          </a:ln>
-        </p:spPr>
-        <p:txBody>
-          <a:bodyPr spcFirstLastPara="1" wrap="square" lIns="0" tIns="0" rIns="0" bIns="0" anchor="ctr" anchorCtr="0">
-            <a:noAutofit/>
-          </a:bodyPr>
-          <a:lstStyle>
-            <a:defPPr marR="0" lvl="0" algn="l" rtl="0">
-              <a:lnSpc>
-                <a:spcPct val="100000"/>
-              </a:lnSpc>
-              <a:spcBef>
-                <a:spcPts val="0"/>
-              </a:spcBef>
-              <a:spcAft>
-                <a:spcPts val="0"/>
-              </a:spcAft>
-            </a:defPPr>
-            <a:lvl1pPr marR="0" lvl="0" algn="l" rtl="0">
-              <a:lnSpc>
-                <a:spcPct val="90000"/>
-              </a:lnSpc>
-              <a:spcBef>
-                <a:spcPts val="0"/>
-              </a:spcBef>
-              <a:spcAft>
-                <a:spcPts val="0"/>
-              </a:spcAft>
-              <a:buClr>
-                <a:schemeClr val="dk1"/>
-              </a:buClr>
-              <a:buSzPts val="5000"/>
-              <a:buFont typeface="Playfair Display Regular"/>
-              <a:buNone/>
-              <a:defRPr sz="5000" b="0" i="0" u="none" strike="noStrike" cap="none">
-                <a:solidFill>
-                  <a:schemeClr val="dk1"/>
-                </a:solidFill>
-                <a:latin typeface="Playfair Display Regular"/>
-                <a:ea typeface="Playfair Display Regular"/>
-                <a:cs typeface="Playfair Display Regular"/>
-                <a:sym typeface="Playfair Display Regular"/>
-              </a:defRPr>
-            </a:lvl1pPr>
-            <a:lvl2pPr marR="0" lvl="1" algn="l" rtl="0">
-              <a:lnSpc>
-                <a:spcPct val="90000"/>
-              </a:lnSpc>
-              <a:spcBef>
-                <a:spcPts val="0"/>
-              </a:spcBef>
-              <a:spcAft>
-                <a:spcPts val="0"/>
-              </a:spcAft>
-              <a:buClr>
-                <a:schemeClr val="dk1"/>
-              </a:buClr>
-              <a:buSzPts val="5000"/>
-              <a:buFont typeface="Playfair Display Regular"/>
-              <a:buNone/>
-              <a:defRPr sz="5000" b="0" i="0" u="none" strike="noStrike" cap="none">
-                <a:solidFill>
-                  <a:schemeClr val="dk1"/>
-                </a:solidFill>
-                <a:latin typeface="Playfair Display Regular"/>
-                <a:ea typeface="Playfair Display Regular"/>
-                <a:cs typeface="Playfair Display Regular"/>
-                <a:sym typeface="Playfair Display Regular"/>
-              </a:defRPr>
-            </a:lvl2pPr>
-            <a:lvl3pPr marR="0" lvl="2" algn="l" rtl="0">
-              <a:lnSpc>
-                <a:spcPct val="90000"/>
-              </a:lnSpc>
-              <a:spcBef>
-                <a:spcPts val="0"/>
-              </a:spcBef>
-              <a:spcAft>
-                <a:spcPts val="0"/>
-              </a:spcAft>
-              <a:buClr>
-                <a:schemeClr val="dk1"/>
-              </a:buClr>
-              <a:buSzPts val="5000"/>
-              <a:buFont typeface="Playfair Display Regular"/>
-              <a:buNone/>
-              <a:defRPr sz="5000" b="0" i="0" u="none" strike="noStrike" cap="none">
-                <a:solidFill>
-                  <a:schemeClr val="dk1"/>
-                </a:solidFill>
-                <a:latin typeface="Playfair Display Regular"/>
-                <a:ea typeface="Playfair Display Regular"/>
-                <a:cs typeface="Playfair Display Regular"/>
-                <a:sym typeface="Playfair Display Regular"/>
-              </a:defRPr>
-            </a:lvl3pPr>
-            <a:lvl4pPr marR="0" lvl="3" algn="l" rtl="0">
-              <a:lnSpc>
-                <a:spcPct val="90000"/>
-              </a:lnSpc>
-              <a:spcBef>
-                <a:spcPts val="0"/>
-              </a:spcBef>
-              <a:spcAft>
-                <a:spcPts val="0"/>
-              </a:spcAft>
-              <a:buClr>
-                <a:schemeClr val="dk1"/>
-              </a:buClr>
-              <a:buSzPts val="5000"/>
-              <a:buFont typeface="Playfair Display Regular"/>
-              <a:buNone/>
-              <a:defRPr sz="5000" b="0" i="0" u="none" strike="noStrike" cap="none">
-                <a:solidFill>
-                  <a:schemeClr val="dk1"/>
-                </a:solidFill>
-                <a:latin typeface="Playfair Display Regular"/>
-                <a:ea typeface="Playfair Display Regular"/>
-                <a:cs typeface="Playfair Display Regular"/>
-                <a:sym typeface="Playfair Display Regular"/>
-              </a:defRPr>
-            </a:lvl4pPr>
-            <a:lvl5pPr marR="0" lvl="4" algn="l" rtl="0">
-              <a:lnSpc>
-                <a:spcPct val="90000"/>
-              </a:lnSpc>
-              <a:spcBef>
-                <a:spcPts val="0"/>
-              </a:spcBef>
-              <a:spcAft>
-                <a:spcPts val="0"/>
-              </a:spcAft>
-              <a:buClr>
-                <a:schemeClr val="dk1"/>
-              </a:buClr>
-              <a:buSzPts val="5000"/>
-              <a:buFont typeface="Playfair Display Regular"/>
-              <a:buNone/>
-              <a:defRPr sz="5000" b="0" i="0" u="none" strike="noStrike" cap="none">
-                <a:solidFill>
-                  <a:schemeClr val="dk1"/>
-                </a:solidFill>
-                <a:latin typeface="Playfair Display Regular"/>
-                <a:ea typeface="Playfair Display Regular"/>
-                <a:cs typeface="Playfair Display Regular"/>
-                <a:sym typeface="Playfair Display Regular"/>
-              </a:defRPr>
-            </a:lvl5pPr>
-            <a:lvl6pPr marR="0" lvl="5" algn="l" rtl="0">
-              <a:lnSpc>
-                <a:spcPct val="90000"/>
-              </a:lnSpc>
-              <a:spcBef>
-                <a:spcPts val="0"/>
-              </a:spcBef>
-              <a:spcAft>
-                <a:spcPts val="0"/>
-              </a:spcAft>
-              <a:buClr>
-                <a:schemeClr val="dk1"/>
-              </a:buClr>
-              <a:buSzPts val="5000"/>
-              <a:buFont typeface="Playfair Display Regular"/>
-              <a:buNone/>
-              <a:defRPr sz="5000" b="0" i="0" u="none" strike="noStrike" cap="none">
-                <a:solidFill>
-                  <a:schemeClr val="dk1"/>
-                </a:solidFill>
-                <a:latin typeface="Playfair Display Regular"/>
-                <a:ea typeface="Playfair Display Regular"/>
-                <a:cs typeface="Playfair Display Regular"/>
-                <a:sym typeface="Playfair Display Regular"/>
-              </a:defRPr>
-            </a:lvl6pPr>
-            <a:lvl7pPr marR="0" lvl="6" algn="l" rtl="0">
-              <a:lnSpc>
-                <a:spcPct val="90000"/>
-              </a:lnSpc>
-              <a:spcBef>
-                <a:spcPts val="0"/>
-              </a:spcBef>
-              <a:spcAft>
-                <a:spcPts val="0"/>
-              </a:spcAft>
-              <a:buClr>
-                <a:schemeClr val="dk1"/>
-              </a:buClr>
-              <a:buSzPts val="5000"/>
-              <a:buFont typeface="Playfair Display Regular"/>
-              <a:buNone/>
-              <a:defRPr sz="5000" b="0" i="0" u="none" strike="noStrike" cap="none">
-                <a:solidFill>
-                  <a:schemeClr val="dk1"/>
-                </a:solidFill>
-                <a:latin typeface="Playfair Display Regular"/>
-                <a:ea typeface="Playfair Display Regular"/>
-                <a:cs typeface="Playfair Display Regular"/>
-                <a:sym typeface="Playfair Display Regular"/>
-              </a:defRPr>
-            </a:lvl7pPr>
-            <a:lvl8pPr marR="0" lvl="7" algn="l" rtl="0">
-              <a:lnSpc>
-                <a:spcPct val="90000"/>
-              </a:lnSpc>
-              <a:spcBef>
-                <a:spcPts val="0"/>
-              </a:spcBef>
-              <a:spcAft>
-                <a:spcPts val="0"/>
-              </a:spcAft>
-              <a:buClr>
-                <a:schemeClr val="dk1"/>
-              </a:buClr>
-              <a:buSzPts val="5000"/>
-              <a:buFont typeface="Playfair Display Regular"/>
-              <a:buNone/>
-              <a:defRPr sz="5000" b="0" i="0" u="none" strike="noStrike" cap="none">
-                <a:solidFill>
-                  <a:schemeClr val="dk1"/>
-                </a:solidFill>
-                <a:latin typeface="Playfair Display Regular"/>
-                <a:ea typeface="Playfair Display Regular"/>
-                <a:cs typeface="Playfair Display Regular"/>
-                <a:sym typeface="Playfair Display Regular"/>
-              </a:defRPr>
-            </a:lvl8pPr>
-            <a:lvl9pPr marR="0" lvl="8" algn="l" rtl="0">
-              <a:lnSpc>
-                <a:spcPct val="90000"/>
-              </a:lnSpc>
-              <a:spcBef>
-                <a:spcPts val="0"/>
-              </a:spcBef>
-              <a:spcAft>
-                <a:spcPts val="0"/>
-              </a:spcAft>
-              <a:buClr>
-                <a:schemeClr val="dk1"/>
-              </a:buClr>
-              <a:buSzPts val="5000"/>
-              <a:buFont typeface="Playfair Display Regular"/>
-              <a:buNone/>
-              <a:defRPr sz="5000" b="0" i="0" u="none" strike="noStrike" cap="none">
-                <a:solidFill>
-                  <a:schemeClr val="dk1"/>
-                </a:solidFill>
-                <a:latin typeface="Playfair Display Regular"/>
-                <a:ea typeface="Playfair Display Regular"/>
-                <a:cs typeface="Playfair Display Regular"/>
-                <a:sym typeface="Playfair Display Regular"/>
-              </a:defRPr>
-            </a:lvl9pPr>
-          </a:lstStyle>
-          <a:p>
-            <a:r>
-              <a:rPr lang="en-US" sz="1100" dirty="0">
-                <a:solidFill>
-                  <a:srgbClr val="272364"/>
-                </a:solidFill>
-                <a:latin typeface="Calibri" panose="020F0502020204030204" pitchFamily="34" charset="0"/>
-                <a:cs typeface="Calibri" panose="020F0502020204030204" pitchFamily="34" charset="0"/>
-                <a:hlinkClick r:id="rId3" action="ppaction://hlinksldjump"/>
-              </a:rPr>
-              <a:t>Getting started</a:t>
-            </a:r>
-            <a:endParaRPr lang="en-US" sz="1100" dirty="0">
-              <a:solidFill>
-                <a:srgbClr val="272364"/>
-              </a:solidFill>
-              <a:latin typeface="Calibri" panose="020F0502020204030204" pitchFamily="34" charset="0"/>
-              <a:cs typeface="Calibri" panose="020F0502020204030204" pitchFamily="34" charset="0"/>
-            </a:endParaRPr>
-          </a:p>
-        </p:txBody>
-      </p:sp>
-      <p:sp>
-        <p:nvSpPr>
           <p:cNvPr id="10" name="TextBox 9">
             <a:extLst>
               <a:ext uri="{FF2B5EF4-FFF2-40B4-BE49-F238E27FC236}">
@@ -4470,7 +2330,7 @@
           <p:nvPr/>
         </p:nvPicPr>
         <p:blipFill>
-          <a:blip r:embed="rId7"/>
+          <a:blip r:embed="rId6"/>
           <a:stretch>
             <a:fillRect/>
           </a:stretch>
@@ -4541,7 +2401,7 @@
           <p:nvPr/>
         </p:nvPicPr>
         <p:blipFill>
-          <a:blip r:embed="rId8"/>
+          <a:blip r:embed="rId7"/>
           <a:stretch>
             <a:fillRect/>
           </a:stretch>
@@ -4664,6 +2524,1473 @@
               <a:latin typeface="Calibri" panose="020F0502020204030204" pitchFamily="34" charset="0"/>
               <a:cs typeface="Calibri" panose="020F0502020204030204" pitchFamily="34" charset="0"/>
             </a:endParaRPr>
+          </a:p>
+        </p:txBody>
+      </p:sp>
+      <p:sp>
+        <p:nvSpPr>
+          <p:cNvPr id="16" name="Google Shape;79;p15">
+            <a:extLst>
+              <a:ext uri="{FF2B5EF4-FFF2-40B4-BE49-F238E27FC236}">
+                <a16:creationId xmlns:a16="http://schemas.microsoft.com/office/drawing/2014/main" id="{68732B6F-DDFE-493A-9915-892518C400AD}"/>
+              </a:ext>
+            </a:extLst>
+          </p:cNvPr>
+          <p:cNvSpPr txBox="1">
+            <a:spLocks/>
+          </p:cNvSpPr>
+          <p:nvPr/>
+        </p:nvSpPr>
+        <p:spPr>
+          <a:xfrm>
+            <a:off x="4665921" y="609404"/>
+            <a:ext cx="414670" cy="312588"/>
+          </a:xfrm>
+          <a:prstGeom prst="rect">
+            <a:avLst/>
+          </a:prstGeom>
+          <a:noFill/>
+          <a:ln>
+            <a:noFill/>
+          </a:ln>
+        </p:spPr>
+        <p:txBody>
+          <a:bodyPr spcFirstLastPara="1" wrap="square" lIns="0" tIns="0" rIns="0" bIns="0" anchor="ctr" anchorCtr="0">
+            <a:noAutofit/>
+          </a:bodyPr>
+          <a:lstStyle>
+            <a:defPPr marR="0" lvl="0" algn="l" rtl="0">
+              <a:lnSpc>
+                <a:spcPct val="100000"/>
+              </a:lnSpc>
+              <a:spcBef>
+                <a:spcPts val="0"/>
+              </a:spcBef>
+              <a:spcAft>
+                <a:spcPts val="0"/>
+              </a:spcAft>
+            </a:defPPr>
+            <a:lvl1pPr marR="0" lvl="0" algn="l" rtl="0">
+              <a:lnSpc>
+                <a:spcPct val="90000"/>
+              </a:lnSpc>
+              <a:spcBef>
+                <a:spcPts val="0"/>
+              </a:spcBef>
+              <a:spcAft>
+                <a:spcPts val="0"/>
+              </a:spcAft>
+              <a:buClr>
+                <a:schemeClr val="dk1"/>
+              </a:buClr>
+              <a:buSzPts val="3200"/>
+              <a:buFont typeface="Playfair Display Regular"/>
+              <a:buNone/>
+              <a:defRPr sz="3200" b="0" i="0" u="none" strike="noStrike" cap="none">
+                <a:solidFill>
+                  <a:schemeClr val="dk1"/>
+                </a:solidFill>
+                <a:latin typeface="Playfair Display Regular"/>
+                <a:ea typeface="Playfair Display Regular"/>
+                <a:cs typeface="Playfair Display Regular"/>
+                <a:sym typeface="Playfair Display Regular"/>
+              </a:defRPr>
+            </a:lvl1pPr>
+            <a:lvl2pPr marR="0" lvl="1" algn="l" rtl="0">
+              <a:lnSpc>
+                <a:spcPct val="90000"/>
+              </a:lnSpc>
+              <a:spcBef>
+                <a:spcPts val="0"/>
+              </a:spcBef>
+              <a:spcAft>
+                <a:spcPts val="0"/>
+              </a:spcAft>
+              <a:buClr>
+                <a:schemeClr val="dk1"/>
+              </a:buClr>
+              <a:buSzPts val="3200"/>
+              <a:buFont typeface="Playfair Display Regular"/>
+              <a:buNone/>
+              <a:defRPr sz="3200" b="0" i="0" u="none" strike="noStrike" cap="none">
+                <a:solidFill>
+                  <a:schemeClr val="dk1"/>
+                </a:solidFill>
+                <a:latin typeface="Playfair Display Regular"/>
+                <a:ea typeface="Playfair Display Regular"/>
+                <a:cs typeface="Playfair Display Regular"/>
+                <a:sym typeface="Playfair Display Regular"/>
+              </a:defRPr>
+            </a:lvl2pPr>
+            <a:lvl3pPr marR="0" lvl="2" algn="l" rtl="0">
+              <a:lnSpc>
+                <a:spcPct val="90000"/>
+              </a:lnSpc>
+              <a:spcBef>
+                <a:spcPts val="0"/>
+              </a:spcBef>
+              <a:spcAft>
+                <a:spcPts val="0"/>
+              </a:spcAft>
+              <a:buClr>
+                <a:schemeClr val="dk1"/>
+              </a:buClr>
+              <a:buSzPts val="3200"/>
+              <a:buFont typeface="Playfair Display Regular"/>
+              <a:buNone/>
+              <a:defRPr sz="3200" b="0" i="0" u="none" strike="noStrike" cap="none">
+                <a:solidFill>
+                  <a:schemeClr val="dk1"/>
+                </a:solidFill>
+                <a:latin typeface="Playfair Display Regular"/>
+                <a:ea typeface="Playfair Display Regular"/>
+                <a:cs typeface="Playfair Display Regular"/>
+                <a:sym typeface="Playfair Display Regular"/>
+              </a:defRPr>
+            </a:lvl3pPr>
+            <a:lvl4pPr marR="0" lvl="3" algn="l" rtl="0">
+              <a:lnSpc>
+                <a:spcPct val="90000"/>
+              </a:lnSpc>
+              <a:spcBef>
+                <a:spcPts val="0"/>
+              </a:spcBef>
+              <a:spcAft>
+                <a:spcPts val="0"/>
+              </a:spcAft>
+              <a:buClr>
+                <a:schemeClr val="dk1"/>
+              </a:buClr>
+              <a:buSzPts val="3200"/>
+              <a:buFont typeface="Playfair Display Regular"/>
+              <a:buNone/>
+              <a:defRPr sz="3200" b="0" i="0" u="none" strike="noStrike" cap="none">
+                <a:solidFill>
+                  <a:schemeClr val="dk1"/>
+                </a:solidFill>
+                <a:latin typeface="Playfair Display Regular"/>
+                <a:ea typeface="Playfair Display Regular"/>
+                <a:cs typeface="Playfair Display Regular"/>
+                <a:sym typeface="Playfair Display Regular"/>
+              </a:defRPr>
+            </a:lvl4pPr>
+            <a:lvl5pPr marR="0" lvl="4" algn="l" rtl="0">
+              <a:lnSpc>
+                <a:spcPct val="90000"/>
+              </a:lnSpc>
+              <a:spcBef>
+                <a:spcPts val="0"/>
+              </a:spcBef>
+              <a:spcAft>
+                <a:spcPts val="0"/>
+              </a:spcAft>
+              <a:buClr>
+                <a:schemeClr val="dk1"/>
+              </a:buClr>
+              <a:buSzPts val="3200"/>
+              <a:buFont typeface="Playfair Display Regular"/>
+              <a:buNone/>
+              <a:defRPr sz="3200" b="0" i="0" u="none" strike="noStrike" cap="none">
+                <a:solidFill>
+                  <a:schemeClr val="dk1"/>
+                </a:solidFill>
+                <a:latin typeface="Playfair Display Regular"/>
+                <a:ea typeface="Playfair Display Regular"/>
+                <a:cs typeface="Playfair Display Regular"/>
+                <a:sym typeface="Playfair Display Regular"/>
+              </a:defRPr>
+            </a:lvl5pPr>
+            <a:lvl6pPr marR="0" lvl="5" algn="l" rtl="0">
+              <a:lnSpc>
+                <a:spcPct val="90000"/>
+              </a:lnSpc>
+              <a:spcBef>
+                <a:spcPts val="0"/>
+              </a:spcBef>
+              <a:spcAft>
+                <a:spcPts val="0"/>
+              </a:spcAft>
+              <a:buClr>
+                <a:schemeClr val="dk1"/>
+              </a:buClr>
+              <a:buSzPts val="3200"/>
+              <a:buFont typeface="Playfair Display Regular"/>
+              <a:buNone/>
+              <a:defRPr sz="3200" b="0" i="0" u="none" strike="noStrike" cap="none">
+                <a:solidFill>
+                  <a:schemeClr val="dk1"/>
+                </a:solidFill>
+                <a:latin typeface="Playfair Display Regular"/>
+                <a:ea typeface="Playfair Display Regular"/>
+                <a:cs typeface="Playfair Display Regular"/>
+                <a:sym typeface="Playfair Display Regular"/>
+              </a:defRPr>
+            </a:lvl6pPr>
+            <a:lvl7pPr marR="0" lvl="6" algn="l" rtl="0">
+              <a:lnSpc>
+                <a:spcPct val="90000"/>
+              </a:lnSpc>
+              <a:spcBef>
+                <a:spcPts val="0"/>
+              </a:spcBef>
+              <a:spcAft>
+                <a:spcPts val="0"/>
+              </a:spcAft>
+              <a:buClr>
+                <a:schemeClr val="dk1"/>
+              </a:buClr>
+              <a:buSzPts val="3200"/>
+              <a:buFont typeface="Playfair Display Regular"/>
+              <a:buNone/>
+              <a:defRPr sz="3200" b="0" i="0" u="none" strike="noStrike" cap="none">
+                <a:solidFill>
+                  <a:schemeClr val="dk1"/>
+                </a:solidFill>
+                <a:latin typeface="Playfair Display Regular"/>
+                <a:ea typeface="Playfair Display Regular"/>
+                <a:cs typeface="Playfair Display Regular"/>
+                <a:sym typeface="Playfair Display Regular"/>
+              </a:defRPr>
+            </a:lvl7pPr>
+            <a:lvl8pPr marR="0" lvl="7" algn="l" rtl="0">
+              <a:lnSpc>
+                <a:spcPct val="90000"/>
+              </a:lnSpc>
+              <a:spcBef>
+                <a:spcPts val="0"/>
+              </a:spcBef>
+              <a:spcAft>
+                <a:spcPts val="0"/>
+              </a:spcAft>
+              <a:buClr>
+                <a:schemeClr val="dk1"/>
+              </a:buClr>
+              <a:buSzPts val="3200"/>
+              <a:buFont typeface="Playfair Display Regular"/>
+              <a:buNone/>
+              <a:defRPr sz="3200" b="0" i="0" u="none" strike="noStrike" cap="none">
+                <a:solidFill>
+                  <a:schemeClr val="dk1"/>
+                </a:solidFill>
+                <a:latin typeface="Playfair Display Regular"/>
+                <a:ea typeface="Playfair Display Regular"/>
+                <a:cs typeface="Playfair Display Regular"/>
+                <a:sym typeface="Playfair Display Regular"/>
+              </a:defRPr>
+            </a:lvl8pPr>
+            <a:lvl9pPr marR="0" lvl="8" algn="l" rtl="0">
+              <a:lnSpc>
+                <a:spcPct val="90000"/>
+              </a:lnSpc>
+              <a:spcBef>
+                <a:spcPts val="0"/>
+              </a:spcBef>
+              <a:spcAft>
+                <a:spcPts val="0"/>
+              </a:spcAft>
+              <a:buClr>
+                <a:schemeClr val="dk1"/>
+              </a:buClr>
+              <a:buSzPts val="3200"/>
+              <a:buFont typeface="Playfair Display Regular"/>
+              <a:buNone/>
+              <a:defRPr sz="3200" b="0" i="0" u="none" strike="noStrike" cap="none">
+                <a:solidFill>
+                  <a:schemeClr val="dk1"/>
+                </a:solidFill>
+                <a:latin typeface="Playfair Display Regular"/>
+                <a:ea typeface="Playfair Display Regular"/>
+                <a:cs typeface="Playfair Display Regular"/>
+                <a:sym typeface="Playfair Display Regular"/>
+              </a:defRPr>
+            </a:lvl9pPr>
+          </a:lstStyle>
+          <a:p>
+            <a:r>
+              <a:rPr lang="en-US" sz="1100">
+                <a:solidFill>
+                  <a:srgbClr val="272364"/>
+                </a:solidFill>
+                <a:latin typeface="Calibri" panose="020F0502020204030204" pitchFamily="34" charset="0"/>
+                <a:cs typeface="Calibri" panose="020F0502020204030204" pitchFamily="34" charset="0"/>
+              </a:rPr>
+              <a:t>Home</a:t>
+            </a:r>
+            <a:endParaRPr lang="en-US" sz="1100" dirty="0">
+              <a:solidFill>
+                <a:srgbClr val="272364"/>
+              </a:solidFill>
+              <a:latin typeface="Calibri" panose="020F0502020204030204" pitchFamily="34" charset="0"/>
+              <a:cs typeface="Calibri" panose="020F0502020204030204" pitchFamily="34" charset="0"/>
+            </a:endParaRPr>
+          </a:p>
+        </p:txBody>
+      </p:sp>
+      <p:sp>
+        <p:nvSpPr>
+          <p:cNvPr id="17" name="Google Shape;79;p15">
+            <a:extLst>
+              <a:ext uri="{FF2B5EF4-FFF2-40B4-BE49-F238E27FC236}">
+                <a16:creationId xmlns:a16="http://schemas.microsoft.com/office/drawing/2014/main" id="{C1A85895-A9A5-41DA-81C7-3E2B614CEE2A}"/>
+              </a:ext>
+            </a:extLst>
+          </p:cNvPr>
+          <p:cNvSpPr txBox="1">
+            <a:spLocks/>
+          </p:cNvSpPr>
+          <p:nvPr/>
+        </p:nvSpPr>
+        <p:spPr>
+          <a:xfrm>
+            <a:off x="5352606" y="605510"/>
+            <a:ext cx="892249" cy="312588"/>
+          </a:xfrm>
+          <a:prstGeom prst="rect">
+            <a:avLst/>
+          </a:prstGeom>
+          <a:noFill/>
+          <a:ln>
+            <a:noFill/>
+          </a:ln>
+        </p:spPr>
+        <p:txBody>
+          <a:bodyPr spcFirstLastPara="1" wrap="square" lIns="0" tIns="0" rIns="0" bIns="0" anchor="ctr" anchorCtr="0">
+            <a:noAutofit/>
+          </a:bodyPr>
+          <a:lstStyle>
+            <a:defPPr marR="0" lvl="0" algn="l" rtl="0">
+              <a:lnSpc>
+                <a:spcPct val="100000"/>
+              </a:lnSpc>
+              <a:spcBef>
+                <a:spcPts val="0"/>
+              </a:spcBef>
+              <a:spcAft>
+                <a:spcPts val="0"/>
+              </a:spcAft>
+            </a:defPPr>
+            <a:lvl1pPr marR="0" lvl="0" algn="l" rtl="0">
+              <a:lnSpc>
+                <a:spcPct val="90000"/>
+              </a:lnSpc>
+              <a:spcBef>
+                <a:spcPts val="0"/>
+              </a:spcBef>
+              <a:spcAft>
+                <a:spcPts val="0"/>
+              </a:spcAft>
+              <a:buClr>
+                <a:schemeClr val="dk1"/>
+              </a:buClr>
+              <a:buSzPts val="5000"/>
+              <a:buFont typeface="Playfair Display Regular"/>
+              <a:buNone/>
+              <a:defRPr sz="5000" b="0" i="0" u="none" strike="noStrike" cap="none">
+                <a:solidFill>
+                  <a:schemeClr val="dk1"/>
+                </a:solidFill>
+                <a:latin typeface="Playfair Display Regular"/>
+                <a:ea typeface="Playfair Display Regular"/>
+                <a:cs typeface="Playfair Display Regular"/>
+                <a:sym typeface="Playfair Display Regular"/>
+              </a:defRPr>
+            </a:lvl1pPr>
+            <a:lvl2pPr marR="0" lvl="1" algn="l" rtl="0">
+              <a:lnSpc>
+                <a:spcPct val="90000"/>
+              </a:lnSpc>
+              <a:spcBef>
+                <a:spcPts val="0"/>
+              </a:spcBef>
+              <a:spcAft>
+                <a:spcPts val="0"/>
+              </a:spcAft>
+              <a:buClr>
+                <a:schemeClr val="dk1"/>
+              </a:buClr>
+              <a:buSzPts val="5000"/>
+              <a:buFont typeface="Playfair Display Regular"/>
+              <a:buNone/>
+              <a:defRPr sz="5000" b="0" i="0" u="none" strike="noStrike" cap="none">
+                <a:solidFill>
+                  <a:schemeClr val="dk1"/>
+                </a:solidFill>
+                <a:latin typeface="Playfair Display Regular"/>
+                <a:ea typeface="Playfair Display Regular"/>
+                <a:cs typeface="Playfair Display Regular"/>
+                <a:sym typeface="Playfair Display Regular"/>
+              </a:defRPr>
+            </a:lvl2pPr>
+            <a:lvl3pPr marR="0" lvl="2" algn="l" rtl="0">
+              <a:lnSpc>
+                <a:spcPct val="90000"/>
+              </a:lnSpc>
+              <a:spcBef>
+                <a:spcPts val="0"/>
+              </a:spcBef>
+              <a:spcAft>
+                <a:spcPts val="0"/>
+              </a:spcAft>
+              <a:buClr>
+                <a:schemeClr val="dk1"/>
+              </a:buClr>
+              <a:buSzPts val="5000"/>
+              <a:buFont typeface="Playfair Display Regular"/>
+              <a:buNone/>
+              <a:defRPr sz="5000" b="0" i="0" u="none" strike="noStrike" cap="none">
+                <a:solidFill>
+                  <a:schemeClr val="dk1"/>
+                </a:solidFill>
+                <a:latin typeface="Playfair Display Regular"/>
+                <a:ea typeface="Playfair Display Regular"/>
+                <a:cs typeface="Playfair Display Regular"/>
+                <a:sym typeface="Playfair Display Regular"/>
+              </a:defRPr>
+            </a:lvl3pPr>
+            <a:lvl4pPr marR="0" lvl="3" algn="l" rtl="0">
+              <a:lnSpc>
+                <a:spcPct val="90000"/>
+              </a:lnSpc>
+              <a:spcBef>
+                <a:spcPts val="0"/>
+              </a:spcBef>
+              <a:spcAft>
+                <a:spcPts val="0"/>
+              </a:spcAft>
+              <a:buClr>
+                <a:schemeClr val="dk1"/>
+              </a:buClr>
+              <a:buSzPts val="5000"/>
+              <a:buFont typeface="Playfair Display Regular"/>
+              <a:buNone/>
+              <a:defRPr sz="5000" b="0" i="0" u="none" strike="noStrike" cap="none">
+                <a:solidFill>
+                  <a:schemeClr val="dk1"/>
+                </a:solidFill>
+                <a:latin typeface="Playfair Display Regular"/>
+                <a:ea typeface="Playfair Display Regular"/>
+                <a:cs typeface="Playfair Display Regular"/>
+                <a:sym typeface="Playfair Display Regular"/>
+              </a:defRPr>
+            </a:lvl4pPr>
+            <a:lvl5pPr marR="0" lvl="4" algn="l" rtl="0">
+              <a:lnSpc>
+                <a:spcPct val="90000"/>
+              </a:lnSpc>
+              <a:spcBef>
+                <a:spcPts val="0"/>
+              </a:spcBef>
+              <a:spcAft>
+                <a:spcPts val="0"/>
+              </a:spcAft>
+              <a:buClr>
+                <a:schemeClr val="dk1"/>
+              </a:buClr>
+              <a:buSzPts val="5000"/>
+              <a:buFont typeface="Playfair Display Regular"/>
+              <a:buNone/>
+              <a:defRPr sz="5000" b="0" i="0" u="none" strike="noStrike" cap="none">
+                <a:solidFill>
+                  <a:schemeClr val="dk1"/>
+                </a:solidFill>
+                <a:latin typeface="Playfair Display Regular"/>
+                <a:ea typeface="Playfair Display Regular"/>
+                <a:cs typeface="Playfair Display Regular"/>
+                <a:sym typeface="Playfair Display Regular"/>
+              </a:defRPr>
+            </a:lvl5pPr>
+            <a:lvl6pPr marR="0" lvl="5" algn="l" rtl="0">
+              <a:lnSpc>
+                <a:spcPct val="90000"/>
+              </a:lnSpc>
+              <a:spcBef>
+                <a:spcPts val="0"/>
+              </a:spcBef>
+              <a:spcAft>
+                <a:spcPts val="0"/>
+              </a:spcAft>
+              <a:buClr>
+                <a:schemeClr val="dk1"/>
+              </a:buClr>
+              <a:buSzPts val="5000"/>
+              <a:buFont typeface="Playfair Display Regular"/>
+              <a:buNone/>
+              <a:defRPr sz="5000" b="0" i="0" u="none" strike="noStrike" cap="none">
+                <a:solidFill>
+                  <a:schemeClr val="dk1"/>
+                </a:solidFill>
+                <a:latin typeface="Playfair Display Regular"/>
+                <a:ea typeface="Playfair Display Regular"/>
+                <a:cs typeface="Playfair Display Regular"/>
+                <a:sym typeface="Playfair Display Regular"/>
+              </a:defRPr>
+            </a:lvl6pPr>
+            <a:lvl7pPr marR="0" lvl="6" algn="l" rtl="0">
+              <a:lnSpc>
+                <a:spcPct val="90000"/>
+              </a:lnSpc>
+              <a:spcBef>
+                <a:spcPts val="0"/>
+              </a:spcBef>
+              <a:spcAft>
+                <a:spcPts val="0"/>
+              </a:spcAft>
+              <a:buClr>
+                <a:schemeClr val="dk1"/>
+              </a:buClr>
+              <a:buSzPts val="5000"/>
+              <a:buFont typeface="Playfair Display Regular"/>
+              <a:buNone/>
+              <a:defRPr sz="5000" b="0" i="0" u="none" strike="noStrike" cap="none">
+                <a:solidFill>
+                  <a:schemeClr val="dk1"/>
+                </a:solidFill>
+                <a:latin typeface="Playfair Display Regular"/>
+                <a:ea typeface="Playfair Display Regular"/>
+                <a:cs typeface="Playfair Display Regular"/>
+                <a:sym typeface="Playfair Display Regular"/>
+              </a:defRPr>
+            </a:lvl7pPr>
+            <a:lvl8pPr marR="0" lvl="7" algn="l" rtl="0">
+              <a:lnSpc>
+                <a:spcPct val="90000"/>
+              </a:lnSpc>
+              <a:spcBef>
+                <a:spcPts val="0"/>
+              </a:spcBef>
+              <a:spcAft>
+                <a:spcPts val="0"/>
+              </a:spcAft>
+              <a:buClr>
+                <a:schemeClr val="dk1"/>
+              </a:buClr>
+              <a:buSzPts val="5000"/>
+              <a:buFont typeface="Playfair Display Regular"/>
+              <a:buNone/>
+              <a:defRPr sz="5000" b="0" i="0" u="none" strike="noStrike" cap="none">
+                <a:solidFill>
+                  <a:schemeClr val="dk1"/>
+                </a:solidFill>
+                <a:latin typeface="Playfair Display Regular"/>
+                <a:ea typeface="Playfair Display Regular"/>
+                <a:cs typeface="Playfair Display Regular"/>
+                <a:sym typeface="Playfair Display Regular"/>
+              </a:defRPr>
+            </a:lvl8pPr>
+            <a:lvl9pPr marR="0" lvl="8" algn="l" rtl="0">
+              <a:lnSpc>
+                <a:spcPct val="90000"/>
+              </a:lnSpc>
+              <a:spcBef>
+                <a:spcPts val="0"/>
+              </a:spcBef>
+              <a:spcAft>
+                <a:spcPts val="0"/>
+              </a:spcAft>
+              <a:buClr>
+                <a:schemeClr val="dk1"/>
+              </a:buClr>
+              <a:buSzPts val="5000"/>
+              <a:buFont typeface="Playfair Display Regular"/>
+              <a:buNone/>
+              <a:defRPr sz="5000" b="0" i="0" u="none" strike="noStrike" cap="none">
+                <a:solidFill>
+                  <a:schemeClr val="dk1"/>
+                </a:solidFill>
+                <a:latin typeface="Playfair Display Regular"/>
+                <a:ea typeface="Playfair Display Regular"/>
+                <a:cs typeface="Playfair Display Regular"/>
+                <a:sym typeface="Playfair Display Regular"/>
+              </a:defRPr>
+            </a:lvl9pPr>
+          </a:lstStyle>
+          <a:p>
+            <a:r>
+              <a:rPr lang="en-US" sz="1100" dirty="0">
+                <a:solidFill>
+                  <a:srgbClr val="272364"/>
+                </a:solidFill>
+                <a:latin typeface="Calibri" panose="020F0502020204030204" pitchFamily="34" charset="0"/>
+                <a:cs typeface="Calibri" panose="020F0502020204030204" pitchFamily="34" charset="0"/>
+              </a:rPr>
+              <a:t>Dashboard</a:t>
+            </a:r>
+          </a:p>
+        </p:txBody>
+      </p:sp>
+      <p:sp>
+        <p:nvSpPr>
+          <p:cNvPr id="18" name="Google Shape;79;p15">
+            <a:extLst>
+              <a:ext uri="{FF2B5EF4-FFF2-40B4-BE49-F238E27FC236}">
+                <a16:creationId xmlns:a16="http://schemas.microsoft.com/office/drawing/2014/main" id="{98A2B4E4-D909-4AA7-AAAE-6AF869925D0C}"/>
+              </a:ext>
+            </a:extLst>
+          </p:cNvPr>
+          <p:cNvSpPr txBox="1">
+            <a:spLocks/>
+          </p:cNvSpPr>
+          <p:nvPr/>
+        </p:nvSpPr>
+        <p:spPr>
+          <a:xfrm>
+            <a:off x="6297578" y="605510"/>
+            <a:ext cx="892249" cy="312588"/>
+          </a:xfrm>
+          <a:prstGeom prst="rect">
+            <a:avLst/>
+          </a:prstGeom>
+          <a:noFill/>
+          <a:ln>
+            <a:noFill/>
+          </a:ln>
+        </p:spPr>
+        <p:txBody>
+          <a:bodyPr spcFirstLastPara="1" wrap="square" lIns="0" tIns="0" rIns="0" bIns="0" anchor="ctr" anchorCtr="0">
+            <a:noAutofit/>
+          </a:bodyPr>
+          <a:lstStyle>
+            <a:defPPr marR="0" lvl="0" algn="l" rtl="0">
+              <a:lnSpc>
+                <a:spcPct val="100000"/>
+              </a:lnSpc>
+              <a:spcBef>
+                <a:spcPts val="0"/>
+              </a:spcBef>
+              <a:spcAft>
+                <a:spcPts val="0"/>
+              </a:spcAft>
+            </a:defPPr>
+            <a:lvl1pPr marR="0" lvl="0" algn="l" rtl="0">
+              <a:lnSpc>
+                <a:spcPct val="90000"/>
+              </a:lnSpc>
+              <a:spcBef>
+                <a:spcPts val="0"/>
+              </a:spcBef>
+              <a:spcAft>
+                <a:spcPts val="0"/>
+              </a:spcAft>
+              <a:buClr>
+                <a:schemeClr val="dk1"/>
+              </a:buClr>
+              <a:buSzPts val="5000"/>
+              <a:buFont typeface="Playfair Display Regular"/>
+              <a:buNone/>
+              <a:defRPr sz="5000" b="0" i="0" u="none" strike="noStrike" cap="none">
+                <a:solidFill>
+                  <a:schemeClr val="dk1"/>
+                </a:solidFill>
+                <a:latin typeface="Playfair Display Regular"/>
+                <a:ea typeface="Playfair Display Regular"/>
+                <a:cs typeface="Playfair Display Regular"/>
+                <a:sym typeface="Playfair Display Regular"/>
+              </a:defRPr>
+            </a:lvl1pPr>
+            <a:lvl2pPr marR="0" lvl="1" algn="l" rtl="0">
+              <a:lnSpc>
+                <a:spcPct val="90000"/>
+              </a:lnSpc>
+              <a:spcBef>
+                <a:spcPts val="0"/>
+              </a:spcBef>
+              <a:spcAft>
+                <a:spcPts val="0"/>
+              </a:spcAft>
+              <a:buClr>
+                <a:schemeClr val="dk1"/>
+              </a:buClr>
+              <a:buSzPts val="5000"/>
+              <a:buFont typeface="Playfair Display Regular"/>
+              <a:buNone/>
+              <a:defRPr sz="5000" b="0" i="0" u="none" strike="noStrike" cap="none">
+                <a:solidFill>
+                  <a:schemeClr val="dk1"/>
+                </a:solidFill>
+                <a:latin typeface="Playfair Display Regular"/>
+                <a:ea typeface="Playfair Display Regular"/>
+                <a:cs typeface="Playfair Display Regular"/>
+                <a:sym typeface="Playfair Display Regular"/>
+              </a:defRPr>
+            </a:lvl2pPr>
+            <a:lvl3pPr marR="0" lvl="2" algn="l" rtl="0">
+              <a:lnSpc>
+                <a:spcPct val="90000"/>
+              </a:lnSpc>
+              <a:spcBef>
+                <a:spcPts val="0"/>
+              </a:spcBef>
+              <a:spcAft>
+                <a:spcPts val="0"/>
+              </a:spcAft>
+              <a:buClr>
+                <a:schemeClr val="dk1"/>
+              </a:buClr>
+              <a:buSzPts val="5000"/>
+              <a:buFont typeface="Playfair Display Regular"/>
+              <a:buNone/>
+              <a:defRPr sz="5000" b="0" i="0" u="none" strike="noStrike" cap="none">
+                <a:solidFill>
+                  <a:schemeClr val="dk1"/>
+                </a:solidFill>
+                <a:latin typeface="Playfair Display Regular"/>
+                <a:ea typeface="Playfair Display Regular"/>
+                <a:cs typeface="Playfair Display Regular"/>
+                <a:sym typeface="Playfair Display Regular"/>
+              </a:defRPr>
+            </a:lvl3pPr>
+            <a:lvl4pPr marR="0" lvl="3" algn="l" rtl="0">
+              <a:lnSpc>
+                <a:spcPct val="90000"/>
+              </a:lnSpc>
+              <a:spcBef>
+                <a:spcPts val="0"/>
+              </a:spcBef>
+              <a:spcAft>
+                <a:spcPts val="0"/>
+              </a:spcAft>
+              <a:buClr>
+                <a:schemeClr val="dk1"/>
+              </a:buClr>
+              <a:buSzPts val="5000"/>
+              <a:buFont typeface="Playfair Display Regular"/>
+              <a:buNone/>
+              <a:defRPr sz="5000" b="0" i="0" u="none" strike="noStrike" cap="none">
+                <a:solidFill>
+                  <a:schemeClr val="dk1"/>
+                </a:solidFill>
+                <a:latin typeface="Playfair Display Regular"/>
+                <a:ea typeface="Playfair Display Regular"/>
+                <a:cs typeface="Playfair Display Regular"/>
+                <a:sym typeface="Playfair Display Regular"/>
+              </a:defRPr>
+            </a:lvl4pPr>
+            <a:lvl5pPr marR="0" lvl="4" algn="l" rtl="0">
+              <a:lnSpc>
+                <a:spcPct val="90000"/>
+              </a:lnSpc>
+              <a:spcBef>
+                <a:spcPts val="0"/>
+              </a:spcBef>
+              <a:spcAft>
+                <a:spcPts val="0"/>
+              </a:spcAft>
+              <a:buClr>
+                <a:schemeClr val="dk1"/>
+              </a:buClr>
+              <a:buSzPts val="5000"/>
+              <a:buFont typeface="Playfair Display Regular"/>
+              <a:buNone/>
+              <a:defRPr sz="5000" b="0" i="0" u="none" strike="noStrike" cap="none">
+                <a:solidFill>
+                  <a:schemeClr val="dk1"/>
+                </a:solidFill>
+                <a:latin typeface="Playfair Display Regular"/>
+                <a:ea typeface="Playfair Display Regular"/>
+                <a:cs typeface="Playfair Display Regular"/>
+                <a:sym typeface="Playfair Display Regular"/>
+              </a:defRPr>
+            </a:lvl5pPr>
+            <a:lvl6pPr marR="0" lvl="5" algn="l" rtl="0">
+              <a:lnSpc>
+                <a:spcPct val="90000"/>
+              </a:lnSpc>
+              <a:spcBef>
+                <a:spcPts val="0"/>
+              </a:spcBef>
+              <a:spcAft>
+                <a:spcPts val="0"/>
+              </a:spcAft>
+              <a:buClr>
+                <a:schemeClr val="dk1"/>
+              </a:buClr>
+              <a:buSzPts val="5000"/>
+              <a:buFont typeface="Playfair Display Regular"/>
+              <a:buNone/>
+              <a:defRPr sz="5000" b="0" i="0" u="none" strike="noStrike" cap="none">
+                <a:solidFill>
+                  <a:schemeClr val="dk1"/>
+                </a:solidFill>
+                <a:latin typeface="Playfair Display Regular"/>
+                <a:ea typeface="Playfair Display Regular"/>
+                <a:cs typeface="Playfair Display Regular"/>
+                <a:sym typeface="Playfair Display Regular"/>
+              </a:defRPr>
+            </a:lvl6pPr>
+            <a:lvl7pPr marR="0" lvl="6" algn="l" rtl="0">
+              <a:lnSpc>
+                <a:spcPct val="90000"/>
+              </a:lnSpc>
+              <a:spcBef>
+                <a:spcPts val="0"/>
+              </a:spcBef>
+              <a:spcAft>
+                <a:spcPts val="0"/>
+              </a:spcAft>
+              <a:buClr>
+                <a:schemeClr val="dk1"/>
+              </a:buClr>
+              <a:buSzPts val="5000"/>
+              <a:buFont typeface="Playfair Display Regular"/>
+              <a:buNone/>
+              <a:defRPr sz="5000" b="0" i="0" u="none" strike="noStrike" cap="none">
+                <a:solidFill>
+                  <a:schemeClr val="dk1"/>
+                </a:solidFill>
+                <a:latin typeface="Playfair Display Regular"/>
+                <a:ea typeface="Playfair Display Regular"/>
+                <a:cs typeface="Playfair Display Regular"/>
+                <a:sym typeface="Playfair Display Regular"/>
+              </a:defRPr>
+            </a:lvl7pPr>
+            <a:lvl8pPr marR="0" lvl="7" algn="l" rtl="0">
+              <a:lnSpc>
+                <a:spcPct val="90000"/>
+              </a:lnSpc>
+              <a:spcBef>
+                <a:spcPts val="0"/>
+              </a:spcBef>
+              <a:spcAft>
+                <a:spcPts val="0"/>
+              </a:spcAft>
+              <a:buClr>
+                <a:schemeClr val="dk1"/>
+              </a:buClr>
+              <a:buSzPts val="5000"/>
+              <a:buFont typeface="Playfair Display Regular"/>
+              <a:buNone/>
+              <a:defRPr sz="5000" b="0" i="0" u="none" strike="noStrike" cap="none">
+                <a:solidFill>
+                  <a:schemeClr val="dk1"/>
+                </a:solidFill>
+                <a:latin typeface="Playfair Display Regular"/>
+                <a:ea typeface="Playfair Display Regular"/>
+                <a:cs typeface="Playfair Display Regular"/>
+                <a:sym typeface="Playfair Display Regular"/>
+              </a:defRPr>
+            </a:lvl8pPr>
+            <a:lvl9pPr marR="0" lvl="8" algn="l" rtl="0">
+              <a:lnSpc>
+                <a:spcPct val="90000"/>
+              </a:lnSpc>
+              <a:spcBef>
+                <a:spcPts val="0"/>
+              </a:spcBef>
+              <a:spcAft>
+                <a:spcPts val="0"/>
+              </a:spcAft>
+              <a:buClr>
+                <a:schemeClr val="dk1"/>
+              </a:buClr>
+              <a:buSzPts val="5000"/>
+              <a:buFont typeface="Playfair Display Regular"/>
+              <a:buNone/>
+              <a:defRPr sz="5000" b="0" i="0" u="none" strike="noStrike" cap="none">
+                <a:solidFill>
+                  <a:schemeClr val="dk1"/>
+                </a:solidFill>
+                <a:latin typeface="Playfair Display Regular"/>
+                <a:ea typeface="Playfair Display Regular"/>
+                <a:cs typeface="Playfair Display Regular"/>
+                <a:sym typeface="Playfair Display Regular"/>
+              </a:defRPr>
+            </a:lvl9pPr>
+          </a:lstStyle>
+          <a:p>
+            <a:r>
+              <a:rPr lang="en-US" sz="1100" dirty="0">
+                <a:solidFill>
+                  <a:srgbClr val="272364"/>
+                </a:solidFill>
+                <a:latin typeface="Calibri" panose="020F0502020204030204" pitchFamily="34" charset="0"/>
+                <a:cs typeface="Calibri" panose="020F0502020204030204" pitchFamily="34" charset="0"/>
+              </a:rPr>
+              <a:t>About us</a:t>
+            </a:r>
+          </a:p>
+        </p:txBody>
+      </p:sp>
+      <p:sp>
+        <p:nvSpPr>
+          <p:cNvPr id="23" name="Google Shape;79;p15">
+            <a:extLst>
+              <a:ext uri="{FF2B5EF4-FFF2-40B4-BE49-F238E27FC236}">
+                <a16:creationId xmlns:a16="http://schemas.microsoft.com/office/drawing/2014/main" id="{9F27548F-AC8E-4B00-A17A-88C12ECF16A4}"/>
+              </a:ext>
+            </a:extLst>
+          </p:cNvPr>
+          <p:cNvSpPr txBox="1">
+            <a:spLocks/>
+          </p:cNvSpPr>
+          <p:nvPr/>
+        </p:nvSpPr>
+        <p:spPr>
+          <a:xfrm>
+            <a:off x="8416961" y="605510"/>
+            <a:ext cx="365608" cy="312588"/>
+          </a:xfrm>
+          <a:prstGeom prst="rect">
+            <a:avLst/>
+          </a:prstGeom>
+          <a:noFill/>
+          <a:ln>
+            <a:noFill/>
+          </a:ln>
+        </p:spPr>
+        <p:txBody>
+          <a:bodyPr spcFirstLastPara="1" wrap="square" lIns="0" tIns="0" rIns="0" bIns="0" anchor="ctr" anchorCtr="0">
+            <a:noAutofit/>
+          </a:bodyPr>
+          <a:lstStyle>
+            <a:defPPr marR="0" lvl="0" algn="l" rtl="0">
+              <a:lnSpc>
+                <a:spcPct val="100000"/>
+              </a:lnSpc>
+              <a:spcBef>
+                <a:spcPts val="0"/>
+              </a:spcBef>
+              <a:spcAft>
+                <a:spcPts val="0"/>
+              </a:spcAft>
+            </a:defPPr>
+            <a:lvl1pPr marR="0" lvl="0" algn="l" rtl="0">
+              <a:lnSpc>
+                <a:spcPct val="90000"/>
+              </a:lnSpc>
+              <a:spcBef>
+                <a:spcPts val="0"/>
+              </a:spcBef>
+              <a:spcAft>
+                <a:spcPts val="0"/>
+              </a:spcAft>
+              <a:buClr>
+                <a:schemeClr val="dk1"/>
+              </a:buClr>
+              <a:buSzPts val="5000"/>
+              <a:buFont typeface="Playfair Display Regular"/>
+              <a:buNone/>
+              <a:defRPr sz="5000" b="0" i="0" u="none" strike="noStrike" cap="none">
+                <a:solidFill>
+                  <a:schemeClr val="dk1"/>
+                </a:solidFill>
+                <a:latin typeface="Playfair Display Regular"/>
+                <a:ea typeface="Playfair Display Regular"/>
+                <a:cs typeface="Playfair Display Regular"/>
+                <a:sym typeface="Playfair Display Regular"/>
+              </a:defRPr>
+            </a:lvl1pPr>
+            <a:lvl2pPr marR="0" lvl="1" algn="l" rtl="0">
+              <a:lnSpc>
+                <a:spcPct val="90000"/>
+              </a:lnSpc>
+              <a:spcBef>
+                <a:spcPts val="0"/>
+              </a:spcBef>
+              <a:spcAft>
+                <a:spcPts val="0"/>
+              </a:spcAft>
+              <a:buClr>
+                <a:schemeClr val="dk1"/>
+              </a:buClr>
+              <a:buSzPts val="5000"/>
+              <a:buFont typeface="Playfair Display Regular"/>
+              <a:buNone/>
+              <a:defRPr sz="5000" b="0" i="0" u="none" strike="noStrike" cap="none">
+                <a:solidFill>
+                  <a:schemeClr val="dk1"/>
+                </a:solidFill>
+                <a:latin typeface="Playfair Display Regular"/>
+                <a:ea typeface="Playfair Display Regular"/>
+                <a:cs typeface="Playfair Display Regular"/>
+                <a:sym typeface="Playfair Display Regular"/>
+              </a:defRPr>
+            </a:lvl2pPr>
+            <a:lvl3pPr marR="0" lvl="2" algn="l" rtl="0">
+              <a:lnSpc>
+                <a:spcPct val="90000"/>
+              </a:lnSpc>
+              <a:spcBef>
+                <a:spcPts val="0"/>
+              </a:spcBef>
+              <a:spcAft>
+                <a:spcPts val="0"/>
+              </a:spcAft>
+              <a:buClr>
+                <a:schemeClr val="dk1"/>
+              </a:buClr>
+              <a:buSzPts val="5000"/>
+              <a:buFont typeface="Playfair Display Regular"/>
+              <a:buNone/>
+              <a:defRPr sz="5000" b="0" i="0" u="none" strike="noStrike" cap="none">
+                <a:solidFill>
+                  <a:schemeClr val="dk1"/>
+                </a:solidFill>
+                <a:latin typeface="Playfair Display Regular"/>
+                <a:ea typeface="Playfair Display Regular"/>
+                <a:cs typeface="Playfair Display Regular"/>
+                <a:sym typeface="Playfair Display Regular"/>
+              </a:defRPr>
+            </a:lvl3pPr>
+            <a:lvl4pPr marR="0" lvl="3" algn="l" rtl="0">
+              <a:lnSpc>
+                <a:spcPct val="90000"/>
+              </a:lnSpc>
+              <a:spcBef>
+                <a:spcPts val="0"/>
+              </a:spcBef>
+              <a:spcAft>
+                <a:spcPts val="0"/>
+              </a:spcAft>
+              <a:buClr>
+                <a:schemeClr val="dk1"/>
+              </a:buClr>
+              <a:buSzPts val="5000"/>
+              <a:buFont typeface="Playfair Display Regular"/>
+              <a:buNone/>
+              <a:defRPr sz="5000" b="0" i="0" u="none" strike="noStrike" cap="none">
+                <a:solidFill>
+                  <a:schemeClr val="dk1"/>
+                </a:solidFill>
+                <a:latin typeface="Playfair Display Regular"/>
+                <a:ea typeface="Playfair Display Regular"/>
+                <a:cs typeface="Playfair Display Regular"/>
+                <a:sym typeface="Playfair Display Regular"/>
+              </a:defRPr>
+            </a:lvl4pPr>
+            <a:lvl5pPr marR="0" lvl="4" algn="l" rtl="0">
+              <a:lnSpc>
+                <a:spcPct val="90000"/>
+              </a:lnSpc>
+              <a:spcBef>
+                <a:spcPts val="0"/>
+              </a:spcBef>
+              <a:spcAft>
+                <a:spcPts val="0"/>
+              </a:spcAft>
+              <a:buClr>
+                <a:schemeClr val="dk1"/>
+              </a:buClr>
+              <a:buSzPts val="5000"/>
+              <a:buFont typeface="Playfair Display Regular"/>
+              <a:buNone/>
+              <a:defRPr sz="5000" b="0" i="0" u="none" strike="noStrike" cap="none">
+                <a:solidFill>
+                  <a:schemeClr val="dk1"/>
+                </a:solidFill>
+                <a:latin typeface="Playfair Display Regular"/>
+                <a:ea typeface="Playfair Display Regular"/>
+                <a:cs typeface="Playfair Display Regular"/>
+                <a:sym typeface="Playfair Display Regular"/>
+              </a:defRPr>
+            </a:lvl5pPr>
+            <a:lvl6pPr marR="0" lvl="5" algn="l" rtl="0">
+              <a:lnSpc>
+                <a:spcPct val="90000"/>
+              </a:lnSpc>
+              <a:spcBef>
+                <a:spcPts val="0"/>
+              </a:spcBef>
+              <a:spcAft>
+                <a:spcPts val="0"/>
+              </a:spcAft>
+              <a:buClr>
+                <a:schemeClr val="dk1"/>
+              </a:buClr>
+              <a:buSzPts val="5000"/>
+              <a:buFont typeface="Playfair Display Regular"/>
+              <a:buNone/>
+              <a:defRPr sz="5000" b="0" i="0" u="none" strike="noStrike" cap="none">
+                <a:solidFill>
+                  <a:schemeClr val="dk1"/>
+                </a:solidFill>
+                <a:latin typeface="Playfair Display Regular"/>
+                <a:ea typeface="Playfair Display Regular"/>
+                <a:cs typeface="Playfair Display Regular"/>
+                <a:sym typeface="Playfair Display Regular"/>
+              </a:defRPr>
+            </a:lvl6pPr>
+            <a:lvl7pPr marR="0" lvl="6" algn="l" rtl="0">
+              <a:lnSpc>
+                <a:spcPct val="90000"/>
+              </a:lnSpc>
+              <a:spcBef>
+                <a:spcPts val="0"/>
+              </a:spcBef>
+              <a:spcAft>
+                <a:spcPts val="0"/>
+              </a:spcAft>
+              <a:buClr>
+                <a:schemeClr val="dk1"/>
+              </a:buClr>
+              <a:buSzPts val="5000"/>
+              <a:buFont typeface="Playfair Display Regular"/>
+              <a:buNone/>
+              <a:defRPr sz="5000" b="0" i="0" u="none" strike="noStrike" cap="none">
+                <a:solidFill>
+                  <a:schemeClr val="dk1"/>
+                </a:solidFill>
+                <a:latin typeface="Playfair Display Regular"/>
+                <a:ea typeface="Playfair Display Regular"/>
+                <a:cs typeface="Playfair Display Regular"/>
+                <a:sym typeface="Playfair Display Regular"/>
+              </a:defRPr>
+            </a:lvl7pPr>
+            <a:lvl8pPr marR="0" lvl="7" algn="l" rtl="0">
+              <a:lnSpc>
+                <a:spcPct val="90000"/>
+              </a:lnSpc>
+              <a:spcBef>
+                <a:spcPts val="0"/>
+              </a:spcBef>
+              <a:spcAft>
+                <a:spcPts val="0"/>
+              </a:spcAft>
+              <a:buClr>
+                <a:schemeClr val="dk1"/>
+              </a:buClr>
+              <a:buSzPts val="5000"/>
+              <a:buFont typeface="Playfair Display Regular"/>
+              <a:buNone/>
+              <a:defRPr sz="5000" b="0" i="0" u="none" strike="noStrike" cap="none">
+                <a:solidFill>
+                  <a:schemeClr val="dk1"/>
+                </a:solidFill>
+                <a:latin typeface="Playfair Display Regular"/>
+                <a:ea typeface="Playfair Display Regular"/>
+                <a:cs typeface="Playfair Display Regular"/>
+                <a:sym typeface="Playfair Display Regular"/>
+              </a:defRPr>
+            </a:lvl8pPr>
+            <a:lvl9pPr marR="0" lvl="8" algn="l" rtl="0">
+              <a:lnSpc>
+                <a:spcPct val="90000"/>
+              </a:lnSpc>
+              <a:spcBef>
+                <a:spcPts val="0"/>
+              </a:spcBef>
+              <a:spcAft>
+                <a:spcPts val="0"/>
+              </a:spcAft>
+              <a:buClr>
+                <a:schemeClr val="dk1"/>
+              </a:buClr>
+              <a:buSzPts val="5000"/>
+              <a:buFont typeface="Playfair Display Regular"/>
+              <a:buNone/>
+              <a:defRPr sz="5000" b="0" i="0" u="none" strike="noStrike" cap="none">
+                <a:solidFill>
+                  <a:schemeClr val="dk1"/>
+                </a:solidFill>
+                <a:latin typeface="Playfair Display Regular"/>
+                <a:ea typeface="Playfair Display Regular"/>
+                <a:cs typeface="Playfair Display Regular"/>
+                <a:sym typeface="Playfair Display Regular"/>
+              </a:defRPr>
+            </a:lvl9pPr>
+          </a:lstStyle>
+          <a:p>
+            <a:r>
+              <a:rPr lang="en-US" sz="1100" dirty="0">
+                <a:solidFill>
+                  <a:srgbClr val="272364"/>
+                </a:solidFill>
+                <a:latin typeface="Calibri" panose="020F0502020204030204" pitchFamily="34" charset="0"/>
+                <a:cs typeface="Calibri" panose="020F0502020204030204" pitchFamily="34" charset="0"/>
+              </a:rPr>
+              <a:t>Login</a:t>
+            </a:r>
+          </a:p>
+        </p:txBody>
+      </p:sp>
+      <p:sp>
+        <p:nvSpPr>
+          <p:cNvPr id="24" name="Google Shape;79;p15">
+            <a:extLst>
+              <a:ext uri="{FF2B5EF4-FFF2-40B4-BE49-F238E27FC236}">
+                <a16:creationId xmlns:a16="http://schemas.microsoft.com/office/drawing/2014/main" id="{C6242C0C-0F42-45AB-91FC-6DBCAB9BBC4A}"/>
+              </a:ext>
+            </a:extLst>
+          </p:cNvPr>
+          <p:cNvSpPr txBox="1">
+            <a:spLocks/>
+          </p:cNvSpPr>
+          <p:nvPr/>
+        </p:nvSpPr>
+        <p:spPr>
+          <a:xfrm>
+            <a:off x="7124923" y="605510"/>
+            <a:ext cx="1017591" cy="312588"/>
+          </a:xfrm>
+          <a:prstGeom prst="rect">
+            <a:avLst/>
+          </a:prstGeom>
+          <a:noFill/>
+          <a:ln>
+            <a:noFill/>
+          </a:ln>
+        </p:spPr>
+        <p:txBody>
+          <a:bodyPr spcFirstLastPara="1" wrap="square" lIns="0" tIns="0" rIns="0" bIns="0" anchor="ctr" anchorCtr="0">
+            <a:noAutofit/>
+          </a:bodyPr>
+          <a:lstStyle>
+            <a:defPPr marR="0" lvl="0" algn="l" rtl="0">
+              <a:lnSpc>
+                <a:spcPct val="100000"/>
+              </a:lnSpc>
+              <a:spcBef>
+                <a:spcPts val="0"/>
+              </a:spcBef>
+              <a:spcAft>
+                <a:spcPts val="0"/>
+              </a:spcAft>
+            </a:defPPr>
+            <a:lvl1pPr marR="0" lvl="0" algn="l" rtl="0">
+              <a:lnSpc>
+                <a:spcPct val="90000"/>
+              </a:lnSpc>
+              <a:spcBef>
+                <a:spcPts val="0"/>
+              </a:spcBef>
+              <a:spcAft>
+                <a:spcPts val="0"/>
+              </a:spcAft>
+              <a:buClr>
+                <a:schemeClr val="dk1"/>
+              </a:buClr>
+              <a:buSzPts val="5000"/>
+              <a:buFont typeface="Playfair Display Regular"/>
+              <a:buNone/>
+              <a:defRPr sz="5000" b="0" i="0" u="none" strike="noStrike" cap="none">
+                <a:solidFill>
+                  <a:schemeClr val="dk1"/>
+                </a:solidFill>
+                <a:latin typeface="Playfair Display Regular"/>
+                <a:ea typeface="Playfair Display Regular"/>
+                <a:cs typeface="Playfair Display Regular"/>
+                <a:sym typeface="Playfair Display Regular"/>
+              </a:defRPr>
+            </a:lvl1pPr>
+            <a:lvl2pPr marR="0" lvl="1" algn="l" rtl="0">
+              <a:lnSpc>
+                <a:spcPct val="90000"/>
+              </a:lnSpc>
+              <a:spcBef>
+                <a:spcPts val="0"/>
+              </a:spcBef>
+              <a:spcAft>
+                <a:spcPts val="0"/>
+              </a:spcAft>
+              <a:buClr>
+                <a:schemeClr val="dk1"/>
+              </a:buClr>
+              <a:buSzPts val="5000"/>
+              <a:buFont typeface="Playfair Display Regular"/>
+              <a:buNone/>
+              <a:defRPr sz="5000" b="0" i="0" u="none" strike="noStrike" cap="none">
+                <a:solidFill>
+                  <a:schemeClr val="dk1"/>
+                </a:solidFill>
+                <a:latin typeface="Playfair Display Regular"/>
+                <a:ea typeface="Playfair Display Regular"/>
+                <a:cs typeface="Playfair Display Regular"/>
+                <a:sym typeface="Playfair Display Regular"/>
+              </a:defRPr>
+            </a:lvl2pPr>
+            <a:lvl3pPr marR="0" lvl="2" algn="l" rtl="0">
+              <a:lnSpc>
+                <a:spcPct val="90000"/>
+              </a:lnSpc>
+              <a:spcBef>
+                <a:spcPts val="0"/>
+              </a:spcBef>
+              <a:spcAft>
+                <a:spcPts val="0"/>
+              </a:spcAft>
+              <a:buClr>
+                <a:schemeClr val="dk1"/>
+              </a:buClr>
+              <a:buSzPts val="5000"/>
+              <a:buFont typeface="Playfair Display Regular"/>
+              <a:buNone/>
+              <a:defRPr sz="5000" b="0" i="0" u="none" strike="noStrike" cap="none">
+                <a:solidFill>
+                  <a:schemeClr val="dk1"/>
+                </a:solidFill>
+                <a:latin typeface="Playfair Display Regular"/>
+                <a:ea typeface="Playfair Display Regular"/>
+                <a:cs typeface="Playfair Display Regular"/>
+                <a:sym typeface="Playfair Display Regular"/>
+              </a:defRPr>
+            </a:lvl3pPr>
+            <a:lvl4pPr marR="0" lvl="3" algn="l" rtl="0">
+              <a:lnSpc>
+                <a:spcPct val="90000"/>
+              </a:lnSpc>
+              <a:spcBef>
+                <a:spcPts val="0"/>
+              </a:spcBef>
+              <a:spcAft>
+                <a:spcPts val="0"/>
+              </a:spcAft>
+              <a:buClr>
+                <a:schemeClr val="dk1"/>
+              </a:buClr>
+              <a:buSzPts val="5000"/>
+              <a:buFont typeface="Playfair Display Regular"/>
+              <a:buNone/>
+              <a:defRPr sz="5000" b="0" i="0" u="none" strike="noStrike" cap="none">
+                <a:solidFill>
+                  <a:schemeClr val="dk1"/>
+                </a:solidFill>
+                <a:latin typeface="Playfair Display Regular"/>
+                <a:ea typeface="Playfair Display Regular"/>
+                <a:cs typeface="Playfair Display Regular"/>
+                <a:sym typeface="Playfair Display Regular"/>
+              </a:defRPr>
+            </a:lvl4pPr>
+            <a:lvl5pPr marR="0" lvl="4" algn="l" rtl="0">
+              <a:lnSpc>
+                <a:spcPct val="90000"/>
+              </a:lnSpc>
+              <a:spcBef>
+                <a:spcPts val="0"/>
+              </a:spcBef>
+              <a:spcAft>
+                <a:spcPts val="0"/>
+              </a:spcAft>
+              <a:buClr>
+                <a:schemeClr val="dk1"/>
+              </a:buClr>
+              <a:buSzPts val="5000"/>
+              <a:buFont typeface="Playfair Display Regular"/>
+              <a:buNone/>
+              <a:defRPr sz="5000" b="0" i="0" u="none" strike="noStrike" cap="none">
+                <a:solidFill>
+                  <a:schemeClr val="dk1"/>
+                </a:solidFill>
+                <a:latin typeface="Playfair Display Regular"/>
+                <a:ea typeface="Playfair Display Regular"/>
+                <a:cs typeface="Playfair Display Regular"/>
+                <a:sym typeface="Playfair Display Regular"/>
+              </a:defRPr>
+            </a:lvl5pPr>
+            <a:lvl6pPr marR="0" lvl="5" algn="l" rtl="0">
+              <a:lnSpc>
+                <a:spcPct val="90000"/>
+              </a:lnSpc>
+              <a:spcBef>
+                <a:spcPts val="0"/>
+              </a:spcBef>
+              <a:spcAft>
+                <a:spcPts val="0"/>
+              </a:spcAft>
+              <a:buClr>
+                <a:schemeClr val="dk1"/>
+              </a:buClr>
+              <a:buSzPts val="5000"/>
+              <a:buFont typeface="Playfair Display Regular"/>
+              <a:buNone/>
+              <a:defRPr sz="5000" b="0" i="0" u="none" strike="noStrike" cap="none">
+                <a:solidFill>
+                  <a:schemeClr val="dk1"/>
+                </a:solidFill>
+                <a:latin typeface="Playfair Display Regular"/>
+                <a:ea typeface="Playfair Display Regular"/>
+                <a:cs typeface="Playfair Display Regular"/>
+                <a:sym typeface="Playfair Display Regular"/>
+              </a:defRPr>
+            </a:lvl6pPr>
+            <a:lvl7pPr marR="0" lvl="6" algn="l" rtl="0">
+              <a:lnSpc>
+                <a:spcPct val="90000"/>
+              </a:lnSpc>
+              <a:spcBef>
+                <a:spcPts val="0"/>
+              </a:spcBef>
+              <a:spcAft>
+                <a:spcPts val="0"/>
+              </a:spcAft>
+              <a:buClr>
+                <a:schemeClr val="dk1"/>
+              </a:buClr>
+              <a:buSzPts val="5000"/>
+              <a:buFont typeface="Playfair Display Regular"/>
+              <a:buNone/>
+              <a:defRPr sz="5000" b="0" i="0" u="none" strike="noStrike" cap="none">
+                <a:solidFill>
+                  <a:schemeClr val="dk1"/>
+                </a:solidFill>
+                <a:latin typeface="Playfair Display Regular"/>
+                <a:ea typeface="Playfair Display Regular"/>
+                <a:cs typeface="Playfair Display Regular"/>
+                <a:sym typeface="Playfair Display Regular"/>
+              </a:defRPr>
+            </a:lvl7pPr>
+            <a:lvl8pPr marR="0" lvl="7" algn="l" rtl="0">
+              <a:lnSpc>
+                <a:spcPct val="90000"/>
+              </a:lnSpc>
+              <a:spcBef>
+                <a:spcPts val="0"/>
+              </a:spcBef>
+              <a:spcAft>
+                <a:spcPts val="0"/>
+              </a:spcAft>
+              <a:buClr>
+                <a:schemeClr val="dk1"/>
+              </a:buClr>
+              <a:buSzPts val="5000"/>
+              <a:buFont typeface="Playfair Display Regular"/>
+              <a:buNone/>
+              <a:defRPr sz="5000" b="0" i="0" u="none" strike="noStrike" cap="none">
+                <a:solidFill>
+                  <a:schemeClr val="dk1"/>
+                </a:solidFill>
+                <a:latin typeface="Playfair Display Regular"/>
+                <a:ea typeface="Playfair Display Regular"/>
+                <a:cs typeface="Playfair Display Regular"/>
+                <a:sym typeface="Playfair Display Regular"/>
+              </a:defRPr>
+            </a:lvl8pPr>
+            <a:lvl9pPr marR="0" lvl="8" algn="l" rtl="0">
+              <a:lnSpc>
+                <a:spcPct val="90000"/>
+              </a:lnSpc>
+              <a:spcBef>
+                <a:spcPts val="0"/>
+              </a:spcBef>
+              <a:spcAft>
+                <a:spcPts val="0"/>
+              </a:spcAft>
+              <a:buClr>
+                <a:schemeClr val="dk1"/>
+              </a:buClr>
+              <a:buSzPts val="5000"/>
+              <a:buFont typeface="Playfair Display Regular"/>
+              <a:buNone/>
+              <a:defRPr sz="5000" b="0" i="0" u="none" strike="noStrike" cap="none">
+                <a:solidFill>
+                  <a:schemeClr val="dk1"/>
+                </a:solidFill>
+                <a:latin typeface="Playfair Display Regular"/>
+                <a:ea typeface="Playfair Display Regular"/>
+                <a:cs typeface="Playfair Display Regular"/>
+                <a:sym typeface="Playfair Display Regular"/>
+              </a:defRPr>
+            </a:lvl9pPr>
+          </a:lstStyle>
+          <a:p>
+            <a:r>
+              <a:rPr lang="en-US" sz="1100" dirty="0">
+                <a:solidFill>
+                  <a:srgbClr val="272364"/>
+                </a:solidFill>
+                <a:latin typeface="Calibri" panose="020F0502020204030204" pitchFamily="34" charset="0"/>
+                <a:cs typeface="Calibri" panose="020F0502020204030204" pitchFamily="34" charset="0"/>
+              </a:rPr>
+              <a:t>Getting started</a:t>
+            </a:r>
           </a:p>
         </p:txBody>
       </p:sp>
@@ -4971,7 +4298,7 @@
                             </p:stCondLst>
                             <p:childTnLst>
                               <p:par>
-                                <p:cTn id="20" presetID="18" presetClass="entr" presetSubtype="12" fill="hold" grpId="0" nodeType="clickEffect">
+                                <p:cTn id="20" presetID="2" presetClass="entr" presetSubtype="4" fill="hold" nodeType="clickEffect">
                                   <p:stCondLst>
                                     <p:cond delay="0"/>
                                   </p:stCondLst>
@@ -4979,199 +4306,6 @@
                                     <p:set>
                                       <p:cBhvr>
                                         <p:cTn id="21" dur="1" fill="hold">
-                                          <p:stCondLst>
-                                            <p:cond delay="0"/>
-                                          </p:stCondLst>
-                                        </p:cTn>
-                                        <p:tgtEl>
-                                          <p:spTgt spid="79"/>
-                                        </p:tgtEl>
-                                        <p:attrNameLst>
-                                          <p:attrName>style.visibility</p:attrName>
-                                        </p:attrNameLst>
-                                      </p:cBhvr>
-                                      <p:to>
-                                        <p:strVal val="visible"/>
-                                      </p:to>
-                                    </p:set>
-                                    <p:animEffect transition="in" filter="strips(downLeft)">
-                                      <p:cBhvr>
-                                        <p:cTn id="22" dur="500"/>
-                                        <p:tgtEl>
-                                          <p:spTgt spid="79"/>
-                                        </p:tgtEl>
-                                      </p:cBhvr>
-                                    </p:animEffect>
-                                  </p:childTnLst>
-                                </p:cTn>
-                              </p:par>
-                              <p:par>
-                                <p:cTn id="23" presetID="18" presetClass="entr" presetSubtype="12" fill="hold" grpId="0" nodeType="withEffect">
-                                  <p:stCondLst>
-                                    <p:cond delay="0"/>
-                                  </p:stCondLst>
-                                  <p:childTnLst>
-                                    <p:set>
-                                      <p:cBhvr>
-                                        <p:cTn id="24" dur="1" fill="hold">
-                                          <p:stCondLst>
-                                            <p:cond delay="0"/>
-                                          </p:stCondLst>
-                                        </p:cTn>
-                                        <p:tgtEl>
-                                          <p:spTgt spid="9"/>
-                                        </p:tgtEl>
-                                        <p:attrNameLst>
-                                          <p:attrName>style.visibility</p:attrName>
-                                        </p:attrNameLst>
-                                      </p:cBhvr>
-                                      <p:to>
-                                        <p:strVal val="visible"/>
-                                      </p:to>
-                                    </p:set>
-                                    <p:animEffect transition="in" filter="strips(downLeft)">
-                                      <p:cBhvr>
-                                        <p:cTn id="25" dur="500"/>
-                                        <p:tgtEl>
-                                          <p:spTgt spid="9"/>
-                                        </p:tgtEl>
-                                      </p:cBhvr>
-                                    </p:animEffect>
-                                  </p:childTnLst>
-                                </p:cTn>
-                              </p:par>
-                              <p:par>
-                                <p:cTn id="26" presetID="18" presetClass="entr" presetSubtype="12" fill="hold" grpId="0" nodeType="withEffect">
-                                  <p:stCondLst>
-                                    <p:cond delay="0"/>
-                                  </p:stCondLst>
-                                  <p:childTnLst>
-                                    <p:set>
-                                      <p:cBhvr>
-                                        <p:cTn id="27" dur="1" fill="hold">
-                                          <p:stCondLst>
-                                            <p:cond delay="0"/>
-                                          </p:stCondLst>
-                                        </p:cTn>
-                                        <p:tgtEl>
-                                          <p:spTgt spid="11"/>
-                                        </p:tgtEl>
-                                        <p:attrNameLst>
-                                          <p:attrName>style.visibility</p:attrName>
-                                        </p:attrNameLst>
-                                      </p:cBhvr>
-                                      <p:to>
-                                        <p:strVal val="visible"/>
-                                      </p:to>
-                                    </p:set>
-                                    <p:animEffect transition="in" filter="strips(downLeft)">
-                                      <p:cBhvr>
-                                        <p:cTn id="28" dur="500"/>
-                                        <p:tgtEl>
-                                          <p:spTgt spid="11"/>
-                                        </p:tgtEl>
-                                      </p:cBhvr>
-                                    </p:animEffect>
-                                  </p:childTnLst>
-                                </p:cTn>
-                              </p:par>
-                              <p:par>
-                                <p:cTn id="29" presetID="18" presetClass="entr" presetSubtype="12" fill="hold" grpId="0" nodeType="withEffect">
-                                  <p:stCondLst>
-                                    <p:cond delay="0"/>
-                                  </p:stCondLst>
-                                  <p:childTnLst>
-                                    <p:set>
-                                      <p:cBhvr>
-                                        <p:cTn id="30" dur="1" fill="hold">
-                                          <p:stCondLst>
-                                            <p:cond delay="0"/>
-                                          </p:stCondLst>
-                                        </p:cTn>
-                                        <p:tgtEl>
-                                          <p:spTgt spid="13"/>
-                                        </p:tgtEl>
-                                        <p:attrNameLst>
-                                          <p:attrName>style.visibility</p:attrName>
-                                        </p:attrNameLst>
-                                      </p:cBhvr>
-                                      <p:to>
-                                        <p:strVal val="visible"/>
-                                      </p:to>
-                                    </p:set>
-                                    <p:animEffect transition="in" filter="strips(downLeft)">
-                                      <p:cBhvr>
-                                        <p:cTn id="31" dur="500"/>
-                                        <p:tgtEl>
-                                          <p:spTgt spid="13"/>
-                                        </p:tgtEl>
-                                      </p:cBhvr>
-                                    </p:animEffect>
-                                  </p:childTnLst>
-                                </p:cTn>
-                              </p:par>
-                              <p:par>
-                                <p:cTn id="32" presetID="18" presetClass="entr" presetSubtype="12" fill="hold" grpId="0" nodeType="withEffect">
-                                  <p:stCondLst>
-                                    <p:cond delay="0"/>
-                                  </p:stCondLst>
-                                  <p:childTnLst>
-                                    <p:set>
-                                      <p:cBhvr>
-                                        <p:cTn id="33" dur="1" fill="hold">
-                                          <p:stCondLst>
-                                            <p:cond delay="0"/>
-                                          </p:stCondLst>
-                                        </p:cTn>
-                                        <p:tgtEl>
-                                          <p:spTgt spid="12"/>
-                                        </p:tgtEl>
-                                        <p:attrNameLst>
-                                          <p:attrName>style.visibility</p:attrName>
-                                        </p:attrNameLst>
-                                      </p:cBhvr>
-                                      <p:to>
-                                        <p:strVal val="visible"/>
-                                      </p:to>
-                                    </p:set>
-                                    <p:animEffect transition="in" filter="strips(downLeft)">
-                                      <p:cBhvr>
-                                        <p:cTn id="34" dur="500"/>
-                                        <p:tgtEl>
-                                          <p:spTgt spid="12"/>
-                                        </p:tgtEl>
-                                      </p:cBhvr>
-                                    </p:animEffect>
-                                  </p:childTnLst>
-                                </p:cTn>
-                              </p:par>
-                            </p:childTnLst>
-                          </p:cTn>
-                        </p:par>
-                      </p:childTnLst>
-                    </p:cTn>
-                  </p:par>
-                  <p:par>
-                    <p:cTn id="35" fill="hold">
-                      <p:stCondLst>
-                        <p:cond delay="indefinite"/>
-                      </p:stCondLst>
-                      <p:childTnLst>
-                        <p:par>
-                          <p:cTn id="36" fill="hold">
-                            <p:stCondLst>
-                              <p:cond delay="0"/>
-                            </p:stCondLst>
-                            <p:childTnLst>
-                              <p:par>
-                                <p:cTn id="37" presetID="2" presetClass="entr" presetSubtype="4" fill="hold" nodeType="clickEffect">
-                                  <p:stCondLst>
-                                    <p:cond delay="0"/>
-                                  </p:stCondLst>
-                                  <p:childTnLst>
-                                    <p:set>
-                                      <p:cBhvr>
-                                        <p:cTn id="38" dur="1" fill="hold">
                                           <p:stCondLst>
                                             <p:cond delay="0"/>
                                           </p:stCondLst>
@@ -5189,7 +4323,7 @@
                                     </p:set>
                                     <p:anim calcmode="lin" valueType="num">
                                       <p:cBhvr additive="base">
-                                        <p:cTn id="39" dur="500" fill="hold"/>
+                                        <p:cTn id="22" dur="500" fill="hold"/>
                                         <p:tgtEl>
                                           <p:spTgt spid="15"/>
                                         </p:tgtEl>
@@ -5212,7 +4346,7 @@
                                     </p:anim>
                                     <p:anim calcmode="lin" valueType="num">
                                       <p:cBhvr additive="base">
-                                        <p:cTn id="40" dur="500" fill="hold"/>
+                                        <p:cTn id="23" dur="500" fill="hold"/>
                                         <p:tgtEl>
                                           <p:spTgt spid="15"/>
                                         </p:tgtEl>
@@ -5237,14 +4371,14 @@
                                 </p:cTn>
                               </p:par>
                               <p:par>
-                                <p:cTn id="41" presetID="2" presetClass="entr" presetSubtype="4" fill="hold" grpId="1" nodeType="withEffect">
+                                <p:cTn id="24" presetID="2" presetClass="entr" presetSubtype="4" fill="hold" grpId="1" nodeType="withEffect">
                                   <p:stCondLst>
                                     <p:cond delay="0"/>
                                   </p:stCondLst>
                                   <p:childTnLst>
                                     <p:set>
                                       <p:cBhvr>
-                                        <p:cTn id="42" dur="1" fill="hold">
+                                        <p:cTn id="25" dur="1" fill="hold">
                                           <p:stCondLst>
                                             <p:cond delay="0"/>
                                           </p:stCondLst>
@@ -5262,7 +4396,7 @@
                                     </p:set>
                                     <p:anim calcmode="lin" valueType="num">
                                       <p:cBhvr additive="base">
-                                        <p:cTn id="43" dur="500" fill="hold"/>
+                                        <p:cTn id="26" dur="500" fill="hold"/>
                                         <p:tgtEl>
                                           <p:spTgt spid="20"/>
                                         </p:tgtEl>
@@ -5285,7 +4419,7 @@
                                     </p:anim>
                                     <p:anim calcmode="lin" valueType="num">
                                       <p:cBhvr additive="base">
-                                        <p:cTn id="44" dur="500" fill="hold"/>
+                                        <p:cTn id="27" dur="500" fill="hold"/>
                                         <p:tgtEl>
                                           <p:spTgt spid="20"/>
                                         </p:tgtEl>
@@ -5310,14 +4444,14 @@
                                 </p:cTn>
                               </p:par>
                               <p:par>
-                                <p:cTn id="45" presetID="2" presetClass="entr" presetSubtype="4" fill="hold" grpId="1" nodeType="withEffect">
+                                <p:cTn id="28" presetID="2" presetClass="entr" presetSubtype="4" fill="hold" grpId="1" nodeType="withEffect">
                                   <p:stCondLst>
                                     <p:cond delay="0"/>
                                   </p:stCondLst>
                                   <p:childTnLst>
                                     <p:set>
                                       <p:cBhvr>
-                                        <p:cTn id="46" dur="1" fill="hold">
+                                        <p:cTn id="29" dur="1" fill="hold">
                                           <p:stCondLst>
                                             <p:cond delay="0"/>
                                           </p:stCondLst>
@@ -5335,7 +4469,7 @@
                                     </p:set>
                                     <p:anim calcmode="lin" valueType="num">
                                       <p:cBhvr additive="base">
-                                        <p:cTn id="47" dur="500" fill="hold"/>
+                                        <p:cTn id="30" dur="500" fill="hold"/>
                                         <p:tgtEl>
                                           <p:spTgt spid="19"/>
                                         </p:tgtEl>
@@ -5358,7 +4492,7 @@
                                     </p:anim>
                                     <p:anim calcmode="lin" valueType="num">
                                       <p:cBhvr additive="base">
-                                        <p:cTn id="48" dur="500" fill="hold"/>
+                                        <p:cTn id="31" dur="500" fill="hold"/>
                                         <p:tgtEl>
                                           <p:spTgt spid="19"/>
                                         </p:tgtEl>
@@ -5389,19 +4523,19 @@
                     </p:cTn>
                   </p:par>
                   <p:par>
-                    <p:cTn id="49" fill="hold">
+                    <p:cTn id="32" fill="hold">
                       <p:stCondLst>
                         <p:cond delay="indefinite"/>
                       </p:stCondLst>
                       <p:childTnLst>
                         <p:par>
-                          <p:cTn id="50" fill="hold">
+                          <p:cTn id="33" fill="hold">
                             <p:stCondLst>
                               <p:cond delay="0"/>
                             </p:stCondLst>
                             <p:childTnLst>
                               <p:par>
-                                <p:cTn id="51" presetID="56" presetClass="entr" presetSubtype="0" fill="hold" grpId="0" nodeType="clickEffect">
+                                <p:cTn id="34" presetID="56" presetClass="entr" presetSubtype="0" fill="hold" grpId="0" nodeType="clickEffect">
                                   <p:stCondLst>
                                     <p:cond delay="0"/>
                                   </p:stCondLst>
@@ -5411,7 +4545,7 @@
                                   <p:childTnLst>
                                     <p:set>
                                       <p:cBhvr>
-                                        <p:cTn id="52" dur="1" fill="hold">
+                                        <p:cTn id="35" dur="1" fill="hold">
                                           <p:stCondLst>
                                             <p:cond delay="0"/>
                                           </p:stCondLst>
@@ -5429,7 +4563,7 @@
                                     </p:set>
                                     <p:anim by="(-#ppt_w*2)" calcmode="lin" valueType="num">
                                       <p:cBhvr rctx="PPT">
-                                        <p:cTn id="53" dur="500" autoRev="1" fill="hold">
+                                        <p:cTn id="36" dur="500" autoRev="1" fill="hold">
                                           <p:stCondLst>
                                             <p:cond delay="0"/>
                                           </p:stCondLst>
@@ -5444,7 +4578,7 @@
                                     </p:anim>
                                     <p:anim by="(#ppt_w*0.50)" calcmode="lin" valueType="num">
                                       <p:cBhvr>
-                                        <p:cTn id="54" dur="500" decel="50000" autoRev="1" fill="hold">
+                                        <p:cTn id="37" dur="500" decel="50000" autoRev="1" fill="hold">
                                           <p:stCondLst>
                                             <p:cond delay="0"/>
                                           </p:stCondLst>
@@ -5459,7 +4593,7 @@
                                     </p:anim>
                                     <p:anim from="(-#ppt_h/2)" to="(#ppt_y)" calcmode="lin" valueType="num">
                                       <p:cBhvr>
-                                        <p:cTn id="55" dur="1000" fill="hold">
+                                        <p:cTn id="38" dur="1000" fill="hold">
                                           <p:stCondLst>
                                             <p:cond delay="0"/>
                                           </p:stCondLst>
@@ -5474,7 +4608,7 @@
                                     </p:anim>
                                     <p:animRot by="21600000">
                                       <p:cBhvr>
-                                        <p:cTn id="56" dur="1000" fill="hold">
+                                        <p:cTn id="39" dur="1000" fill="hold">
                                           <p:stCondLst>
                                             <p:cond delay="0"/>
                                           </p:stCondLst>
@@ -5497,26 +4631,26 @@
                     </p:cTn>
                   </p:par>
                   <p:par>
-                    <p:cTn id="57" fill="hold">
+                    <p:cTn id="40" fill="hold">
                       <p:stCondLst>
                         <p:cond delay="indefinite"/>
                       </p:stCondLst>
                       <p:childTnLst>
                         <p:par>
-                          <p:cTn id="58" fill="hold">
+                          <p:cTn id="41" fill="hold">
                             <p:stCondLst>
                               <p:cond delay="0"/>
                             </p:stCondLst>
                             <p:childTnLst>
                               <p:par>
-                                <p:cTn id="59" presetID="2" presetClass="entr" presetSubtype="4" fill="hold" grpId="0" nodeType="clickEffect">
+                                <p:cTn id="42" presetID="2" presetClass="entr" presetSubtype="4" fill="hold" grpId="0" nodeType="clickEffect">
                                   <p:stCondLst>
                                     <p:cond delay="0"/>
                                   </p:stCondLst>
                                   <p:childTnLst>
                                     <p:set>
                                       <p:cBhvr>
-                                        <p:cTn id="60" dur="1" fill="hold">
+                                        <p:cTn id="43" dur="1" fill="hold">
                                           <p:stCondLst>
                                             <p:cond delay="0"/>
                                           </p:stCondLst>
@@ -5534,7 +4668,7 @@
                                     </p:set>
                                     <p:anim calcmode="lin" valueType="num">
                                       <p:cBhvr additive="base">
-                                        <p:cTn id="61" dur="500" fill="hold"/>
+                                        <p:cTn id="44" dur="500" fill="hold"/>
                                         <p:tgtEl>
                                           <p:spTgt spid="2"/>
                                         </p:tgtEl>
@@ -5557,7 +4691,7 @@
                                     </p:anim>
                                     <p:anim calcmode="lin" valueType="num">
                                       <p:cBhvr additive="base">
-                                        <p:cTn id="62" dur="500" fill="hold"/>
+                                        <p:cTn id="45" dur="500" fill="hold"/>
                                         <p:tgtEl>
                                           <p:spTgt spid="2"/>
                                         </p:tgtEl>
@@ -5610,11 +4744,6 @@
     </p:tnLst>
     <p:bldLst>
       <p:bldP spid="20" grpId="1" animBg="1"/>
-      <p:bldP spid="79" grpId="0"/>
-      <p:bldP spid="9" grpId="0"/>
-      <p:bldP spid="11" grpId="0"/>
-      <p:bldP spid="12" grpId="0"/>
-      <p:bldP spid="13" grpId="0"/>
       <p:bldP spid="10" grpId="0"/>
       <p:bldP spid="19" grpId="1"/>
       <p:bldP spid="21" grpId="0" build="allAtOnce"/>
@@ -5654,61 +4783,6 @@
           <a:chExt cx="0" cy="0"/>
         </a:xfrm>
       </p:grpSpPr>
-      <p:sp>
-        <p:nvSpPr>
-          <p:cNvPr id="79" name="Google Shape;79;p15"/>
-          <p:cNvSpPr txBox="1">
-            <a:spLocks noGrp="1"/>
-          </p:cNvSpPr>
-          <p:nvPr>
-            <p:ph type="ctrTitle"/>
-          </p:nvPr>
-        </p:nvSpPr>
-        <p:spPr>
-          <a:xfrm>
-            <a:off x="4665921" y="609404"/>
-            <a:ext cx="414670" cy="312588"/>
-          </a:xfrm>
-          <a:prstGeom prst="rect">
-            <a:avLst/>
-          </a:prstGeom>
-        </p:spPr>
-        <p:txBody>
-          <a:bodyPr spcFirstLastPara="1" wrap="square" lIns="0" tIns="0" rIns="0" bIns="0" anchor="ctr" anchorCtr="0">
-            <a:noAutofit/>
-          </a:bodyPr>
-          <a:lstStyle/>
-          <a:p>
-            <a:pPr marL="0" lvl="0" indent="0" algn="l" rtl="0">
-              <a:spcBef>
-                <a:spcPts val="0"/>
-              </a:spcBef>
-              <a:spcAft>
-                <a:spcPts val="0"/>
-              </a:spcAft>
-              <a:buNone/>
-            </a:pPr>
-            <a:r>
-              <a:rPr lang="en-US" sz="1100" dirty="0">
-                <a:solidFill>
-                  <a:srgbClr val="272364"/>
-                </a:solidFill>
-                <a:latin typeface="Calibri" panose="020F0502020204030204" pitchFamily="34" charset="0"/>
-                <a:cs typeface="Calibri" panose="020F0502020204030204" pitchFamily="34" charset="0"/>
-                <a:hlinkClick r:id="rId3" action="ppaction://hlinksldjump"/>
-              </a:rPr>
-              <a:t>Home</a:t>
-            </a:r>
-            <a:endParaRPr sz="1100" dirty="0">
-              <a:solidFill>
-                <a:srgbClr val="272364"/>
-              </a:solidFill>
-              <a:latin typeface="Calibri" panose="020F0502020204030204" pitchFamily="34" charset="0"/>
-              <a:cs typeface="Calibri" panose="020F0502020204030204" pitchFamily="34" charset="0"/>
-            </a:endParaRPr>
-          </a:p>
-        </p:txBody>
-      </p:sp>
       <p:pic>
         <p:nvPicPr>
           <p:cNvPr id="7" name="Picture 6">
@@ -5740,1210 +4814,6 @@
           </a:prstGeom>
         </p:spPr>
       </p:pic>
-      <p:sp>
-        <p:nvSpPr>
-          <p:cNvPr id="9" name="Google Shape;79;p15">
-            <a:extLst>
-              <a:ext uri="{FF2B5EF4-FFF2-40B4-BE49-F238E27FC236}">
-                <a16:creationId xmlns:a16="http://schemas.microsoft.com/office/drawing/2014/main" id="{1ACB8FC9-001A-484D-BD27-9A3DA2FB283C}"/>
-              </a:ext>
-            </a:extLst>
-          </p:cNvPr>
-          <p:cNvSpPr txBox="1">
-            <a:spLocks/>
-          </p:cNvSpPr>
-          <p:nvPr/>
-        </p:nvSpPr>
-        <p:spPr>
-          <a:xfrm>
-            <a:off x="5352606" y="605510"/>
-            <a:ext cx="892249" cy="312588"/>
-          </a:xfrm>
-          <a:prstGeom prst="rect">
-            <a:avLst/>
-          </a:prstGeom>
-          <a:noFill/>
-          <a:ln>
-            <a:noFill/>
-          </a:ln>
-        </p:spPr>
-        <p:txBody>
-          <a:bodyPr spcFirstLastPara="1" wrap="square" lIns="0" tIns="0" rIns="0" bIns="0" anchor="ctr" anchorCtr="0">
-            <a:noAutofit/>
-          </a:bodyPr>
-          <a:lstStyle>
-            <a:defPPr marR="0" lvl="0" algn="l" rtl="0">
-              <a:lnSpc>
-                <a:spcPct val="100000"/>
-              </a:lnSpc>
-              <a:spcBef>
-                <a:spcPts val="0"/>
-              </a:spcBef>
-              <a:spcAft>
-                <a:spcPts val="0"/>
-              </a:spcAft>
-            </a:defPPr>
-            <a:lvl1pPr marR="0" lvl="0" algn="l" rtl="0">
-              <a:lnSpc>
-                <a:spcPct val="90000"/>
-              </a:lnSpc>
-              <a:spcBef>
-                <a:spcPts val="0"/>
-              </a:spcBef>
-              <a:spcAft>
-                <a:spcPts val="0"/>
-              </a:spcAft>
-              <a:buClr>
-                <a:schemeClr val="dk1"/>
-              </a:buClr>
-              <a:buSzPts val="5000"/>
-              <a:buFont typeface="Playfair Display Regular"/>
-              <a:buNone/>
-              <a:defRPr sz="5000" b="0" i="0" u="none" strike="noStrike" cap="none">
-                <a:solidFill>
-                  <a:schemeClr val="dk1"/>
-                </a:solidFill>
-                <a:latin typeface="Playfair Display Regular"/>
-                <a:ea typeface="Playfair Display Regular"/>
-                <a:cs typeface="Playfair Display Regular"/>
-                <a:sym typeface="Playfair Display Regular"/>
-              </a:defRPr>
-            </a:lvl1pPr>
-            <a:lvl2pPr marR="0" lvl="1" algn="l" rtl="0">
-              <a:lnSpc>
-                <a:spcPct val="90000"/>
-              </a:lnSpc>
-              <a:spcBef>
-                <a:spcPts val="0"/>
-              </a:spcBef>
-              <a:spcAft>
-                <a:spcPts val="0"/>
-              </a:spcAft>
-              <a:buClr>
-                <a:schemeClr val="dk1"/>
-              </a:buClr>
-              <a:buSzPts val="5000"/>
-              <a:buFont typeface="Playfair Display Regular"/>
-              <a:buNone/>
-              <a:defRPr sz="5000" b="0" i="0" u="none" strike="noStrike" cap="none">
-                <a:solidFill>
-                  <a:schemeClr val="dk1"/>
-                </a:solidFill>
-                <a:latin typeface="Playfair Display Regular"/>
-                <a:ea typeface="Playfair Display Regular"/>
-                <a:cs typeface="Playfair Display Regular"/>
-                <a:sym typeface="Playfair Display Regular"/>
-              </a:defRPr>
-            </a:lvl2pPr>
-            <a:lvl3pPr marR="0" lvl="2" algn="l" rtl="0">
-              <a:lnSpc>
-                <a:spcPct val="90000"/>
-              </a:lnSpc>
-              <a:spcBef>
-                <a:spcPts val="0"/>
-              </a:spcBef>
-              <a:spcAft>
-                <a:spcPts val="0"/>
-              </a:spcAft>
-              <a:buClr>
-                <a:schemeClr val="dk1"/>
-              </a:buClr>
-              <a:buSzPts val="5000"/>
-              <a:buFont typeface="Playfair Display Regular"/>
-              <a:buNone/>
-              <a:defRPr sz="5000" b="0" i="0" u="none" strike="noStrike" cap="none">
-                <a:solidFill>
-                  <a:schemeClr val="dk1"/>
-                </a:solidFill>
-                <a:latin typeface="Playfair Display Regular"/>
-                <a:ea typeface="Playfair Display Regular"/>
-                <a:cs typeface="Playfair Display Regular"/>
-                <a:sym typeface="Playfair Display Regular"/>
-              </a:defRPr>
-            </a:lvl3pPr>
-            <a:lvl4pPr marR="0" lvl="3" algn="l" rtl="0">
-              <a:lnSpc>
-                <a:spcPct val="90000"/>
-              </a:lnSpc>
-              <a:spcBef>
-                <a:spcPts val="0"/>
-              </a:spcBef>
-              <a:spcAft>
-                <a:spcPts val="0"/>
-              </a:spcAft>
-              <a:buClr>
-                <a:schemeClr val="dk1"/>
-              </a:buClr>
-              <a:buSzPts val="5000"/>
-              <a:buFont typeface="Playfair Display Regular"/>
-              <a:buNone/>
-              <a:defRPr sz="5000" b="0" i="0" u="none" strike="noStrike" cap="none">
-                <a:solidFill>
-                  <a:schemeClr val="dk1"/>
-                </a:solidFill>
-                <a:latin typeface="Playfair Display Regular"/>
-                <a:ea typeface="Playfair Display Regular"/>
-                <a:cs typeface="Playfair Display Regular"/>
-                <a:sym typeface="Playfair Display Regular"/>
-              </a:defRPr>
-            </a:lvl4pPr>
-            <a:lvl5pPr marR="0" lvl="4" algn="l" rtl="0">
-              <a:lnSpc>
-                <a:spcPct val="90000"/>
-              </a:lnSpc>
-              <a:spcBef>
-                <a:spcPts val="0"/>
-              </a:spcBef>
-              <a:spcAft>
-                <a:spcPts val="0"/>
-              </a:spcAft>
-              <a:buClr>
-                <a:schemeClr val="dk1"/>
-              </a:buClr>
-              <a:buSzPts val="5000"/>
-              <a:buFont typeface="Playfair Display Regular"/>
-              <a:buNone/>
-              <a:defRPr sz="5000" b="0" i="0" u="none" strike="noStrike" cap="none">
-                <a:solidFill>
-                  <a:schemeClr val="dk1"/>
-                </a:solidFill>
-                <a:latin typeface="Playfair Display Regular"/>
-                <a:ea typeface="Playfair Display Regular"/>
-                <a:cs typeface="Playfair Display Regular"/>
-                <a:sym typeface="Playfair Display Regular"/>
-              </a:defRPr>
-            </a:lvl5pPr>
-            <a:lvl6pPr marR="0" lvl="5" algn="l" rtl="0">
-              <a:lnSpc>
-                <a:spcPct val="90000"/>
-              </a:lnSpc>
-              <a:spcBef>
-                <a:spcPts val="0"/>
-              </a:spcBef>
-              <a:spcAft>
-                <a:spcPts val="0"/>
-              </a:spcAft>
-              <a:buClr>
-                <a:schemeClr val="dk1"/>
-              </a:buClr>
-              <a:buSzPts val="5000"/>
-              <a:buFont typeface="Playfair Display Regular"/>
-              <a:buNone/>
-              <a:defRPr sz="5000" b="0" i="0" u="none" strike="noStrike" cap="none">
-                <a:solidFill>
-                  <a:schemeClr val="dk1"/>
-                </a:solidFill>
-                <a:latin typeface="Playfair Display Regular"/>
-                <a:ea typeface="Playfair Display Regular"/>
-                <a:cs typeface="Playfair Display Regular"/>
-                <a:sym typeface="Playfair Display Regular"/>
-              </a:defRPr>
-            </a:lvl6pPr>
-            <a:lvl7pPr marR="0" lvl="6" algn="l" rtl="0">
-              <a:lnSpc>
-                <a:spcPct val="90000"/>
-              </a:lnSpc>
-              <a:spcBef>
-                <a:spcPts val="0"/>
-              </a:spcBef>
-              <a:spcAft>
-                <a:spcPts val="0"/>
-              </a:spcAft>
-              <a:buClr>
-                <a:schemeClr val="dk1"/>
-              </a:buClr>
-              <a:buSzPts val="5000"/>
-              <a:buFont typeface="Playfair Display Regular"/>
-              <a:buNone/>
-              <a:defRPr sz="5000" b="0" i="0" u="none" strike="noStrike" cap="none">
-                <a:solidFill>
-                  <a:schemeClr val="dk1"/>
-                </a:solidFill>
-                <a:latin typeface="Playfair Display Regular"/>
-                <a:ea typeface="Playfair Display Regular"/>
-                <a:cs typeface="Playfair Display Regular"/>
-                <a:sym typeface="Playfair Display Regular"/>
-              </a:defRPr>
-            </a:lvl7pPr>
-            <a:lvl8pPr marR="0" lvl="7" algn="l" rtl="0">
-              <a:lnSpc>
-                <a:spcPct val="90000"/>
-              </a:lnSpc>
-              <a:spcBef>
-                <a:spcPts val="0"/>
-              </a:spcBef>
-              <a:spcAft>
-                <a:spcPts val="0"/>
-              </a:spcAft>
-              <a:buClr>
-                <a:schemeClr val="dk1"/>
-              </a:buClr>
-              <a:buSzPts val="5000"/>
-              <a:buFont typeface="Playfair Display Regular"/>
-              <a:buNone/>
-              <a:defRPr sz="5000" b="0" i="0" u="none" strike="noStrike" cap="none">
-                <a:solidFill>
-                  <a:schemeClr val="dk1"/>
-                </a:solidFill>
-                <a:latin typeface="Playfair Display Regular"/>
-                <a:ea typeface="Playfair Display Regular"/>
-                <a:cs typeface="Playfair Display Regular"/>
-                <a:sym typeface="Playfair Display Regular"/>
-              </a:defRPr>
-            </a:lvl8pPr>
-            <a:lvl9pPr marR="0" lvl="8" algn="l" rtl="0">
-              <a:lnSpc>
-                <a:spcPct val="90000"/>
-              </a:lnSpc>
-              <a:spcBef>
-                <a:spcPts val="0"/>
-              </a:spcBef>
-              <a:spcAft>
-                <a:spcPts val="0"/>
-              </a:spcAft>
-              <a:buClr>
-                <a:schemeClr val="dk1"/>
-              </a:buClr>
-              <a:buSzPts val="5000"/>
-              <a:buFont typeface="Playfair Display Regular"/>
-              <a:buNone/>
-              <a:defRPr sz="5000" b="0" i="0" u="none" strike="noStrike" cap="none">
-                <a:solidFill>
-                  <a:schemeClr val="dk1"/>
-                </a:solidFill>
-                <a:latin typeface="Playfair Display Regular"/>
-                <a:ea typeface="Playfair Display Regular"/>
-                <a:cs typeface="Playfair Display Regular"/>
-                <a:sym typeface="Playfair Display Regular"/>
-              </a:defRPr>
-            </a:lvl9pPr>
-          </a:lstStyle>
-          <a:p>
-            <a:r>
-              <a:rPr lang="en-US" sz="1100" dirty="0">
-                <a:solidFill>
-                  <a:srgbClr val="272364"/>
-                </a:solidFill>
-                <a:latin typeface="Calibri" panose="020F0502020204030204" pitchFamily="34" charset="0"/>
-                <a:cs typeface="Calibri" panose="020F0502020204030204" pitchFamily="34" charset="0"/>
-              </a:rPr>
-              <a:t>Dashboard</a:t>
-            </a:r>
-          </a:p>
-        </p:txBody>
-      </p:sp>
-      <p:sp>
-        <p:nvSpPr>
-          <p:cNvPr id="11" name="Google Shape;79;p15">
-            <a:extLst>
-              <a:ext uri="{FF2B5EF4-FFF2-40B4-BE49-F238E27FC236}">
-                <a16:creationId xmlns:a16="http://schemas.microsoft.com/office/drawing/2014/main" id="{E864C77B-D2C6-8D46-839A-D148EBF3FB45}"/>
-              </a:ext>
-            </a:extLst>
-          </p:cNvPr>
-          <p:cNvSpPr txBox="1">
-            <a:spLocks/>
-          </p:cNvSpPr>
-          <p:nvPr/>
-        </p:nvSpPr>
-        <p:spPr>
-          <a:xfrm>
-            <a:off x="6297578" y="605510"/>
-            <a:ext cx="892249" cy="312588"/>
-          </a:xfrm>
-          <a:prstGeom prst="rect">
-            <a:avLst/>
-          </a:prstGeom>
-          <a:noFill/>
-          <a:ln>
-            <a:noFill/>
-          </a:ln>
-        </p:spPr>
-        <p:txBody>
-          <a:bodyPr spcFirstLastPara="1" wrap="square" lIns="0" tIns="0" rIns="0" bIns="0" anchor="ctr" anchorCtr="0">
-            <a:noAutofit/>
-          </a:bodyPr>
-          <a:lstStyle>
-            <a:defPPr marR="0" lvl="0" algn="l" rtl="0">
-              <a:lnSpc>
-                <a:spcPct val="100000"/>
-              </a:lnSpc>
-              <a:spcBef>
-                <a:spcPts val="0"/>
-              </a:spcBef>
-              <a:spcAft>
-                <a:spcPts val="0"/>
-              </a:spcAft>
-            </a:defPPr>
-            <a:lvl1pPr marR="0" lvl="0" algn="l" rtl="0">
-              <a:lnSpc>
-                <a:spcPct val="90000"/>
-              </a:lnSpc>
-              <a:spcBef>
-                <a:spcPts val="0"/>
-              </a:spcBef>
-              <a:spcAft>
-                <a:spcPts val="0"/>
-              </a:spcAft>
-              <a:buClr>
-                <a:schemeClr val="dk1"/>
-              </a:buClr>
-              <a:buSzPts val="5000"/>
-              <a:buFont typeface="Playfair Display Regular"/>
-              <a:buNone/>
-              <a:defRPr sz="5000" b="0" i="0" u="none" strike="noStrike" cap="none">
-                <a:solidFill>
-                  <a:schemeClr val="dk1"/>
-                </a:solidFill>
-                <a:latin typeface="Playfair Display Regular"/>
-                <a:ea typeface="Playfair Display Regular"/>
-                <a:cs typeface="Playfair Display Regular"/>
-                <a:sym typeface="Playfair Display Regular"/>
-              </a:defRPr>
-            </a:lvl1pPr>
-            <a:lvl2pPr marR="0" lvl="1" algn="l" rtl="0">
-              <a:lnSpc>
-                <a:spcPct val="90000"/>
-              </a:lnSpc>
-              <a:spcBef>
-                <a:spcPts val="0"/>
-              </a:spcBef>
-              <a:spcAft>
-                <a:spcPts val="0"/>
-              </a:spcAft>
-              <a:buClr>
-                <a:schemeClr val="dk1"/>
-              </a:buClr>
-              <a:buSzPts val="5000"/>
-              <a:buFont typeface="Playfair Display Regular"/>
-              <a:buNone/>
-              <a:defRPr sz="5000" b="0" i="0" u="none" strike="noStrike" cap="none">
-                <a:solidFill>
-                  <a:schemeClr val="dk1"/>
-                </a:solidFill>
-                <a:latin typeface="Playfair Display Regular"/>
-                <a:ea typeface="Playfair Display Regular"/>
-                <a:cs typeface="Playfair Display Regular"/>
-                <a:sym typeface="Playfair Display Regular"/>
-              </a:defRPr>
-            </a:lvl2pPr>
-            <a:lvl3pPr marR="0" lvl="2" algn="l" rtl="0">
-              <a:lnSpc>
-                <a:spcPct val="90000"/>
-              </a:lnSpc>
-              <a:spcBef>
-                <a:spcPts val="0"/>
-              </a:spcBef>
-              <a:spcAft>
-                <a:spcPts val="0"/>
-              </a:spcAft>
-              <a:buClr>
-                <a:schemeClr val="dk1"/>
-              </a:buClr>
-              <a:buSzPts val="5000"/>
-              <a:buFont typeface="Playfair Display Regular"/>
-              <a:buNone/>
-              <a:defRPr sz="5000" b="0" i="0" u="none" strike="noStrike" cap="none">
-                <a:solidFill>
-                  <a:schemeClr val="dk1"/>
-                </a:solidFill>
-                <a:latin typeface="Playfair Display Regular"/>
-                <a:ea typeface="Playfair Display Regular"/>
-                <a:cs typeface="Playfair Display Regular"/>
-                <a:sym typeface="Playfair Display Regular"/>
-              </a:defRPr>
-            </a:lvl3pPr>
-            <a:lvl4pPr marR="0" lvl="3" algn="l" rtl="0">
-              <a:lnSpc>
-                <a:spcPct val="90000"/>
-              </a:lnSpc>
-              <a:spcBef>
-                <a:spcPts val="0"/>
-              </a:spcBef>
-              <a:spcAft>
-                <a:spcPts val="0"/>
-              </a:spcAft>
-              <a:buClr>
-                <a:schemeClr val="dk1"/>
-              </a:buClr>
-              <a:buSzPts val="5000"/>
-              <a:buFont typeface="Playfair Display Regular"/>
-              <a:buNone/>
-              <a:defRPr sz="5000" b="0" i="0" u="none" strike="noStrike" cap="none">
-                <a:solidFill>
-                  <a:schemeClr val="dk1"/>
-                </a:solidFill>
-                <a:latin typeface="Playfair Display Regular"/>
-                <a:ea typeface="Playfair Display Regular"/>
-                <a:cs typeface="Playfair Display Regular"/>
-                <a:sym typeface="Playfair Display Regular"/>
-              </a:defRPr>
-            </a:lvl4pPr>
-            <a:lvl5pPr marR="0" lvl="4" algn="l" rtl="0">
-              <a:lnSpc>
-                <a:spcPct val="90000"/>
-              </a:lnSpc>
-              <a:spcBef>
-                <a:spcPts val="0"/>
-              </a:spcBef>
-              <a:spcAft>
-                <a:spcPts val="0"/>
-              </a:spcAft>
-              <a:buClr>
-                <a:schemeClr val="dk1"/>
-              </a:buClr>
-              <a:buSzPts val="5000"/>
-              <a:buFont typeface="Playfair Display Regular"/>
-              <a:buNone/>
-              <a:defRPr sz="5000" b="0" i="0" u="none" strike="noStrike" cap="none">
-                <a:solidFill>
-                  <a:schemeClr val="dk1"/>
-                </a:solidFill>
-                <a:latin typeface="Playfair Display Regular"/>
-                <a:ea typeface="Playfair Display Regular"/>
-                <a:cs typeface="Playfair Display Regular"/>
-                <a:sym typeface="Playfair Display Regular"/>
-              </a:defRPr>
-            </a:lvl5pPr>
-            <a:lvl6pPr marR="0" lvl="5" algn="l" rtl="0">
-              <a:lnSpc>
-                <a:spcPct val="90000"/>
-              </a:lnSpc>
-              <a:spcBef>
-                <a:spcPts val="0"/>
-              </a:spcBef>
-              <a:spcAft>
-                <a:spcPts val="0"/>
-              </a:spcAft>
-              <a:buClr>
-                <a:schemeClr val="dk1"/>
-              </a:buClr>
-              <a:buSzPts val="5000"/>
-              <a:buFont typeface="Playfair Display Regular"/>
-              <a:buNone/>
-              <a:defRPr sz="5000" b="0" i="0" u="none" strike="noStrike" cap="none">
-                <a:solidFill>
-                  <a:schemeClr val="dk1"/>
-                </a:solidFill>
-                <a:latin typeface="Playfair Display Regular"/>
-                <a:ea typeface="Playfair Display Regular"/>
-                <a:cs typeface="Playfair Display Regular"/>
-                <a:sym typeface="Playfair Display Regular"/>
-              </a:defRPr>
-            </a:lvl6pPr>
-            <a:lvl7pPr marR="0" lvl="6" algn="l" rtl="0">
-              <a:lnSpc>
-                <a:spcPct val="90000"/>
-              </a:lnSpc>
-              <a:spcBef>
-                <a:spcPts val="0"/>
-              </a:spcBef>
-              <a:spcAft>
-                <a:spcPts val="0"/>
-              </a:spcAft>
-              <a:buClr>
-                <a:schemeClr val="dk1"/>
-              </a:buClr>
-              <a:buSzPts val="5000"/>
-              <a:buFont typeface="Playfair Display Regular"/>
-              <a:buNone/>
-              <a:defRPr sz="5000" b="0" i="0" u="none" strike="noStrike" cap="none">
-                <a:solidFill>
-                  <a:schemeClr val="dk1"/>
-                </a:solidFill>
-                <a:latin typeface="Playfair Display Regular"/>
-                <a:ea typeface="Playfair Display Regular"/>
-                <a:cs typeface="Playfair Display Regular"/>
-                <a:sym typeface="Playfair Display Regular"/>
-              </a:defRPr>
-            </a:lvl7pPr>
-            <a:lvl8pPr marR="0" lvl="7" algn="l" rtl="0">
-              <a:lnSpc>
-                <a:spcPct val="90000"/>
-              </a:lnSpc>
-              <a:spcBef>
-                <a:spcPts val="0"/>
-              </a:spcBef>
-              <a:spcAft>
-                <a:spcPts val="0"/>
-              </a:spcAft>
-              <a:buClr>
-                <a:schemeClr val="dk1"/>
-              </a:buClr>
-              <a:buSzPts val="5000"/>
-              <a:buFont typeface="Playfair Display Regular"/>
-              <a:buNone/>
-              <a:defRPr sz="5000" b="0" i="0" u="none" strike="noStrike" cap="none">
-                <a:solidFill>
-                  <a:schemeClr val="dk1"/>
-                </a:solidFill>
-                <a:latin typeface="Playfair Display Regular"/>
-                <a:ea typeface="Playfair Display Regular"/>
-                <a:cs typeface="Playfair Display Regular"/>
-                <a:sym typeface="Playfair Display Regular"/>
-              </a:defRPr>
-            </a:lvl8pPr>
-            <a:lvl9pPr marR="0" lvl="8" algn="l" rtl="0">
-              <a:lnSpc>
-                <a:spcPct val="90000"/>
-              </a:lnSpc>
-              <a:spcBef>
-                <a:spcPts val="0"/>
-              </a:spcBef>
-              <a:spcAft>
-                <a:spcPts val="0"/>
-              </a:spcAft>
-              <a:buClr>
-                <a:schemeClr val="dk1"/>
-              </a:buClr>
-              <a:buSzPts val="5000"/>
-              <a:buFont typeface="Playfair Display Regular"/>
-              <a:buNone/>
-              <a:defRPr sz="5000" b="0" i="0" u="none" strike="noStrike" cap="none">
-                <a:solidFill>
-                  <a:schemeClr val="dk1"/>
-                </a:solidFill>
-                <a:latin typeface="Playfair Display Regular"/>
-                <a:ea typeface="Playfair Display Regular"/>
-                <a:cs typeface="Playfair Display Regular"/>
-                <a:sym typeface="Playfair Display Regular"/>
-              </a:defRPr>
-            </a:lvl9pPr>
-          </a:lstStyle>
-          <a:p>
-            <a:r>
-              <a:rPr lang="en-US" sz="1100" dirty="0">
-                <a:solidFill>
-                  <a:srgbClr val="F3768E"/>
-                </a:solidFill>
-                <a:latin typeface="Calibri" panose="020F0502020204030204" pitchFamily="34" charset="0"/>
-                <a:cs typeface="Calibri" panose="020F0502020204030204" pitchFamily="34" charset="0"/>
-              </a:rPr>
-              <a:t>About</a:t>
-            </a:r>
-            <a:r>
-              <a:rPr lang="en-US" sz="1100" dirty="0">
-                <a:solidFill>
-                  <a:srgbClr val="F38EBC"/>
-                </a:solidFill>
-                <a:latin typeface="Calibri" panose="020F0502020204030204" pitchFamily="34" charset="0"/>
-                <a:cs typeface="Calibri" panose="020F0502020204030204" pitchFamily="34" charset="0"/>
-              </a:rPr>
-              <a:t> </a:t>
-            </a:r>
-            <a:r>
-              <a:rPr lang="en-US" sz="1100" dirty="0">
-                <a:solidFill>
-                  <a:srgbClr val="F3768E"/>
-                </a:solidFill>
-                <a:latin typeface="Calibri" panose="020F0502020204030204" pitchFamily="34" charset="0"/>
-                <a:cs typeface="Calibri" panose="020F0502020204030204" pitchFamily="34" charset="0"/>
-              </a:rPr>
-              <a:t>us</a:t>
-            </a:r>
-          </a:p>
-        </p:txBody>
-      </p:sp>
-      <p:sp>
-        <p:nvSpPr>
-          <p:cNvPr id="12" name="Google Shape;79;p15">
-            <a:extLst>
-              <a:ext uri="{FF2B5EF4-FFF2-40B4-BE49-F238E27FC236}">
-                <a16:creationId xmlns:a16="http://schemas.microsoft.com/office/drawing/2014/main" id="{ECDBA6EF-AD52-A74D-BD26-1595F0DC5522}"/>
-              </a:ext>
-            </a:extLst>
-          </p:cNvPr>
-          <p:cNvSpPr txBox="1">
-            <a:spLocks/>
-          </p:cNvSpPr>
-          <p:nvPr/>
-        </p:nvSpPr>
-        <p:spPr>
-          <a:xfrm>
-            <a:off x="8416961" y="605510"/>
-            <a:ext cx="365608" cy="312588"/>
-          </a:xfrm>
-          <a:prstGeom prst="rect">
-            <a:avLst/>
-          </a:prstGeom>
-          <a:noFill/>
-          <a:ln>
-            <a:noFill/>
-          </a:ln>
-        </p:spPr>
-        <p:txBody>
-          <a:bodyPr spcFirstLastPara="1" wrap="square" lIns="0" tIns="0" rIns="0" bIns="0" anchor="ctr" anchorCtr="0">
-            <a:noAutofit/>
-          </a:bodyPr>
-          <a:lstStyle>
-            <a:defPPr marR="0" lvl="0" algn="l" rtl="0">
-              <a:lnSpc>
-                <a:spcPct val="100000"/>
-              </a:lnSpc>
-              <a:spcBef>
-                <a:spcPts val="0"/>
-              </a:spcBef>
-              <a:spcAft>
-                <a:spcPts val="0"/>
-              </a:spcAft>
-            </a:defPPr>
-            <a:lvl1pPr marR="0" lvl="0" algn="l" rtl="0">
-              <a:lnSpc>
-                <a:spcPct val="90000"/>
-              </a:lnSpc>
-              <a:spcBef>
-                <a:spcPts val="0"/>
-              </a:spcBef>
-              <a:spcAft>
-                <a:spcPts val="0"/>
-              </a:spcAft>
-              <a:buClr>
-                <a:schemeClr val="dk1"/>
-              </a:buClr>
-              <a:buSzPts val="5000"/>
-              <a:buFont typeface="Playfair Display Regular"/>
-              <a:buNone/>
-              <a:defRPr sz="5000" b="0" i="0" u="none" strike="noStrike" cap="none">
-                <a:solidFill>
-                  <a:schemeClr val="dk1"/>
-                </a:solidFill>
-                <a:latin typeface="Playfair Display Regular"/>
-                <a:ea typeface="Playfair Display Regular"/>
-                <a:cs typeface="Playfair Display Regular"/>
-                <a:sym typeface="Playfair Display Regular"/>
-              </a:defRPr>
-            </a:lvl1pPr>
-            <a:lvl2pPr marR="0" lvl="1" algn="l" rtl="0">
-              <a:lnSpc>
-                <a:spcPct val="90000"/>
-              </a:lnSpc>
-              <a:spcBef>
-                <a:spcPts val="0"/>
-              </a:spcBef>
-              <a:spcAft>
-                <a:spcPts val="0"/>
-              </a:spcAft>
-              <a:buClr>
-                <a:schemeClr val="dk1"/>
-              </a:buClr>
-              <a:buSzPts val="5000"/>
-              <a:buFont typeface="Playfair Display Regular"/>
-              <a:buNone/>
-              <a:defRPr sz="5000" b="0" i="0" u="none" strike="noStrike" cap="none">
-                <a:solidFill>
-                  <a:schemeClr val="dk1"/>
-                </a:solidFill>
-                <a:latin typeface="Playfair Display Regular"/>
-                <a:ea typeface="Playfair Display Regular"/>
-                <a:cs typeface="Playfair Display Regular"/>
-                <a:sym typeface="Playfair Display Regular"/>
-              </a:defRPr>
-            </a:lvl2pPr>
-            <a:lvl3pPr marR="0" lvl="2" algn="l" rtl="0">
-              <a:lnSpc>
-                <a:spcPct val="90000"/>
-              </a:lnSpc>
-              <a:spcBef>
-                <a:spcPts val="0"/>
-              </a:spcBef>
-              <a:spcAft>
-                <a:spcPts val="0"/>
-              </a:spcAft>
-              <a:buClr>
-                <a:schemeClr val="dk1"/>
-              </a:buClr>
-              <a:buSzPts val="5000"/>
-              <a:buFont typeface="Playfair Display Regular"/>
-              <a:buNone/>
-              <a:defRPr sz="5000" b="0" i="0" u="none" strike="noStrike" cap="none">
-                <a:solidFill>
-                  <a:schemeClr val="dk1"/>
-                </a:solidFill>
-                <a:latin typeface="Playfair Display Regular"/>
-                <a:ea typeface="Playfair Display Regular"/>
-                <a:cs typeface="Playfair Display Regular"/>
-                <a:sym typeface="Playfair Display Regular"/>
-              </a:defRPr>
-            </a:lvl3pPr>
-            <a:lvl4pPr marR="0" lvl="3" algn="l" rtl="0">
-              <a:lnSpc>
-                <a:spcPct val="90000"/>
-              </a:lnSpc>
-              <a:spcBef>
-                <a:spcPts val="0"/>
-              </a:spcBef>
-              <a:spcAft>
-                <a:spcPts val="0"/>
-              </a:spcAft>
-              <a:buClr>
-                <a:schemeClr val="dk1"/>
-              </a:buClr>
-              <a:buSzPts val="5000"/>
-              <a:buFont typeface="Playfair Display Regular"/>
-              <a:buNone/>
-              <a:defRPr sz="5000" b="0" i="0" u="none" strike="noStrike" cap="none">
-                <a:solidFill>
-                  <a:schemeClr val="dk1"/>
-                </a:solidFill>
-                <a:latin typeface="Playfair Display Regular"/>
-                <a:ea typeface="Playfair Display Regular"/>
-                <a:cs typeface="Playfair Display Regular"/>
-                <a:sym typeface="Playfair Display Regular"/>
-              </a:defRPr>
-            </a:lvl4pPr>
-            <a:lvl5pPr marR="0" lvl="4" algn="l" rtl="0">
-              <a:lnSpc>
-                <a:spcPct val="90000"/>
-              </a:lnSpc>
-              <a:spcBef>
-                <a:spcPts val="0"/>
-              </a:spcBef>
-              <a:spcAft>
-                <a:spcPts val="0"/>
-              </a:spcAft>
-              <a:buClr>
-                <a:schemeClr val="dk1"/>
-              </a:buClr>
-              <a:buSzPts val="5000"/>
-              <a:buFont typeface="Playfair Display Regular"/>
-              <a:buNone/>
-              <a:defRPr sz="5000" b="0" i="0" u="none" strike="noStrike" cap="none">
-                <a:solidFill>
-                  <a:schemeClr val="dk1"/>
-                </a:solidFill>
-                <a:latin typeface="Playfair Display Regular"/>
-                <a:ea typeface="Playfair Display Regular"/>
-                <a:cs typeface="Playfair Display Regular"/>
-                <a:sym typeface="Playfair Display Regular"/>
-              </a:defRPr>
-            </a:lvl5pPr>
-            <a:lvl6pPr marR="0" lvl="5" algn="l" rtl="0">
-              <a:lnSpc>
-                <a:spcPct val="90000"/>
-              </a:lnSpc>
-              <a:spcBef>
-                <a:spcPts val="0"/>
-              </a:spcBef>
-              <a:spcAft>
-                <a:spcPts val="0"/>
-              </a:spcAft>
-              <a:buClr>
-                <a:schemeClr val="dk1"/>
-              </a:buClr>
-              <a:buSzPts val="5000"/>
-              <a:buFont typeface="Playfair Display Regular"/>
-              <a:buNone/>
-              <a:defRPr sz="5000" b="0" i="0" u="none" strike="noStrike" cap="none">
-                <a:solidFill>
-                  <a:schemeClr val="dk1"/>
-                </a:solidFill>
-                <a:latin typeface="Playfair Display Regular"/>
-                <a:ea typeface="Playfair Display Regular"/>
-                <a:cs typeface="Playfair Display Regular"/>
-                <a:sym typeface="Playfair Display Regular"/>
-              </a:defRPr>
-            </a:lvl6pPr>
-            <a:lvl7pPr marR="0" lvl="6" algn="l" rtl="0">
-              <a:lnSpc>
-                <a:spcPct val="90000"/>
-              </a:lnSpc>
-              <a:spcBef>
-                <a:spcPts val="0"/>
-              </a:spcBef>
-              <a:spcAft>
-                <a:spcPts val="0"/>
-              </a:spcAft>
-              <a:buClr>
-                <a:schemeClr val="dk1"/>
-              </a:buClr>
-              <a:buSzPts val="5000"/>
-              <a:buFont typeface="Playfair Display Regular"/>
-              <a:buNone/>
-              <a:defRPr sz="5000" b="0" i="0" u="none" strike="noStrike" cap="none">
-                <a:solidFill>
-                  <a:schemeClr val="dk1"/>
-                </a:solidFill>
-                <a:latin typeface="Playfair Display Regular"/>
-                <a:ea typeface="Playfair Display Regular"/>
-                <a:cs typeface="Playfair Display Regular"/>
-                <a:sym typeface="Playfair Display Regular"/>
-              </a:defRPr>
-            </a:lvl7pPr>
-            <a:lvl8pPr marR="0" lvl="7" algn="l" rtl="0">
-              <a:lnSpc>
-                <a:spcPct val="90000"/>
-              </a:lnSpc>
-              <a:spcBef>
-                <a:spcPts val="0"/>
-              </a:spcBef>
-              <a:spcAft>
-                <a:spcPts val="0"/>
-              </a:spcAft>
-              <a:buClr>
-                <a:schemeClr val="dk1"/>
-              </a:buClr>
-              <a:buSzPts val="5000"/>
-              <a:buFont typeface="Playfair Display Regular"/>
-              <a:buNone/>
-              <a:defRPr sz="5000" b="0" i="0" u="none" strike="noStrike" cap="none">
-                <a:solidFill>
-                  <a:schemeClr val="dk1"/>
-                </a:solidFill>
-                <a:latin typeface="Playfair Display Regular"/>
-                <a:ea typeface="Playfair Display Regular"/>
-                <a:cs typeface="Playfair Display Regular"/>
-                <a:sym typeface="Playfair Display Regular"/>
-              </a:defRPr>
-            </a:lvl8pPr>
-            <a:lvl9pPr marR="0" lvl="8" algn="l" rtl="0">
-              <a:lnSpc>
-                <a:spcPct val="90000"/>
-              </a:lnSpc>
-              <a:spcBef>
-                <a:spcPts val="0"/>
-              </a:spcBef>
-              <a:spcAft>
-                <a:spcPts val="0"/>
-              </a:spcAft>
-              <a:buClr>
-                <a:schemeClr val="dk1"/>
-              </a:buClr>
-              <a:buSzPts val="5000"/>
-              <a:buFont typeface="Playfair Display Regular"/>
-              <a:buNone/>
-              <a:defRPr sz="5000" b="0" i="0" u="none" strike="noStrike" cap="none">
-                <a:solidFill>
-                  <a:schemeClr val="dk1"/>
-                </a:solidFill>
-                <a:latin typeface="Playfair Display Regular"/>
-                <a:ea typeface="Playfair Display Regular"/>
-                <a:cs typeface="Playfair Display Regular"/>
-                <a:sym typeface="Playfair Display Regular"/>
-              </a:defRPr>
-            </a:lvl9pPr>
-          </a:lstStyle>
-          <a:p>
-            <a:r>
-              <a:rPr lang="en-US" sz="1100" dirty="0">
-                <a:solidFill>
-                  <a:srgbClr val="272364"/>
-                </a:solidFill>
-                <a:latin typeface="Calibri" panose="020F0502020204030204" pitchFamily="34" charset="0"/>
-                <a:cs typeface="Calibri" panose="020F0502020204030204" pitchFamily="34" charset="0"/>
-                <a:hlinkClick r:id="rId5" action="ppaction://hlinksldjump"/>
-              </a:rPr>
-              <a:t>Login</a:t>
-            </a:r>
-            <a:endParaRPr lang="en-US" sz="1100" dirty="0">
-              <a:solidFill>
-                <a:srgbClr val="272364"/>
-              </a:solidFill>
-              <a:latin typeface="Calibri" panose="020F0502020204030204" pitchFamily="34" charset="0"/>
-              <a:cs typeface="Calibri" panose="020F0502020204030204" pitchFamily="34" charset="0"/>
-            </a:endParaRPr>
-          </a:p>
-        </p:txBody>
-      </p:sp>
-      <p:sp>
-        <p:nvSpPr>
-          <p:cNvPr id="13" name="Google Shape;79;p15">
-            <a:extLst>
-              <a:ext uri="{FF2B5EF4-FFF2-40B4-BE49-F238E27FC236}">
-                <a16:creationId xmlns:a16="http://schemas.microsoft.com/office/drawing/2014/main" id="{7065FEC3-9551-9F41-9DCD-B24AFABE7EE6}"/>
-              </a:ext>
-            </a:extLst>
-          </p:cNvPr>
-          <p:cNvSpPr txBox="1">
-            <a:spLocks/>
-          </p:cNvSpPr>
-          <p:nvPr/>
-        </p:nvSpPr>
-        <p:spPr>
-          <a:xfrm>
-            <a:off x="7124923" y="605510"/>
-            <a:ext cx="1017591" cy="312588"/>
-          </a:xfrm>
-          <a:prstGeom prst="rect">
-            <a:avLst/>
-          </a:prstGeom>
-          <a:noFill/>
-          <a:ln>
-            <a:noFill/>
-          </a:ln>
-        </p:spPr>
-        <p:txBody>
-          <a:bodyPr spcFirstLastPara="1" wrap="square" lIns="0" tIns="0" rIns="0" bIns="0" anchor="ctr" anchorCtr="0">
-            <a:noAutofit/>
-          </a:bodyPr>
-          <a:lstStyle>
-            <a:defPPr marR="0" lvl="0" algn="l" rtl="0">
-              <a:lnSpc>
-                <a:spcPct val="100000"/>
-              </a:lnSpc>
-              <a:spcBef>
-                <a:spcPts val="0"/>
-              </a:spcBef>
-              <a:spcAft>
-                <a:spcPts val="0"/>
-              </a:spcAft>
-            </a:defPPr>
-            <a:lvl1pPr marR="0" lvl="0" algn="l" rtl="0">
-              <a:lnSpc>
-                <a:spcPct val="90000"/>
-              </a:lnSpc>
-              <a:spcBef>
-                <a:spcPts val="0"/>
-              </a:spcBef>
-              <a:spcAft>
-                <a:spcPts val="0"/>
-              </a:spcAft>
-              <a:buClr>
-                <a:schemeClr val="dk1"/>
-              </a:buClr>
-              <a:buSzPts val="5000"/>
-              <a:buFont typeface="Playfair Display Regular"/>
-              <a:buNone/>
-              <a:defRPr sz="5000" b="0" i="0" u="none" strike="noStrike" cap="none">
-                <a:solidFill>
-                  <a:schemeClr val="dk1"/>
-                </a:solidFill>
-                <a:latin typeface="Playfair Display Regular"/>
-                <a:ea typeface="Playfair Display Regular"/>
-                <a:cs typeface="Playfair Display Regular"/>
-                <a:sym typeface="Playfair Display Regular"/>
-              </a:defRPr>
-            </a:lvl1pPr>
-            <a:lvl2pPr marR="0" lvl="1" algn="l" rtl="0">
-              <a:lnSpc>
-                <a:spcPct val="90000"/>
-              </a:lnSpc>
-              <a:spcBef>
-                <a:spcPts val="0"/>
-              </a:spcBef>
-              <a:spcAft>
-                <a:spcPts val="0"/>
-              </a:spcAft>
-              <a:buClr>
-                <a:schemeClr val="dk1"/>
-              </a:buClr>
-              <a:buSzPts val="5000"/>
-              <a:buFont typeface="Playfair Display Regular"/>
-              <a:buNone/>
-              <a:defRPr sz="5000" b="0" i="0" u="none" strike="noStrike" cap="none">
-                <a:solidFill>
-                  <a:schemeClr val="dk1"/>
-                </a:solidFill>
-                <a:latin typeface="Playfair Display Regular"/>
-                <a:ea typeface="Playfair Display Regular"/>
-                <a:cs typeface="Playfair Display Regular"/>
-                <a:sym typeface="Playfair Display Regular"/>
-              </a:defRPr>
-            </a:lvl2pPr>
-            <a:lvl3pPr marR="0" lvl="2" algn="l" rtl="0">
-              <a:lnSpc>
-                <a:spcPct val="90000"/>
-              </a:lnSpc>
-              <a:spcBef>
-                <a:spcPts val="0"/>
-              </a:spcBef>
-              <a:spcAft>
-                <a:spcPts val="0"/>
-              </a:spcAft>
-              <a:buClr>
-                <a:schemeClr val="dk1"/>
-              </a:buClr>
-              <a:buSzPts val="5000"/>
-              <a:buFont typeface="Playfair Display Regular"/>
-              <a:buNone/>
-              <a:defRPr sz="5000" b="0" i="0" u="none" strike="noStrike" cap="none">
-                <a:solidFill>
-                  <a:schemeClr val="dk1"/>
-                </a:solidFill>
-                <a:latin typeface="Playfair Display Regular"/>
-                <a:ea typeface="Playfair Display Regular"/>
-                <a:cs typeface="Playfair Display Regular"/>
-                <a:sym typeface="Playfair Display Regular"/>
-              </a:defRPr>
-            </a:lvl3pPr>
-            <a:lvl4pPr marR="0" lvl="3" algn="l" rtl="0">
-              <a:lnSpc>
-                <a:spcPct val="90000"/>
-              </a:lnSpc>
-              <a:spcBef>
-                <a:spcPts val="0"/>
-              </a:spcBef>
-              <a:spcAft>
-                <a:spcPts val="0"/>
-              </a:spcAft>
-              <a:buClr>
-                <a:schemeClr val="dk1"/>
-              </a:buClr>
-              <a:buSzPts val="5000"/>
-              <a:buFont typeface="Playfair Display Regular"/>
-              <a:buNone/>
-              <a:defRPr sz="5000" b="0" i="0" u="none" strike="noStrike" cap="none">
-                <a:solidFill>
-                  <a:schemeClr val="dk1"/>
-                </a:solidFill>
-                <a:latin typeface="Playfair Display Regular"/>
-                <a:ea typeface="Playfair Display Regular"/>
-                <a:cs typeface="Playfair Display Regular"/>
-                <a:sym typeface="Playfair Display Regular"/>
-              </a:defRPr>
-            </a:lvl4pPr>
-            <a:lvl5pPr marR="0" lvl="4" algn="l" rtl="0">
-              <a:lnSpc>
-                <a:spcPct val="90000"/>
-              </a:lnSpc>
-              <a:spcBef>
-                <a:spcPts val="0"/>
-              </a:spcBef>
-              <a:spcAft>
-                <a:spcPts val="0"/>
-              </a:spcAft>
-              <a:buClr>
-                <a:schemeClr val="dk1"/>
-              </a:buClr>
-              <a:buSzPts val="5000"/>
-              <a:buFont typeface="Playfair Display Regular"/>
-              <a:buNone/>
-              <a:defRPr sz="5000" b="0" i="0" u="none" strike="noStrike" cap="none">
-                <a:solidFill>
-                  <a:schemeClr val="dk1"/>
-                </a:solidFill>
-                <a:latin typeface="Playfair Display Regular"/>
-                <a:ea typeface="Playfair Display Regular"/>
-                <a:cs typeface="Playfair Display Regular"/>
-                <a:sym typeface="Playfair Display Regular"/>
-              </a:defRPr>
-            </a:lvl5pPr>
-            <a:lvl6pPr marR="0" lvl="5" algn="l" rtl="0">
-              <a:lnSpc>
-                <a:spcPct val="90000"/>
-              </a:lnSpc>
-              <a:spcBef>
-                <a:spcPts val="0"/>
-              </a:spcBef>
-              <a:spcAft>
-                <a:spcPts val="0"/>
-              </a:spcAft>
-              <a:buClr>
-                <a:schemeClr val="dk1"/>
-              </a:buClr>
-              <a:buSzPts val="5000"/>
-              <a:buFont typeface="Playfair Display Regular"/>
-              <a:buNone/>
-              <a:defRPr sz="5000" b="0" i="0" u="none" strike="noStrike" cap="none">
-                <a:solidFill>
-                  <a:schemeClr val="dk1"/>
-                </a:solidFill>
-                <a:latin typeface="Playfair Display Regular"/>
-                <a:ea typeface="Playfair Display Regular"/>
-                <a:cs typeface="Playfair Display Regular"/>
-                <a:sym typeface="Playfair Display Regular"/>
-              </a:defRPr>
-            </a:lvl6pPr>
-            <a:lvl7pPr marR="0" lvl="6" algn="l" rtl="0">
-              <a:lnSpc>
-                <a:spcPct val="90000"/>
-              </a:lnSpc>
-              <a:spcBef>
-                <a:spcPts val="0"/>
-              </a:spcBef>
-              <a:spcAft>
-                <a:spcPts val="0"/>
-              </a:spcAft>
-              <a:buClr>
-                <a:schemeClr val="dk1"/>
-              </a:buClr>
-              <a:buSzPts val="5000"/>
-              <a:buFont typeface="Playfair Display Regular"/>
-              <a:buNone/>
-              <a:defRPr sz="5000" b="0" i="0" u="none" strike="noStrike" cap="none">
-                <a:solidFill>
-                  <a:schemeClr val="dk1"/>
-                </a:solidFill>
-                <a:latin typeface="Playfair Display Regular"/>
-                <a:ea typeface="Playfair Display Regular"/>
-                <a:cs typeface="Playfair Display Regular"/>
-                <a:sym typeface="Playfair Display Regular"/>
-              </a:defRPr>
-            </a:lvl7pPr>
-            <a:lvl8pPr marR="0" lvl="7" algn="l" rtl="0">
-              <a:lnSpc>
-                <a:spcPct val="90000"/>
-              </a:lnSpc>
-              <a:spcBef>
-                <a:spcPts val="0"/>
-              </a:spcBef>
-              <a:spcAft>
-                <a:spcPts val="0"/>
-              </a:spcAft>
-              <a:buClr>
-                <a:schemeClr val="dk1"/>
-              </a:buClr>
-              <a:buSzPts val="5000"/>
-              <a:buFont typeface="Playfair Display Regular"/>
-              <a:buNone/>
-              <a:defRPr sz="5000" b="0" i="0" u="none" strike="noStrike" cap="none">
-                <a:solidFill>
-                  <a:schemeClr val="dk1"/>
-                </a:solidFill>
-                <a:latin typeface="Playfair Display Regular"/>
-                <a:ea typeface="Playfair Display Regular"/>
-                <a:cs typeface="Playfair Display Regular"/>
-                <a:sym typeface="Playfair Display Regular"/>
-              </a:defRPr>
-            </a:lvl8pPr>
-            <a:lvl9pPr marR="0" lvl="8" algn="l" rtl="0">
-              <a:lnSpc>
-                <a:spcPct val="90000"/>
-              </a:lnSpc>
-              <a:spcBef>
-                <a:spcPts val="0"/>
-              </a:spcBef>
-              <a:spcAft>
-                <a:spcPts val="0"/>
-              </a:spcAft>
-              <a:buClr>
-                <a:schemeClr val="dk1"/>
-              </a:buClr>
-              <a:buSzPts val="5000"/>
-              <a:buFont typeface="Playfair Display Regular"/>
-              <a:buNone/>
-              <a:defRPr sz="5000" b="0" i="0" u="none" strike="noStrike" cap="none">
-                <a:solidFill>
-                  <a:schemeClr val="dk1"/>
-                </a:solidFill>
-                <a:latin typeface="Playfair Display Regular"/>
-                <a:ea typeface="Playfair Display Regular"/>
-                <a:cs typeface="Playfair Display Regular"/>
-                <a:sym typeface="Playfair Display Regular"/>
-              </a:defRPr>
-            </a:lvl9pPr>
-          </a:lstStyle>
-          <a:p>
-            <a:r>
-              <a:rPr lang="en-US" sz="1100" dirty="0">
-                <a:solidFill>
-                  <a:srgbClr val="272364"/>
-                </a:solidFill>
-                <a:latin typeface="Calibri" panose="020F0502020204030204" pitchFamily="34" charset="0"/>
-                <a:cs typeface="Calibri" panose="020F0502020204030204" pitchFamily="34" charset="0"/>
-                <a:hlinkClick r:id="rId5" action="ppaction://hlinksldjump"/>
-              </a:rPr>
-              <a:t>Getting started</a:t>
-            </a:r>
-            <a:endParaRPr lang="en-US" sz="1100" dirty="0">
-              <a:solidFill>
-                <a:srgbClr val="272364"/>
-              </a:solidFill>
-              <a:latin typeface="Calibri" panose="020F0502020204030204" pitchFamily="34" charset="0"/>
-              <a:cs typeface="Calibri" panose="020F0502020204030204" pitchFamily="34" charset="0"/>
-            </a:endParaRPr>
-          </a:p>
-        </p:txBody>
-      </p:sp>
       <p:sp>
         <p:nvSpPr>
           <p:cNvPr id="10" name="TextBox 9">
@@ -7994,7 +5864,7 @@
           <p:nvPr/>
         </p:nvPicPr>
         <p:blipFill>
-          <a:blip r:embed="rId6"/>
+          <a:blip r:embed="rId5"/>
           <a:stretch>
             <a:fillRect/>
           </a:stretch>
@@ -8235,6 +6105,1473 @@
               <a:latin typeface="Calibri" panose="020F0502020204030204" pitchFamily="34" charset="0"/>
               <a:cs typeface="Calibri" panose="020F0502020204030204" pitchFamily="34" charset="0"/>
             </a:endParaRPr>
+          </a:p>
+        </p:txBody>
+      </p:sp>
+      <p:sp>
+        <p:nvSpPr>
+          <p:cNvPr id="39" name="Google Shape;79;p15">
+            <a:extLst>
+              <a:ext uri="{FF2B5EF4-FFF2-40B4-BE49-F238E27FC236}">
+                <a16:creationId xmlns:a16="http://schemas.microsoft.com/office/drawing/2014/main" id="{C0363CFA-9262-49EE-84CC-B541D84A71D5}"/>
+              </a:ext>
+            </a:extLst>
+          </p:cNvPr>
+          <p:cNvSpPr txBox="1">
+            <a:spLocks/>
+          </p:cNvSpPr>
+          <p:nvPr/>
+        </p:nvSpPr>
+        <p:spPr>
+          <a:xfrm>
+            <a:off x="4665921" y="609404"/>
+            <a:ext cx="414670" cy="312588"/>
+          </a:xfrm>
+          <a:prstGeom prst="rect">
+            <a:avLst/>
+          </a:prstGeom>
+          <a:noFill/>
+          <a:ln>
+            <a:noFill/>
+          </a:ln>
+        </p:spPr>
+        <p:txBody>
+          <a:bodyPr spcFirstLastPara="1" wrap="square" lIns="0" tIns="0" rIns="0" bIns="0" anchor="ctr" anchorCtr="0">
+            <a:noAutofit/>
+          </a:bodyPr>
+          <a:lstStyle>
+            <a:defPPr marR="0" lvl="0" algn="l" rtl="0">
+              <a:lnSpc>
+                <a:spcPct val="100000"/>
+              </a:lnSpc>
+              <a:spcBef>
+                <a:spcPts val="0"/>
+              </a:spcBef>
+              <a:spcAft>
+                <a:spcPts val="0"/>
+              </a:spcAft>
+            </a:defPPr>
+            <a:lvl1pPr marR="0" lvl="0" algn="l" rtl="0">
+              <a:lnSpc>
+                <a:spcPct val="90000"/>
+              </a:lnSpc>
+              <a:spcBef>
+                <a:spcPts val="0"/>
+              </a:spcBef>
+              <a:spcAft>
+                <a:spcPts val="0"/>
+              </a:spcAft>
+              <a:buClr>
+                <a:schemeClr val="dk1"/>
+              </a:buClr>
+              <a:buSzPts val="3200"/>
+              <a:buFont typeface="Playfair Display Regular"/>
+              <a:buNone/>
+              <a:defRPr sz="3200" b="0" i="0" u="none" strike="noStrike" cap="none">
+                <a:solidFill>
+                  <a:schemeClr val="dk1"/>
+                </a:solidFill>
+                <a:latin typeface="Playfair Display Regular"/>
+                <a:ea typeface="Playfair Display Regular"/>
+                <a:cs typeface="Playfair Display Regular"/>
+                <a:sym typeface="Playfair Display Regular"/>
+              </a:defRPr>
+            </a:lvl1pPr>
+            <a:lvl2pPr marR="0" lvl="1" algn="l" rtl="0">
+              <a:lnSpc>
+                <a:spcPct val="90000"/>
+              </a:lnSpc>
+              <a:spcBef>
+                <a:spcPts val="0"/>
+              </a:spcBef>
+              <a:spcAft>
+                <a:spcPts val="0"/>
+              </a:spcAft>
+              <a:buClr>
+                <a:schemeClr val="dk1"/>
+              </a:buClr>
+              <a:buSzPts val="3200"/>
+              <a:buFont typeface="Playfair Display Regular"/>
+              <a:buNone/>
+              <a:defRPr sz="3200" b="0" i="0" u="none" strike="noStrike" cap="none">
+                <a:solidFill>
+                  <a:schemeClr val="dk1"/>
+                </a:solidFill>
+                <a:latin typeface="Playfair Display Regular"/>
+                <a:ea typeface="Playfair Display Regular"/>
+                <a:cs typeface="Playfair Display Regular"/>
+                <a:sym typeface="Playfair Display Regular"/>
+              </a:defRPr>
+            </a:lvl2pPr>
+            <a:lvl3pPr marR="0" lvl="2" algn="l" rtl="0">
+              <a:lnSpc>
+                <a:spcPct val="90000"/>
+              </a:lnSpc>
+              <a:spcBef>
+                <a:spcPts val="0"/>
+              </a:spcBef>
+              <a:spcAft>
+                <a:spcPts val="0"/>
+              </a:spcAft>
+              <a:buClr>
+                <a:schemeClr val="dk1"/>
+              </a:buClr>
+              <a:buSzPts val="3200"/>
+              <a:buFont typeface="Playfair Display Regular"/>
+              <a:buNone/>
+              <a:defRPr sz="3200" b="0" i="0" u="none" strike="noStrike" cap="none">
+                <a:solidFill>
+                  <a:schemeClr val="dk1"/>
+                </a:solidFill>
+                <a:latin typeface="Playfair Display Regular"/>
+                <a:ea typeface="Playfair Display Regular"/>
+                <a:cs typeface="Playfair Display Regular"/>
+                <a:sym typeface="Playfair Display Regular"/>
+              </a:defRPr>
+            </a:lvl3pPr>
+            <a:lvl4pPr marR="0" lvl="3" algn="l" rtl="0">
+              <a:lnSpc>
+                <a:spcPct val="90000"/>
+              </a:lnSpc>
+              <a:spcBef>
+                <a:spcPts val="0"/>
+              </a:spcBef>
+              <a:spcAft>
+                <a:spcPts val="0"/>
+              </a:spcAft>
+              <a:buClr>
+                <a:schemeClr val="dk1"/>
+              </a:buClr>
+              <a:buSzPts val="3200"/>
+              <a:buFont typeface="Playfair Display Regular"/>
+              <a:buNone/>
+              <a:defRPr sz="3200" b="0" i="0" u="none" strike="noStrike" cap="none">
+                <a:solidFill>
+                  <a:schemeClr val="dk1"/>
+                </a:solidFill>
+                <a:latin typeface="Playfair Display Regular"/>
+                <a:ea typeface="Playfair Display Regular"/>
+                <a:cs typeface="Playfair Display Regular"/>
+                <a:sym typeface="Playfair Display Regular"/>
+              </a:defRPr>
+            </a:lvl4pPr>
+            <a:lvl5pPr marR="0" lvl="4" algn="l" rtl="0">
+              <a:lnSpc>
+                <a:spcPct val="90000"/>
+              </a:lnSpc>
+              <a:spcBef>
+                <a:spcPts val="0"/>
+              </a:spcBef>
+              <a:spcAft>
+                <a:spcPts val="0"/>
+              </a:spcAft>
+              <a:buClr>
+                <a:schemeClr val="dk1"/>
+              </a:buClr>
+              <a:buSzPts val="3200"/>
+              <a:buFont typeface="Playfair Display Regular"/>
+              <a:buNone/>
+              <a:defRPr sz="3200" b="0" i="0" u="none" strike="noStrike" cap="none">
+                <a:solidFill>
+                  <a:schemeClr val="dk1"/>
+                </a:solidFill>
+                <a:latin typeface="Playfair Display Regular"/>
+                <a:ea typeface="Playfair Display Regular"/>
+                <a:cs typeface="Playfair Display Regular"/>
+                <a:sym typeface="Playfair Display Regular"/>
+              </a:defRPr>
+            </a:lvl5pPr>
+            <a:lvl6pPr marR="0" lvl="5" algn="l" rtl="0">
+              <a:lnSpc>
+                <a:spcPct val="90000"/>
+              </a:lnSpc>
+              <a:spcBef>
+                <a:spcPts val="0"/>
+              </a:spcBef>
+              <a:spcAft>
+                <a:spcPts val="0"/>
+              </a:spcAft>
+              <a:buClr>
+                <a:schemeClr val="dk1"/>
+              </a:buClr>
+              <a:buSzPts val="3200"/>
+              <a:buFont typeface="Playfair Display Regular"/>
+              <a:buNone/>
+              <a:defRPr sz="3200" b="0" i="0" u="none" strike="noStrike" cap="none">
+                <a:solidFill>
+                  <a:schemeClr val="dk1"/>
+                </a:solidFill>
+                <a:latin typeface="Playfair Display Regular"/>
+                <a:ea typeface="Playfair Display Regular"/>
+                <a:cs typeface="Playfair Display Regular"/>
+                <a:sym typeface="Playfair Display Regular"/>
+              </a:defRPr>
+            </a:lvl6pPr>
+            <a:lvl7pPr marR="0" lvl="6" algn="l" rtl="0">
+              <a:lnSpc>
+                <a:spcPct val="90000"/>
+              </a:lnSpc>
+              <a:spcBef>
+                <a:spcPts val="0"/>
+              </a:spcBef>
+              <a:spcAft>
+                <a:spcPts val="0"/>
+              </a:spcAft>
+              <a:buClr>
+                <a:schemeClr val="dk1"/>
+              </a:buClr>
+              <a:buSzPts val="3200"/>
+              <a:buFont typeface="Playfair Display Regular"/>
+              <a:buNone/>
+              <a:defRPr sz="3200" b="0" i="0" u="none" strike="noStrike" cap="none">
+                <a:solidFill>
+                  <a:schemeClr val="dk1"/>
+                </a:solidFill>
+                <a:latin typeface="Playfair Display Regular"/>
+                <a:ea typeface="Playfair Display Regular"/>
+                <a:cs typeface="Playfair Display Regular"/>
+                <a:sym typeface="Playfair Display Regular"/>
+              </a:defRPr>
+            </a:lvl7pPr>
+            <a:lvl8pPr marR="0" lvl="7" algn="l" rtl="0">
+              <a:lnSpc>
+                <a:spcPct val="90000"/>
+              </a:lnSpc>
+              <a:spcBef>
+                <a:spcPts val="0"/>
+              </a:spcBef>
+              <a:spcAft>
+                <a:spcPts val="0"/>
+              </a:spcAft>
+              <a:buClr>
+                <a:schemeClr val="dk1"/>
+              </a:buClr>
+              <a:buSzPts val="3200"/>
+              <a:buFont typeface="Playfair Display Regular"/>
+              <a:buNone/>
+              <a:defRPr sz="3200" b="0" i="0" u="none" strike="noStrike" cap="none">
+                <a:solidFill>
+                  <a:schemeClr val="dk1"/>
+                </a:solidFill>
+                <a:latin typeface="Playfair Display Regular"/>
+                <a:ea typeface="Playfair Display Regular"/>
+                <a:cs typeface="Playfair Display Regular"/>
+                <a:sym typeface="Playfair Display Regular"/>
+              </a:defRPr>
+            </a:lvl8pPr>
+            <a:lvl9pPr marR="0" lvl="8" algn="l" rtl="0">
+              <a:lnSpc>
+                <a:spcPct val="90000"/>
+              </a:lnSpc>
+              <a:spcBef>
+                <a:spcPts val="0"/>
+              </a:spcBef>
+              <a:spcAft>
+                <a:spcPts val="0"/>
+              </a:spcAft>
+              <a:buClr>
+                <a:schemeClr val="dk1"/>
+              </a:buClr>
+              <a:buSzPts val="3200"/>
+              <a:buFont typeface="Playfair Display Regular"/>
+              <a:buNone/>
+              <a:defRPr sz="3200" b="0" i="0" u="none" strike="noStrike" cap="none">
+                <a:solidFill>
+                  <a:schemeClr val="dk1"/>
+                </a:solidFill>
+                <a:latin typeface="Playfair Display Regular"/>
+                <a:ea typeface="Playfair Display Regular"/>
+                <a:cs typeface="Playfair Display Regular"/>
+                <a:sym typeface="Playfair Display Regular"/>
+              </a:defRPr>
+            </a:lvl9pPr>
+          </a:lstStyle>
+          <a:p>
+            <a:r>
+              <a:rPr lang="en-US" sz="1100">
+                <a:solidFill>
+                  <a:srgbClr val="272364"/>
+                </a:solidFill>
+                <a:latin typeface="Calibri" panose="020F0502020204030204" pitchFamily="34" charset="0"/>
+                <a:cs typeface="Calibri" panose="020F0502020204030204" pitchFamily="34" charset="0"/>
+              </a:rPr>
+              <a:t>Home</a:t>
+            </a:r>
+            <a:endParaRPr lang="en-US" sz="1100" dirty="0">
+              <a:solidFill>
+                <a:srgbClr val="272364"/>
+              </a:solidFill>
+              <a:latin typeface="Calibri" panose="020F0502020204030204" pitchFamily="34" charset="0"/>
+              <a:cs typeface="Calibri" panose="020F0502020204030204" pitchFamily="34" charset="0"/>
+            </a:endParaRPr>
+          </a:p>
+        </p:txBody>
+      </p:sp>
+      <p:sp>
+        <p:nvSpPr>
+          <p:cNvPr id="40" name="Google Shape;79;p15">
+            <a:extLst>
+              <a:ext uri="{FF2B5EF4-FFF2-40B4-BE49-F238E27FC236}">
+                <a16:creationId xmlns:a16="http://schemas.microsoft.com/office/drawing/2014/main" id="{CE88EBA1-3110-471B-BD8D-2C783B00BD9A}"/>
+              </a:ext>
+            </a:extLst>
+          </p:cNvPr>
+          <p:cNvSpPr txBox="1">
+            <a:spLocks/>
+          </p:cNvSpPr>
+          <p:nvPr/>
+        </p:nvSpPr>
+        <p:spPr>
+          <a:xfrm>
+            <a:off x="5352606" y="605510"/>
+            <a:ext cx="892249" cy="312588"/>
+          </a:xfrm>
+          <a:prstGeom prst="rect">
+            <a:avLst/>
+          </a:prstGeom>
+          <a:noFill/>
+          <a:ln>
+            <a:noFill/>
+          </a:ln>
+        </p:spPr>
+        <p:txBody>
+          <a:bodyPr spcFirstLastPara="1" wrap="square" lIns="0" tIns="0" rIns="0" bIns="0" anchor="ctr" anchorCtr="0">
+            <a:noAutofit/>
+          </a:bodyPr>
+          <a:lstStyle>
+            <a:defPPr marR="0" lvl="0" algn="l" rtl="0">
+              <a:lnSpc>
+                <a:spcPct val="100000"/>
+              </a:lnSpc>
+              <a:spcBef>
+                <a:spcPts val="0"/>
+              </a:spcBef>
+              <a:spcAft>
+                <a:spcPts val="0"/>
+              </a:spcAft>
+            </a:defPPr>
+            <a:lvl1pPr marR="0" lvl="0" algn="l" rtl="0">
+              <a:lnSpc>
+                <a:spcPct val="90000"/>
+              </a:lnSpc>
+              <a:spcBef>
+                <a:spcPts val="0"/>
+              </a:spcBef>
+              <a:spcAft>
+                <a:spcPts val="0"/>
+              </a:spcAft>
+              <a:buClr>
+                <a:schemeClr val="dk1"/>
+              </a:buClr>
+              <a:buSzPts val="5000"/>
+              <a:buFont typeface="Playfair Display Regular"/>
+              <a:buNone/>
+              <a:defRPr sz="5000" b="0" i="0" u="none" strike="noStrike" cap="none">
+                <a:solidFill>
+                  <a:schemeClr val="dk1"/>
+                </a:solidFill>
+                <a:latin typeface="Playfair Display Regular"/>
+                <a:ea typeface="Playfair Display Regular"/>
+                <a:cs typeface="Playfair Display Regular"/>
+                <a:sym typeface="Playfair Display Regular"/>
+              </a:defRPr>
+            </a:lvl1pPr>
+            <a:lvl2pPr marR="0" lvl="1" algn="l" rtl="0">
+              <a:lnSpc>
+                <a:spcPct val="90000"/>
+              </a:lnSpc>
+              <a:spcBef>
+                <a:spcPts val="0"/>
+              </a:spcBef>
+              <a:spcAft>
+                <a:spcPts val="0"/>
+              </a:spcAft>
+              <a:buClr>
+                <a:schemeClr val="dk1"/>
+              </a:buClr>
+              <a:buSzPts val="5000"/>
+              <a:buFont typeface="Playfair Display Regular"/>
+              <a:buNone/>
+              <a:defRPr sz="5000" b="0" i="0" u="none" strike="noStrike" cap="none">
+                <a:solidFill>
+                  <a:schemeClr val="dk1"/>
+                </a:solidFill>
+                <a:latin typeface="Playfair Display Regular"/>
+                <a:ea typeface="Playfair Display Regular"/>
+                <a:cs typeface="Playfair Display Regular"/>
+                <a:sym typeface="Playfair Display Regular"/>
+              </a:defRPr>
+            </a:lvl2pPr>
+            <a:lvl3pPr marR="0" lvl="2" algn="l" rtl="0">
+              <a:lnSpc>
+                <a:spcPct val="90000"/>
+              </a:lnSpc>
+              <a:spcBef>
+                <a:spcPts val="0"/>
+              </a:spcBef>
+              <a:spcAft>
+                <a:spcPts val="0"/>
+              </a:spcAft>
+              <a:buClr>
+                <a:schemeClr val="dk1"/>
+              </a:buClr>
+              <a:buSzPts val="5000"/>
+              <a:buFont typeface="Playfair Display Regular"/>
+              <a:buNone/>
+              <a:defRPr sz="5000" b="0" i="0" u="none" strike="noStrike" cap="none">
+                <a:solidFill>
+                  <a:schemeClr val="dk1"/>
+                </a:solidFill>
+                <a:latin typeface="Playfair Display Regular"/>
+                <a:ea typeface="Playfair Display Regular"/>
+                <a:cs typeface="Playfair Display Regular"/>
+                <a:sym typeface="Playfair Display Regular"/>
+              </a:defRPr>
+            </a:lvl3pPr>
+            <a:lvl4pPr marR="0" lvl="3" algn="l" rtl="0">
+              <a:lnSpc>
+                <a:spcPct val="90000"/>
+              </a:lnSpc>
+              <a:spcBef>
+                <a:spcPts val="0"/>
+              </a:spcBef>
+              <a:spcAft>
+                <a:spcPts val="0"/>
+              </a:spcAft>
+              <a:buClr>
+                <a:schemeClr val="dk1"/>
+              </a:buClr>
+              <a:buSzPts val="5000"/>
+              <a:buFont typeface="Playfair Display Regular"/>
+              <a:buNone/>
+              <a:defRPr sz="5000" b="0" i="0" u="none" strike="noStrike" cap="none">
+                <a:solidFill>
+                  <a:schemeClr val="dk1"/>
+                </a:solidFill>
+                <a:latin typeface="Playfair Display Regular"/>
+                <a:ea typeface="Playfair Display Regular"/>
+                <a:cs typeface="Playfair Display Regular"/>
+                <a:sym typeface="Playfair Display Regular"/>
+              </a:defRPr>
+            </a:lvl4pPr>
+            <a:lvl5pPr marR="0" lvl="4" algn="l" rtl="0">
+              <a:lnSpc>
+                <a:spcPct val="90000"/>
+              </a:lnSpc>
+              <a:spcBef>
+                <a:spcPts val="0"/>
+              </a:spcBef>
+              <a:spcAft>
+                <a:spcPts val="0"/>
+              </a:spcAft>
+              <a:buClr>
+                <a:schemeClr val="dk1"/>
+              </a:buClr>
+              <a:buSzPts val="5000"/>
+              <a:buFont typeface="Playfair Display Regular"/>
+              <a:buNone/>
+              <a:defRPr sz="5000" b="0" i="0" u="none" strike="noStrike" cap="none">
+                <a:solidFill>
+                  <a:schemeClr val="dk1"/>
+                </a:solidFill>
+                <a:latin typeface="Playfair Display Regular"/>
+                <a:ea typeface="Playfair Display Regular"/>
+                <a:cs typeface="Playfair Display Regular"/>
+                <a:sym typeface="Playfair Display Regular"/>
+              </a:defRPr>
+            </a:lvl5pPr>
+            <a:lvl6pPr marR="0" lvl="5" algn="l" rtl="0">
+              <a:lnSpc>
+                <a:spcPct val="90000"/>
+              </a:lnSpc>
+              <a:spcBef>
+                <a:spcPts val="0"/>
+              </a:spcBef>
+              <a:spcAft>
+                <a:spcPts val="0"/>
+              </a:spcAft>
+              <a:buClr>
+                <a:schemeClr val="dk1"/>
+              </a:buClr>
+              <a:buSzPts val="5000"/>
+              <a:buFont typeface="Playfair Display Regular"/>
+              <a:buNone/>
+              <a:defRPr sz="5000" b="0" i="0" u="none" strike="noStrike" cap="none">
+                <a:solidFill>
+                  <a:schemeClr val="dk1"/>
+                </a:solidFill>
+                <a:latin typeface="Playfair Display Regular"/>
+                <a:ea typeface="Playfair Display Regular"/>
+                <a:cs typeface="Playfair Display Regular"/>
+                <a:sym typeface="Playfair Display Regular"/>
+              </a:defRPr>
+            </a:lvl6pPr>
+            <a:lvl7pPr marR="0" lvl="6" algn="l" rtl="0">
+              <a:lnSpc>
+                <a:spcPct val="90000"/>
+              </a:lnSpc>
+              <a:spcBef>
+                <a:spcPts val="0"/>
+              </a:spcBef>
+              <a:spcAft>
+                <a:spcPts val="0"/>
+              </a:spcAft>
+              <a:buClr>
+                <a:schemeClr val="dk1"/>
+              </a:buClr>
+              <a:buSzPts val="5000"/>
+              <a:buFont typeface="Playfair Display Regular"/>
+              <a:buNone/>
+              <a:defRPr sz="5000" b="0" i="0" u="none" strike="noStrike" cap="none">
+                <a:solidFill>
+                  <a:schemeClr val="dk1"/>
+                </a:solidFill>
+                <a:latin typeface="Playfair Display Regular"/>
+                <a:ea typeface="Playfair Display Regular"/>
+                <a:cs typeface="Playfair Display Regular"/>
+                <a:sym typeface="Playfair Display Regular"/>
+              </a:defRPr>
+            </a:lvl7pPr>
+            <a:lvl8pPr marR="0" lvl="7" algn="l" rtl="0">
+              <a:lnSpc>
+                <a:spcPct val="90000"/>
+              </a:lnSpc>
+              <a:spcBef>
+                <a:spcPts val="0"/>
+              </a:spcBef>
+              <a:spcAft>
+                <a:spcPts val="0"/>
+              </a:spcAft>
+              <a:buClr>
+                <a:schemeClr val="dk1"/>
+              </a:buClr>
+              <a:buSzPts val="5000"/>
+              <a:buFont typeface="Playfair Display Regular"/>
+              <a:buNone/>
+              <a:defRPr sz="5000" b="0" i="0" u="none" strike="noStrike" cap="none">
+                <a:solidFill>
+                  <a:schemeClr val="dk1"/>
+                </a:solidFill>
+                <a:latin typeface="Playfair Display Regular"/>
+                <a:ea typeface="Playfair Display Regular"/>
+                <a:cs typeface="Playfair Display Regular"/>
+                <a:sym typeface="Playfair Display Regular"/>
+              </a:defRPr>
+            </a:lvl8pPr>
+            <a:lvl9pPr marR="0" lvl="8" algn="l" rtl="0">
+              <a:lnSpc>
+                <a:spcPct val="90000"/>
+              </a:lnSpc>
+              <a:spcBef>
+                <a:spcPts val="0"/>
+              </a:spcBef>
+              <a:spcAft>
+                <a:spcPts val="0"/>
+              </a:spcAft>
+              <a:buClr>
+                <a:schemeClr val="dk1"/>
+              </a:buClr>
+              <a:buSzPts val="5000"/>
+              <a:buFont typeface="Playfair Display Regular"/>
+              <a:buNone/>
+              <a:defRPr sz="5000" b="0" i="0" u="none" strike="noStrike" cap="none">
+                <a:solidFill>
+                  <a:schemeClr val="dk1"/>
+                </a:solidFill>
+                <a:latin typeface="Playfair Display Regular"/>
+                <a:ea typeface="Playfair Display Regular"/>
+                <a:cs typeface="Playfair Display Regular"/>
+                <a:sym typeface="Playfair Display Regular"/>
+              </a:defRPr>
+            </a:lvl9pPr>
+          </a:lstStyle>
+          <a:p>
+            <a:r>
+              <a:rPr lang="en-US" sz="1100" dirty="0">
+                <a:solidFill>
+                  <a:srgbClr val="272364"/>
+                </a:solidFill>
+                <a:latin typeface="Calibri" panose="020F0502020204030204" pitchFamily="34" charset="0"/>
+                <a:cs typeface="Calibri" panose="020F0502020204030204" pitchFamily="34" charset="0"/>
+              </a:rPr>
+              <a:t>Dashboard</a:t>
+            </a:r>
+          </a:p>
+        </p:txBody>
+      </p:sp>
+      <p:sp>
+        <p:nvSpPr>
+          <p:cNvPr id="42" name="Google Shape;79;p15">
+            <a:extLst>
+              <a:ext uri="{FF2B5EF4-FFF2-40B4-BE49-F238E27FC236}">
+                <a16:creationId xmlns:a16="http://schemas.microsoft.com/office/drawing/2014/main" id="{F15F5E96-6FE7-4A69-A8C7-34CB86EDE86C}"/>
+              </a:ext>
+            </a:extLst>
+          </p:cNvPr>
+          <p:cNvSpPr txBox="1">
+            <a:spLocks/>
+          </p:cNvSpPr>
+          <p:nvPr/>
+        </p:nvSpPr>
+        <p:spPr>
+          <a:xfrm>
+            <a:off x="6297578" y="605510"/>
+            <a:ext cx="892249" cy="312588"/>
+          </a:xfrm>
+          <a:prstGeom prst="rect">
+            <a:avLst/>
+          </a:prstGeom>
+          <a:noFill/>
+          <a:ln>
+            <a:noFill/>
+          </a:ln>
+        </p:spPr>
+        <p:txBody>
+          <a:bodyPr spcFirstLastPara="1" wrap="square" lIns="0" tIns="0" rIns="0" bIns="0" anchor="ctr" anchorCtr="0">
+            <a:noAutofit/>
+          </a:bodyPr>
+          <a:lstStyle>
+            <a:defPPr marR="0" lvl="0" algn="l" rtl="0">
+              <a:lnSpc>
+                <a:spcPct val="100000"/>
+              </a:lnSpc>
+              <a:spcBef>
+                <a:spcPts val="0"/>
+              </a:spcBef>
+              <a:spcAft>
+                <a:spcPts val="0"/>
+              </a:spcAft>
+            </a:defPPr>
+            <a:lvl1pPr marR="0" lvl="0" algn="l" rtl="0">
+              <a:lnSpc>
+                <a:spcPct val="90000"/>
+              </a:lnSpc>
+              <a:spcBef>
+                <a:spcPts val="0"/>
+              </a:spcBef>
+              <a:spcAft>
+                <a:spcPts val="0"/>
+              </a:spcAft>
+              <a:buClr>
+                <a:schemeClr val="dk1"/>
+              </a:buClr>
+              <a:buSzPts val="5000"/>
+              <a:buFont typeface="Playfair Display Regular"/>
+              <a:buNone/>
+              <a:defRPr sz="5000" b="0" i="0" u="none" strike="noStrike" cap="none">
+                <a:solidFill>
+                  <a:schemeClr val="dk1"/>
+                </a:solidFill>
+                <a:latin typeface="Playfair Display Regular"/>
+                <a:ea typeface="Playfair Display Regular"/>
+                <a:cs typeface="Playfair Display Regular"/>
+                <a:sym typeface="Playfair Display Regular"/>
+              </a:defRPr>
+            </a:lvl1pPr>
+            <a:lvl2pPr marR="0" lvl="1" algn="l" rtl="0">
+              <a:lnSpc>
+                <a:spcPct val="90000"/>
+              </a:lnSpc>
+              <a:spcBef>
+                <a:spcPts val="0"/>
+              </a:spcBef>
+              <a:spcAft>
+                <a:spcPts val="0"/>
+              </a:spcAft>
+              <a:buClr>
+                <a:schemeClr val="dk1"/>
+              </a:buClr>
+              <a:buSzPts val="5000"/>
+              <a:buFont typeface="Playfair Display Regular"/>
+              <a:buNone/>
+              <a:defRPr sz="5000" b="0" i="0" u="none" strike="noStrike" cap="none">
+                <a:solidFill>
+                  <a:schemeClr val="dk1"/>
+                </a:solidFill>
+                <a:latin typeface="Playfair Display Regular"/>
+                <a:ea typeface="Playfair Display Regular"/>
+                <a:cs typeface="Playfair Display Regular"/>
+                <a:sym typeface="Playfair Display Regular"/>
+              </a:defRPr>
+            </a:lvl2pPr>
+            <a:lvl3pPr marR="0" lvl="2" algn="l" rtl="0">
+              <a:lnSpc>
+                <a:spcPct val="90000"/>
+              </a:lnSpc>
+              <a:spcBef>
+                <a:spcPts val="0"/>
+              </a:spcBef>
+              <a:spcAft>
+                <a:spcPts val="0"/>
+              </a:spcAft>
+              <a:buClr>
+                <a:schemeClr val="dk1"/>
+              </a:buClr>
+              <a:buSzPts val="5000"/>
+              <a:buFont typeface="Playfair Display Regular"/>
+              <a:buNone/>
+              <a:defRPr sz="5000" b="0" i="0" u="none" strike="noStrike" cap="none">
+                <a:solidFill>
+                  <a:schemeClr val="dk1"/>
+                </a:solidFill>
+                <a:latin typeface="Playfair Display Regular"/>
+                <a:ea typeface="Playfair Display Regular"/>
+                <a:cs typeface="Playfair Display Regular"/>
+                <a:sym typeface="Playfair Display Regular"/>
+              </a:defRPr>
+            </a:lvl3pPr>
+            <a:lvl4pPr marR="0" lvl="3" algn="l" rtl="0">
+              <a:lnSpc>
+                <a:spcPct val="90000"/>
+              </a:lnSpc>
+              <a:spcBef>
+                <a:spcPts val="0"/>
+              </a:spcBef>
+              <a:spcAft>
+                <a:spcPts val="0"/>
+              </a:spcAft>
+              <a:buClr>
+                <a:schemeClr val="dk1"/>
+              </a:buClr>
+              <a:buSzPts val="5000"/>
+              <a:buFont typeface="Playfair Display Regular"/>
+              <a:buNone/>
+              <a:defRPr sz="5000" b="0" i="0" u="none" strike="noStrike" cap="none">
+                <a:solidFill>
+                  <a:schemeClr val="dk1"/>
+                </a:solidFill>
+                <a:latin typeface="Playfair Display Regular"/>
+                <a:ea typeface="Playfair Display Regular"/>
+                <a:cs typeface="Playfair Display Regular"/>
+                <a:sym typeface="Playfair Display Regular"/>
+              </a:defRPr>
+            </a:lvl4pPr>
+            <a:lvl5pPr marR="0" lvl="4" algn="l" rtl="0">
+              <a:lnSpc>
+                <a:spcPct val="90000"/>
+              </a:lnSpc>
+              <a:spcBef>
+                <a:spcPts val="0"/>
+              </a:spcBef>
+              <a:spcAft>
+                <a:spcPts val="0"/>
+              </a:spcAft>
+              <a:buClr>
+                <a:schemeClr val="dk1"/>
+              </a:buClr>
+              <a:buSzPts val="5000"/>
+              <a:buFont typeface="Playfair Display Regular"/>
+              <a:buNone/>
+              <a:defRPr sz="5000" b="0" i="0" u="none" strike="noStrike" cap="none">
+                <a:solidFill>
+                  <a:schemeClr val="dk1"/>
+                </a:solidFill>
+                <a:latin typeface="Playfair Display Regular"/>
+                <a:ea typeface="Playfair Display Regular"/>
+                <a:cs typeface="Playfair Display Regular"/>
+                <a:sym typeface="Playfair Display Regular"/>
+              </a:defRPr>
+            </a:lvl5pPr>
+            <a:lvl6pPr marR="0" lvl="5" algn="l" rtl="0">
+              <a:lnSpc>
+                <a:spcPct val="90000"/>
+              </a:lnSpc>
+              <a:spcBef>
+                <a:spcPts val="0"/>
+              </a:spcBef>
+              <a:spcAft>
+                <a:spcPts val="0"/>
+              </a:spcAft>
+              <a:buClr>
+                <a:schemeClr val="dk1"/>
+              </a:buClr>
+              <a:buSzPts val="5000"/>
+              <a:buFont typeface="Playfair Display Regular"/>
+              <a:buNone/>
+              <a:defRPr sz="5000" b="0" i="0" u="none" strike="noStrike" cap="none">
+                <a:solidFill>
+                  <a:schemeClr val="dk1"/>
+                </a:solidFill>
+                <a:latin typeface="Playfair Display Regular"/>
+                <a:ea typeface="Playfair Display Regular"/>
+                <a:cs typeface="Playfair Display Regular"/>
+                <a:sym typeface="Playfair Display Regular"/>
+              </a:defRPr>
+            </a:lvl6pPr>
+            <a:lvl7pPr marR="0" lvl="6" algn="l" rtl="0">
+              <a:lnSpc>
+                <a:spcPct val="90000"/>
+              </a:lnSpc>
+              <a:spcBef>
+                <a:spcPts val="0"/>
+              </a:spcBef>
+              <a:spcAft>
+                <a:spcPts val="0"/>
+              </a:spcAft>
+              <a:buClr>
+                <a:schemeClr val="dk1"/>
+              </a:buClr>
+              <a:buSzPts val="5000"/>
+              <a:buFont typeface="Playfair Display Regular"/>
+              <a:buNone/>
+              <a:defRPr sz="5000" b="0" i="0" u="none" strike="noStrike" cap="none">
+                <a:solidFill>
+                  <a:schemeClr val="dk1"/>
+                </a:solidFill>
+                <a:latin typeface="Playfair Display Regular"/>
+                <a:ea typeface="Playfair Display Regular"/>
+                <a:cs typeface="Playfair Display Regular"/>
+                <a:sym typeface="Playfair Display Regular"/>
+              </a:defRPr>
+            </a:lvl7pPr>
+            <a:lvl8pPr marR="0" lvl="7" algn="l" rtl="0">
+              <a:lnSpc>
+                <a:spcPct val="90000"/>
+              </a:lnSpc>
+              <a:spcBef>
+                <a:spcPts val="0"/>
+              </a:spcBef>
+              <a:spcAft>
+                <a:spcPts val="0"/>
+              </a:spcAft>
+              <a:buClr>
+                <a:schemeClr val="dk1"/>
+              </a:buClr>
+              <a:buSzPts val="5000"/>
+              <a:buFont typeface="Playfair Display Regular"/>
+              <a:buNone/>
+              <a:defRPr sz="5000" b="0" i="0" u="none" strike="noStrike" cap="none">
+                <a:solidFill>
+                  <a:schemeClr val="dk1"/>
+                </a:solidFill>
+                <a:latin typeface="Playfair Display Regular"/>
+                <a:ea typeface="Playfair Display Regular"/>
+                <a:cs typeface="Playfair Display Regular"/>
+                <a:sym typeface="Playfair Display Regular"/>
+              </a:defRPr>
+            </a:lvl8pPr>
+            <a:lvl9pPr marR="0" lvl="8" algn="l" rtl="0">
+              <a:lnSpc>
+                <a:spcPct val="90000"/>
+              </a:lnSpc>
+              <a:spcBef>
+                <a:spcPts val="0"/>
+              </a:spcBef>
+              <a:spcAft>
+                <a:spcPts val="0"/>
+              </a:spcAft>
+              <a:buClr>
+                <a:schemeClr val="dk1"/>
+              </a:buClr>
+              <a:buSzPts val="5000"/>
+              <a:buFont typeface="Playfair Display Regular"/>
+              <a:buNone/>
+              <a:defRPr sz="5000" b="0" i="0" u="none" strike="noStrike" cap="none">
+                <a:solidFill>
+                  <a:schemeClr val="dk1"/>
+                </a:solidFill>
+                <a:latin typeface="Playfair Display Regular"/>
+                <a:ea typeface="Playfair Display Regular"/>
+                <a:cs typeface="Playfair Display Regular"/>
+                <a:sym typeface="Playfair Display Regular"/>
+              </a:defRPr>
+            </a:lvl9pPr>
+          </a:lstStyle>
+          <a:p>
+            <a:r>
+              <a:rPr lang="en-US" sz="1100" dirty="0">
+                <a:solidFill>
+                  <a:srgbClr val="F3768E"/>
+                </a:solidFill>
+                <a:latin typeface="Calibri" panose="020F0502020204030204" pitchFamily="34" charset="0"/>
+                <a:cs typeface="Calibri" panose="020F0502020204030204" pitchFamily="34" charset="0"/>
+              </a:rPr>
+              <a:t>About us</a:t>
+            </a:r>
+          </a:p>
+        </p:txBody>
+      </p:sp>
+      <p:sp>
+        <p:nvSpPr>
+          <p:cNvPr id="44" name="Google Shape;79;p15">
+            <a:extLst>
+              <a:ext uri="{FF2B5EF4-FFF2-40B4-BE49-F238E27FC236}">
+                <a16:creationId xmlns:a16="http://schemas.microsoft.com/office/drawing/2014/main" id="{949C9556-22F3-40A3-BAAD-2FF5F56AAAA1}"/>
+              </a:ext>
+            </a:extLst>
+          </p:cNvPr>
+          <p:cNvSpPr txBox="1">
+            <a:spLocks/>
+          </p:cNvSpPr>
+          <p:nvPr/>
+        </p:nvSpPr>
+        <p:spPr>
+          <a:xfrm>
+            <a:off x="8416961" y="605510"/>
+            <a:ext cx="365608" cy="312588"/>
+          </a:xfrm>
+          <a:prstGeom prst="rect">
+            <a:avLst/>
+          </a:prstGeom>
+          <a:noFill/>
+          <a:ln>
+            <a:noFill/>
+          </a:ln>
+        </p:spPr>
+        <p:txBody>
+          <a:bodyPr spcFirstLastPara="1" wrap="square" lIns="0" tIns="0" rIns="0" bIns="0" anchor="ctr" anchorCtr="0">
+            <a:noAutofit/>
+          </a:bodyPr>
+          <a:lstStyle>
+            <a:defPPr marR="0" lvl="0" algn="l" rtl="0">
+              <a:lnSpc>
+                <a:spcPct val="100000"/>
+              </a:lnSpc>
+              <a:spcBef>
+                <a:spcPts val="0"/>
+              </a:spcBef>
+              <a:spcAft>
+                <a:spcPts val="0"/>
+              </a:spcAft>
+            </a:defPPr>
+            <a:lvl1pPr marR="0" lvl="0" algn="l" rtl="0">
+              <a:lnSpc>
+                <a:spcPct val="90000"/>
+              </a:lnSpc>
+              <a:spcBef>
+                <a:spcPts val="0"/>
+              </a:spcBef>
+              <a:spcAft>
+                <a:spcPts val="0"/>
+              </a:spcAft>
+              <a:buClr>
+                <a:schemeClr val="dk1"/>
+              </a:buClr>
+              <a:buSzPts val="5000"/>
+              <a:buFont typeface="Playfair Display Regular"/>
+              <a:buNone/>
+              <a:defRPr sz="5000" b="0" i="0" u="none" strike="noStrike" cap="none">
+                <a:solidFill>
+                  <a:schemeClr val="dk1"/>
+                </a:solidFill>
+                <a:latin typeface="Playfair Display Regular"/>
+                <a:ea typeface="Playfair Display Regular"/>
+                <a:cs typeface="Playfair Display Regular"/>
+                <a:sym typeface="Playfair Display Regular"/>
+              </a:defRPr>
+            </a:lvl1pPr>
+            <a:lvl2pPr marR="0" lvl="1" algn="l" rtl="0">
+              <a:lnSpc>
+                <a:spcPct val="90000"/>
+              </a:lnSpc>
+              <a:spcBef>
+                <a:spcPts val="0"/>
+              </a:spcBef>
+              <a:spcAft>
+                <a:spcPts val="0"/>
+              </a:spcAft>
+              <a:buClr>
+                <a:schemeClr val="dk1"/>
+              </a:buClr>
+              <a:buSzPts val="5000"/>
+              <a:buFont typeface="Playfair Display Regular"/>
+              <a:buNone/>
+              <a:defRPr sz="5000" b="0" i="0" u="none" strike="noStrike" cap="none">
+                <a:solidFill>
+                  <a:schemeClr val="dk1"/>
+                </a:solidFill>
+                <a:latin typeface="Playfair Display Regular"/>
+                <a:ea typeface="Playfair Display Regular"/>
+                <a:cs typeface="Playfair Display Regular"/>
+                <a:sym typeface="Playfair Display Regular"/>
+              </a:defRPr>
+            </a:lvl2pPr>
+            <a:lvl3pPr marR="0" lvl="2" algn="l" rtl="0">
+              <a:lnSpc>
+                <a:spcPct val="90000"/>
+              </a:lnSpc>
+              <a:spcBef>
+                <a:spcPts val="0"/>
+              </a:spcBef>
+              <a:spcAft>
+                <a:spcPts val="0"/>
+              </a:spcAft>
+              <a:buClr>
+                <a:schemeClr val="dk1"/>
+              </a:buClr>
+              <a:buSzPts val="5000"/>
+              <a:buFont typeface="Playfair Display Regular"/>
+              <a:buNone/>
+              <a:defRPr sz="5000" b="0" i="0" u="none" strike="noStrike" cap="none">
+                <a:solidFill>
+                  <a:schemeClr val="dk1"/>
+                </a:solidFill>
+                <a:latin typeface="Playfair Display Regular"/>
+                <a:ea typeface="Playfair Display Regular"/>
+                <a:cs typeface="Playfair Display Regular"/>
+                <a:sym typeface="Playfair Display Regular"/>
+              </a:defRPr>
+            </a:lvl3pPr>
+            <a:lvl4pPr marR="0" lvl="3" algn="l" rtl="0">
+              <a:lnSpc>
+                <a:spcPct val="90000"/>
+              </a:lnSpc>
+              <a:spcBef>
+                <a:spcPts val="0"/>
+              </a:spcBef>
+              <a:spcAft>
+                <a:spcPts val="0"/>
+              </a:spcAft>
+              <a:buClr>
+                <a:schemeClr val="dk1"/>
+              </a:buClr>
+              <a:buSzPts val="5000"/>
+              <a:buFont typeface="Playfair Display Regular"/>
+              <a:buNone/>
+              <a:defRPr sz="5000" b="0" i="0" u="none" strike="noStrike" cap="none">
+                <a:solidFill>
+                  <a:schemeClr val="dk1"/>
+                </a:solidFill>
+                <a:latin typeface="Playfair Display Regular"/>
+                <a:ea typeface="Playfair Display Regular"/>
+                <a:cs typeface="Playfair Display Regular"/>
+                <a:sym typeface="Playfair Display Regular"/>
+              </a:defRPr>
+            </a:lvl4pPr>
+            <a:lvl5pPr marR="0" lvl="4" algn="l" rtl="0">
+              <a:lnSpc>
+                <a:spcPct val="90000"/>
+              </a:lnSpc>
+              <a:spcBef>
+                <a:spcPts val="0"/>
+              </a:spcBef>
+              <a:spcAft>
+                <a:spcPts val="0"/>
+              </a:spcAft>
+              <a:buClr>
+                <a:schemeClr val="dk1"/>
+              </a:buClr>
+              <a:buSzPts val="5000"/>
+              <a:buFont typeface="Playfair Display Regular"/>
+              <a:buNone/>
+              <a:defRPr sz="5000" b="0" i="0" u="none" strike="noStrike" cap="none">
+                <a:solidFill>
+                  <a:schemeClr val="dk1"/>
+                </a:solidFill>
+                <a:latin typeface="Playfair Display Regular"/>
+                <a:ea typeface="Playfair Display Regular"/>
+                <a:cs typeface="Playfair Display Regular"/>
+                <a:sym typeface="Playfair Display Regular"/>
+              </a:defRPr>
+            </a:lvl5pPr>
+            <a:lvl6pPr marR="0" lvl="5" algn="l" rtl="0">
+              <a:lnSpc>
+                <a:spcPct val="90000"/>
+              </a:lnSpc>
+              <a:spcBef>
+                <a:spcPts val="0"/>
+              </a:spcBef>
+              <a:spcAft>
+                <a:spcPts val="0"/>
+              </a:spcAft>
+              <a:buClr>
+                <a:schemeClr val="dk1"/>
+              </a:buClr>
+              <a:buSzPts val="5000"/>
+              <a:buFont typeface="Playfair Display Regular"/>
+              <a:buNone/>
+              <a:defRPr sz="5000" b="0" i="0" u="none" strike="noStrike" cap="none">
+                <a:solidFill>
+                  <a:schemeClr val="dk1"/>
+                </a:solidFill>
+                <a:latin typeface="Playfair Display Regular"/>
+                <a:ea typeface="Playfair Display Regular"/>
+                <a:cs typeface="Playfair Display Regular"/>
+                <a:sym typeface="Playfair Display Regular"/>
+              </a:defRPr>
+            </a:lvl6pPr>
+            <a:lvl7pPr marR="0" lvl="6" algn="l" rtl="0">
+              <a:lnSpc>
+                <a:spcPct val="90000"/>
+              </a:lnSpc>
+              <a:spcBef>
+                <a:spcPts val="0"/>
+              </a:spcBef>
+              <a:spcAft>
+                <a:spcPts val="0"/>
+              </a:spcAft>
+              <a:buClr>
+                <a:schemeClr val="dk1"/>
+              </a:buClr>
+              <a:buSzPts val="5000"/>
+              <a:buFont typeface="Playfair Display Regular"/>
+              <a:buNone/>
+              <a:defRPr sz="5000" b="0" i="0" u="none" strike="noStrike" cap="none">
+                <a:solidFill>
+                  <a:schemeClr val="dk1"/>
+                </a:solidFill>
+                <a:latin typeface="Playfair Display Regular"/>
+                <a:ea typeface="Playfair Display Regular"/>
+                <a:cs typeface="Playfair Display Regular"/>
+                <a:sym typeface="Playfair Display Regular"/>
+              </a:defRPr>
+            </a:lvl7pPr>
+            <a:lvl8pPr marR="0" lvl="7" algn="l" rtl="0">
+              <a:lnSpc>
+                <a:spcPct val="90000"/>
+              </a:lnSpc>
+              <a:spcBef>
+                <a:spcPts val="0"/>
+              </a:spcBef>
+              <a:spcAft>
+                <a:spcPts val="0"/>
+              </a:spcAft>
+              <a:buClr>
+                <a:schemeClr val="dk1"/>
+              </a:buClr>
+              <a:buSzPts val="5000"/>
+              <a:buFont typeface="Playfair Display Regular"/>
+              <a:buNone/>
+              <a:defRPr sz="5000" b="0" i="0" u="none" strike="noStrike" cap="none">
+                <a:solidFill>
+                  <a:schemeClr val="dk1"/>
+                </a:solidFill>
+                <a:latin typeface="Playfair Display Regular"/>
+                <a:ea typeface="Playfair Display Regular"/>
+                <a:cs typeface="Playfair Display Regular"/>
+                <a:sym typeface="Playfair Display Regular"/>
+              </a:defRPr>
+            </a:lvl8pPr>
+            <a:lvl9pPr marR="0" lvl="8" algn="l" rtl="0">
+              <a:lnSpc>
+                <a:spcPct val="90000"/>
+              </a:lnSpc>
+              <a:spcBef>
+                <a:spcPts val="0"/>
+              </a:spcBef>
+              <a:spcAft>
+                <a:spcPts val="0"/>
+              </a:spcAft>
+              <a:buClr>
+                <a:schemeClr val="dk1"/>
+              </a:buClr>
+              <a:buSzPts val="5000"/>
+              <a:buFont typeface="Playfair Display Regular"/>
+              <a:buNone/>
+              <a:defRPr sz="5000" b="0" i="0" u="none" strike="noStrike" cap="none">
+                <a:solidFill>
+                  <a:schemeClr val="dk1"/>
+                </a:solidFill>
+                <a:latin typeface="Playfair Display Regular"/>
+                <a:ea typeface="Playfair Display Regular"/>
+                <a:cs typeface="Playfair Display Regular"/>
+                <a:sym typeface="Playfair Display Regular"/>
+              </a:defRPr>
+            </a:lvl9pPr>
+          </a:lstStyle>
+          <a:p>
+            <a:r>
+              <a:rPr lang="en-US" sz="1100" dirty="0">
+                <a:solidFill>
+                  <a:srgbClr val="272364"/>
+                </a:solidFill>
+                <a:latin typeface="Calibri" panose="020F0502020204030204" pitchFamily="34" charset="0"/>
+                <a:cs typeface="Calibri" panose="020F0502020204030204" pitchFamily="34" charset="0"/>
+              </a:rPr>
+              <a:t>Login</a:t>
+            </a:r>
+          </a:p>
+        </p:txBody>
+      </p:sp>
+      <p:sp>
+        <p:nvSpPr>
+          <p:cNvPr id="45" name="Google Shape;79;p15">
+            <a:extLst>
+              <a:ext uri="{FF2B5EF4-FFF2-40B4-BE49-F238E27FC236}">
+                <a16:creationId xmlns:a16="http://schemas.microsoft.com/office/drawing/2014/main" id="{CF57F419-86EC-465D-832E-8D4C61162901}"/>
+              </a:ext>
+            </a:extLst>
+          </p:cNvPr>
+          <p:cNvSpPr txBox="1">
+            <a:spLocks/>
+          </p:cNvSpPr>
+          <p:nvPr/>
+        </p:nvSpPr>
+        <p:spPr>
+          <a:xfrm>
+            <a:off x="7124923" y="605510"/>
+            <a:ext cx="1017591" cy="312588"/>
+          </a:xfrm>
+          <a:prstGeom prst="rect">
+            <a:avLst/>
+          </a:prstGeom>
+          <a:noFill/>
+          <a:ln>
+            <a:noFill/>
+          </a:ln>
+        </p:spPr>
+        <p:txBody>
+          <a:bodyPr spcFirstLastPara="1" wrap="square" lIns="0" tIns="0" rIns="0" bIns="0" anchor="ctr" anchorCtr="0">
+            <a:noAutofit/>
+          </a:bodyPr>
+          <a:lstStyle>
+            <a:defPPr marR="0" lvl="0" algn="l" rtl="0">
+              <a:lnSpc>
+                <a:spcPct val="100000"/>
+              </a:lnSpc>
+              <a:spcBef>
+                <a:spcPts val="0"/>
+              </a:spcBef>
+              <a:spcAft>
+                <a:spcPts val="0"/>
+              </a:spcAft>
+            </a:defPPr>
+            <a:lvl1pPr marR="0" lvl="0" algn="l" rtl="0">
+              <a:lnSpc>
+                <a:spcPct val="90000"/>
+              </a:lnSpc>
+              <a:spcBef>
+                <a:spcPts val="0"/>
+              </a:spcBef>
+              <a:spcAft>
+                <a:spcPts val="0"/>
+              </a:spcAft>
+              <a:buClr>
+                <a:schemeClr val="dk1"/>
+              </a:buClr>
+              <a:buSzPts val="5000"/>
+              <a:buFont typeface="Playfair Display Regular"/>
+              <a:buNone/>
+              <a:defRPr sz="5000" b="0" i="0" u="none" strike="noStrike" cap="none">
+                <a:solidFill>
+                  <a:schemeClr val="dk1"/>
+                </a:solidFill>
+                <a:latin typeface="Playfair Display Regular"/>
+                <a:ea typeface="Playfair Display Regular"/>
+                <a:cs typeface="Playfair Display Regular"/>
+                <a:sym typeface="Playfair Display Regular"/>
+              </a:defRPr>
+            </a:lvl1pPr>
+            <a:lvl2pPr marR="0" lvl="1" algn="l" rtl="0">
+              <a:lnSpc>
+                <a:spcPct val="90000"/>
+              </a:lnSpc>
+              <a:spcBef>
+                <a:spcPts val="0"/>
+              </a:spcBef>
+              <a:spcAft>
+                <a:spcPts val="0"/>
+              </a:spcAft>
+              <a:buClr>
+                <a:schemeClr val="dk1"/>
+              </a:buClr>
+              <a:buSzPts val="5000"/>
+              <a:buFont typeface="Playfair Display Regular"/>
+              <a:buNone/>
+              <a:defRPr sz="5000" b="0" i="0" u="none" strike="noStrike" cap="none">
+                <a:solidFill>
+                  <a:schemeClr val="dk1"/>
+                </a:solidFill>
+                <a:latin typeface="Playfair Display Regular"/>
+                <a:ea typeface="Playfair Display Regular"/>
+                <a:cs typeface="Playfair Display Regular"/>
+                <a:sym typeface="Playfair Display Regular"/>
+              </a:defRPr>
+            </a:lvl2pPr>
+            <a:lvl3pPr marR="0" lvl="2" algn="l" rtl="0">
+              <a:lnSpc>
+                <a:spcPct val="90000"/>
+              </a:lnSpc>
+              <a:spcBef>
+                <a:spcPts val="0"/>
+              </a:spcBef>
+              <a:spcAft>
+                <a:spcPts val="0"/>
+              </a:spcAft>
+              <a:buClr>
+                <a:schemeClr val="dk1"/>
+              </a:buClr>
+              <a:buSzPts val="5000"/>
+              <a:buFont typeface="Playfair Display Regular"/>
+              <a:buNone/>
+              <a:defRPr sz="5000" b="0" i="0" u="none" strike="noStrike" cap="none">
+                <a:solidFill>
+                  <a:schemeClr val="dk1"/>
+                </a:solidFill>
+                <a:latin typeface="Playfair Display Regular"/>
+                <a:ea typeface="Playfair Display Regular"/>
+                <a:cs typeface="Playfair Display Regular"/>
+                <a:sym typeface="Playfair Display Regular"/>
+              </a:defRPr>
+            </a:lvl3pPr>
+            <a:lvl4pPr marR="0" lvl="3" algn="l" rtl="0">
+              <a:lnSpc>
+                <a:spcPct val="90000"/>
+              </a:lnSpc>
+              <a:spcBef>
+                <a:spcPts val="0"/>
+              </a:spcBef>
+              <a:spcAft>
+                <a:spcPts val="0"/>
+              </a:spcAft>
+              <a:buClr>
+                <a:schemeClr val="dk1"/>
+              </a:buClr>
+              <a:buSzPts val="5000"/>
+              <a:buFont typeface="Playfair Display Regular"/>
+              <a:buNone/>
+              <a:defRPr sz="5000" b="0" i="0" u="none" strike="noStrike" cap="none">
+                <a:solidFill>
+                  <a:schemeClr val="dk1"/>
+                </a:solidFill>
+                <a:latin typeface="Playfair Display Regular"/>
+                <a:ea typeface="Playfair Display Regular"/>
+                <a:cs typeface="Playfair Display Regular"/>
+                <a:sym typeface="Playfair Display Regular"/>
+              </a:defRPr>
+            </a:lvl4pPr>
+            <a:lvl5pPr marR="0" lvl="4" algn="l" rtl="0">
+              <a:lnSpc>
+                <a:spcPct val="90000"/>
+              </a:lnSpc>
+              <a:spcBef>
+                <a:spcPts val="0"/>
+              </a:spcBef>
+              <a:spcAft>
+                <a:spcPts val="0"/>
+              </a:spcAft>
+              <a:buClr>
+                <a:schemeClr val="dk1"/>
+              </a:buClr>
+              <a:buSzPts val="5000"/>
+              <a:buFont typeface="Playfair Display Regular"/>
+              <a:buNone/>
+              <a:defRPr sz="5000" b="0" i="0" u="none" strike="noStrike" cap="none">
+                <a:solidFill>
+                  <a:schemeClr val="dk1"/>
+                </a:solidFill>
+                <a:latin typeface="Playfair Display Regular"/>
+                <a:ea typeface="Playfair Display Regular"/>
+                <a:cs typeface="Playfair Display Regular"/>
+                <a:sym typeface="Playfair Display Regular"/>
+              </a:defRPr>
+            </a:lvl5pPr>
+            <a:lvl6pPr marR="0" lvl="5" algn="l" rtl="0">
+              <a:lnSpc>
+                <a:spcPct val="90000"/>
+              </a:lnSpc>
+              <a:spcBef>
+                <a:spcPts val="0"/>
+              </a:spcBef>
+              <a:spcAft>
+                <a:spcPts val="0"/>
+              </a:spcAft>
+              <a:buClr>
+                <a:schemeClr val="dk1"/>
+              </a:buClr>
+              <a:buSzPts val="5000"/>
+              <a:buFont typeface="Playfair Display Regular"/>
+              <a:buNone/>
+              <a:defRPr sz="5000" b="0" i="0" u="none" strike="noStrike" cap="none">
+                <a:solidFill>
+                  <a:schemeClr val="dk1"/>
+                </a:solidFill>
+                <a:latin typeface="Playfair Display Regular"/>
+                <a:ea typeface="Playfair Display Regular"/>
+                <a:cs typeface="Playfair Display Regular"/>
+                <a:sym typeface="Playfair Display Regular"/>
+              </a:defRPr>
+            </a:lvl6pPr>
+            <a:lvl7pPr marR="0" lvl="6" algn="l" rtl="0">
+              <a:lnSpc>
+                <a:spcPct val="90000"/>
+              </a:lnSpc>
+              <a:spcBef>
+                <a:spcPts val="0"/>
+              </a:spcBef>
+              <a:spcAft>
+                <a:spcPts val="0"/>
+              </a:spcAft>
+              <a:buClr>
+                <a:schemeClr val="dk1"/>
+              </a:buClr>
+              <a:buSzPts val="5000"/>
+              <a:buFont typeface="Playfair Display Regular"/>
+              <a:buNone/>
+              <a:defRPr sz="5000" b="0" i="0" u="none" strike="noStrike" cap="none">
+                <a:solidFill>
+                  <a:schemeClr val="dk1"/>
+                </a:solidFill>
+                <a:latin typeface="Playfair Display Regular"/>
+                <a:ea typeface="Playfair Display Regular"/>
+                <a:cs typeface="Playfair Display Regular"/>
+                <a:sym typeface="Playfair Display Regular"/>
+              </a:defRPr>
+            </a:lvl7pPr>
+            <a:lvl8pPr marR="0" lvl="7" algn="l" rtl="0">
+              <a:lnSpc>
+                <a:spcPct val="90000"/>
+              </a:lnSpc>
+              <a:spcBef>
+                <a:spcPts val="0"/>
+              </a:spcBef>
+              <a:spcAft>
+                <a:spcPts val="0"/>
+              </a:spcAft>
+              <a:buClr>
+                <a:schemeClr val="dk1"/>
+              </a:buClr>
+              <a:buSzPts val="5000"/>
+              <a:buFont typeface="Playfair Display Regular"/>
+              <a:buNone/>
+              <a:defRPr sz="5000" b="0" i="0" u="none" strike="noStrike" cap="none">
+                <a:solidFill>
+                  <a:schemeClr val="dk1"/>
+                </a:solidFill>
+                <a:latin typeface="Playfair Display Regular"/>
+                <a:ea typeface="Playfair Display Regular"/>
+                <a:cs typeface="Playfair Display Regular"/>
+                <a:sym typeface="Playfair Display Regular"/>
+              </a:defRPr>
+            </a:lvl8pPr>
+            <a:lvl9pPr marR="0" lvl="8" algn="l" rtl="0">
+              <a:lnSpc>
+                <a:spcPct val="90000"/>
+              </a:lnSpc>
+              <a:spcBef>
+                <a:spcPts val="0"/>
+              </a:spcBef>
+              <a:spcAft>
+                <a:spcPts val="0"/>
+              </a:spcAft>
+              <a:buClr>
+                <a:schemeClr val="dk1"/>
+              </a:buClr>
+              <a:buSzPts val="5000"/>
+              <a:buFont typeface="Playfair Display Regular"/>
+              <a:buNone/>
+              <a:defRPr sz="5000" b="0" i="0" u="none" strike="noStrike" cap="none">
+                <a:solidFill>
+                  <a:schemeClr val="dk1"/>
+                </a:solidFill>
+                <a:latin typeface="Playfair Display Regular"/>
+                <a:ea typeface="Playfair Display Regular"/>
+                <a:cs typeface="Playfair Display Regular"/>
+                <a:sym typeface="Playfair Display Regular"/>
+              </a:defRPr>
+            </a:lvl9pPr>
+          </a:lstStyle>
+          <a:p>
+            <a:r>
+              <a:rPr lang="en-US" sz="1100" dirty="0">
+                <a:solidFill>
+                  <a:srgbClr val="272364"/>
+                </a:solidFill>
+                <a:latin typeface="Calibri" panose="020F0502020204030204" pitchFamily="34" charset="0"/>
+                <a:cs typeface="Calibri" panose="020F0502020204030204" pitchFamily="34" charset="0"/>
+              </a:rPr>
+              <a:t>Getting started</a:t>
+            </a:r>
           </a:p>
         </p:txBody>
       </p:sp>
@@ -10217,61 +9554,6 @@
           <a:chExt cx="0" cy="0"/>
         </a:xfrm>
       </p:grpSpPr>
-      <p:sp>
-        <p:nvSpPr>
-          <p:cNvPr id="79" name="Google Shape;79;p15"/>
-          <p:cNvSpPr txBox="1">
-            <a:spLocks noGrp="1"/>
-          </p:cNvSpPr>
-          <p:nvPr>
-            <p:ph type="ctrTitle"/>
-          </p:nvPr>
-        </p:nvSpPr>
-        <p:spPr>
-          <a:xfrm>
-            <a:off x="4665921" y="609404"/>
-            <a:ext cx="414670" cy="312588"/>
-          </a:xfrm>
-          <a:prstGeom prst="rect">
-            <a:avLst/>
-          </a:prstGeom>
-        </p:spPr>
-        <p:txBody>
-          <a:bodyPr spcFirstLastPara="1" wrap="square" lIns="0" tIns="0" rIns="0" bIns="0" anchor="ctr" anchorCtr="0">
-            <a:noAutofit/>
-          </a:bodyPr>
-          <a:lstStyle/>
-          <a:p>
-            <a:pPr marL="0" lvl="0" indent="0" algn="l" rtl="0">
-              <a:spcBef>
-                <a:spcPts val="0"/>
-              </a:spcBef>
-              <a:spcAft>
-                <a:spcPts val="0"/>
-              </a:spcAft>
-              <a:buNone/>
-            </a:pPr>
-            <a:r>
-              <a:rPr lang="en-US" sz="1100" dirty="0">
-                <a:solidFill>
-                  <a:srgbClr val="272364"/>
-                </a:solidFill>
-                <a:latin typeface="Calibri" panose="020F0502020204030204" pitchFamily="34" charset="0"/>
-                <a:cs typeface="Calibri" panose="020F0502020204030204" pitchFamily="34" charset="0"/>
-                <a:hlinkClick r:id="rId3" action="ppaction://hlinksldjump"/>
-              </a:rPr>
-              <a:t>Home</a:t>
-            </a:r>
-            <a:endParaRPr sz="1100" dirty="0">
-              <a:solidFill>
-                <a:srgbClr val="272364"/>
-              </a:solidFill>
-              <a:latin typeface="Calibri" panose="020F0502020204030204" pitchFamily="34" charset="0"/>
-              <a:cs typeface="Calibri" panose="020F0502020204030204" pitchFamily="34" charset="0"/>
-            </a:endParaRPr>
-          </a:p>
-        </p:txBody>
-      </p:sp>
       <p:pic>
         <p:nvPicPr>
           <p:cNvPr id="7" name="Picture 6">
@@ -10303,1190 +9585,6 @@
           </a:prstGeom>
         </p:spPr>
       </p:pic>
-      <p:sp>
-        <p:nvSpPr>
-          <p:cNvPr id="9" name="Google Shape;79;p15">
-            <a:extLst>
-              <a:ext uri="{FF2B5EF4-FFF2-40B4-BE49-F238E27FC236}">
-                <a16:creationId xmlns:a16="http://schemas.microsoft.com/office/drawing/2014/main" id="{1ACB8FC9-001A-484D-BD27-9A3DA2FB283C}"/>
-              </a:ext>
-            </a:extLst>
-          </p:cNvPr>
-          <p:cNvSpPr txBox="1">
-            <a:spLocks/>
-          </p:cNvSpPr>
-          <p:nvPr/>
-        </p:nvSpPr>
-        <p:spPr>
-          <a:xfrm>
-            <a:off x="5352606" y="605510"/>
-            <a:ext cx="892249" cy="312588"/>
-          </a:xfrm>
-          <a:prstGeom prst="rect">
-            <a:avLst/>
-          </a:prstGeom>
-          <a:noFill/>
-          <a:ln>
-            <a:noFill/>
-          </a:ln>
-        </p:spPr>
-        <p:txBody>
-          <a:bodyPr spcFirstLastPara="1" wrap="square" lIns="0" tIns="0" rIns="0" bIns="0" anchor="ctr" anchorCtr="0">
-            <a:noAutofit/>
-          </a:bodyPr>
-          <a:lstStyle>
-            <a:defPPr marR="0" lvl="0" algn="l" rtl="0">
-              <a:lnSpc>
-                <a:spcPct val="100000"/>
-              </a:lnSpc>
-              <a:spcBef>
-                <a:spcPts val="0"/>
-              </a:spcBef>
-              <a:spcAft>
-                <a:spcPts val="0"/>
-              </a:spcAft>
-            </a:defPPr>
-            <a:lvl1pPr marR="0" lvl="0" algn="l" rtl="0">
-              <a:lnSpc>
-                <a:spcPct val="90000"/>
-              </a:lnSpc>
-              <a:spcBef>
-                <a:spcPts val="0"/>
-              </a:spcBef>
-              <a:spcAft>
-                <a:spcPts val="0"/>
-              </a:spcAft>
-              <a:buClr>
-                <a:schemeClr val="dk1"/>
-              </a:buClr>
-              <a:buSzPts val="5000"/>
-              <a:buFont typeface="Playfair Display Regular"/>
-              <a:buNone/>
-              <a:defRPr sz="5000" b="0" i="0" u="none" strike="noStrike" cap="none">
-                <a:solidFill>
-                  <a:schemeClr val="dk1"/>
-                </a:solidFill>
-                <a:latin typeface="Playfair Display Regular"/>
-                <a:ea typeface="Playfair Display Regular"/>
-                <a:cs typeface="Playfair Display Regular"/>
-                <a:sym typeface="Playfair Display Regular"/>
-              </a:defRPr>
-            </a:lvl1pPr>
-            <a:lvl2pPr marR="0" lvl="1" algn="l" rtl="0">
-              <a:lnSpc>
-                <a:spcPct val="90000"/>
-              </a:lnSpc>
-              <a:spcBef>
-                <a:spcPts val="0"/>
-              </a:spcBef>
-              <a:spcAft>
-                <a:spcPts val="0"/>
-              </a:spcAft>
-              <a:buClr>
-                <a:schemeClr val="dk1"/>
-              </a:buClr>
-              <a:buSzPts val="5000"/>
-              <a:buFont typeface="Playfair Display Regular"/>
-              <a:buNone/>
-              <a:defRPr sz="5000" b="0" i="0" u="none" strike="noStrike" cap="none">
-                <a:solidFill>
-                  <a:schemeClr val="dk1"/>
-                </a:solidFill>
-                <a:latin typeface="Playfair Display Regular"/>
-                <a:ea typeface="Playfair Display Regular"/>
-                <a:cs typeface="Playfair Display Regular"/>
-                <a:sym typeface="Playfair Display Regular"/>
-              </a:defRPr>
-            </a:lvl2pPr>
-            <a:lvl3pPr marR="0" lvl="2" algn="l" rtl="0">
-              <a:lnSpc>
-                <a:spcPct val="90000"/>
-              </a:lnSpc>
-              <a:spcBef>
-                <a:spcPts val="0"/>
-              </a:spcBef>
-              <a:spcAft>
-                <a:spcPts val="0"/>
-              </a:spcAft>
-              <a:buClr>
-                <a:schemeClr val="dk1"/>
-              </a:buClr>
-              <a:buSzPts val="5000"/>
-              <a:buFont typeface="Playfair Display Regular"/>
-              <a:buNone/>
-              <a:defRPr sz="5000" b="0" i="0" u="none" strike="noStrike" cap="none">
-                <a:solidFill>
-                  <a:schemeClr val="dk1"/>
-                </a:solidFill>
-                <a:latin typeface="Playfair Display Regular"/>
-                <a:ea typeface="Playfair Display Regular"/>
-                <a:cs typeface="Playfair Display Regular"/>
-                <a:sym typeface="Playfair Display Regular"/>
-              </a:defRPr>
-            </a:lvl3pPr>
-            <a:lvl4pPr marR="0" lvl="3" algn="l" rtl="0">
-              <a:lnSpc>
-                <a:spcPct val="90000"/>
-              </a:lnSpc>
-              <a:spcBef>
-                <a:spcPts val="0"/>
-              </a:spcBef>
-              <a:spcAft>
-                <a:spcPts val="0"/>
-              </a:spcAft>
-              <a:buClr>
-                <a:schemeClr val="dk1"/>
-              </a:buClr>
-              <a:buSzPts val="5000"/>
-              <a:buFont typeface="Playfair Display Regular"/>
-              <a:buNone/>
-              <a:defRPr sz="5000" b="0" i="0" u="none" strike="noStrike" cap="none">
-                <a:solidFill>
-                  <a:schemeClr val="dk1"/>
-                </a:solidFill>
-                <a:latin typeface="Playfair Display Regular"/>
-                <a:ea typeface="Playfair Display Regular"/>
-                <a:cs typeface="Playfair Display Regular"/>
-                <a:sym typeface="Playfair Display Regular"/>
-              </a:defRPr>
-            </a:lvl4pPr>
-            <a:lvl5pPr marR="0" lvl="4" algn="l" rtl="0">
-              <a:lnSpc>
-                <a:spcPct val="90000"/>
-              </a:lnSpc>
-              <a:spcBef>
-                <a:spcPts val="0"/>
-              </a:spcBef>
-              <a:spcAft>
-                <a:spcPts val="0"/>
-              </a:spcAft>
-              <a:buClr>
-                <a:schemeClr val="dk1"/>
-              </a:buClr>
-              <a:buSzPts val="5000"/>
-              <a:buFont typeface="Playfair Display Regular"/>
-              <a:buNone/>
-              <a:defRPr sz="5000" b="0" i="0" u="none" strike="noStrike" cap="none">
-                <a:solidFill>
-                  <a:schemeClr val="dk1"/>
-                </a:solidFill>
-                <a:latin typeface="Playfair Display Regular"/>
-                <a:ea typeface="Playfair Display Regular"/>
-                <a:cs typeface="Playfair Display Regular"/>
-                <a:sym typeface="Playfair Display Regular"/>
-              </a:defRPr>
-            </a:lvl5pPr>
-            <a:lvl6pPr marR="0" lvl="5" algn="l" rtl="0">
-              <a:lnSpc>
-                <a:spcPct val="90000"/>
-              </a:lnSpc>
-              <a:spcBef>
-                <a:spcPts val="0"/>
-              </a:spcBef>
-              <a:spcAft>
-                <a:spcPts val="0"/>
-              </a:spcAft>
-              <a:buClr>
-                <a:schemeClr val="dk1"/>
-              </a:buClr>
-              <a:buSzPts val="5000"/>
-              <a:buFont typeface="Playfair Display Regular"/>
-              <a:buNone/>
-              <a:defRPr sz="5000" b="0" i="0" u="none" strike="noStrike" cap="none">
-                <a:solidFill>
-                  <a:schemeClr val="dk1"/>
-                </a:solidFill>
-                <a:latin typeface="Playfair Display Regular"/>
-                <a:ea typeface="Playfair Display Regular"/>
-                <a:cs typeface="Playfair Display Regular"/>
-                <a:sym typeface="Playfair Display Regular"/>
-              </a:defRPr>
-            </a:lvl6pPr>
-            <a:lvl7pPr marR="0" lvl="6" algn="l" rtl="0">
-              <a:lnSpc>
-                <a:spcPct val="90000"/>
-              </a:lnSpc>
-              <a:spcBef>
-                <a:spcPts val="0"/>
-              </a:spcBef>
-              <a:spcAft>
-                <a:spcPts val="0"/>
-              </a:spcAft>
-              <a:buClr>
-                <a:schemeClr val="dk1"/>
-              </a:buClr>
-              <a:buSzPts val="5000"/>
-              <a:buFont typeface="Playfair Display Regular"/>
-              <a:buNone/>
-              <a:defRPr sz="5000" b="0" i="0" u="none" strike="noStrike" cap="none">
-                <a:solidFill>
-                  <a:schemeClr val="dk1"/>
-                </a:solidFill>
-                <a:latin typeface="Playfair Display Regular"/>
-                <a:ea typeface="Playfair Display Regular"/>
-                <a:cs typeface="Playfair Display Regular"/>
-                <a:sym typeface="Playfair Display Regular"/>
-              </a:defRPr>
-            </a:lvl7pPr>
-            <a:lvl8pPr marR="0" lvl="7" algn="l" rtl="0">
-              <a:lnSpc>
-                <a:spcPct val="90000"/>
-              </a:lnSpc>
-              <a:spcBef>
-                <a:spcPts val="0"/>
-              </a:spcBef>
-              <a:spcAft>
-                <a:spcPts val="0"/>
-              </a:spcAft>
-              <a:buClr>
-                <a:schemeClr val="dk1"/>
-              </a:buClr>
-              <a:buSzPts val="5000"/>
-              <a:buFont typeface="Playfair Display Regular"/>
-              <a:buNone/>
-              <a:defRPr sz="5000" b="0" i="0" u="none" strike="noStrike" cap="none">
-                <a:solidFill>
-                  <a:schemeClr val="dk1"/>
-                </a:solidFill>
-                <a:latin typeface="Playfair Display Regular"/>
-                <a:ea typeface="Playfair Display Regular"/>
-                <a:cs typeface="Playfair Display Regular"/>
-                <a:sym typeface="Playfair Display Regular"/>
-              </a:defRPr>
-            </a:lvl8pPr>
-            <a:lvl9pPr marR="0" lvl="8" algn="l" rtl="0">
-              <a:lnSpc>
-                <a:spcPct val="90000"/>
-              </a:lnSpc>
-              <a:spcBef>
-                <a:spcPts val="0"/>
-              </a:spcBef>
-              <a:spcAft>
-                <a:spcPts val="0"/>
-              </a:spcAft>
-              <a:buClr>
-                <a:schemeClr val="dk1"/>
-              </a:buClr>
-              <a:buSzPts val="5000"/>
-              <a:buFont typeface="Playfair Display Regular"/>
-              <a:buNone/>
-              <a:defRPr sz="5000" b="0" i="0" u="none" strike="noStrike" cap="none">
-                <a:solidFill>
-                  <a:schemeClr val="dk1"/>
-                </a:solidFill>
-                <a:latin typeface="Playfair Display Regular"/>
-                <a:ea typeface="Playfair Display Regular"/>
-                <a:cs typeface="Playfair Display Regular"/>
-                <a:sym typeface="Playfair Display Regular"/>
-              </a:defRPr>
-            </a:lvl9pPr>
-          </a:lstStyle>
-          <a:p>
-            <a:r>
-              <a:rPr lang="en-US" sz="1100" dirty="0">
-                <a:solidFill>
-                  <a:srgbClr val="272364"/>
-                </a:solidFill>
-                <a:latin typeface="Calibri" panose="020F0502020204030204" pitchFamily="34" charset="0"/>
-                <a:cs typeface="Calibri" panose="020F0502020204030204" pitchFamily="34" charset="0"/>
-              </a:rPr>
-              <a:t>Dashboard</a:t>
-            </a:r>
-          </a:p>
-        </p:txBody>
-      </p:sp>
-      <p:sp>
-        <p:nvSpPr>
-          <p:cNvPr id="11" name="Google Shape;79;p15">
-            <a:extLst>
-              <a:ext uri="{FF2B5EF4-FFF2-40B4-BE49-F238E27FC236}">
-                <a16:creationId xmlns:a16="http://schemas.microsoft.com/office/drawing/2014/main" id="{E864C77B-D2C6-8D46-839A-D148EBF3FB45}"/>
-              </a:ext>
-            </a:extLst>
-          </p:cNvPr>
-          <p:cNvSpPr txBox="1">
-            <a:spLocks/>
-          </p:cNvSpPr>
-          <p:nvPr/>
-        </p:nvSpPr>
-        <p:spPr>
-          <a:xfrm>
-            <a:off x="6297578" y="605510"/>
-            <a:ext cx="892249" cy="312588"/>
-          </a:xfrm>
-          <a:prstGeom prst="rect">
-            <a:avLst/>
-          </a:prstGeom>
-          <a:noFill/>
-          <a:ln>
-            <a:noFill/>
-          </a:ln>
-        </p:spPr>
-        <p:txBody>
-          <a:bodyPr spcFirstLastPara="1" wrap="square" lIns="0" tIns="0" rIns="0" bIns="0" anchor="ctr" anchorCtr="0">
-            <a:noAutofit/>
-          </a:bodyPr>
-          <a:lstStyle>
-            <a:defPPr marR="0" lvl="0" algn="l" rtl="0">
-              <a:lnSpc>
-                <a:spcPct val="100000"/>
-              </a:lnSpc>
-              <a:spcBef>
-                <a:spcPts val="0"/>
-              </a:spcBef>
-              <a:spcAft>
-                <a:spcPts val="0"/>
-              </a:spcAft>
-            </a:defPPr>
-            <a:lvl1pPr marR="0" lvl="0" algn="l" rtl="0">
-              <a:lnSpc>
-                <a:spcPct val="90000"/>
-              </a:lnSpc>
-              <a:spcBef>
-                <a:spcPts val="0"/>
-              </a:spcBef>
-              <a:spcAft>
-                <a:spcPts val="0"/>
-              </a:spcAft>
-              <a:buClr>
-                <a:schemeClr val="dk1"/>
-              </a:buClr>
-              <a:buSzPts val="5000"/>
-              <a:buFont typeface="Playfair Display Regular"/>
-              <a:buNone/>
-              <a:defRPr sz="5000" b="0" i="0" u="none" strike="noStrike" cap="none">
-                <a:solidFill>
-                  <a:schemeClr val="dk1"/>
-                </a:solidFill>
-                <a:latin typeface="Playfair Display Regular"/>
-                <a:ea typeface="Playfair Display Regular"/>
-                <a:cs typeface="Playfair Display Regular"/>
-                <a:sym typeface="Playfair Display Regular"/>
-              </a:defRPr>
-            </a:lvl1pPr>
-            <a:lvl2pPr marR="0" lvl="1" algn="l" rtl="0">
-              <a:lnSpc>
-                <a:spcPct val="90000"/>
-              </a:lnSpc>
-              <a:spcBef>
-                <a:spcPts val="0"/>
-              </a:spcBef>
-              <a:spcAft>
-                <a:spcPts val="0"/>
-              </a:spcAft>
-              <a:buClr>
-                <a:schemeClr val="dk1"/>
-              </a:buClr>
-              <a:buSzPts val="5000"/>
-              <a:buFont typeface="Playfair Display Regular"/>
-              <a:buNone/>
-              <a:defRPr sz="5000" b="0" i="0" u="none" strike="noStrike" cap="none">
-                <a:solidFill>
-                  <a:schemeClr val="dk1"/>
-                </a:solidFill>
-                <a:latin typeface="Playfair Display Regular"/>
-                <a:ea typeface="Playfair Display Regular"/>
-                <a:cs typeface="Playfair Display Regular"/>
-                <a:sym typeface="Playfair Display Regular"/>
-              </a:defRPr>
-            </a:lvl2pPr>
-            <a:lvl3pPr marR="0" lvl="2" algn="l" rtl="0">
-              <a:lnSpc>
-                <a:spcPct val="90000"/>
-              </a:lnSpc>
-              <a:spcBef>
-                <a:spcPts val="0"/>
-              </a:spcBef>
-              <a:spcAft>
-                <a:spcPts val="0"/>
-              </a:spcAft>
-              <a:buClr>
-                <a:schemeClr val="dk1"/>
-              </a:buClr>
-              <a:buSzPts val="5000"/>
-              <a:buFont typeface="Playfair Display Regular"/>
-              <a:buNone/>
-              <a:defRPr sz="5000" b="0" i="0" u="none" strike="noStrike" cap="none">
-                <a:solidFill>
-                  <a:schemeClr val="dk1"/>
-                </a:solidFill>
-                <a:latin typeface="Playfair Display Regular"/>
-                <a:ea typeface="Playfair Display Regular"/>
-                <a:cs typeface="Playfair Display Regular"/>
-                <a:sym typeface="Playfair Display Regular"/>
-              </a:defRPr>
-            </a:lvl3pPr>
-            <a:lvl4pPr marR="0" lvl="3" algn="l" rtl="0">
-              <a:lnSpc>
-                <a:spcPct val="90000"/>
-              </a:lnSpc>
-              <a:spcBef>
-                <a:spcPts val="0"/>
-              </a:spcBef>
-              <a:spcAft>
-                <a:spcPts val="0"/>
-              </a:spcAft>
-              <a:buClr>
-                <a:schemeClr val="dk1"/>
-              </a:buClr>
-              <a:buSzPts val="5000"/>
-              <a:buFont typeface="Playfair Display Regular"/>
-              <a:buNone/>
-              <a:defRPr sz="5000" b="0" i="0" u="none" strike="noStrike" cap="none">
-                <a:solidFill>
-                  <a:schemeClr val="dk1"/>
-                </a:solidFill>
-                <a:latin typeface="Playfair Display Regular"/>
-                <a:ea typeface="Playfair Display Regular"/>
-                <a:cs typeface="Playfair Display Regular"/>
-                <a:sym typeface="Playfair Display Regular"/>
-              </a:defRPr>
-            </a:lvl4pPr>
-            <a:lvl5pPr marR="0" lvl="4" algn="l" rtl="0">
-              <a:lnSpc>
-                <a:spcPct val="90000"/>
-              </a:lnSpc>
-              <a:spcBef>
-                <a:spcPts val="0"/>
-              </a:spcBef>
-              <a:spcAft>
-                <a:spcPts val="0"/>
-              </a:spcAft>
-              <a:buClr>
-                <a:schemeClr val="dk1"/>
-              </a:buClr>
-              <a:buSzPts val="5000"/>
-              <a:buFont typeface="Playfair Display Regular"/>
-              <a:buNone/>
-              <a:defRPr sz="5000" b="0" i="0" u="none" strike="noStrike" cap="none">
-                <a:solidFill>
-                  <a:schemeClr val="dk1"/>
-                </a:solidFill>
-                <a:latin typeface="Playfair Display Regular"/>
-                <a:ea typeface="Playfair Display Regular"/>
-                <a:cs typeface="Playfair Display Regular"/>
-                <a:sym typeface="Playfair Display Regular"/>
-              </a:defRPr>
-            </a:lvl5pPr>
-            <a:lvl6pPr marR="0" lvl="5" algn="l" rtl="0">
-              <a:lnSpc>
-                <a:spcPct val="90000"/>
-              </a:lnSpc>
-              <a:spcBef>
-                <a:spcPts val="0"/>
-              </a:spcBef>
-              <a:spcAft>
-                <a:spcPts val="0"/>
-              </a:spcAft>
-              <a:buClr>
-                <a:schemeClr val="dk1"/>
-              </a:buClr>
-              <a:buSzPts val="5000"/>
-              <a:buFont typeface="Playfair Display Regular"/>
-              <a:buNone/>
-              <a:defRPr sz="5000" b="0" i="0" u="none" strike="noStrike" cap="none">
-                <a:solidFill>
-                  <a:schemeClr val="dk1"/>
-                </a:solidFill>
-                <a:latin typeface="Playfair Display Regular"/>
-                <a:ea typeface="Playfair Display Regular"/>
-                <a:cs typeface="Playfair Display Regular"/>
-                <a:sym typeface="Playfair Display Regular"/>
-              </a:defRPr>
-            </a:lvl6pPr>
-            <a:lvl7pPr marR="0" lvl="6" algn="l" rtl="0">
-              <a:lnSpc>
-                <a:spcPct val="90000"/>
-              </a:lnSpc>
-              <a:spcBef>
-                <a:spcPts val="0"/>
-              </a:spcBef>
-              <a:spcAft>
-                <a:spcPts val="0"/>
-              </a:spcAft>
-              <a:buClr>
-                <a:schemeClr val="dk1"/>
-              </a:buClr>
-              <a:buSzPts val="5000"/>
-              <a:buFont typeface="Playfair Display Regular"/>
-              <a:buNone/>
-              <a:defRPr sz="5000" b="0" i="0" u="none" strike="noStrike" cap="none">
-                <a:solidFill>
-                  <a:schemeClr val="dk1"/>
-                </a:solidFill>
-                <a:latin typeface="Playfair Display Regular"/>
-                <a:ea typeface="Playfair Display Regular"/>
-                <a:cs typeface="Playfair Display Regular"/>
-                <a:sym typeface="Playfair Display Regular"/>
-              </a:defRPr>
-            </a:lvl7pPr>
-            <a:lvl8pPr marR="0" lvl="7" algn="l" rtl="0">
-              <a:lnSpc>
-                <a:spcPct val="90000"/>
-              </a:lnSpc>
-              <a:spcBef>
-                <a:spcPts val="0"/>
-              </a:spcBef>
-              <a:spcAft>
-                <a:spcPts val="0"/>
-              </a:spcAft>
-              <a:buClr>
-                <a:schemeClr val="dk1"/>
-              </a:buClr>
-              <a:buSzPts val="5000"/>
-              <a:buFont typeface="Playfair Display Regular"/>
-              <a:buNone/>
-              <a:defRPr sz="5000" b="0" i="0" u="none" strike="noStrike" cap="none">
-                <a:solidFill>
-                  <a:schemeClr val="dk1"/>
-                </a:solidFill>
-                <a:latin typeface="Playfair Display Regular"/>
-                <a:ea typeface="Playfair Display Regular"/>
-                <a:cs typeface="Playfair Display Regular"/>
-                <a:sym typeface="Playfair Display Regular"/>
-              </a:defRPr>
-            </a:lvl8pPr>
-            <a:lvl9pPr marR="0" lvl="8" algn="l" rtl="0">
-              <a:lnSpc>
-                <a:spcPct val="90000"/>
-              </a:lnSpc>
-              <a:spcBef>
-                <a:spcPts val="0"/>
-              </a:spcBef>
-              <a:spcAft>
-                <a:spcPts val="0"/>
-              </a:spcAft>
-              <a:buClr>
-                <a:schemeClr val="dk1"/>
-              </a:buClr>
-              <a:buSzPts val="5000"/>
-              <a:buFont typeface="Playfair Display Regular"/>
-              <a:buNone/>
-              <a:defRPr sz="5000" b="0" i="0" u="none" strike="noStrike" cap="none">
-                <a:solidFill>
-                  <a:schemeClr val="dk1"/>
-                </a:solidFill>
-                <a:latin typeface="Playfair Display Regular"/>
-                <a:ea typeface="Playfair Display Regular"/>
-                <a:cs typeface="Playfair Display Regular"/>
-                <a:sym typeface="Playfair Display Regular"/>
-              </a:defRPr>
-            </a:lvl9pPr>
-          </a:lstStyle>
-          <a:p>
-            <a:r>
-              <a:rPr lang="en-US" sz="1100" dirty="0">
-                <a:solidFill>
-                  <a:srgbClr val="272364"/>
-                </a:solidFill>
-                <a:latin typeface="Calibri" panose="020F0502020204030204" pitchFamily="34" charset="0"/>
-                <a:cs typeface="Calibri" panose="020F0502020204030204" pitchFamily="34" charset="0"/>
-                <a:hlinkClick r:id="rId5" action="ppaction://hlinksldjump"/>
-              </a:rPr>
-              <a:t>About us</a:t>
-            </a:r>
-            <a:endParaRPr lang="en-US" sz="1100" dirty="0">
-              <a:solidFill>
-                <a:srgbClr val="272364"/>
-              </a:solidFill>
-              <a:latin typeface="Calibri" panose="020F0502020204030204" pitchFamily="34" charset="0"/>
-              <a:cs typeface="Calibri" panose="020F0502020204030204" pitchFamily="34" charset="0"/>
-            </a:endParaRPr>
-          </a:p>
-        </p:txBody>
-      </p:sp>
-      <p:sp>
-        <p:nvSpPr>
-          <p:cNvPr id="12" name="Google Shape;79;p15">
-            <a:extLst>
-              <a:ext uri="{FF2B5EF4-FFF2-40B4-BE49-F238E27FC236}">
-                <a16:creationId xmlns:a16="http://schemas.microsoft.com/office/drawing/2014/main" id="{ECDBA6EF-AD52-A74D-BD26-1595F0DC5522}"/>
-              </a:ext>
-            </a:extLst>
-          </p:cNvPr>
-          <p:cNvSpPr txBox="1">
-            <a:spLocks/>
-          </p:cNvSpPr>
-          <p:nvPr/>
-        </p:nvSpPr>
-        <p:spPr>
-          <a:xfrm>
-            <a:off x="8416961" y="605510"/>
-            <a:ext cx="365608" cy="312588"/>
-          </a:xfrm>
-          <a:prstGeom prst="rect">
-            <a:avLst/>
-          </a:prstGeom>
-          <a:noFill/>
-          <a:ln>
-            <a:noFill/>
-          </a:ln>
-        </p:spPr>
-        <p:txBody>
-          <a:bodyPr spcFirstLastPara="1" wrap="square" lIns="0" tIns="0" rIns="0" bIns="0" anchor="ctr" anchorCtr="0">
-            <a:noAutofit/>
-          </a:bodyPr>
-          <a:lstStyle>
-            <a:defPPr marR="0" lvl="0" algn="l" rtl="0">
-              <a:lnSpc>
-                <a:spcPct val="100000"/>
-              </a:lnSpc>
-              <a:spcBef>
-                <a:spcPts val="0"/>
-              </a:spcBef>
-              <a:spcAft>
-                <a:spcPts val="0"/>
-              </a:spcAft>
-            </a:defPPr>
-            <a:lvl1pPr marR="0" lvl="0" algn="l" rtl="0">
-              <a:lnSpc>
-                <a:spcPct val="90000"/>
-              </a:lnSpc>
-              <a:spcBef>
-                <a:spcPts val="0"/>
-              </a:spcBef>
-              <a:spcAft>
-                <a:spcPts val="0"/>
-              </a:spcAft>
-              <a:buClr>
-                <a:schemeClr val="dk1"/>
-              </a:buClr>
-              <a:buSzPts val="5000"/>
-              <a:buFont typeface="Playfair Display Regular"/>
-              <a:buNone/>
-              <a:defRPr sz="5000" b="0" i="0" u="none" strike="noStrike" cap="none">
-                <a:solidFill>
-                  <a:schemeClr val="dk1"/>
-                </a:solidFill>
-                <a:latin typeface="Playfair Display Regular"/>
-                <a:ea typeface="Playfair Display Regular"/>
-                <a:cs typeface="Playfair Display Regular"/>
-                <a:sym typeface="Playfair Display Regular"/>
-              </a:defRPr>
-            </a:lvl1pPr>
-            <a:lvl2pPr marR="0" lvl="1" algn="l" rtl="0">
-              <a:lnSpc>
-                <a:spcPct val="90000"/>
-              </a:lnSpc>
-              <a:spcBef>
-                <a:spcPts val="0"/>
-              </a:spcBef>
-              <a:spcAft>
-                <a:spcPts val="0"/>
-              </a:spcAft>
-              <a:buClr>
-                <a:schemeClr val="dk1"/>
-              </a:buClr>
-              <a:buSzPts val="5000"/>
-              <a:buFont typeface="Playfair Display Regular"/>
-              <a:buNone/>
-              <a:defRPr sz="5000" b="0" i="0" u="none" strike="noStrike" cap="none">
-                <a:solidFill>
-                  <a:schemeClr val="dk1"/>
-                </a:solidFill>
-                <a:latin typeface="Playfair Display Regular"/>
-                <a:ea typeface="Playfair Display Regular"/>
-                <a:cs typeface="Playfair Display Regular"/>
-                <a:sym typeface="Playfair Display Regular"/>
-              </a:defRPr>
-            </a:lvl2pPr>
-            <a:lvl3pPr marR="0" lvl="2" algn="l" rtl="0">
-              <a:lnSpc>
-                <a:spcPct val="90000"/>
-              </a:lnSpc>
-              <a:spcBef>
-                <a:spcPts val="0"/>
-              </a:spcBef>
-              <a:spcAft>
-                <a:spcPts val="0"/>
-              </a:spcAft>
-              <a:buClr>
-                <a:schemeClr val="dk1"/>
-              </a:buClr>
-              <a:buSzPts val="5000"/>
-              <a:buFont typeface="Playfair Display Regular"/>
-              <a:buNone/>
-              <a:defRPr sz="5000" b="0" i="0" u="none" strike="noStrike" cap="none">
-                <a:solidFill>
-                  <a:schemeClr val="dk1"/>
-                </a:solidFill>
-                <a:latin typeface="Playfair Display Regular"/>
-                <a:ea typeface="Playfair Display Regular"/>
-                <a:cs typeface="Playfair Display Regular"/>
-                <a:sym typeface="Playfair Display Regular"/>
-              </a:defRPr>
-            </a:lvl3pPr>
-            <a:lvl4pPr marR="0" lvl="3" algn="l" rtl="0">
-              <a:lnSpc>
-                <a:spcPct val="90000"/>
-              </a:lnSpc>
-              <a:spcBef>
-                <a:spcPts val="0"/>
-              </a:spcBef>
-              <a:spcAft>
-                <a:spcPts val="0"/>
-              </a:spcAft>
-              <a:buClr>
-                <a:schemeClr val="dk1"/>
-              </a:buClr>
-              <a:buSzPts val="5000"/>
-              <a:buFont typeface="Playfair Display Regular"/>
-              <a:buNone/>
-              <a:defRPr sz="5000" b="0" i="0" u="none" strike="noStrike" cap="none">
-                <a:solidFill>
-                  <a:schemeClr val="dk1"/>
-                </a:solidFill>
-                <a:latin typeface="Playfair Display Regular"/>
-                <a:ea typeface="Playfair Display Regular"/>
-                <a:cs typeface="Playfair Display Regular"/>
-                <a:sym typeface="Playfair Display Regular"/>
-              </a:defRPr>
-            </a:lvl4pPr>
-            <a:lvl5pPr marR="0" lvl="4" algn="l" rtl="0">
-              <a:lnSpc>
-                <a:spcPct val="90000"/>
-              </a:lnSpc>
-              <a:spcBef>
-                <a:spcPts val="0"/>
-              </a:spcBef>
-              <a:spcAft>
-                <a:spcPts val="0"/>
-              </a:spcAft>
-              <a:buClr>
-                <a:schemeClr val="dk1"/>
-              </a:buClr>
-              <a:buSzPts val="5000"/>
-              <a:buFont typeface="Playfair Display Regular"/>
-              <a:buNone/>
-              <a:defRPr sz="5000" b="0" i="0" u="none" strike="noStrike" cap="none">
-                <a:solidFill>
-                  <a:schemeClr val="dk1"/>
-                </a:solidFill>
-                <a:latin typeface="Playfair Display Regular"/>
-                <a:ea typeface="Playfair Display Regular"/>
-                <a:cs typeface="Playfair Display Regular"/>
-                <a:sym typeface="Playfair Display Regular"/>
-              </a:defRPr>
-            </a:lvl5pPr>
-            <a:lvl6pPr marR="0" lvl="5" algn="l" rtl="0">
-              <a:lnSpc>
-                <a:spcPct val="90000"/>
-              </a:lnSpc>
-              <a:spcBef>
-                <a:spcPts val="0"/>
-              </a:spcBef>
-              <a:spcAft>
-                <a:spcPts val="0"/>
-              </a:spcAft>
-              <a:buClr>
-                <a:schemeClr val="dk1"/>
-              </a:buClr>
-              <a:buSzPts val="5000"/>
-              <a:buFont typeface="Playfair Display Regular"/>
-              <a:buNone/>
-              <a:defRPr sz="5000" b="0" i="0" u="none" strike="noStrike" cap="none">
-                <a:solidFill>
-                  <a:schemeClr val="dk1"/>
-                </a:solidFill>
-                <a:latin typeface="Playfair Display Regular"/>
-                <a:ea typeface="Playfair Display Regular"/>
-                <a:cs typeface="Playfair Display Regular"/>
-                <a:sym typeface="Playfair Display Regular"/>
-              </a:defRPr>
-            </a:lvl6pPr>
-            <a:lvl7pPr marR="0" lvl="6" algn="l" rtl="0">
-              <a:lnSpc>
-                <a:spcPct val="90000"/>
-              </a:lnSpc>
-              <a:spcBef>
-                <a:spcPts val="0"/>
-              </a:spcBef>
-              <a:spcAft>
-                <a:spcPts val="0"/>
-              </a:spcAft>
-              <a:buClr>
-                <a:schemeClr val="dk1"/>
-              </a:buClr>
-              <a:buSzPts val="5000"/>
-              <a:buFont typeface="Playfair Display Regular"/>
-              <a:buNone/>
-              <a:defRPr sz="5000" b="0" i="0" u="none" strike="noStrike" cap="none">
-                <a:solidFill>
-                  <a:schemeClr val="dk1"/>
-                </a:solidFill>
-                <a:latin typeface="Playfair Display Regular"/>
-                <a:ea typeface="Playfair Display Regular"/>
-                <a:cs typeface="Playfair Display Regular"/>
-                <a:sym typeface="Playfair Display Regular"/>
-              </a:defRPr>
-            </a:lvl7pPr>
-            <a:lvl8pPr marR="0" lvl="7" algn="l" rtl="0">
-              <a:lnSpc>
-                <a:spcPct val="90000"/>
-              </a:lnSpc>
-              <a:spcBef>
-                <a:spcPts val="0"/>
-              </a:spcBef>
-              <a:spcAft>
-                <a:spcPts val="0"/>
-              </a:spcAft>
-              <a:buClr>
-                <a:schemeClr val="dk1"/>
-              </a:buClr>
-              <a:buSzPts val="5000"/>
-              <a:buFont typeface="Playfair Display Regular"/>
-              <a:buNone/>
-              <a:defRPr sz="5000" b="0" i="0" u="none" strike="noStrike" cap="none">
-                <a:solidFill>
-                  <a:schemeClr val="dk1"/>
-                </a:solidFill>
-                <a:latin typeface="Playfair Display Regular"/>
-                <a:ea typeface="Playfair Display Regular"/>
-                <a:cs typeface="Playfair Display Regular"/>
-                <a:sym typeface="Playfair Display Regular"/>
-              </a:defRPr>
-            </a:lvl8pPr>
-            <a:lvl9pPr marR="0" lvl="8" algn="l" rtl="0">
-              <a:lnSpc>
-                <a:spcPct val="90000"/>
-              </a:lnSpc>
-              <a:spcBef>
-                <a:spcPts val="0"/>
-              </a:spcBef>
-              <a:spcAft>
-                <a:spcPts val="0"/>
-              </a:spcAft>
-              <a:buClr>
-                <a:schemeClr val="dk1"/>
-              </a:buClr>
-              <a:buSzPts val="5000"/>
-              <a:buFont typeface="Playfair Display Regular"/>
-              <a:buNone/>
-              <a:defRPr sz="5000" b="0" i="0" u="none" strike="noStrike" cap="none">
-                <a:solidFill>
-                  <a:schemeClr val="dk1"/>
-                </a:solidFill>
-                <a:latin typeface="Playfair Display Regular"/>
-                <a:ea typeface="Playfair Display Regular"/>
-                <a:cs typeface="Playfair Display Regular"/>
-                <a:sym typeface="Playfair Display Regular"/>
-              </a:defRPr>
-            </a:lvl9pPr>
-          </a:lstStyle>
-          <a:p>
-            <a:r>
-              <a:rPr lang="en-US" sz="1100" dirty="0">
-                <a:solidFill>
-                  <a:srgbClr val="272364"/>
-                </a:solidFill>
-                <a:latin typeface="Calibri" panose="020F0502020204030204" pitchFamily="34" charset="0"/>
-                <a:cs typeface="Calibri" panose="020F0502020204030204" pitchFamily="34" charset="0"/>
-                <a:hlinkClick r:id="rId6" action="ppaction://hlinksldjump"/>
-              </a:rPr>
-              <a:t>Login</a:t>
-            </a:r>
-            <a:endParaRPr lang="en-US" sz="1100" dirty="0">
-              <a:solidFill>
-                <a:srgbClr val="272364"/>
-              </a:solidFill>
-              <a:latin typeface="Calibri" panose="020F0502020204030204" pitchFamily="34" charset="0"/>
-              <a:cs typeface="Calibri" panose="020F0502020204030204" pitchFamily="34" charset="0"/>
-            </a:endParaRPr>
-          </a:p>
-        </p:txBody>
-      </p:sp>
-      <p:sp>
-        <p:nvSpPr>
-          <p:cNvPr id="13" name="Google Shape;79;p15">
-            <a:extLst>
-              <a:ext uri="{FF2B5EF4-FFF2-40B4-BE49-F238E27FC236}">
-                <a16:creationId xmlns:a16="http://schemas.microsoft.com/office/drawing/2014/main" id="{7065FEC3-9551-9F41-9DCD-B24AFABE7EE6}"/>
-              </a:ext>
-            </a:extLst>
-          </p:cNvPr>
-          <p:cNvSpPr txBox="1">
-            <a:spLocks/>
-          </p:cNvSpPr>
-          <p:nvPr/>
-        </p:nvSpPr>
-        <p:spPr>
-          <a:xfrm>
-            <a:off x="7124923" y="605510"/>
-            <a:ext cx="1017591" cy="312588"/>
-          </a:xfrm>
-          <a:prstGeom prst="rect">
-            <a:avLst/>
-          </a:prstGeom>
-          <a:noFill/>
-          <a:ln>
-            <a:noFill/>
-          </a:ln>
-        </p:spPr>
-        <p:txBody>
-          <a:bodyPr spcFirstLastPara="1" wrap="square" lIns="0" tIns="0" rIns="0" bIns="0" anchor="ctr" anchorCtr="0">
-            <a:noAutofit/>
-          </a:bodyPr>
-          <a:lstStyle>
-            <a:defPPr marR="0" lvl="0" algn="l" rtl="0">
-              <a:lnSpc>
-                <a:spcPct val="100000"/>
-              </a:lnSpc>
-              <a:spcBef>
-                <a:spcPts val="0"/>
-              </a:spcBef>
-              <a:spcAft>
-                <a:spcPts val="0"/>
-              </a:spcAft>
-            </a:defPPr>
-            <a:lvl1pPr marR="0" lvl="0" algn="l" rtl="0">
-              <a:lnSpc>
-                <a:spcPct val="90000"/>
-              </a:lnSpc>
-              <a:spcBef>
-                <a:spcPts val="0"/>
-              </a:spcBef>
-              <a:spcAft>
-                <a:spcPts val="0"/>
-              </a:spcAft>
-              <a:buClr>
-                <a:schemeClr val="dk1"/>
-              </a:buClr>
-              <a:buSzPts val="5000"/>
-              <a:buFont typeface="Playfair Display Regular"/>
-              <a:buNone/>
-              <a:defRPr sz="5000" b="0" i="0" u="none" strike="noStrike" cap="none">
-                <a:solidFill>
-                  <a:schemeClr val="dk1"/>
-                </a:solidFill>
-                <a:latin typeface="Playfair Display Regular"/>
-                <a:ea typeface="Playfair Display Regular"/>
-                <a:cs typeface="Playfair Display Regular"/>
-                <a:sym typeface="Playfair Display Regular"/>
-              </a:defRPr>
-            </a:lvl1pPr>
-            <a:lvl2pPr marR="0" lvl="1" algn="l" rtl="0">
-              <a:lnSpc>
-                <a:spcPct val="90000"/>
-              </a:lnSpc>
-              <a:spcBef>
-                <a:spcPts val="0"/>
-              </a:spcBef>
-              <a:spcAft>
-                <a:spcPts val="0"/>
-              </a:spcAft>
-              <a:buClr>
-                <a:schemeClr val="dk1"/>
-              </a:buClr>
-              <a:buSzPts val="5000"/>
-              <a:buFont typeface="Playfair Display Regular"/>
-              <a:buNone/>
-              <a:defRPr sz="5000" b="0" i="0" u="none" strike="noStrike" cap="none">
-                <a:solidFill>
-                  <a:schemeClr val="dk1"/>
-                </a:solidFill>
-                <a:latin typeface="Playfair Display Regular"/>
-                <a:ea typeface="Playfair Display Regular"/>
-                <a:cs typeface="Playfair Display Regular"/>
-                <a:sym typeface="Playfair Display Regular"/>
-              </a:defRPr>
-            </a:lvl2pPr>
-            <a:lvl3pPr marR="0" lvl="2" algn="l" rtl="0">
-              <a:lnSpc>
-                <a:spcPct val="90000"/>
-              </a:lnSpc>
-              <a:spcBef>
-                <a:spcPts val="0"/>
-              </a:spcBef>
-              <a:spcAft>
-                <a:spcPts val="0"/>
-              </a:spcAft>
-              <a:buClr>
-                <a:schemeClr val="dk1"/>
-              </a:buClr>
-              <a:buSzPts val="5000"/>
-              <a:buFont typeface="Playfair Display Regular"/>
-              <a:buNone/>
-              <a:defRPr sz="5000" b="0" i="0" u="none" strike="noStrike" cap="none">
-                <a:solidFill>
-                  <a:schemeClr val="dk1"/>
-                </a:solidFill>
-                <a:latin typeface="Playfair Display Regular"/>
-                <a:ea typeface="Playfair Display Regular"/>
-                <a:cs typeface="Playfair Display Regular"/>
-                <a:sym typeface="Playfair Display Regular"/>
-              </a:defRPr>
-            </a:lvl3pPr>
-            <a:lvl4pPr marR="0" lvl="3" algn="l" rtl="0">
-              <a:lnSpc>
-                <a:spcPct val="90000"/>
-              </a:lnSpc>
-              <a:spcBef>
-                <a:spcPts val="0"/>
-              </a:spcBef>
-              <a:spcAft>
-                <a:spcPts val="0"/>
-              </a:spcAft>
-              <a:buClr>
-                <a:schemeClr val="dk1"/>
-              </a:buClr>
-              <a:buSzPts val="5000"/>
-              <a:buFont typeface="Playfair Display Regular"/>
-              <a:buNone/>
-              <a:defRPr sz="5000" b="0" i="0" u="none" strike="noStrike" cap="none">
-                <a:solidFill>
-                  <a:schemeClr val="dk1"/>
-                </a:solidFill>
-                <a:latin typeface="Playfair Display Regular"/>
-                <a:ea typeface="Playfair Display Regular"/>
-                <a:cs typeface="Playfair Display Regular"/>
-                <a:sym typeface="Playfair Display Regular"/>
-              </a:defRPr>
-            </a:lvl4pPr>
-            <a:lvl5pPr marR="0" lvl="4" algn="l" rtl="0">
-              <a:lnSpc>
-                <a:spcPct val="90000"/>
-              </a:lnSpc>
-              <a:spcBef>
-                <a:spcPts val="0"/>
-              </a:spcBef>
-              <a:spcAft>
-                <a:spcPts val="0"/>
-              </a:spcAft>
-              <a:buClr>
-                <a:schemeClr val="dk1"/>
-              </a:buClr>
-              <a:buSzPts val="5000"/>
-              <a:buFont typeface="Playfair Display Regular"/>
-              <a:buNone/>
-              <a:defRPr sz="5000" b="0" i="0" u="none" strike="noStrike" cap="none">
-                <a:solidFill>
-                  <a:schemeClr val="dk1"/>
-                </a:solidFill>
-                <a:latin typeface="Playfair Display Regular"/>
-                <a:ea typeface="Playfair Display Regular"/>
-                <a:cs typeface="Playfair Display Regular"/>
-                <a:sym typeface="Playfair Display Regular"/>
-              </a:defRPr>
-            </a:lvl5pPr>
-            <a:lvl6pPr marR="0" lvl="5" algn="l" rtl="0">
-              <a:lnSpc>
-                <a:spcPct val="90000"/>
-              </a:lnSpc>
-              <a:spcBef>
-                <a:spcPts val="0"/>
-              </a:spcBef>
-              <a:spcAft>
-                <a:spcPts val="0"/>
-              </a:spcAft>
-              <a:buClr>
-                <a:schemeClr val="dk1"/>
-              </a:buClr>
-              <a:buSzPts val="5000"/>
-              <a:buFont typeface="Playfair Display Regular"/>
-              <a:buNone/>
-              <a:defRPr sz="5000" b="0" i="0" u="none" strike="noStrike" cap="none">
-                <a:solidFill>
-                  <a:schemeClr val="dk1"/>
-                </a:solidFill>
-                <a:latin typeface="Playfair Display Regular"/>
-                <a:ea typeface="Playfair Display Regular"/>
-                <a:cs typeface="Playfair Display Regular"/>
-                <a:sym typeface="Playfair Display Regular"/>
-              </a:defRPr>
-            </a:lvl6pPr>
-            <a:lvl7pPr marR="0" lvl="6" algn="l" rtl="0">
-              <a:lnSpc>
-                <a:spcPct val="90000"/>
-              </a:lnSpc>
-              <a:spcBef>
-                <a:spcPts val="0"/>
-              </a:spcBef>
-              <a:spcAft>
-                <a:spcPts val="0"/>
-              </a:spcAft>
-              <a:buClr>
-                <a:schemeClr val="dk1"/>
-              </a:buClr>
-              <a:buSzPts val="5000"/>
-              <a:buFont typeface="Playfair Display Regular"/>
-              <a:buNone/>
-              <a:defRPr sz="5000" b="0" i="0" u="none" strike="noStrike" cap="none">
-                <a:solidFill>
-                  <a:schemeClr val="dk1"/>
-                </a:solidFill>
-                <a:latin typeface="Playfair Display Regular"/>
-                <a:ea typeface="Playfair Display Regular"/>
-                <a:cs typeface="Playfair Display Regular"/>
-                <a:sym typeface="Playfair Display Regular"/>
-              </a:defRPr>
-            </a:lvl7pPr>
-            <a:lvl8pPr marR="0" lvl="7" algn="l" rtl="0">
-              <a:lnSpc>
-                <a:spcPct val="90000"/>
-              </a:lnSpc>
-              <a:spcBef>
-                <a:spcPts val="0"/>
-              </a:spcBef>
-              <a:spcAft>
-                <a:spcPts val="0"/>
-              </a:spcAft>
-              <a:buClr>
-                <a:schemeClr val="dk1"/>
-              </a:buClr>
-              <a:buSzPts val="5000"/>
-              <a:buFont typeface="Playfair Display Regular"/>
-              <a:buNone/>
-              <a:defRPr sz="5000" b="0" i="0" u="none" strike="noStrike" cap="none">
-                <a:solidFill>
-                  <a:schemeClr val="dk1"/>
-                </a:solidFill>
-                <a:latin typeface="Playfair Display Regular"/>
-                <a:ea typeface="Playfair Display Regular"/>
-                <a:cs typeface="Playfair Display Regular"/>
-                <a:sym typeface="Playfair Display Regular"/>
-              </a:defRPr>
-            </a:lvl8pPr>
-            <a:lvl9pPr marR="0" lvl="8" algn="l" rtl="0">
-              <a:lnSpc>
-                <a:spcPct val="90000"/>
-              </a:lnSpc>
-              <a:spcBef>
-                <a:spcPts val="0"/>
-              </a:spcBef>
-              <a:spcAft>
-                <a:spcPts val="0"/>
-              </a:spcAft>
-              <a:buClr>
-                <a:schemeClr val="dk1"/>
-              </a:buClr>
-              <a:buSzPts val="5000"/>
-              <a:buFont typeface="Playfair Display Regular"/>
-              <a:buNone/>
-              <a:defRPr sz="5000" b="0" i="0" u="none" strike="noStrike" cap="none">
-                <a:solidFill>
-                  <a:schemeClr val="dk1"/>
-                </a:solidFill>
-                <a:latin typeface="Playfair Display Regular"/>
-                <a:ea typeface="Playfair Display Regular"/>
-                <a:cs typeface="Playfair Display Regular"/>
-                <a:sym typeface="Playfair Display Regular"/>
-              </a:defRPr>
-            </a:lvl9pPr>
-          </a:lstStyle>
-          <a:p>
-            <a:r>
-              <a:rPr lang="en-US" sz="1100" dirty="0">
-                <a:solidFill>
-                  <a:srgbClr val="F3768E"/>
-                </a:solidFill>
-                <a:latin typeface="Calibri" panose="020F0502020204030204" pitchFamily="34" charset="0"/>
-                <a:cs typeface="Calibri" panose="020F0502020204030204" pitchFamily="34" charset="0"/>
-              </a:rPr>
-              <a:t>Getting started</a:t>
-            </a:r>
-          </a:p>
-        </p:txBody>
-      </p:sp>
       <p:pic>
         <p:nvPicPr>
           <p:cNvPr id="41" name="Picture 40">
@@ -11502,7 +9600,7 @@
           <p:nvPr/>
         </p:nvPicPr>
         <p:blipFill>
-          <a:blip r:embed="rId7"/>
+          <a:blip r:embed="rId5"/>
           <a:stretch>
             <a:fillRect/>
           </a:stretch>
@@ -11752,10 +9850,10 @@
           <p:nvPr/>
         </p:nvPicPr>
         <p:blipFill>
-          <a:blip r:embed="rId8">
+          <a:blip r:embed="rId6">
             <a:extLst>
               <a:ext uri="{96DAC541-7B7A-43D3-8B79-37D633B846F1}">
-                <asvg:svgBlip xmlns:asvg="http://schemas.microsoft.com/office/drawing/2016/SVG/main" r:embed="rId9"/>
+                <asvg:svgBlip xmlns:asvg="http://schemas.microsoft.com/office/drawing/2016/SVG/main" r:embed="rId7"/>
               </a:ext>
             </a:extLst>
           </a:blip>
@@ -11773,6 +9871,1473 @@
           </a:prstGeom>
         </p:spPr>
       </p:pic>
+      <p:sp>
+        <p:nvSpPr>
+          <p:cNvPr id="14" name="Google Shape;79;p15">
+            <a:extLst>
+              <a:ext uri="{FF2B5EF4-FFF2-40B4-BE49-F238E27FC236}">
+                <a16:creationId xmlns:a16="http://schemas.microsoft.com/office/drawing/2014/main" id="{4665C0D9-32EB-466E-B3D2-2C03E89140F5}"/>
+              </a:ext>
+            </a:extLst>
+          </p:cNvPr>
+          <p:cNvSpPr txBox="1">
+            <a:spLocks/>
+          </p:cNvSpPr>
+          <p:nvPr/>
+        </p:nvSpPr>
+        <p:spPr>
+          <a:xfrm>
+            <a:off x="4665921" y="609404"/>
+            <a:ext cx="414670" cy="312588"/>
+          </a:xfrm>
+          <a:prstGeom prst="rect">
+            <a:avLst/>
+          </a:prstGeom>
+          <a:noFill/>
+          <a:ln>
+            <a:noFill/>
+          </a:ln>
+        </p:spPr>
+        <p:txBody>
+          <a:bodyPr spcFirstLastPara="1" wrap="square" lIns="0" tIns="0" rIns="0" bIns="0" anchor="ctr" anchorCtr="0">
+            <a:noAutofit/>
+          </a:bodyPr>
+          <a:lstStyle>
+            <a:defPPr marR="0" lvl="0" algn="l" rtl="0">
+              <a:lnSpc>
+                <a:spcPct val="100000"/>
+              </a:lnSpc>
+              <a:spcBef>
+                <a:spcPts val="0"/>
+              </a:spcBef>
+              <a:spcAft>
+                <a:spcPts val="0"/>
+              </a:spcAft>
+            </a:defPPr>
+            <a:lvl1pPr marR="0" lvl="0" algn="l" rtl="0">
+              <a:lnSpc>
+                <a:spcPct val="90000"/>
+              </a:lnSpc>
+              <a:spcBef>
+                <a:spcPts val="0"/>
+              </a:spcBef>
+              <a:spcAft>
+                <a:spcPts val="0"/>
+              </a:spcAft>
+              <a:buClr>
+                <a:schemeClr val="dk1"/>
+              </a:buClr>
+              <a:buSzPts val="3200"/>
+              <a:buFont typeface="Playfair Display Regular"/>
+              <a:buNone/>
+              <a:defRPr sz="3200" b="0" i="0" u="none" strike="noStrike" cap="none">
+                <a:solidFill>
+                  <a:schemeClr val="dk1"/>
+                </a:solidFill>
+                <a:latin typeface="Playfair Display Regular"/>
+                <a:ea typeface="Playfair Display Regular"/>
+                <a:cs typeface="Playfair Display Regular"/>
+                <a:sym typeface="Playfair Display Regular"/>
+              </a:defRPr>
+            </a:lvl1pPr>
+            <a:lvl2pPr marR="0" lvl="1" algn="l" rtl="0">
+              <a:lnSpc>
+                <a:spcPct val="90000"/>
+              </a:lnSpc>
+              <a:spcBef>
+                <a:spcPts val="0"/>
+              </a:spcBef>
+              <a:spcAft>
+                <a:spcPts val="0"/>
+              </a:spcAft>
+              <a:buClr>
+                <a:schemeClr val="dk1"/>
+              </a:buClr>
+              <a:buSzPts val="3200"/>
+              <a:buFont typeface="Playfair Display Regular"/>
+              <a:buNone/>
+              <a:defRPr sz="3200" b="0" i="0" u="none" strike="noStrike" cap="none">
+                <a:solidFill>
+                  <a:schemeClr val="dk1"/>
+                </a:solidFill>
+                <a:latin typeface="Playfair Display Regular"/>
+                <a:ea typeface="Playfair Display Regular"/>
+                <a:cs typeface="Playfair Display Regular"/>
+                <a:sym typeface="Playfair Display Regular"/>
+              </a:defRPr>
+            </a:lvl2pPr>
+            <a:lvl3pPr marR="0" lvl="2" algn="l" rtl="0">
+              <a:lnSpc>
+                <a:spcPct val="90000"/>
+              </a:lnSpc>
+              <a:spcBef>
+                <a:spcPts val="0"/>
+              </a:spcBef>
+              <a:spcAft>
+                <a:spcPts val="0"/>
+              </a:spcAft>
+              <a:buClr>
+                <a:schemeClr val="dk1"/>
+              </a:buClr>
+              <a:buSzPts val="3200"/>
+              <a:buFont typeface="Playfair Display Regular"/>
+              <a:buNone/>
+              <a:defRPr sz="3200" b="0" i="0" u="none" strike="noStrike" cap="none">
+                <a:solidFill>
+                  <a:schemeClr val="dk1"/>
+                </a:solidFill>
+                <a:latin typeface="Playfair Display Regular"/>
+                <a:ea typeface="Playfair Display Regular"/>
+                <a:cs typeface="Playfair Display Regular"/>
+                <a:sym typeface="Playfair Display Regular"/>
+              </a:defRPr>
+            </a:lvl3pPr>
+            <a:lvl4pPr marR="0" lvl="3" algn="l" rtl="0">
+              <a:lnSpc>
+                <a:spcPct val="90000"/>
+              </a:lnSpc>
+              <a:spcBef>
+                <a:spcPts val="0"/>
+              </a:spcBef>
+              <a:spcAft>
+                <a:spcPts val="0"/>
+              </a:spcAft>
+              <a:buClr>
+                <a:schemeClr val="dk1"/>
+              </a:buClr>
+              <a:buSzPts val="3200"/>
+              <a:buFont typeface="Playfair Display Regular"/>
+              <a:buNone/>
+              <a:defRPr sz="3200" b="0" i="0" u="none" strike="noStrike" cap="none">
+                <a:solidFill>
+                  <a:schemeClr val="dk1"/>
+                </a:solidFill>
+                <a:latin typeface="Playfair Display Regular"/>
+                <a:ea typeface="Playfair Display Regular"/>
+                <a:cs typeface="Playfair Display Regular"/>
+                <a:sym typeface="Playfair Display Regular"/>
+              </a:defRPr>
+            </a:lvl4pPr>
+            <a:lvl5pPr marR="0" lvl="4" algn="l" rtl="0">
+              <a:lnSpc>
+                <a:spcPct val="90000"/>
+              </a:lnSpc>
+              <a:spcBef>
+                <a:spcPts val="0"/>
+              </a:spcBef>
+              <a:spcAft>
+                <a:spcPts val="0"/>
+              </a:spcAft>
+              <a:buClr>
+                <a:schemeClr val="dk1"/>
+              </a:buClr>
+              <a:buSzPts val="3200"/>
+              <a:buFont typeface="Playfair Display Regular"/>
+              <a:buNone/>
+              <a:defRPr sz="3200" b="0" i="0" u="none" strike="noStrike" cap="none">
+                <a:solidFill>
+                  <a:schemeClr val="dk1"/>
+                </a:solidFill>
+                <a:latin typeface="Playfair Display Regular"/>
+                <a:ea typeface="Playfair Display Regular"/>
+                <a:cs typeface="Playfair Display Regular"/>
+                <a:sym typeface="Playfair Display Regular"/>
+              </a:defRPr>
+            </a:lvl5pPr>
+            <a:lvl6pPr marR="0" lvl="5" algn="l" rtl="0">
+              <a:lnSpc>
+                <a:spcPct val="90000"/>
+              </a:lnSpc>
+              <a:spcBef>
+                <a:spcPts val="0"/>
+              </a:spcBef>
+              <a:spcAft>
+                <a:spcPts val="0"/>
+              </a:spcAft>
+              <a:buClr>
+                <a:schemeClr val="dk1"/>
+              </a:buClr>
+              <a:buSzPts val="3200"/>
+              <a:buFont typeface="Playfair Display Regular"/>
+              <a:buNone/>
+              <a:defRPr sz="3200" b="0" i="0" u="none" strike="noStrike" cap="none">
+                <a:solidFill>
+                  <a:schemeClr val="dk1"/>
+                </a:solidFill>
+                <a:latin typeface="Playfair Display Regular"/>
+                <a:ea typeface="Playfair Display Regular"/>
+                <a:cs typeface="Playfair Display Regular"/>
+                <a:sym typeface="Playfair Display Regular"/>
+              </a:defRPr>
+            </a:lvl6pPr>
+            <a:lvl7pPr marR="0" lvl="6" algn="l" rtl="0">
+              <a:lnSpc>
+                <a:spcPct val="90000"/>
+              </a:lnSpc>
+              <a:spcBef>
+                <a:spcPts val="0"/>
+              </a:spcBef>
+              <a:spcAft>
+                <a:spcPts val="0"/>
+              </a:spcAft>
+              <a:buClr>
+                <a:schemeClr val="dk1"/>
+              </a:buClr>
+              <a:buSzPts val="3200"/>
+              <a:buFont typeface="Playfair Display Regular"/>
+              <a:buNone/>
+              <a:defRPr sz="3200" b="0" i="0" u="none" strike="noStrike" cap="none">
+                <a:solidFill>
+                  <a:schemeClr val="dk1"/>
+                </a:solidFill>
+                <a:latin typeface="Playfair Display Regular"/>
+                <a:ea typeface="Playfair Display Regular"/>
+                <a:cs typeface="Playfair Display Regular"/>
+                <a:sym typeface="Playfair Display Regular"/>
+              </a:defRPr>
+            </a:lvl7pPr>
+            <a:lvl8pPr marR="0" lvl="7" algn="l" rtl="0">
+              <a:lnSpc>
+                <a:spcPct val="90000"/>
+              </a:lnSpc>
+              <a:spcBef>
+                <a:spcPts val="0"/>
+              </a:spcBef>
+              <a:spcAft>
+                <a:spcPts val="0"/>
+              </a:spcAft>
+              <a:buClr>
+                <a:schemeClr val="dk1"/>
+              </a:buClr>
+              <a:buSzPts val="3200"/>
+              <a:buFont typeface="Playfair Display Regular"/>
+              <a:buNone/>
+              <a:defRPr sz="3200" b="0" i="0" u="none" strike="noStrike" cap="none">
+                <a:solidFill>
+                  <a:schemeClr val="dk1"/>
+                </a:solidFill>
+                <a:latin typeface="Playfair Display Regular"/>
+                <a:ea typeface="Playfair Display Regular"/>
+                <a:cs typeface="Playfair Display Regular"/>
+                <a:sym typeface="Playfair Display Regular"/>
+              </a:defRPr>
+            </a:lvl8pPr>
+            <a:lvl9pPr marR="0" lvl="8" algn="l" rtl="0">
+              <a:lnSpc>
+                <a:spcPct val="90000"/>
+              </a:lnSpc>
+              <a:spcBef>
+                <a:spcPts val="0"/>
+              </a:spcBef>
+              <a:spcAft>
+                <a:spcPts val="0"/>
+              </a:spcAft>
+              <a:buClr>
+                <a:schemeClr val="dk1"/>
+              </a:buClr>
+              <a:buSzPts val="3200"/>
+              <a:buFont typeface="Playfair Display Regular"/>
+              <a:buNone/>
+              <a:defRPr sz="3200" b="0" i="0" u="none" strike="noStrike" cap="none">
+                <a:solidFill>
+                  <a:schemeClr val="dk1"/>
+                </a:solidFill>
+                <a:latin typeface="Playfair Display Regular"/>
+                <a:ea typeface="Playfair Display Regular"/>
+                <a:cs typeface="Playfair Display Regular"/>
+                <a:sym typeface="Playfair Display Regular"/>
+              </a:defRPr>
+            </a:lvl9pPr>
+          </a:lstStyle>
+          <a:p>
+            <a:r>
+              <a:rPr lang="en-US" sz="1100">
+                <a:solidFill>
+                  <a:srgbClr val="272364"/>
+                </a:solidFill>
+                <a:latin typeface="Calibri" panose="020F0502020204030204" pitchFamily="34" charset="0"/>
+                <a:cs typeface="Calibri" panose="020F0502020204030204" pitchFamily="34" charset="0"/>
+              </a:rPr>
+              <a:t>Home</a:t>
+            </a:r>
+            <a:endParaRPr lang="en-US" sz="1100" dirty="0">
+              <a:solidFill>
+                <a:srgbClr val="272364"/>
+              </a:solidFill>
+              <a:latin typeface="Calibri" panose="020F0502020204030204" pitchFamily="34" charset="0"/>
+              <a:cs typeface="Calibri" panose="020F0502020204030204" pitchFamily="34" charset="0"/>
+            </a:endParaRPr>
+          </a:p>
+        </p:txBody>
+      </p:sp>
+      <p:sp>
+        <p:nvSpPr>
+          <p:cNvPr id="15" name="Google Shape;79;p15">
+            <a:extLst>
+              <a:ext uri="{FF2B5EF4-FFF2-40B4-BE49-F238E27FC236}">
+                <a16:creationId xmlns:a16="http://schemas.microsoft.com/office/drawing/2014/main" id="{F3BBCD78-60D9-453C-94E3-C80741735C59}"/>
+              </a:ext>
+            </a:extLst>
+          </p:cNvPr>
+          <p:cNvSpPr txBox="1">
+            <a:spLocks/>
+          </p:cNvSpPr>
+          <p:nvPr/>
+        </p:nvSpPr>
+        <p:spPr>
+          <a:xfrm>
+            <a:off x="5352606" y="605510"/>
+            <a:ext cx="892249" cy="312588"/>
+          </a:xfrm>
+          <a:prstGeom prst="rect">
+            <a:avLst/>
+          </a:prstGeom>
+          <a:noFill/>
+          <a:ln>
+            <a:noFill/>
+          </a:ln>
+        </p:spPr>
+        <p:txBody>
+          <a:bodyPr spcFirstLastPara="1" wrap="square" lIns="0" tIns="0" rIns="0" bIns="0" anchor="ctr" anchorCtr="0">
+            <a:noAutofit/>
+          </a:bodyPr>
+          <a:lstStyle>
+            <a:defPPr marR="0" lvl="0" algn="l" rtl="0">
+              <a:lnSpc>
+                <a:spcPct val="100000"/>
+              </a:lnSpc>
+              <a:spcBef>
+                <a:spcPts val="0"/>
+              </a:spcBef>
+              <a:spcAft>
+                <a:spcPts val="0"/>
+              </a:spcAft>
+            </a:defPPr>
+            <a:lvl1pPr marR="0" lvl="0" algn="l" rtl="0">
+              <a:lnSpc>
+                <a:spcPct val="90000"/>
+              </a:lnSpc>
+              <a:spcBef>
+                <a:spcPts val="0"/>
+              </a:spcBef>
+              <a:spcAft>
+                <a:spcPts val="0"/>
+              </a:spcAft>
+              <a:buClr>
+                <a:schemeClr val="dk1"/>
+              </a:buClr>
+              <a:buSzPts val="5000"/>
+              <a:buFont typeface="Playfair Display Regular"/>
+              <a:buNone/>
+              <a:defRPr sz="5000" b="0" i="0" u="none" strike="noStrike" cap="none">
+                <a:solidFill>
+                  <a:schemeClr val="dk1"/>
+                </a:solidFill>
+                <a:latin typeface="Playfair Display Regular"/>
+                <a:ea typeface="Playfair Display Regular"/>
+                <a:cs typeface="Playfair Display Regular"/>
+                <a:sym typeface="Playfair Display Regular"/>
+              </a:defRPr>
+            </a:lvl1pPr>
+            <a:lvl2pPr marR="0" lvl="1" algn="l" rtl="0">
+              <a:lnSpc>
+                <a:spcPct val="90000"/>
+              </a:lnSpc>
+              <a:spcBef>
+                <a:spcPts val="0"/>
+              </a:spcBef>
+              <a:spcAft>
+                <a:spcPts val="0"/>
+              </a:spcAft>
+              <a:buClr>
+                <a:schemeClr val="dk1"/>
+              </a:buClr>
+              <a:buSzPts val="5000"/>
+              <a:buFont typeface="Playfair Display Regular"/>
+              <a:buNone/>
+              <a:defRPr sz="5000" b="0" i="0" u="none" strike="noStrike" cap="none">
+                <a:solidFill>
+                  <a:schemeClr val="dk1"/>
+                </a:solidFill>
+                <a:latin typeface="Playfair Display Regular"/>
+                <a:ea typeface="Playfair Display Regular"/>
+                <a:cs typeface="Playfair Display Regular"/>
+                <a:sym typeface="Playfair Display Regular"/>
+              </a:defRPr>
+            </a:lvl2pPr>
+            <a:lvl3pPr marR="0" lvl="2" algn="l" rtl="0">
+              <a:lnSpc>
+                <a:spcPct val="90000"/>
+              </a:lnSpc>
+              <a:spcBef>
+                <a:spcPts val="0"/>
+              </a:spcBef>
+              <a:spcAft>
+                <a:spcPts val="0"/>
+              </a:spcAft>
+              <a:buClr>
+                <a:schemeClr val="dk1"/>
+              </a:buClr>
+              <a:buSzPts val="5000"/>
+              <a:buFont typeface="Playfair Display Regular"/>
+              <a:buNone/>
+              <a:defRPr sz="5000" b="0" i="0" u="none" strike="noStrike" cap="none">
+                <a:solidFill>
+                  <a:schemeClr val="dk1"/>
+                </a:solidFill>
+                <a:latin typeface="Playfair Display Regular"/>
+                <a:ea typeface="Playfair Display Regular"/>
+                <a:cs typeface="Playfair Display Regular"/>
+                <a:sym typeface="Playfair Display Regular"/>
+              </a:defRPr>
+            </a:lvl3pPr>
+            <a:lvl4pPr marR="0" lvl="3" algn="l" rtl="0">
+              <a:lnSpc>
+                <a:spcPct val="90000"/>
+              </a:lnSpc>
+              <a:spcBef>
+                <a:spcPts val="0"/>
+              </a:spcBef>
+              <a:spcAft>
+                <a:spcPts val="0"/>
+              </a:spcAft>
+              <a:buClr>
+                <a:schemeClr val="dk1"/>
+              </a:buClr>
+              <a:buSzPts val="5000"/>
+              <a:buFont typeface="Playfair Display Regular"/>
+              <a:buNone/>
+              <a:defRPr sz="5000" b="0" i="0" u="none" strike="noStrike" cap="none">
+                <a:solidFill>
+                  <a:schemeClr val="dk1"/>
+                </a:solidFill>
+                <a:latin typeface="Playfair Display Regular"/>
+                <a:ea typeface="Playfair Display Regular"/>
+                <a:cs typeface="Playfair Display Regular"/>
+                <a:sym typeface="Playfair Display Regular"/>
+              </a:defRPr>
+            </a:lvl4pPr>
+            <a:lvl5pPr marR="0" lvl="4" algn="l" rtl="0">
+              <a:lnSpc>
+                <a:spcPct val="90000"/>
+              </a:lnSpc>
+              <a:spcBef>
+                <a:spcPts val="0"/>
+              </a:spcBef>
+              <a:spcAft>
+                <a:spcPts val="0"/>
+              </a:spcAft>
+              <a:buClr>
+                <a:schemeClr val="dk1"/>
+              </a:buClr>
+              <a:buSzPts val="5000"/>
+              <a:buFont typeface="Playfair Display Regular"/>
+              <a:buNone/>
+              <a:defRPr sz="5000" b="0" i="0" u="none" strike="noStrike" cap="none">
+                <a:solidFill>
+                  <a:schemeClr val="dk1"/>
+                </a:solidFill>
+                <a:latin typeface="Playfair Display Regular"/>
+                <a:ea typeface="Playfair Display Regular"/>
+                <a:cs typeface="Playfair Display Regular"/>
+                <a:sym typeface="Playfair Display Regular"/>
+              </a:defRPr>
+            </a:lvl5pPr>
+            <a:lvl6pPr marR="0" lvl="5" algn="l" rtl="0">
+              <a:lnSpc>
+                <a:spcPct val="90000"/>
+              </a:lnSpc>
+              <a:spcBef>
+                <a:spcPts val="0"/>
+              </a:spcBef>
+              <a:spcAft>
+                <a:spcPts val="0"/>
+              </a:spcAft>
+              <a:buClr>
+                <a:schemeClr val="dk1"/>
+              </a:buClr>
+              <a:buSzPts val="5000"/>
+              <a:buFont typeface="Playfair Display Regular"/>
+              <a:buNone/>
+              <a:defRPr sz="5000" b="0" i="0" u="none" strike="noStrike" cap="none">
+                <a:solidFill>
+                  <a:schemeClr val="dk1"/>
+                </a:solidFill>
+                <a:latin typeface="Playfair Display Regular"/>
+                <a:ea typeface="Playfair Display Regular"/>
+                <a:cs typeface="Playfair Display Regular"/>
+                <a:sym typeface="Playfair Display Regular"/>
+              </a:defRPr>
+            </a:lvl6pPr>
+            <a:lvl7pPr marR="0" lvl="6" algn="l" rtl="0">
+              <a:lnSpc>
+                <a:spcPct val="90000"/>
+              </a:lnSpc>
+              <a:spcBef>
+                <a:spcPts val="0"/>
+              </a:spcBef>
+              <a:spcAft>
+                <a:spcPts val="0"/>
+              </a:spcAft>
+              <a:buClr>
+                <a:schemeClr val="dk1"/>
+              </a:buClr>
+              <a:buSzPts val="5000"/>
+              <a:buFont typeface="Playfair Display Regular"/>
+              <a:buNone/>
+              <a:defRPr sz="5000" b="0" i="0" u="none" strike="noStrike" cap="none">
+                <a:solidFill>
+                  <a:schemeClr val="dk1"/>
+                </a:solidFill>
+                <a:latin typeface="Playfair Display Regular"/>
+                <a:ea typeface="Playfair Display Regular"/>
+                <a:cs typeface="Playfair Display Regular"/>
+                <a:sym typeface="Playfair Display Regular"/>
+              </a:defRPr>
+            </a:lvl7pPr>
+            <a:lvl8pPr marR="0" lvl="7" algn="l" rtl="0">
+              <a:lnSpc>
+                <a:spcPct val="90000"/>
+              </a:lnSpc>
+              <a:spcBef>
+                <a:spcPts val="0"/>
+              </a:spcBef>
+              <a:spcAft>
+                <a:spcPts val="0"/>
+              </a:spcAft>
+              <a:buClr>
+                <a:schemeClr val="dk1"/>
+              </a:buClr>
+              <a:buSzPts val="5000"/>
+              <a:buFont typeface="Playfair Display Regular"/>
+              <a:buNone/>
+              <a:defRPr sz="5000" b="0" i="0" u="none" strike="noStrike" cap="none">
+                <a:solidFill>
+                  <a:schemeClr val="dk1"/>
+                </a:solidFill>
+                <a:latin typeface="Playfair Display Regular"/>
+                <a:ea typeface="Playfair Display Regular"/>
+                <a:cs typeface="Playfair Display Regular"/>
+                <a:sym typeface="Playfair Display Regular"/>
+              </a:defRPr>
+            </a:lvl8pPr>
+            <a:lvl9pPr marR="0" lvl="8" algn="l" rtl="0">
+              <a:lnSpc>
+                <a:spcPct val="90000"/>
+              </a:lnSpc>
+              <a:spcBef>
+                <a:spcPts val="0"/>
+              </a:spcBef>
+              <a:spcAft>
+                <a:spcPts val="0"/>
+              </a:spcAft>
+              <a:buClr>
+                <a:schemeClr val="dk1"/>
+              </a:buClr>
+              <a:buSzPts val="5000"/>
+              <a:buFont typeface="Playfair Display Regular"/>
+              <a:buNone/>
+              <a:defRPr sz="5000" b="0" i="0" u="none" strike="noStrike" cap="none">
+                <a:solidFill>
+                  <a:schemeClr val="dk1"/>
+                </a:solidFill>
+                <a:latin typeface="Playfair Display Regular"/>
+                <a:ea typeface="Playfair Display Regular"/>
+                <a:cs typeface="Playfair Display Regular"/>
+                <a:sym typeface="Playfair Display Regular"/>
+              </a:defRPr>
+            </a:lvl9pPr>
+          </a:lstStyle>
+          <a:p>
+            <a:r>
+              <a:rPr lang="en-US" sz="1100" dirty="0">
+                <a:solidFill>
+                  <a:srgbClr val="272364"/>
+                </a:solidFill>
+                <a:latin typeface="Calibri" panose="020F0502020204030204" pitchFamily="34" charset="0"/>
+                <a:cs typeface="Calibri" panose="020F0502020204030204" pitchFamily="34" charset="0"/>
+              </a:rPr>
+              <a:t>Dashboard</a:t>
+            </a:r>
+          </a:p>
+        </p:txBody>
+      </p:sp>
+      <p:sp>
+        <p:nvSpPr>
+          <p:cNvPr id="16" name="Google Shape;79;p15">
+            <a:extLst>
+              <a:ext uri="{FF2B5EF4-FFF2-40B4-BE49-F238E27FC236}">
+                <a16:creationId xmlns:a16="http://schemas.microsoft.com/office/drawing/2014/main" id="{D2E0F7C6-4B5C-407D-928A-F47029569189}"/>
+              </a:ext>
+            </a:extLst>
+          </p:cNvPr>
+          <p:cNvSpPr txBox="1">
+            <a:spLocks/>
+          </p:cNvSpPr>
+          <p:nvPr/>
+        </p:nvSpPr>
+        <p:spPr>
+          <a:xfrm>
+            <a:off x="6297578" y="605510"/>
+            <a:ext cx="892249" cy="312588"/>
+          </a:xfrm>
+          <a:prstGeom prst="rect">
+            <a:avLst/>
+          </a:prstGeom>
+          <a:noFill/>
+          <a:ln>
+            <a:noFill/>
+          </a:ln>
+        </p:spPr>
+        <p:txBody>
+          <a:bodyPr spcFirstLastPara="1" wrap="square" lIns="0" tIns="0" rIns="0" bIns="0" anchor="ctr" anchorCtr="0">
+            <a:noAutofit/>
+          </a:bodyPr>
+          <a:lstStyle>
+            <a:defPPr marR="0" lvl="0" algn="l" rtl="0">
+              <a:lnSpc>
+                <a:spcPct val="100000"/>
+              </a:lnSpc>
+              <a:spcBef>
+                <a:spcPts val="0"/>
+              </a:spcBef>
+              <a:spcAft>
+                <a:spcPts val="0"/>
+              </a:spcAft>
+            </a:defPPr>
+            <a:lvl1pPr marR="0" lvl="0" algn="l" rtl="0">
+              <a:lnSpc>
+                <a:spcPct val="90000"/>
+              </a:lnSpc>
+              <a:spcBef>
+                <a:spcPts val="0"/>
+              </a:spcBef>
+              <a:spcAft>
+                <a:spcPts val="0"/>
+              </a:spcAft>
+              <a:buClr>
+                <a:schemeClr val="dk1"/>
+              </a:buClr>
+              <a:buSzPts val="5000"/>
+              <a:buFont typeface="Playfair Display Regular"/>
+              <a:buNone/>
+              <a:defRPr sz="5000" b="0" i="0" u="none" strike="noStrike" cap="none">
+                <a:solidFill>
+                  <a:schemeClr val="dk1"/>
+                </a:solidFill>
+                <a:latin typeface="Playfair Display Regular"/>
+                <a:ea typeface="Playfair Display Regular"/>
+                <a:cs typeface="Playfair Display Regular"/>
+                <a:sym typeface="Playfair Display Regular"/>
+              </a:defRPr>
+            </a:lvl1pPr>
+            <a:lvl2pPr marR="0" lvl="1" algn="l" rtl="0">
+              <a:lnSpc>
+                <a:spcPct val="90000"/>
+              </a:lnSpc>
+              <a:spcBef>
+                <a:spcPts val="0"/>
+              </a:spcBef>
+              <a:spcAft>
+                <a:spcPts val="0"/>
+              </a:spcAft>
+              <a:buClr>
+                <a:schemeClr val="dk1"/>
+              </a:buClr>
+              <a:buSzPts val="5000"/>
+              <a:buFont typeface="Playfair Display Regular"/>
+              <a:buNone/>
+              <a:defRPr sz="5000" b="0" i="0" u="none" strike="noStrike" cap="none">
+                <a:solidFill>
+                  <a:schemeClr val="dk1"/>
+                </a:solidFill>
+                <a:latin typeface="Playfair Display Regular"/>
+                <a:ea typeface="Playfair Display Regular"/>
+                <a:cs typeface="Playfair Display Regular"/>
+                <a:sym typeface="Playfair Display Regular"/>
+              </a:defRPr>
+            </a:lvl2pPr>
+            <a:lvl3pPr marR="0" lvl="2" algn="l" rtl="0">
+              <a:lnSpc>
+                <a:spcPct val="90000"/>
+              </a:lnSpc>
+              <a:spcBef>
+                <a:spcPts val="0"/>
+              </a:spcBef>
+              <a:spcAft>
+                <a:spcPts val="0"/>
+              </a:spcAft>
+              <a:buClr>
+                <a:schemeClr val="dk1"/>
+              </a:buClr>
+              <a:buSzPts val="5000"/>
+              <a:buFont typeface="Playfair Display Regular"/>
+              <a:buNone/>
+              <a:defRPr sz="5000" b="0" i="0" u="none" strike="noStrike" cap="none">
+                <a:solidFill>
+                  <a:schemeClr val="dk1"/>
+                </a:solidFill>
+                <a:latin typeface="Playfair Display Regular"/>
+                <a:ea typeface="Playfair Display Regular"/>
+                <a:cs typeface="Playfair Display Regular"/>
+                <a:sym typeface="Playfair Display Regular"/>
+              </a:defRPr>
+            </a:lvl3pPr>
+            <a:lvl4pPr marR="0" lvl="3" algn="l" rtl="0">
+              <a:lnSpc>
+                <a:spcPct val="90000"/>
+              </a:lnSpc>
+              <a:spcBef>
+                <a:spcPts val="0"/>
+              </a:spcBef>
+              <a:spcAft>
+                <a:spcPts val="0"/>
+              </a:spcAft>
+              <a:buClr>
+                <a:schemeClr val="dk1"/>
+              </a:buClr>
+              <a:buSzPts val="5000"/>
+              <a:buFont typeface="Playfair Display Regular"/>
+              <a:buNone/>
+              <a:defRPr sz="5000" b="0" i="0" u="none" strike="noStrike" cap="none">
+                <a:solidFill>
+                  <a:schemeClr val="dk1"/>
+                </a:solidFill>
+                <a:latin typeface="Playfair Display Regular"/>
+                <a:ea typeface="Playfair Display Regular"/>
+                <a:cs typeface="Playfair Display Regular"/>
+                <a:sym typeface="Playfair Display Regular"/>
+              </a:defRPr>
+            </a:lvl4pPr>
+            <a:lvl5pPr marR="0" lvl="4" algn="l" rtl="0">
+              <a:lnSpc>
+                <a:spcPct val="90000"/>
+              </a:lnSpc>
+              <a:spcBef>
+                <a:spcPts val="0"/>
+              </a:spcBef>
+              <a:spcAft>
+                <a:spcPts val="0"/>
+              </a:spcAft>
+              <a:buClr>
+                <a:schemeClr val="dk1"/>
+              </a:buClr>
+              <a:buSzPts val="5000"/>
+              <a:buFont typeface="Playfair Display Regular"/>
+              <a:buNone/>
+              <a:defRPr sz="5000" b="0" i="0" u="none" strike="noStrike" cap="none">
+                <a:solidFill>
+                  <a:schemeClr val="dk1"/>
+                </a:solidFill>
+                <a:latin typeface="Playfair Display Regular"/>
+                <a:ea typeface="Playfair Display Regular"/>
+                <a:cs typeface="Playfair Display Regular"/>
+                <a:sym typeface="Playfair Display Regular"/>
+              </a:defRPr>
+            </a:lvl5pPr>
+            <a:lvl6pPr marR="0" lvl="5" algn="l" rtl="0">
+              <a:lnSpc>
+                <a:spcPct val="90000"/>
+              </a:lnSpc>
+              <a:spcBef>
+                <a:spcPts val="0"/>
+              </a:spcBef>
+              <a:spcAft>
+                <a:spcPts val="0"/>
+              </a:spcAft>
+              <a:buClr>
+                <a:schemeClr val="dk1"/>
+              </a:buClr>
+              <a:buSzPts val="5000"/>
+              <a:buFont typeface="Playfair Display Regular"/>
+              <a:buNone/>
+              <a:defRPr sz="5000" b="0" i="0" u="none" strike="noStrike" cap="none">
+                <a:solidFill>
+                  <a:schemeClr val="dk1"/>
+                </a:solidFill>
+                <a:latin typeface="Playfair Display Regular"/>
+                <a:ea typeface="Playfair Display Regular"/>
+                <a:cs typeface="Playfair Display Regular"/>
+                <a:sym typeface="Playfair Display Regular"/>
+              </a:defRPr>
+            </a:lvl6pPr>
+            <a:lvl7pPr marR="0" lvl="6" algn="l" rtl="0">
+              <a:lnSpc>
+                <a:spcPct val="90000"/>
+              </a:lnSpc>
+              <a:spcBef>
+                <a:spcPts val="0"/>
+              </a:spcBef>
+              <a:spcAft>
+                <a:spcPts val="0"/>
+              </a:spcAft>
+              <a:buClr>
+                <a:schemeClr val="dk1"/>
+              </a:buClr>
+              <a:buSzPts val="5000"/>
+              <a:buFont typeface="Playfair Display Regular"/>
+              <a:buNone/>
+              <a:defRPr sz="5000" b="0" i="0" u="none" strike="noStrike" cap="none">
+                <a:solidFill>
+                  <a:schemeClr val="dk1"/>
+                </a:solidFill>
+                <a:latin typeface="Playfair Display Regular"/>
+                <a:ea typeface="Playfair Display Regular"/>
+                <a:cs typeface="Playfair Display Regular"/>
+                <a:sym typeface="Playfair Display Regular"/>
+              </a:defRPr>
+            </a:lvl7pPr>
+            <a:lvl8pPr marR="0" lvl="7" algn="l" rtl="0">
+              <a:lnSpc>
+                <a:spcPct val="90000"/>
+              </a:lnSpc>
+              <a:spcBef>
+                <a:spcPts val="0"/>
+              </a:spcBef>
+              <a:spcAft>
+                <a:spcPts val="0"/>
+              </a:spcAft>
+              <a:buClr>
+                <a:schemeClr val="dk1"/>
+              </a:buClr>
+              <a:buSzPts val="5000"/>
+              <a:buFont typeface="Playfair Display Regular"/>
+              <a:buNone/>
+              <a:defRPr sz="5000" b="0" i="0" u="none" strike="noStrike" cap="none">
+                <a:solidFill>
+                  <a:schemeClr val="dk1"/>
+                </a:solidFill>
+                <a:latin typeface="Playfair Display Regular"/>
+                <a:ea typeface="Playfair Display Regular"/>
+                <a:cs typeface="Playfair Display Regular"/>
+                <a:sym typeface="Playfair Display Regular"/>
+              </a:defRPr>
+            </a:lvl8pPr>
+            <a:lvl9pPr marR="0" lvl="8" algn="l" rtl="0">
+              <a:lnSpc>
+                <a:spcPct val="90000"/>
+              </a:lnSpc>
+              <a:spcBef>
+                <a:spcPts val="0"/>
+              </a:spcBef>
+              <a:spcAft>
+                <a:spcPts val="0"/>
+              </a:spcAft>
+              <a:buClr>
+                <a:schemeClr val="dk1"/>
+              </a:buClr>
+              <a:buSzPts val="5000"/>
+              <a:buFont typeface="Playfair Display Regular"/>
+              <a:buNone/>
+              <a:defRPr sz="5000" b="0" i="0" u="none" strike="noStrike" cap="none">
+                <a:solidFill>
+                  <a:schemeClr val="dk1"/>
+                </a:solidFill>
+                <a:latin typeface="Playfair Display Regular"/>
+                <a:ea typeface="Playfair Display Regular"/>
+                <a:cs typeface="Playfair Display Regular"/>
+                <a:sym typeface="Playfair Display Regular"/>
+              </a:defRPr>
+            </a:lvl9pPr>
+          </a:lstStyle>
+          <a:p>
+            <a:r>
+              <a:rPr lang="en-US" sz="1100" dirty="0">
+                <a:solidFill>
+                  <a:srgbClr val="272364"/>
+                </a:solidFill>
+                <a:latin typeface="Calibri" panose="020F0502020204030204" pitchFamily="34" charset="0"/>
+                <a:cs typeface="Calibri" panose="020F0502020204030204" pitchFamily="34" charset="0"/>
+              </a:rPr>
+              <a:t>About us</a:t>
+            </a:r>
+          </a:p>
+        </p:txBody>
+      </p:sp>
+      <p:sp>
+        <p:nvSpPr>
+          <p:cNvPr id="17" name="Google Shape;79;p15">
+            <a:extLst>
+              <a:ext uri="{FF2B5EF4-FFF2-40B4-BE49-F238E27FC236}">
+                <a16:creationId xmlns:a16="http://schemas.microsoft.com/office/drawing/2014/main" id="{1F9425B2-B246-4255-8A73-109F2C3CE715}"/>
+              </a:ext>
+            </a:extLst>
+          </p:cNvPr>
+          <p:cNvSpPr txBox="1">
+            <a:spLocks/>
+          </p:cNvSpPr>
+          <p:nvPr/>
+        </p:nvSpPr>
+        <p:spPr>
+          <a:xfrm>
+            <a:off x="8416961" y="605510"/>
+            <a:ext cx="365608" cy="312588"/>
+          </a:xfrm>
+          <a:prstGeom prst="rect">
+            <a:avLst/>
+          </a:prstGeom>
+          <a:noFill/>
+          <a:ln>
+            <a:noFill/>
+          </a:ln>
+        </p:spPr>
+        <p:txBody>
+          <a:bodyPr spcFirstLastPara="1" wrap="square" lIns="0" tIns="0" rIns="0" bIns="0" anchor="ctr" anchorCtr="0">
+            <a:noAutofit/>
+          </a:bodyPr>
+          <a:lstStyle>
+            <a:defPPr marR="0" lvl="0" algn="l" rtl="0">
+              <a:lnSpc>
+                <a:spcPct val="100000"/>
+              </a:lnSpc>
+              <a:spcBef>
+                <a:spcPts val="0"/>
+              </a:spcBef>
+              <a:spcAft>
+                <a:spcPts val="0"/>
+              </a:spcAft>
+            </a:defPPr>
+            <a:lvl1pPr marR="0" lvl="0" algn="l" rtl="0">
+              <a:lnSpc>
+                <a:spcPct val="90000"/>
+              </a:lnSpc>
+              <a:spcBef>
+                <a:spcPts val="0"/>
+              </a:spcBef>
+              <a:spcAft>
+                <a:spcPts val="0"/>
+              </a:spcAft>
+              <a:buClr>
+                <a:schemeClr val="dk1"/>
+              </a:buClr>
+              <a:buSzPts val="5000"/>
+              <a:buFont typeface="Playfair Display Regular"/>
+              <a:buNone/>
+              <a:defRPr sz="5000" b="0" i="0" u="none" strike="noStrike" cap="none">
+                <a:solidFill>
+                  <a:schemeClr val="dk1"/>
+                </a:solidFill>
+                <a:latin typeface="Playfair Display Regular"/>
+                <a:ea typeface="Playfair Display Regular"/>
+                <a:cs typeface="Playfair Display Regular"/>
+                <a:sym typeface="Playfair Display Regular"/>
+              </a:defRPr>
+            </a:lvl1pPr>
+            <a:lvl2pPr marR="0" lvl="1" algn="l" rtl="0">
+              <a:lnSpc>
+                <a:spcPct val="90000"/>
+              </a:lnSpc>
+              <a:spcBef>
+                <a:spcPts val="0"/>
+              </a:spcBef>
+              <a:spcAft>
+                <a:spcPts val="0"/>
+              </a:spcAft>
+              <a:buClr>
+                <a:schemeClr val="dk1"/>
+              </a:buClr>
+              <a:buSzPts val="5000"/>
+              <a:buFont typeface="Playfair Display Regular"/>
+              <a:buNone/>
+              <a:defRPr sz="5000" b="0" i="0" u="none" strike="noStrike" cap="none">
+                <a:solidFill>
+                  <a:schemeClr val="dk1"/>
+                </a:solidFill>
+                <a:latin typeface="Playfair Display Regular"/>
+                <a:ea typeface="Playfair Display Regular"/>
+                <a:cs typeface="Playfair Display Regular"/>
+                <a:sym typeface="Playfair Display Regular"/>
+              </a:defRPr>
+            </a:lvl2pPr>
+            <a:lvl3pPr marR="0" lvl="2" algn="l" rtl="0">
+              <a:lnSpc>
+                <a:spcPct val="90000"/>
+              </a:lnSpc>
+              <a:spcBef>
+                <a:spcPts val="0"/>
+              </a:spcBef>
+              <a:spcAft>
+                <a:spcPts val="0"/>
+              </a:spcAft>
+              <a:buClr>
+                <a:schemeClr val="dk1"/>
+              </a:buClr>
+              <a:buSzPts val="5000"/>
+              <a:buFont typeface="Playfair Display Regular"/>
+              <a:buNone/>
+              <a:defRPr sz="5000" b="0" i="0" u="none" strike="noStrike" cap="none">
+                <a:solidFill>
+                  <a:schemeClr val="dk1"/>
+                </a:solidFill>
+                <a:latin typeface="Playfair Display Regular"/>
+                <a:ea typeface="Playfair Display Regular"/>
+                <a:cs typeface="Playfair Display Regular"/>
+                <a:sym typeface="Playfair Display Regular"/>
+              </a:defRPr>
+            </a:lvl3pPr>
+            <a:lvl4pPr marR="0" lvl="3" algn="l" rtl="0">
+              <a:lnSpc>
+                <a:spcPct val="90000"/>
+              </a:lnSpc>
+              <a:spcBef>
+                <a:spcPts val="0"/>
+              </a:spcBef>
+              <a:spcAft>
+                <a:spcPts val="0"/>
+              </a:spcAft>
+              <a:buClr>
+                <a:schemeClr val="dk1"/>
+              </a:buClr>
+              <a:buSzPts val="5000"/>
+              <a:buFont typeface="Playfair Display Regular"/>
+              <a:buNone/>
+              <a:defRPr sz="5000" b="0" i="0" u="none" strike="noStrike" cap="none">
+                <a:solidFill>
+                  <a:schemeClr val="dk1"/>
+                </a:solidFill>
+                <a:latin typeface="Playfair Display Regular"/>
+                <a:ea typeface="Playfair Display Regular"/>
+                <a:cs typeface="Playfair Display Regular"/>
+                <a:sym typeface="Playfair Display Regular"/>
+              </a:defRPr>
+            </a:lvl4pPr>
+            <a:lvl5pPr marR="0" lvl="4" algn="l" rtl="0">
+              <a:lnSpc>
+                <a:spcPct val="90000"/>
+              </a:lnSpc>
+              <a:spcBef>
+                <a:spcPts val="0"/>
+              </a:spcBef>
+              <a:spcAft>
+                <a:spcPts val="0"/>
+              </a:spcAft>
+              <a:buClr>
+                <a:schemeClr val="dk1"/>
+              </a:buClr>
+              <a:buSzPts val="5000"/>
+              <a:buFont typeface="Playfair Display Regular"/>
+              <a:buNone/>
+              <a:defRPr sz="5000" b="0" i="0" u="none" strike="noStrike" cap="none">
+                <a:solidFill>
+                  <a:schemeClr val="dk1"/>
+                </a:solidFill>
+                <a:latin typeface="Playfair Display Regular"/>
+                <a:ea typeface="Playfair Display Regular"/>
+                <a:cs typeface="Playfair Display Regular"/>
+                <a:sym typeface="Playfair Display Regular"/>
+              </a:defRPr>
+            </a:lvl5pPr>
+            <a:lvl6pPr marR="0" lvl="5" algn="l" rtl="0">
+              <a:lnSpc>
+                <a:spcPct val="90000"/>
+              </a:lnSpc>
+              <a:spcBef>
+                <a:spcPts val="0"/>
+              </a:spcBef>
+              <a:spcAft>
+                <a:spcPts val="0"/>
+              </a:spcAft>
+              <a:buClr>
+                <a:schemeClr val="dk1"/>
+              </a:buClr>
+              <a:buSzPts val="5000"/>
+              <a:buFont typeface="Playfair Display Regular"/>
+              <a:buNone/>
+              <a:defRPr sz="5000" b="0" i="0" u="none" strike="noStrike" cap="none">
+                <a:solidFill>
+                  <a:schemeClr val="dk1"/>
+                </a:solidFill>
+                <a:latin typeface="Playfair Display Regular"/>
+                <a:ea typeface="Playfair Display Regular"/>
+                <a:cs typeface="Playfair Display Regular"/>
+                <a:sym typeface="Playfair Display Regular"/>
+              </a:defRPr>
+            </a:lvl6pPr>
+            <a:lvl7pPr marR="0" lvl="6" algn="l" rtl="0">
+              <a:lnSpc>
+                <a:spcPct val="90000"/>
+              </a:lnSpc>
+              <a:spcBef>
+                <a:spcPts val="0"/>
+              </a:spcBef>
+              <a:spcAft>
+                <a:spcPts val="0"/>
+              </a:spcAft>
+              <a:buClr>
+                <a:schemeClr val="dk1"/>
+              </a:buClr>
+              <a:buSzPts val="5000"/>
+              <a:buFont typeface="Playfair Display Regular"/>
+              <a:buNone/>
+              <a:defRPr sz="5000" b="0" i="0" u="none" strike="noStrike" cap="none">
+                <a:solidFill>
+                  <a:schemeClr val="dk1"/>
+                </a:solidFill>
+                <a:latin typeface="Playfair Display Regular"/>
+                <a:ea typeface="Playfair Display Regular"/>
+                <a:cs typeface="Playfair Display Regular"/>
+                <a:sym typeface="Playfair Display Regular"/>
+              </a:defRPr>
+            </a:lvl7pPr>
+            <a:lvl8pPr marR="0" lvl="7" algn="l" rtl="0">
+              <a:lnSpc>
+                <a:spcPct val="90000"/>
+              </a:lnSpc>
+              <a:spcBef>
+                <a:spcPts val="0"/>
+              </a:spcBef>
+              <a:spcAft>
+                <a:spcPts val="0"/>
+              </a:spcAft>
+              <a:buClr>
+                <a:schemeClr val="dk1"/>
+              </a:buClr>
+              <a:buSzPts val="5000"/>
+              <a:buFont typeface="Playfair Display Regular"/>
+              <a:buNone/>
+              <a:defRPr sz="5000" b="0" i="0" u="none" strike="noStrike" cap="none">
+                <a:solidFill>
+                  <a:schemeClr val="dk1"/>
+                </a:solidFill>
+                <a:latin typeface="Playfair Display Regular"/>
+                <a:ea typeface="Playfair Display Regular"/>
+                <a:cs typeface="Playfair Display Regular"/>
+                <a:sym typeface="Playfair Display Regular"/>
+              </a:defRPr>
+            </a:lvl8pPr>
+            <a:lvl9pPr marR="0" lvl="8" algn="l" rtl="0">
+              <a:lnSpc>
+                <a:spcPct val="90000"/>
+              </a:lnSpc>
+              <a:spcBef>
+                <a:spcPts val="0"/>
+              </a:spcBef>
+              <a:spcAft>
+                <a:spcPts val="0"/>
+              </a:spcAft>
+              <a:buClr>
+                <a:schemeClr val="dk1"/>
+              </a:buClr>
+              <a:buSzPts val="5000"/>
+              <a:buFont typeface="Playfair Display Regular"/>
+              <a:buNone/>
+              <a:defRPr sz="5000" b="0" i="0" u="none" strike="noStrike" cap="none">
+                <a:solidFill>
+                  <a:schemeClr val="dk1"/>
+                </a:solidFill>
+                <a:latin typeface="Playfair Display Regular"/>
+                <a:ea typeface="Playfair Display Regular"/>
+                <a:cs typeface="Playfair Display Regular"/>
+                <a:sym typeface="Playfair Display Regular"/>
+              </a:defRPr>
+            </a:lvl9pPr>
+          </a:lstStyle>
+          <a:p>
+            <a:r>
+              <a:rPr lang="en-US" sz="1100" dirty="0">
+                <a:solidFill>
+                  <a:srgbClr val="272364"/>
+                </a:solidFill>
+                <a:latin typeface="Calibri" panose="020F0502020204030204" pitchFamily="34" charset="0"/>
+                <a:cs typeface="Calibri" panose="020F0502020204030204" pitchFamily="34" charset="0"/>
+              </a:rPr>
+              <a:t>Login</a:t>
+            </a:r>
+          </a:p>
+        </p:txBody>
+      </p:sp>
+      <p:sp>
+        <p:nvSpPr>
+          <p:cNvPr id="18" name="Google Shape;79;p15">
+            <a:extLst>
+              <a:ext uri="{FF2B5EF4-FFF2-40B4-BE49-F238E27FC236}">
+                <a16:creationId xmlns:a16="http://schemas.microsoft.com/office/drawing/2014/main" id="{F5567429-17FC-439B-8089-5E5B2DC84B77}"/>
+              </a:ext>
+            </a:extLst>
+          </p:cNvPr>
+          <p:cNvSpPr txBox="1">
+            <a:spLocks/>
+          </p:cNvSpPr>
+          <p:nvPr/>
+        </p:nvSpPr>
+        <p:spPr>
+          <a:xfrm>
+            <a:off x="7124923" y="605510"/>
+            <a:ext cx="1017591" cy="312588"/>
+          </a:xfrm>
+          <a:prstGeom prst="rect">
+            <a:avLst/>
+          </a:prstGeom>
+          <a:noFill/>
+          <a:ln>
+            <a:noFill/>
+          </a:ln>
+        </p:spPr>
+        <p:txBody>
+          <a:bodyPr spcFirstLastPara="1" wrap="square" lIns="0" tIns="0" rIns="0" bIns="0" anchor="ctr" anchorCtr="0">
+            <a:noAutofit/>
+          </a:bodyPr>
+          <a:lstStyle>
+            <a:defPPr marR="0" lvl="0" algn="l" rtl="0">
+              <a:lnSpc>
+                <a:spcPct val="100000"/>
+              </a:lnSpc>
+              <a:spcBef>
+                <a:spcPts val="0"/>
+              </a:spcBef>
+              <a:spcAft>
+                <a:spcPts val="0"/>
+              </a:spcAft>
+            </a:defPPr>
+            <a:lvl1pPr marR="0" lvl="0" algn="l" rtl="0">
+              <a:lnSpc>
+                <a:spcPct val="90000"/>
+              </a:lnSpc>
+              <a:spcBef>
+                <a:spcPts val="0"/>
+              </a:spcBef>
+              <a:spcAft>
+                <a:spcPts val="0"/>
+              </a:spcAft>
+              <a:buClr>
+                <a:schemeClr val="dk1"/>
+              </a:buClr>
+              <a:buSzPts val="5000"/>
+              <a:buFont typeface="Playfair Display Regular"/>
+              <a:buNone/>
+              <a:defRPr sz="5000" b="0" i="0" u="none" strike="noStrike" cap="none">
+                <a:solidFill>
+                  <a:schemeClr val="dk1"/>
+                </a:solidFill>
+                <a:latin typeface="Playfair Display Regular"/>
+                <a:ea typeface="Playfair Display Regular"/>
+                <a:cs typeface="Playfair Display Regular"/>
+                <a:sym typeface="Playfair Display Regular"/>
+              </a:defRPr>
+            </a:lvl1pPr>
+            <a:lvl2pPr marR="0" lvl="1" algn="l" rtl="0">
+              <a:lnSpc>
+                <a:spcPct val="90000"/>
+              </a:lnSpc>
+              <a:spcBef>
+                <a:spcPts val="0"/>
+              </a:spcBef>
+              <a:spcAft>
+                <a:spcPts val="0"/>
+              </a:spcAft>
+              <a:buClr>
+                <a:schemeClr val="dk1"/>
+              </a:buClr>
+              <a:buSzPts val="5000"/>
+              <a:buFont typeface="Playfair Display Regular"/>
+              <a:buNone/>
+              <a:defRPr sz="5000" b="0" i="0" u="none" strike="noStrike" cap="none">
+                <a:solidFill>
+                  <a:schemeClr val="dk1"/>
+                </a:solidFill>
+                <a:latin typeface="Playfair Display Regular"/>
+                <a:ea typeface="Playfair Display Regular"/>
+                <a:cs typeface="Playfair Display Regular"/>
+                <a:sym typeface="Playfair Display Regular"/>
+              </a:defRPr>
+            </a:lvl2pPr>
+            <a:lvl3pPr marR="0" lvl="2" algn="l" rtl="0">
+              <a:lnSpc>
+                <a:spcPct val="90000"/>
+              </a:lnSpc>
+              <a:spcBef>
+                <a:spcPts val="0"/>
+              </a:spcBef>
+              <a:spcAft>
+                <a:spcPts val="0"/>
+              </a:spcAft>
+              <a:buClr>
+                <a:schemeClr val="dk1"/>
+              </a:buClr>
+              <a:buSzPts val="5000"/>
+              <a:buFont typeface="Playfair Display Regular"/>
+              <a:buNone/>
+              <a:defRPr sz="5000" b="0" i="0" u="none" strike="noStrike" cap="none">
+                <a:solidFill>
+                  <a:schemeClr val="dk1"/>
+                </a:solidFill>
+                <a:latin typeface="Playfair Display Regular"/>
+                <a:ea typeface="Playfair Display Regular"/>
+                <a:cs typeface="Playfair Display Regular"/>
+                <a:sym typeface="Playfair Display Regular"/>
+              </a:defRPr>
+            </a:lvl3pPr>
+            <a:lvl4pPr marR="0" lvl="3" algn="l" rtl="0">
+              <a:lnSpc>
+                <a:spcPct val="90000"/>
+              </a:lnSpc>
+              <a:spcBef>
+                <a:spcPts val="0"/>
+              </a:spcBef>
+              <a:spcAft>
+                <a:spcPts val="0"/>
+              </a:spcAft>
+              <a:buClr>
+                <a:schemeClr val="dk1"/>
+              </a:buClr>
+              <a:buSzPts val="5000"/>
+              <a:buFont typeface="Playfair Display Regular"/>
+              <a:buNone/>
+              <a:defRPr sz="5000" b="0" i="0" u="none" strike="noStrike" cap="none">
+                <a:solidFill>
+                  <a:schemeClr val="dk1"/>
+                </a:solidFill>
+                <a:latin typeface="Playfair Display Regular"/>
+                <a:ea typeface="Playfair Display Regular"/>
+                <a:cs typeface="Playfair Display Regular"/>
+                <a:sym typeface="Playfair Display Regular"/>
+              </a:defRPr>
+            </a:lvl4pPr>
+            <a:lvl5pPr marR="0" lvl="4" algn="l" rtl="0">
+              <a:lnSpc>
+                <a:spcPct val="90000"/>
+              </a:lnSpc>
+              <a:spcBef>
+                <a:spcPts val="0"/>
+              </a:spcBef>
+              <a:spcAft>
+                <a:spcPts val="0"/>
+              </a:spcAft>
+              <a:buClr>
+                <a:schemeClr val="dk1"/>
+              </a:buClr>
+              <a:buSzPts val="5000"/>
+              <a:buFont typeface="Playfair Display Regular"/>
+              <a:buNone/>
+              <a:defRPr sz="5000" b="0" i="0" u="none" strike="noStrike" cap="none">
+                <a:solidFill>
+                  <a:schemeClr val="dk1"/>
+                </a:solidFill>
+                <a:latin typeface="Playfair Display Regular"/>
+                <a:ea typeface="Playfair Display Regular"/>
+                <a:cs typeface="Playfair Display Regular"/>
+                <a:sym typeface="Playfair Display Regular"/>
+              </a:defRPr>
+            </a:lvl5pPr>
+            <a:lvl6pPr marR="0" lvl="5" algn="l" rtl="0">
+              <a:lnSpc>
+                <a:spcPct val="90000"/>
+              </a:lnSpc>
+              <a:spcBef>
+                <a:spcPts val="0"/>
+              </a:spcBef>
+              <a:spcAft>
+                <a:spcPts val="0"/>
+              </a:spcAft>
+              <a:buClr>
+                <a:schemeClr val="dk1"/>
+              </a:buClr>
+              <a:buSzPts val="5000"/>
+              <a:buFont typeface="Playfair Display Regular"/>
+              <a:buNone/>
+              <a:defRPr sz="5000" b="0" i="0" u="none" strike="noStrike" cap="none">
+                <a:solidFill>
+                  <a:schemeClr val="dk1"/>
+                </a:solidFill>
+                <a:latin typeface="Playfair Display Regular"/>
+                <a:ea typeface="Playfair Display Regular"/>
+                <a:cs typeface="Playfair Display Regular"/>
+                <a:sym typeface="Playfair Display Regular"/>
+              </a:defRPr>
+            </a:lvl6pPr>
+            <a:lvl7pPr marR="0" lvl="6" algn="l" rtl="0">
+              <a:lnSpc>
+                <a:spcPct val="90000"/>
+              </a:lnSpc>
+              <a:spcBef>
+                <a:spcPts val="0"/>
+              </a:spcBef>
+              <a:spcAft>
+                <a:spcPts val="0"/>
+              </a:spcAft>
+              <a:buClr>
+                <a:schemeClr val="dk1"/>
+              </a:buClr>
+              <a:buSzPts val="5000"/>
+              <a:buFont typeface="Playfair Display Regular"/>
+              <a:buNone/>
+              <a:defRPr sz="5000" b="0" i="0" u="none" strike="noStrike" cap="none">
+                <a:solidFill>
+                  <a:schemeClr val="dk1"/>
+                </a:solidFill>
+                <a:latin typeface="Playfair Display Regular"/>
+                <a:ea typeface="Playfair Display Regular"/>
+                <a:cs typeface="Playfair Display Regular"/>
+                <a:sym typeface="Playfair Display Regular"/>
+              </a:defRPr>
+            </a:lvl7pPr>
+            <a:lvl8pPr marR="0" lvl="7" algn="l" rtl="0">
+              <a:lnSpc>
+                <a:spcPct val="90000"/>
+              </a:lnSpc>
+              <a:spcBef>
+                <a:spcPts val="0"/>
+              </a:spcBef>
+              <a:spcAft>
+                <a:spcPts val="0"/>
+              </a:spcAft>
+              <a:buClr>
+                <a:schemeClr val="dk1"/>
+              </a:buClr>
+              <a:buSzPts val="5000"/>
+              <a:buFont typeface="Playfair Display Regular"/>
+              <a:buNone/>
+              <a:defRPr sz="5000" b="0" i="0" u="none" strike="noStrike" cap="none">
+                <a:solidFill>
+                  <a:schemeClr val="dk1"/>
+                </a:solidFill>
+                <a:latin typeface="Playfair Display Regular"/>
+                <a:ea typeface="Playfair Display Regular"/>
+                <a:cs typeface="Playfair Display Regular"/>
+                <a:sym typeface="Playfair Display Regular"/>
+              </a:defRPr>
+            </a:lvl8pPr>
+            <a:lvl9pPr marR="0" lvl="8" algn="l" rtl="0">
+              <a:lnSpc>
+                <a:spcPct val="90000"/>
+              </a:lnSpc>
+              <a:spcBef>
+                <a:spcPts val="0"/>
+              </a:spcBef>
+              <a:spcAft>
+                <a:spcPts val="0"/>
+              </a:spcAft>
+              <a:buClr>
+                <a:schemeClr val="dk1"/>
+              </a:buClr>
+              <a:buSzPts val="5000"/>
+              <a:buFont typeface="Playfair Display Regular"/>
+              <a:buNone/>
+              <a:defRPr sz="5000" b="0" i="0" u="none" strike="noStrike" cap="none">
+                <a:solidFill>
+                  <a:schemeClr val="dk1"/>
+                </a:solidFill>
+                <a:latin typeface="Playfair Display Regular"/>
+                <a:ea typeface="Playfair Display Regular"/>
+                <a:cs typeface="Playfair Display Regular"/>
+                <a:sym typeface="Playfair Display Regular"/>
+              </a:defRPr>
+            </a:lvl9pPr>
+          </a:lstStyle>
+          <a:p>
+            <a:r>
+              <a:rPr lang="en-US" sz="1100" dirty="0">
+                <a:solidFill>
+                  <a:srgbClr val="F3768E"/>
+                </a:solidFill>
+                <a:latin typeface="Calibri" panose="020F0502020204030204" pitchFamily="34" charset="0"/>
+                <a:cs typeface="Calibri" panose="020F0502020204030204" pitchFamily="34" charset="0"/>
+              </a:rPr>
+              <a:t>Getting started</a:t>
+            </a:r>
+          </a:p>
+        </p:txBody>
+      </p:sp>
     </p:spTree>
     <p:extLst>
       <p:ext uri="{BB962C8B-B14F-4D97-AF65-F5344CB8AC3E}">
@@ -11823,7 +11388,7 @@
             <a:spLocks noGrp="1"/>
           </p:cNvSpPr>
           <p:nvPr>
-            <p:ph type="ctrTitle"/>
+            <p:ph type="ctrTitle" idx="4294967295"/>
           </p:nvPr>
         </p:nvSpPr>
         <p:spPr>
@@ -13756,7 +13321,7 @@
             <a:spLocks noGrp="1"/>
           </p:cNvSpPr>
           <p:nvPr>
-            <p:ph type="ctrTitle"/>
+            <p:ph type="ctrTitle" idx="4294967295"/>
           </p:nvPr>
         </p:nvSpPr>
         <p:spPr>
@@ -13786,7 +13351,7 @@
             <a:r>
               <a:rPr lang="en-US" sz="1100" u="sng" dirty="0">
                 <a:solidFill>
-                  <a:srgbClr val="423CAD"/>
+                  <a:srgbClr val="272364"/>
                 </a:solidFill>
                 <a:uFill>
                   <a:solidFill>
@@ -13807,7 +13372,7 @@
             </a:r>
             <a:endParaRPr sz="1100" u="sng" dirty="0">
               <a:solidFill>
-                <a:srgbClr val="423CAD"/>
+                <a:srgbClr val="272364"/>
               </a:solidFill>
               <a:uFill>
                 <a:solidFill>
@@ -14133,7 +13698,7 @@
             <a:r>
               <a:rPr lang="en-US" sz="1100" u="sng" dirty="0">
                 <a:solidFill>
-                  <a:srgbClr val="423CAD"/>
+                  <a:srgbClr val="272364"/>
                 </a:solidFill>
                 <a:uFill>
                   <a:solidFill>
@@ -14430,7 +13995,7 @@
             <a:r>
               <a:rPr lang="en-US" sz="1100" u="sng" dirty="0">
                 <a:solidFill>
-                  <a:srgbClr val="423CAD"/>
+                  <a:srgbClr val="272364"/>
                 </a:solidFill>
                 <a:uFill>
                   <a:solidFill>
@@ -14451,7 +14016,7 @@
             </a:r>
             <a:endParaRPr lang="en-US" sz="1100" u="sng" dirty="0">
               <a:solidFill>
-                <a:srgbClr val="423CAD"/>
+                <a:srgbClr val="272364"/>
               </a:solidFill>
               <a:uFill>
                 <a:solidFill>
@@ -14746,7 +14311,7 @@
             <a:r>
               <a:rPr lang="en-US" sz="1100" u="sng" dirty="0">
                 <a:solidFill>
-                  <a:srgbClr val="423CAD"/>
+                  <a:srgbClr val="272364"/>
                 </a:solidFill>
                 <a:uFill>
                   <a:solidFill>
@@ -15043,7 +14608,7 @@
             <a:r>
               <a:rPr lang="en-US" sz="1100" u="sng" dirty="0">
                 <a:solidFill>
-                  <a:srgbClr val="423CAD"/>
+                  <a:srgbClr val="272364"/>
                 </a:solidFill>
                 <a:uFill>
                   <a:solidFill>
@@ -15064,7 +14629,7 @@
             </a:r>
             <a:endParaRPr lang="en-US" sz="1100" u="sng" dirty="0">
               <a:solidFill>
-                <a:srgbClr val="423CAD"/>
+                <a:srgbClr val="272364"/>
               </a:solidFill>
               <a:uFill>
                 <a:solidFill>
@@ -15373,7 +14938,7 @@
             <a:spLocks noGrp="1"/>
           </p:cNvSpPr>
           <p:nvPr>
-            <p:ph type="ctrTitle"/>
+            <p:ph type="ctrTitle" idx="4294967295"/>
           </p:nvPr>
         </p:nvSpPr>
         <p:spPr>
@@ -15403,7 +14968,7 @@
             <a:r>
               <a:rPr lang="en-US" sz="1100" u="sng" dirty="0">
                 <a:solidFill>
-                  <a:srgbClr val="423CAD"/>
+                  <a:srgbClr val="272364"/>
                 </a:solidFill>
                 <a:uFill>
                   <a:solidFill>
@@ -15424,7 +14989,7 @@
             </a:r>
             <a:endParaRPr sz="1100" u="sng" dirty="0">
               <a:solidFill>
-                <a:srgbClr val="423CAD"/>
+                <a:srgbClr val="272364"/>
               </a:solidFill>
               <a:uFill>
                 <a:solidFill>
@@ -15750,7 +15315,7 @@
             <a:r>
               <a:rPr lang="en-US" sz="1100" u="sng" dirty="0">
                 <a:solidFill>
-                  <a:srgbClr val="423CAD"/>
+                  <a:srgbClr val="272364"/>
                 </a:solidFill>
                 <a:uFill>
                   <a:solidFill>
@@ -16047,7 +15612,7 @@
             <a:r>
               <a:rPr lang="en-US" sz="1100" u="sng" dirty="0">
                 <a:solidFill>
-                  <a:srgbClr val="423CAD"/>
+                  <a:srgbClr val="272364"/>
                 </a:solidFill>
                 <a:uFill>
                   <a:solidFill>
@@ -16068,7 +15633,7 @@
             </a:r>
             <a:endParaRPr lang="en-US" sz="1100" u="sng" dirty="0">
               <a:solidFill>
-                <a:srgbClr val="423CAD"/>
+                <a:srgbClr val="272364"/>
               </a:solidFill>
               <a:uFill>
                 <a:solidFill>
@@ -16363,7 +15928,7 @@
             <a:r>
               <a:rPr lang="en-US" sz="1100" u="sng" dirty="0">
                 <a:solidFill>
-                  <a:srgbClr val="423CAD"/>
+                  <a:srgbClr val="272364"/>
                 </a:solidFill>
                 <a:uFill>
                   <a:solidFill>
@@ -16660,7 +16225,7 @@
             <a:r>
               <a:rPr lang="en-US" sz="1100" u="sng" dirty="0">
                 <a:solidFill>
-                  <a:srgbClr val="423CAD"/>
+                  <a:srgbClr val="272364"/>
                 </a:solidFill>
                 <a:uFill>
                   <a:solidFill>
@@ -16681,7 +16246,7 @@
             </a:r>
             <a:endParaRPr lang="en-US" sz="1100" u="sng" dirty="0">
               <a:solidFill>
-                <a:srgbClr val="423CAD"/>
+                <a:srgbClr val="272364"/>
               </a:solidFill>
               <a:uFill>
                 <a:solidFill>

--- a/resources/glucocheck-Demo2.pptx
+++ b/resources/glucocheck-Demo2.pptx
@@ -5,32 +5,33 @@
     <p:sldMasterId id="2147483661" r:id="rId1"/>
   </p:sldMasterIdLst>
   <p:notesMasterIdLst>
-    <p:notesMasterId r:id="rId8"/>
+    <p:notesMasterId r:id="rId9"/>
   </p:notesMasterIdLst>
   <p:sldIdLst>
     <p:sldId id="256" r:id="rId2"/>
     <p:sldId id="295" r:id="rId3"/>
     <p:sldId id="299" r:id="rId4"/>
     <p:sldId id="296" r:id="rId5"/>
-    <p:sldId id="300" r:id="rId6"/>
-    <p:sldId id="301" r:id="rId7"/>
+    <p:sldId id="302" r:id="rId6"/>
+    <p:sldId id="300" r:id="rId7"/>
+    <p:sldId id="301" r:id="rId8"/>
   </p:sldIdLst>
   <p:sldSz cx="9144000" cy="5143500" type="screen16x9"/>
   <p:notesSz cx="6858000" cy="9144000"/>
   <p:embeddedFontLst>
     <p:embeddedFont>
       <p:font typeface="Calibri" panose="020F0502020204030204" pitchFamily="34" charset="0"/>
-      <p:regular r:id="rId9"/>
-      <p:bold r:id="rId10"/>
-      <p:italic r:id="rId11"/>
-      <p:boldItalic r:id="rId12"/>
+      <p:regular r:id="rId10"/>
+      <p:bold r:id="rId11"/>
+      <p:italic r:id="rId12"/>
+      <p:boldItalic r:id="rId13"/>
     </p:embeddedFont>
     <p:embeddedFont>
       <p:font typeface="Playfair Display Regular" panose="020B0604020202020204" charset="0"/>
-      <p:regular r:id="rId13"/>
-      <p:bold r:id="rId14"/>
-      <p:italic r:id="rId15"/>
-      <p:boldItalic r:id="rId16"/>
+      <p:regular r:id="rId14"/>
+      <p:bold r:id="rId15"/>
+      <p:italic r:id="rId16"/>
+      <p:boldItalic r:id="rId17"/>
     </p:embeddedFont>
   </p:embeddedFontLst>
   <p:defaultTextStyle>
@@ -271,6 +272,7 @@
             <p14:sldId id="295"/>
             <p14:sldId id="299"/>
             <p14:sldId id="296"/>
+            <p14:sldId id="302"/>
             <p14:sldId id="300"/>
             <p14:sldId id="301"/>
           </p14:sldIdLst>
@@ -1255,6 +1257,115 @@
     </p:spTree>
     <p:extLst>
       <p:ext uri="{BB962C8B-B14F-4D97-AF65-F5344CB8AC3E}">
+        <p14:creationId xmlns:p14="http://schemas.microsoft.com/office/powerpoint/2010/main" val="3479595315"/>
+      </p:ext>
+    </p:extLst>
+  </p:cSld>
+  <p:clrMapOvr>
+    <a:masterClrMapping/>
+  </p:clrMapOvr>
+</p:notes>
+</file>
+
+<file path=ppt/notesSlides/notesSlide6.xml><?xml version="1.0" encoding="utf-8"?>
+<p:notes xmlns:a="http://schemas.openxmlformats.org/drawingml/2006/main" xmlns:r="http://schemas.openxmlformats.org/officeDocument/2006/relationships" xmlns:p="http://schemas.openxmlformats.org/presentationml/2006/main" showMasterSp="0" showMasterPhAnim="0">
+  <p:cSld>
+    <p:spTree>
+      <p:nvGrpSpPr>
+        <p:cNvPr id="1" name="Shape 75"/>
+        <p:cNvGrpSpPr/>
+        <p:nvPr/>
+      </p:nvGrpSpPr>
+      <p:grpSpPr>
+        <a:xfrm>
+          <a:off x="0" y="0"/>
+          <a:ext cx="0" cy="0"/>
+          <a:chOff x="0" y="0"/>
+          <a:chExt cx="0" cy="0"/>
+        </a:xfrm>
+      </p:grpSpPr>
+      <p:sp>
+        <p:nvSpPr>
+          <p:cNvPr id="76" name="Google Shape;76;g35f391192_00:notes"/>
+          <p:cNvSpPr>
+            <a:spLocks noGrp="1" noRot="1" noChangeAspect="1"/>
+          </p:cNvSpPr>
+          <p:nvPr>
+            <p:ph type="sldImg" idx="2"/>
+          </p:nvPr>
+        </p:nvSpPr>
+        <p:spPr>
+          <a:xfrm>
+            <a:off x="381000" y="685800"/>
+            <a:ext cx="6096000" cy="3429000"/>
+          </a:xfrm>
+          <a:custGeom>
+            <a:avLst/>
+            <a:gdLst/>
+            <a:ahLst/>
+            <a:cxnLst/>
+            <a:rect l="l" t="t" r="r" b="b"/>
+            <a:pathLst>
+              <a:path w="120000" h="120000" extrusionOk="0">
+                <a:moveTo>
+                  <a:pt x="0" y="0"/>
+                </a:moveTo>
+                <a:lnTo>
+                  <a:pt x="120000" y="0"/>
+                </a:lnTo>
+                <a:lnTo>
+                  <a:pt x="120000" y="120000"/>
+                </a:lnTo>
+                <a:lnTo>
+                  <a:pt x="0" y="120000"/>
+                </a:lnTo>
+                <a:close/>
+              </a:path>
+            </a:pathLst>
+          </a:custGeom>
+        </p:spPr>
+      </p:sp>
+      <p:sp>
+        <p:nvSpPr>
+          <p:cNvPr id="77" name="Google Shape;77;g35f391192_00:notes"/>
+          <p:cNvSpPr txBox="1">
+            <a:spLocks noGrp="1"/>
+          </p:cNvSpPr>
+          <p:nvPr>
+            <p:ph type="body" idx="1"/>
+          </p:nvPr>
+        </p:nvSpPr>
+        <p:spPr>
+          <a:xfrm>
+            <a:off x="685800" y="4343400"/>
+            <a:ext cx="5486400" cy="4114800"/>
+          </a:xfrm>
+          <a:prstGeom prst="rect">
+            <a:avLst/>
+          </a:prstGeom>
+        </p:spPr>
+        <p:txBody>
+          <a:bodyPr spcFirstLastPara="1" wrap="square" lIns="91425" tIns="91425" rIns="91425" bIns="91425" anchor="t" anchorCtr="0">
+            <a:noAutofit/>
+          </a:bodyPr>
+          <a:lstStyle/>
+          <a:p>
+            <a:pPr marL="0" lvl="0" indent="0" algn="l" rtl="0">
+              <a:spcBef>
+                <a:spcPts val="0"/>
+              </a:spcBef>
+              <a:spcAft>
+                <a:spcPts val="0"/>
+              </a:spcAft>
+              <a:buNone/>
+            </a:pPr>
+            <a:endParaRPr/>
+          </a:p>
+        </p:txBody>
+      </p:sp>
+    </p:spTree>
+    <p:extLst>
+      <p:ext uri="{BB962C8B-B14F-4D97-AF65-F5344CB8AC3E}">
         <p14:creationId xmlns:p14="http://schemas.microsoft.com/office/powerpoint/2010/main" val="1458971338"/>
       </p:ext>
     </p:extLst>
@@ -1265,7 +1376,7 @@
 </p:notes>
 </file>
 
-<file path=ppt/notesSlides/notesSlide6.xml><?xml version="1.0" encoding="utf-8"?>
+<file path=ppt/notesSlides/notesSlide7.xml><?xml version="1.0" encoding="utf-8"?>
 <p:notes xmlns:a="http://schemas.openxmlformats.org/drawingml/2006/main" xmlns:r="http://schemas.openxmlformats.org/officeDocument/2006/relationships" xmlns:p="http://schemas.openxmlformats.org/presentationml/2006/main" showMasterSp="0" showMasterPhAnim="0">
   <p:cSld>
     <p:spTree>
@@ -13255,6 +13366,1826 @@
           <a:chExt cx="0" cy="0"/>
         </a:xfrm>
       </p:grpSpPr>
+      <p:pic>
+        <p:nvPicPr>
+          <p:cNvPr id="7" name="Picture 6">
+            <a:hlinkClick r:id="rId3" action="ppaction://hlinksldjump"/>
+            <a:extLst>
+              <a:ext uri="{FF2B5EF4-FFF2-40B4-BE49-F238E27FC236}">
+                <a16:creationId xmlns:a16="http://schemas.microsoft.com/office/drawing/2014/main" id="{A010EE42-389D-7148-95D2-21CC1C6C70E5}"/>
+              </a:ext>
+            </a:extLst>
+          </p:cNvPr>
+          <p:cNvPicPr>
+            <a:picLocks noChangeAspect="1"/>
+          </p:cNvPicPr>
+          <p:nvPr/>
+        </p:nvPicPr>
+        <p:blipFill>
+          <a:blip r:embed="rId4"/>
+          <a:stretch>
+            <a:fillRect/>
+          </a:stretch>
+        </p:blipFill>
+        <p:spPr>
+          <a:xfrm>
+            <a:off x="413045" y="538398"/>
+            <a:ext cx="1681569" cy="383594"/>
+          </a:xfrm>
+          <a:prstGeom prst="rect">
+            <a:avLst/>
+          </a:prstGeom>
+        </p:spPr>
+      </p:pic>
+      <p:pic>
+        <p:nvPicPr>
+          <p:cNvPr id="41" name="Picture 40">
+            <a:extLst>
+              <a:ext uri="{FF2B5EF4-FFF2-40B4-BE49-F238E27FC236}">
+                <a16:creationId xmlns:a16="http://schemas.microsoft.com/office/drawing/2014/main" id="{BE2C9300-77DE-A248-97B3-6655547CA6D2}"/>
+              </a:ext>
+            </a:extLst>
+          </p:cNvPr>
+          <p:cNvPicPr>
+            <a:picLocks noChangeAspect="1"/>
+          </p:cNvPicPr>
+          <p:nvPr/>
+        </p:nvPicPr>
+        <p:blipFill>
+          <a:blip r:embed="rId5"/>
+          <a:stretch>
+            <a:fillRect/>
+          </a:stretch>
+        </p:blipFill>
+        <p:spPr>
+          <a:xfrm>
+            <a:off x="0" y="0"/>
+            <a:ext cx="9144000" cy="478402"/>
+          </a:xfrm>
+          <a:prstGeom prst="rect">
+            <a:avLst/>
+          </a:prstGeom>
+        </p:spPr>
+      </p:pic>
+      <p:sp>
+        <p:nvSpPr>
+          <p:cNvPr id="43" name="TextBox 42">
+            <a:extLst>
+              <a:ext uri="{FF2B5EF4-FFF2-40B4-BE49-F238E27FC236}">
+                <a16:creationId xmlns:a16="http://schemas.microsoft.com/office/drawing/2014/main" id="{102406AA-4F54-434E-80BC-9B6BCB539E98}"/>
+              </a:ext>
+            </a:extLst>
+          </p:cNvPr>
+          <p:cNvSpPr txBox="1"/>
+          <p:nvPr/>
+        </p:nvSpPr>
+        <p:spPr>
+          <a:xfrm>
+            <a:off x="1253911" y="195451"/>
+            <a:ext cx="1814920" cy="253916"/>
+          </a:xfrm>
+          <a:prstGeom prst="rect">
+            <a:avLst/>
+          </a:prstGeom>
+          <a:noFill/>
+        </p:spPr>
+        <p:txBody>
+          <a:bodyPr wrap="none" rtlCol="0">
+            <a:spAutoFit/>
+          </a:bodyPr>
+          <a:lstStyle/>
+          <a:p>
+            <a:r>
+              <a:rPr lang="en-US" sz="1050" dirty="0">
+                <a:latin typeface="Calibri" panose="020F0502020204030204" pitchFamily="34" charset="0"/>
+                <a:cs typeface="Calibri" panose="020F0502020204030204" pitchFamily="34" charset="0"/>
+              </a:rPr>
+              <a:t>http://127.0.0.1:8000/outline</a:t>
+            </a:r>
+          </a:p>
+        </p:txBody>
+      </p:sp>
+      <p:sp>
+        <p:nvSpPr>
+          <p:cNvPr id="32" name="TextBox 31">
+            <a:extLst>
+              <a:ext uri="{FF2B5EF4-FFF2-40B4-BE49-F238E27FC236}">
+                <a16:creationId xmlns:a16="http://schemas.microsoft.com/office/drawing/2014/main" id="{6B12AA7F-15DF-BE42-A704-9C6A62991E01}"/>
+              </a:ext>
+            </a:extLst>
+          </p:cNvPr>
+          <p:cNvSpPr txBox="1"/>
+          <p:nvPr/>
+        </p:nvSpPr>
+        <p:spPr>
+          <a:xfrm>
+            <a:off x="3192262" y="1374040"/>
+            <a:ext cx="1837362" cy="400110"/>
+          </a:xfrm>
+          <a:prstGeom prst="rect">
+            <a:avLst/>
+          </a:prstGeom>
+          <a:noFill/>
+        </p:spPr>
+        <p:txBody>
+          <a:bodyPr wrap="none" rtlCol="0">
+            <a:spAutoFit/>
+          </a:bodyPr>
+          <a:lstStyle/>
+          <a:p>
+            <a:r>
+              <a:rPr lang="en-US" sz="2000" dirty="0">
+                <a:solidFill>
+                  <a:srgbClr val="272364"/>
+                </a:solidFill>
+                <a:latin typeface="Calibri" panose="020F0502020204030204" pitchFamily="34" charset="0"/>
+                <a:cs typeface="Calibri" panose="020F0502020204030204" pitchFamily="34" charset="0"/>
+              </a:rPr>
+              <a:t>Product</a:t>
+            </a:r>
+            <a:r>
+              <a:rPr lang="en-US" sz="2000" dirty="0">
+                <a:latin typeface="Calibri" panose="020F0502020204030204" pitchFamily="34" charset="0"/>
+                <a:cs typeface="Calibri" panose="020F0502020204030204" pitchFamily="34" charset="0"/>
+              </a:rPr>
+              <a:t> </a:t>
+            </a:r>
+            <a:r>
+              <a:rPr lang="en-US" sz="2000" dirty="0">
+                <a:solidFill>
+                  <a:srgbClr val="F3768E"/>
+                </a:solidFill>
+                <a:latin typeface="Calibri" panose="020F0502020204030204" pitchFamily="34" charset="0"/>
+                <a:cs typeface="Calibri" panose="020F0502020204030204" pitchFamily="34" charset="0"/>
+              </a:rPr>
+              <a:t>Outline</a:t>
+            </a:r>
+          </a:p>
+        </p:txBody>
+      </p:sp>
+      <p:sp>
+        <p:nvSpPr>
+          <p:cNvPr id="42" name="TextBox 41">
+            <a:extLst>
+              <a:ext uri="{FF2B5EF4-FFF2-40B4-BE49-F238E27FC236}">
+                <a16:creationId xmlns:a16="http://schemas.microsoft.com/office/drawing/2014/main" id="{87CE02F0-B5A7-6D40-BC06-A4A5BA74AB34}"/>
+              </a:ext>
+            </a:extLst>
+          </p:cNvPr>
+          <p:cNvSpPr txBox="1"/>
+          <p:nvPr/>
+        </p:nvSpPr>
+        <p:spPr>
+          <a:xfrm>
+            <a:off x="496845" y="2023900"/>
+            <a:ext cx="4583746" cy="2321085"/>
+          </a:xfrm>
+          <a:prstGeom prst="rect">
+            <a:avLst/>
+          </a:prstGeom>
+          <a:noFill/>
+        </p:spPr>
+        <p:txBody>
+          <a:bodyPr wrap="square" rtlCol="0">
+            <a:spAutoFit/>
+          </a:bodyPr>
+          <a:lstStyle/>
+          <a:p>
+            <a:pPr>
+              <a:lnSpc>
+                <a:spcPct val="150000"/>
+              </a:lnSpc>
+            </a:pPr>
+            <a:r>
+              <a:rPr lang="en-US" dirty="0">
+                <a:solidFill>
+                  <a:srgbClr val="8CC63F"/>
+                </a:solidFill>
+                <a:latin typeface="Calibri" panose="020F0502020204030204" pitchFamily="34" charset="0"/>
+                <a:cs typeface="Calibri" panose="020F0502020204030204" pitchFamily="34" charset="0"/>
+              </a:rPr>
+              <a:t>Sprint 1 </a:t>
+            </a:r>
+            <a:r>
+              <a:rPr lang="en-US" dirty="0">
+                <a:solidFill>
+                  <a:srgbClr val="272364"/>
+                </a:solidFill>
+                <a:latin typeface="Calibri" panose="020F0502020204030204" pitchFamily="34" charset="0"/>
+                <a:cs typeface="Calibri" panose="020F0502020204030204" pitchFamily="34" charset="0"/>
+              </a:rPr>
+              <a:t>- Set up a compliant, secure website that allows users to signup and login to the app</a:t>
+            </a:r>
+          </a:p>
+          <a:p>
+            <a:pPr>
+              <a:lnSpc>
+                <a:spcPct val="150000"/>
+              </a:lnSpc>
+            </a:pPr>
+            <a:r>
+              <a:rPr lang="en-US" dirty="0">
+                <a:solidFill>
+                  <a:srgbClr val="8CC63F"/>
+                </a:solidFill>
+                <a:latin typeface="Calibri" panose="020F0502020204030204" pitchFamily="34" charset="0"/>
+                <a:cs typeface="Calibri" panose="020F0502020204030204" pitchFamily="34" charset="0"/>
+              </a:rPr>
+              <a:t>Sprint 2 </a:t>
+            </a:r>
+            <a:r>
+              <a:rPr lang="en-US" dirty="0">
+                <a:solidFill>
+                  <a:srgbClr val="272364"/>
+                </a:solidFill>
+                <a:latin typeface="Calibri" panose="020F0502020204030204" pitchFamily="34" charset="0"/>
+                <a:cs typeface="Calibri" panose="020F0502020204030204" pitchFamily="34" charset="0"/>
+              </a:rPr>
+              <a:t>- Add data entry and visualization to the app and make sure the experience is accessible, clear, and robust</a:t>
+            </a:r>
+          </a:p>
+          <a:p>
+            <a:pPr>
+              <a:lnSpc>
+                <a:spcPct val="150000"/>
+              </a:lnSpc>
+            </a:pPr>
+            <a:r>
+              <a:rPr lang="en-US" dirty="0">
+                <a:solidFill>
+                  <a:srgbClr val="8CC63F"/>
+                </a:solidFill>
+                <a:latin typeface="Calibri" panose="020F0502020204030204" pitchFamily="34" charset="0"/>
+                <a:cs typeface="Calibri" panose="020F0502020204030204" pitchFamily="34" charset="0"/>
+              </a:rPr>
+              <a:t>Sprint 3 </a:t>
+            </a:r>
+            <a:r>
+              <a:rPr lang="en-US" dirty="0">
+                <a:solidFill>
+                  <a:srgbClr val="272364"/>
+                </a:solidFill>
+                <a:latin typeface="Calibri" panose="020F0502020204030204" pitchFamily="34" charset="0"/>
+                <a:cs typeface="Calibri" panose="020F0502020204030204" pitchFamily="34" charset="0"/>
+              </a:rPr>
+              <a:t>- Provide better data input, dietary advice, and more general polish to the user to aid in differentiation and customer retention</a:t>
+            </a:r>
+            <a:endParaRPr lang="en-US" dirty="0">
+              <a:solidFill>
+                <a:srgbClr val="F3768E"/>
+              </a:solidFill>
+              <a:latin typeface="Calibri" panose="020F0502020204030204" pitchFamily="34" charset="0"/>
+              <a:cs typeface="Calibri" panose="020F0502020204030204" pitchFamily="34" charset="0"/>
+            </a:endParaRPr>
+          </a:p>
+        </p:txBody>
+      </p:sp>
+      <p:pic>
+        <p:nvPicPr>
+          <p:cNvPr id="6" name="Graphic 5">
+            <a:extLst>
+              <a:ext uri="{FF2B5EF4-FFF2-40B4-BE49-F238E27FC236}">
+                <a16:creationId xmlns:a16="http://schemas.microsoft.com/office/drawing/2014/main" id="{11450E05-AE9B-4A06-BF5F-D5CA4E0AB273}"/>
+              </a:ext>
+            </a:extLst>
+          </p:cNvPr>
+          <p:cNvPicPr>
+            <a:picLocks noChangeAspect="1"/>
+          </p:cNvPicPr>
+          <p:nvPr/>
+        </p:nvPicPr>
+        <p:blipFill>
+          <a:blip r:embed="rId6">
+            <a:extLst>
+              <a:ext uri="{96DAC541-7B7A-43D3-8B79-37D633B846F1}">
+                <asvg:svgBlip xmlns:asvg="http://schemas.microsoft.com/office/drawing/2016/SVG/main" r:embed="rId7"/>
+              </a:ext>
+            </a:extLst>
+          </a:blip>
+          <a:stretch>
+            <a:fillRect/>
+          </a:stretch>
+        </p:blipFill>
+        <p:spPr>
+          <a:xfrm>
+            <a:off x="5514045" y="1624398"/>
+            <a:ext cx="2899145" cy="2899145"/>
+          </a:xfrm>
+          <a:prstGeom prst="rect">
+            <a:avLst/>
+          </a:prstGeom>
+        </p:spPr>
+      </p:pic>
+      <p:sp>
+        <p:nvSpPr>
+          <p:cNvPr id="14" name="Google Shape;79;p15">
+            <a:extLst>
+              <a:ext uri="{FF2B5EF4-FFF2-40B4-BE49-F238E27FC236}">
+                <a16:creationId xmlns:a16="http://schemas.microsoft.com/office/drawing/2014/main" id="{4665C0D9-32EB-466E-B3D2-2C03E89140F5}"/>
+              </a:ext>
+            </a:extLst>
+          </p:cNvPr>
+          <p:cNvSpPr txBox="1">
+            <a:spLocks/>
+          </p:cNvSpPr>
+          <p:nvPr/>
+        </p:nvSpPr>
+        <p:spPr>
+          <a:xfrm>
+            <a:off x="4665921" y="609404"/>
+            <a:ext cx="414670" cy="312588"/>
+          </a:xfrm>
+          <a:prstGeom prst="rect">
+            <a:avLst/>
+          </a:prstGeom>
+          <a:noFill/>
+          <a:ln>
+            <a:noFill/>
+          </a:ln>
+        </p:spPr>
+        <p:txBody>
+          <a:bodyPr spcFirstLastPara="1" wrap="square" lIns="0" tIns="0" rIns="0" bIns="0" anchor="ctr" anchorCtr="0">
+            <a:noAutofit/>
+          </a:bodyPr>
+          <a:lstStyle>
+            <a:defPPr marR="0" lvl="0" algn="l" rtl="0">
+              <a:lnSpc>
+                <a:spcPct val="100000"/>
+              </a:lnSpc>
+              <a:spcBef>
+                <a:spcPts val="0"/>
+              </a:spcBef>
+              <a:spcAft>
+                <a:spcPts val="0"/>
+              </a:spcAft>
+            </a:defPPr>
+            <a:lvl1pPr marR="0" lvl="0" algn="l" rtl="0">
+              <a:lnSpc>
+                <a:spcPct val="90000"/>
+              </a:lnSpc>
+              <a:spcBef>
+                <a:spcPts val="0"/>
+              </a:spcBef>
+              <a:spcAft>
+                <a:spcPts val="0"/>
+              </a:spcAft>
+              <a:buClr>
+                <a:schemeClr val="dk1"/>
+              </a:buClr>
+              <a:buSzPts val="3200"/>
+              <a:buFont typeface="Playfair Display Regular"/>
+              <a:buNone/>
+              <a:defRPr sz="3200" b="0" i="0" u="none" strike="noStrike" cap="none">
+                <a:solidFill>
+                  <a:schemeClr val="dk1"/>
+                </a:solidFill>
+                <a:latin typeface="Playfair Display Regular"/>
+                <a:ea typeface="Playfair Display Regular"/>
+                <a:cs typeface="Playfair Display Regular"/>
+                <a:sym typeface="Playfair Display Regular"/>
+              </a:defRPr>
+            </a:lvl1pPr>
+            <a:lvl2pPr marR="0" lvl="1" algn="l" rtl="0">
+              <a:lnSpc>
+                <a:spcPct val="90000"/>
+              </a:lnSpc>
+              <a:spcBef>
+                <a:spcPts val="0"/>
+              </a:spcBef>
+              <a:spcAft>
+                <a:spcPts val="0"/>
+              </a:spcAft>
+              <a:buClr>
+                <a:schemeClr val="dk1"/>
+              </a:buClr>
+              <a:buSzPts val="3200"/>
+              <a:buFont typeface="Playfair Display Regular"/>
+              <a:buNone/>
+              <a:defRPr sz="3200" b="0" i="0" u="none" strike="noStrike" cap="none">
+                <a:solidFill>
+                  <a:schemeClr val="dk1"/>
+                </a:solidFill>
+                <a:latin typeface="Playfair Display Regular"/>
+                <a:ea typeface="Playfair Display Regular"/>
+                <a:cs typeface="Playfair Display Regular"/>
+                <a:sym typeface="Playfair Display Regular"/>
+              </a:defRPr>
+            </a:lvl2pPr>
+            <a:lvl3pPr marR="0" lvl="2" algn="l" rtl="0">
+              <a:lnSpc>
+                <a:spcPct val="90000"/>
+              </a:lnSpc>
+              <a:spcBef>
+                <a:spcPts val="0"/>
+              </a:spcBef>
+              <a:spcAft>
+                <a:spcPts val="0"/>
+              </a:spcAft>
+              <a:buClr>
+                <a:schemeClr val="dk1"/>
+              </a:buClr>
+              <a:buSzPts val="3200"/>
+              <a:buFont typeface="Playfair Display Regular"/>
+              <a:buNone/>
+              <a:defRPr sz="3200" b="0" i="0" u="none" strike="noStrike" cap="none">
+                <a:solidFill>
+                  <a:schemeClr val="dk1"/>
+                </a:solidFill>
+                <a:latin typeface="Playfair Display Regular"/>
+                <a:ea typeface="Playfair Display Regular"/>
+                <a:cs typeface="Playfair Display Regular"/>
+                <a:sym typeface="Playfair Display Regular"/>
+              </a:defRPr>
+            </a:lvl3pPr>
+            <a:lvl4pPr marR="0" lvl="3" algn="l" rtl="0">
+              <a:lnSpc>
+                <a:spcPct val="90000"/>
+              </a:lnSpc>
+              <a:spcBef>
+                <a:spcPts val="0"/>
+              </a:spcBef>
+              <a:spcAft>
+                <a:spcPts val="0"/>
+              </a:spcAft>
+              <a:buClr>
+                <a:schemeClr val="dk1"/>
+              </a:buClr>
+              <a:buSzPts val="3200"/>
+              <a:buFont typeface="Playfair Display Regular"/>
+              <a:buNone/>
+              <a:defRPr sz="3200" b="0" i="0" u="none" strike="noStrike" cap="none">
+                <a:solidFill>
+                  <a:schemeClr val="dk1"/>
+                </a:solidFill>
+                <a:latin typeface="Playfair Display Regular"/>
+                <a:ea typeface="Playfair Display Regular"/>
+                <a:cs typeface="Playfair Display Regular"/>
+                <a:sym typeface="Playfair Display Regular"/>
+              </a:defRPr>
+            </a:lvl4pPr>
+            <a:lvl5pPr marR="0" lvl="4" algn="l" rtl="0">
+              <a:lnSpc>
+                <a:spcPct val="90000"/>
+              </a:lnSpc>
+              <a:spcBef>
+                <a:spcPts val="0"/>
+              </a:spcBef>
+              <a:spcAft>
+                <a:spcPts val="0"/>
+              </a:spcAft>
+              <a:buClr>
+                <a:schemeClr val="dk1"/>
+              </a:buClr>
+              <a:buSzPts val="3200"/>
+              <a:buFont typeface="Playfair Display Regular"/>
+              <a:buNone/>
+              <a:defRPr sz="3200" b="0" i="0" u="none" strike="noStrike" cap="none">
+                <a:solidFill>
+                  <a:schemeClr val="dk1"/>
+                </a:solidFill>
+                <a:latin typeface="Playfair Display Regular"/>
+                <a:ea typeface="Playfair Display Regular"/>
+                <a:cs typeface="Playfair Display Regular"/>
+                <a:sym typeface="Playfair Display Regular"/>
+              </a:defRPr>
+            </a:lvl5pPr>
+            <a:lvl6pPr marR="0" lvl="5" algn="l" rtl="0">
+              <a:lnSpc>
+                <a:spcPct val="90000"/>
+              </a:lnSpc>
+              <a:spcBef>
+                <a:spcPts val="0"/>
+              </a:spcBef>
+              <a:spcAft>
+                <a:spcPts val="0"/>
+              </a:spcAft>
+              <a:buClr>
+                <a:schemeClr val="dk1"/>
+              </a:buClr>
+              <a:buSzPts val="3200"/>
+              <a:buFont typeface="Playfair Display Regular"/>
+              <a:buNone/>
+              <a:defRPr sz="3200" b="0" i="0" u="none" strike="noStrike" cap="none">
+                <a:solidFill>
+                  <a:schemeClr val="dk1"/>
+                </a:solidFill>
+                <a:latin typeface="Playfair Display Regular"/>
+                <a:ea typeface="Playfair Display Regular"/>
+                <a:cs typeface="Playfair Display Regular"/>
+                <a:sym typeface="Playfair Display Regular"/>
+              </a:defRPr>
+            </a:lvl6pPr>
+            <a:lvl7pPr marR="0" lvl="6" algn="l" rtl="0">
+              <a:lnSpc>
+                <a:spcPct val="90000"/>
+              </a:lnSpc>
+              <a:spcBef>
+                <a:spcPts val="0"/>
+              </a:spcBef>
+              <a:spcAft>
+                <a:spcPts val="0"/>
+              </a:spcAft>
+              <a:buClr>
+                <a:schemeClr val="dk1"/>
+              </a:buClr>
+              <a:buSzPts val="3200"/>
+              <a:buFont typeface="Playfair Display Regular"/>
+              <a:buNone/>
+              <a:defRPr sz="3200" b="0" i="0" u="none" strike="noStrike" cap="none">
+                <a:solidFill>
+                  <a:schemeClr val="dk1"/>
+                </a:solidFill>
+                <a:latin typeface="Playfair Display Regular"/>
+                <a:ea typeface="Playfair Display Regular"/>
+                <a:cs typeface="Playfair Display Regular"/>
+                <a:sym typeface="Playfair Display Regular"/>
+              </a:defRPr>
+            </a:lvl7pPr>
+            <a:lvl8pPr marR="0" lvl="7" algn="l" rtl="0">
+              <a:lnSpc>
+                <a:spcPct val="90000"/>
+              </a:lnSpc>
+              <a:spcBef>
+                <a:spcPts val="0"/>
+              </a:spcBef>
+              <a:spcAft>
+                <a:spcPts val="0"/>
+              </a:spcAft>
+              <a:buClr>
+                <a:schemeClr val="dk1"/>
+              </a:buClr>
+              <a:buSzPts val="3200"/>
+              <a:buFont typeface="Playfair Display Regular"/>
+              <a:buNone/>
+              <a:defRPr sz="3200" b="0" i="0" u="none" strike="noStrike" cap="none">
+                <a:solidFill>
+                  <a:schemeClr val="dk1"/>
+                </a:solidFill>
+                <a:latin typeface="Playfair Display Regular"/>
+                <a:ea typeface="Playfair Display Regular"/>
+                <a:cs typeface="Playfair Display Regular"/>
+                <a:sym typeface="Playfair Display Regular"/>
+              </a:defRPr>
+            </a:lvl8pPr>
+            <a:lvl9pPr marR="0" lvl="8" algn="l" rtl="0">
+              <a:lnSpc>
+                <a:spcPct val="90000"/>
+              </a:lnSpc>
+              <a:spcBef>
+                <a:spcPts val="0"/>
+              </a:spcBef>
+              <a:spcAft>
+                <a:spcPts val="0"/>
+              </a:spcAft>
+              <a:buClr>
+                <a:schemeClr val="dk1"/>
+              </a:buClr>
+              <a:buSzPts val="3200"/>
+              <a:buFont typeface="Playfair Display Regular"/>
+              <a:buNone/>
+              <a:defRPr sz="3200" b="0" i="0" u="none" strike="noStrike" cap="none">
+                <a:solidFill>
+                  <a:schemeClr val="dk1"/>
+                </a:solidFill>
+                <a:latin typeface="Playfair Display Regular"/>
+                <a:ea typeface="Playfair Display Regular"/>
+                <a:cs typeface="Playfair Display Regular"/>
+                <a:sym typeface="Playfair Display Regular"/>
+              </a:defRPr>
+            </a:lvl9pPr>
+          </a:lstStyle>
+          <a:p>
+            <a:r>
+              <a:rPr lang="en-US" sz="1100">
+                <a:solidFill>
+                  <a:srgbClr val="272364"/>
+                </a:solidFill>
+                <a:latin typeface="Calibri" panose="020F0502020204030204" pitchFamily="34" charset="0"/>
+                <a:cs typeface="Calibri" panose="020F0502020204030204" pitchFamily="34" charset="0"/>
+              </a:rPr>
+              <a:t>Home</a:t>
+            </a:r>
+            <a:endParaRPr lang="en-US" sz="1100" dirty="0">
+              <a:solidFill>
+                <a:srgbClr val="272364"/>
+              </a:solidFill>
+              <a:latin typeface="Calibri" panose="020F0502020204030204" pitchFamily="34" charset="0"/>
+              <a:cs typeface="Calibri" panose="020F0502020204030204" pitchFamily="34" charset="0"/>
+            </a:endParaRPr>
+          </a:p>
+        </p:txBody>
+      </p:sp>
+      <p:sp>
+        <p:nvSpPr>
+          <p:cNvPr id="15" name="Google Shape;79;p15">
+            <a:extLst>
+              <a:ext uri="{FF2B5EF4-FFF2-40B4-BE49-F238E27FC236}">
+                <a16:creationId xmlns:a16="http://schemas.microsoft.com/office/drawing/2014/main" id="{F3BBCD78-60D9-453C-94E3-C80741735C59}"/>
+              </a:ext>
+            </a:extLst>
+          </p:cNvPr>
+          <p:cNvSpPr txBox="1">
+            <a:spLocks/>
+          </p:cNvSpPr>
+          <p:nvPr/>
+        </p:nvSpPr>
+        <p:spPr>
+          <a:xfrm>
+            <a:off x="5352606" y="605510"/>
+            <a:ext cx="892249" cy="312588"/>
+          </a:xfrm>
+          <a:prstGeom prst="rect">
+            <a:avLst/>
+          </a:prstGeom>
+          <a:noFill/>
+          <a:ln>
+            <a:noFill/>
+          </a:ln>
+        </p:spPr>
+        <p:txBody>
+          <a:bodyPr spcFirstLastPara="1" wrap="square" lIns="0" tIns="0" rIns="0" bIns="0" anchor="ctr" anchorCtr="0">
+            <a:noAutofit/>
+          </a:bodyPr>
+          <a:lstStyle>
+            <a:defPPr marR="0" lvl="0" algn="l" rtl="0">
+              <a:lnSpc>
+                <a:spcPct val="100000"/>
+              </a:lnSpc>
+              <a:spcBef>
+                <a:spcPts val="0"/>
+              </a:spcBef>
+              <a:spcAft>
+                <a:spcPts val="0"/>
+              </a:spcAft>
+            </a:defPPr>
+            <a:lvl1pPr marR="0" lvl="0" algn="l" rtl="0">
+              <a:lnSpc>
+                <a:spcPct val="90000"/>
+              </a:lnSpc>
+              <a:spcBef>
+                <a:spcPts val="0"/>
+              </a:spcBef>
+              <a:spcAft>
+                <a:spcPts val="0"/>
+              </a:spcAft>
+              <a:buClr>
+                <a:schemeClr val="dk1"/>
+              </a:buClr>
+              <a:buSzPts val="5000"/>
+              <a:buFont typeface="Playfair Display Regular"/>
+              <a:buNone/>
+              <a:defRPr sz="5000" b="0" i="0" u="none" strike="noStrike" cap="none">
+                <a:solidFill>
+                  <a:schemeClr val="dk1"/>
+                </a:solidFill>
+                <a:latin typeface="Playfair Display Regular"/>
+                <a:ea typeface="Playfair Display Regular"/>
+                <a:cs typeface="Playfair Display Regular"/>
+                <a:sym typeface="Playfair Display Regular"/>
+              </a:defRPr>
+            </a:lvl1pPr>
+            <a:lvl2pPr marR="0" lvl="1" algn="l" rtl="0">
+              <a:lnSpc>
+                <a:spcPct val="90000"/>
+              </a:lnSpc>
+              <a:spcBef>
+                <a:spcPts val="0"/>
+              </a:spcBef>
+              <a:spcAft>
+                <a:spcPts val="0"/>
+              </a:spcAft>
+              <a:buClr>
+                <a:schemeClr val="dk1"/>
+              </a:buClr>
+              <a:buSzPts val="5000"/>
+              <a:buFont typeface="Playfair Display Regular"/>
+              <a:buNone/>
+              <a:defRPr sz="5000" b="0" i="0" u="none" strike="noStrike" cap="none">
+                <a:solidFill>
+                  <a:schemeClr val="dk1"/>
+                </a:solidFill>
+                <a:latin typeface="Playfair Display Regular"/>
+                <a:ea typeface="Playfair Display Regular"/>
+                <a:cs typeface="Playfair Display Regular"/>
+                <a:sym typeface="Playfair Display Regular"/>
+              </a:defRPr>
+            </a:lvl2pPr>
+            <a:lvl3pPr marR="0" lvl="2" algn="l" rtl="0">
+              <a:lnSpc>
+                <a:spcPct val="90000"/>
+              </a:lnSpc>
+              <a:spcBef>
+                <a:spcPts val="0"/>
+              </a:spcBef>
+              <a:spcAft>
+                <a:spcPts val="0"/>
+              </a:spcAft>
+              <a:buClr>
+                <a:schemeClr val="dk1"/>
+              </a:buClr>
+              <a:buSzPts val="5000"/>
+              <a:buFont typeface="Playfair Display Regular"/>
+              <a:buNone/>
+              <a:defRPr sz="5000" b="0" i="0" u="none" strike="noStrike" cap="none">
+                <a:solidFill>
+                  <a:schemeClr val="dk1"/>
+                </a:solidFill>
+                <a:latin typeface="Playfair Display Regular"/>
+                <a:ea typeface="Playfair Display Regular"/>
+                <a:cs typeface="Playfair Display Regular"/>
+                <a:sym typeface="Playfair Display Regular"/>
+              </a:defRPr>
+            </a:lvl3pPr>
+            <a:lvl4pPr marR="0" lvl="3" algn="l" rtl="0">
+              <a:lnSpc>
+                <a:spcPct val="90000"/>
+              </a:lnSpc>
+              <a:spcBef>
+                <a:spcPts val="0"/>
+              </a:spcBef>
+              <a:spcAft>
+                <a:spcPts val="0"/>
+              </a:spcAft>
+              <a:buClr>
+                <a:schemeClr val="dk1"/>
+              </a:buClr>
+              <a:buSzPts val="5000"/>
+              <a:buFont typeface="Playfair Display Regular"/>
+              <a:buNone/>
+              <a:defRPr sz="5000" b="0" i="0" u="none" strike="noStrike" cap="none">
+                <a:solidFill>
+                  <a:schemeClr val="dk1"/>
+                </a:solidFill>
+                <a:latin typeface="Playfair Display Regular"/>
+                <a:ea typeface="Playfair Display Regular"/>
+                <a:cs typeface="Playfair Display Regular"/>
+                <a:sym typeface="Playfair Display Regular"/>
+              </a:defRPr>
+            </a:lvl4pPr>
+            <a:lvl5pPr marR="0" lvl="4" algn="l" rtl="0">
+              <a:lnSpc>
+                <a:spcPct val="90000"/>
+              </a:lnSpc>
+              <a:spcBef>
+                <a:spcPts val="0"/>
+              </a:spcBef>
+              <a:spcAft>
+                <a:spcPts val="0"/>
+              </a:spcAft>
+              <a:buClr>
+                <a:schemeClr val="dk1"/>
+              </a:buClr>
+              <a:buSzPts val="5000"/>
+              <a:buFont typeface="Playfair Display Regular"/>
+              <a:buNone/>
+              <a:defRPr sz="5000" b="0" i="0" u="none" strike="noStrike" cap="none">
+                <a:solidFill>
+                  <a:schemeClr val="dk1"/>
+                </a:solidFill>
+                <a:latin typeface="Playfair Display Regular"/>
+                <a:ea typeface="Playfair Display Regular"/>
+                <a:cs typeface="Playfair Display Regular"/>
+                <a:sym typeface="Playfair Display Regular"/>
+              </a:defRPr>
+            </a:lvl5pPr>
+            <a:lvl6pPr marR="0" lvl="5" algn="l" rtl="0">
+              <a:lnSpc>
+                <a:spcPct val="90000"/>
+              </a:lnSpc>
+              <a:spcBef>
+                <a:spcPts val="0"/>
+              </a:spcBef>
+              <a:spcAft>
+                <a:spcPts val="0"/>
+              </a:spcAft>
+              <a:buClr>
+                <a:schemeClr val="dk1"/>
+              </a:buClr>
+              <a:buSzPts val="5000"/>
+              <a:buFont typeface="Playfair Display Regular"/>
+              <a:buNone/>
+              <a:defRPr sz="5000" b="0" i="0" u="none" strike="noStrike" cap="none">
+                <a:solidFill>
+                  <a:schemeClr val="dk1"/>
+                </a:solidFill>
+                <a:latin typeface="Playfair Display Regular"/>
+                <a:ea typeface="Playfair Display Regular"/>
+                <a:cs typeface="Playfair Display Regular"/>
+                <a:sym typeface="Playfair Display Regular"/>
+              </a:defRPr>
+            </a:lvl6pPr>
+            <a:lvl7pPr marR="0" lvl="6" algn="l" rtl="0">
+              <a:lnSpc>
+                <a:spcPct val="90000"/>
+              </a:lnSpc>
+              <a:spcBef>
+                <a:spcPts val="0"/>
+              </a:spcBef>
+              <a:spcAft>
+                <a:spcPts val="0"/>
+              </a:spcAft>
+              <a:buClr>
+                <a:schemeClr val="dk1"/>
+              </a:buClr>
+              <a:buSzPts val="5000"/>
+              <a:buFont typeface="Playfair Display Regular"/>
+              <a:buNone/>
+              <a:defRPr sz="5000" b="0" i="0" u="none" strike="noStrike" cap="none">
+                <a:solidFill>
+                  <a:schemeClr val="dk1"/>
+                </a:solidFill>
+                <a:latin typeface="Playfair Display Regular"/>
+                <a:ea typeface="Playfair Display Regular"/>
+                <a:cs typeface="Playfair Display Regular"/>
+                <a:sym typeface="Playfair Display Regular"/>
+              </a:defRPr>
+            </a:lvl7pPr>
+            <a:lvl8pPr marR="0" lvl="7" algn="l" rtl="0">
+              <a:lnSpc>
+                <a:spcPct val="90000"/>
+              </a:lnSpc>
+              <a:spcBef>
+                <a:spcPts val="0"/>
+              </a:spcBef>
+              <a:spcAft>
+                <a:spcPts val="0"/>
+              </a:spcAft>
+              <a:buClr>
+                <a:schemeClr val="dk1"/>
+              </a:buClr>
+              <a:buSzPts val="5000"/>
+              <a:buFont typeface="Playfair Display Regular"/>
+              <a:buNone/>
+              <a:defRPr sz="5000" b="0" i="0" u="none" strike="noStrike" cap="none">
+                <a:solidFill>
+                  <a:schemeClr val="dk1"/>
+                </a:solidFill>
+                <a:latin typeface="Playfair Display Regular"/>
+                <a:ea typeface="Playfair Display Regular"/>
+                <a:cs typeface="Playfair Display Regular"/>
+                <a:sym typeface="Playfair Display Regular"/>
+              </a:defRPr>
+            </a:lvl8pPr>
+            <a:lvl9pPr marR="0" lvl="8" algn="l" rtl="0">
+              <a:lnSpc>
+                <a:spcPct val="90000"/>
+              </a:lnSpc>
+              <a:spcBef>
+                <a:spcPts val="0"/>
+              </a:spcBef>
+              <a:spcAft>
+                <a:spcPts val="0"/>
+              </a:spcAft>
+              <a:buClr>
+                <a:schemeClr val="dk1"/>
+              </a:buClr>
+              <a:buSzPts val="5000"/>
+              <a:buFont typeface="Playfair Display Regular"/>
+              <a:buNone/>
+              <a:defRPr sz="5000" b="0" i="0" u="none" strike="noStrike" cap="none">
+                <a:solidFill>
+                  <a:schemeClr val="dk1"/>
+                </a:solidFill>
+                <a:latin typeface="Playfair Display Regular"/>
+                <a:ea typeface="Playfair Display Regular"/>
+                <a:cs typeface="Playfair Display Regular"/>
+                <a:sym typeface="Playfair Display Regular"/>
+              </a:defRPr>
+            </a:lvl9pPr>
+          </a:lstStyle>
+          <a:p>
+            <a:r>
+              <a:rPr lang="en-US" sz="1100" dirty="0">
+                <a:solidFill>
+                  <a:srgbClr val="272364"/>
+                </a:solidFill>
+                <a:latin typeface="Calibri" panose="020F0502020204030204" pitchFamily="34" charset="0"/>
+                <a:cs typeface="Calibri" panose="020F0502020204030204" pitchFamily="34" charset="0"/>
+              </a:rPr>
+              <a:t>Dashboard</a:t>
+            </a:r>
+          </a:p>
+        </p:txBody>
+      </p:sp>
+      <p:sp>
+        <p:nvSpPr>
+          <p:cNvPr id="16" name="Google Shape;79;p15">
+            <a:extLst>
+              <a:ext uri="{FF2B5EF4-FFF2-40B4-BE49-F238E27FC236}">
+                <a16:creationId xmlns:a16="http://schemas.microsoft.com/office/drawing/2014/main" id="{D2E0F7C6-4B5C-407D-928A-F47029569189}"/>
+              </a:ext>
+            </a:extLst>
+          </p:cNvPr>
+          <p:cNvSpPr txBox="1">
+            <a:spLocks/>
+          </p:cNvSpPr>
+          <p:nvPr/>
+        </p:nvSpPr>
+        <p:spPr>
+          <a:xfrm>
+            <a:off x="6297578" y="605510"/>
+            <a:ext cx="892249" cy="312588"/>
+          </a:xfrm>
+          <a:prstGeom prst="rect">
+            <a:avLst/>
+          </a:prstGeom>
+          <a:noFill/>
+          <a:ln>
+            <a:noFill/>
+          </a:ln>
+        </p:spPr>
+        <p:txBody>
+          <a:bodyPr spcFirstLastPara="1" wrap="square" lIns="0" tIns="0" rIns="0" bIns="0" anchor="ctr" anchorCtr="0">
+            <a:noAutofit/>
+          </a:bodyPr>
+          <a:lstStyle>
+            <a:defPPr marR="0" lvl="0" algn="l" rtl="0">
+              <a:lnSpc>
+                <a:spcPct val="100000"/>
+              </a:lnSpc>
+              <a:spcBef>
+                <a:spcPts val="0"/>
+              </a:spcBef>
+              <a:spcAft>
+                <a:spcPts val="0"/>
+              </a:spcAft>
+            </a:defPPr>
+            <a:lvl1pPr marR="0" lvl="0" algn="l" rtl="0">
+              <a:lnSpc>
+                <a:spcPct val="90000"/>
+              </a:lnSpc>
+              <a:spcBef>
+                <a:spcPts val="0"/>
+              </a:spcBef>
+              <a:spcAft>
+                <a:spcPts val="0"/>
+              </a:spcAft>
+              <a:buClr>
+                <a:schemeClr val="dk1"/>
+              </a:buClr>
+              <a:buSzPts val="5000"/>
+              <a:buFont typeface="Playfair Display Regular"/>
+              <a:buNone/>
+              <a:defRPr sz="5000" b="0" i="0" u="none" strike="noStrike" cap="none">
+                <a:solidFill>
+                  <a:schemeClr val="dk1"/>
+                </a:solidFill>
+                <a:latin typeface="Playfair Display Regular"/>
+                <a:ea typeface="Playfair Display Regular"/>
+                <a:cs typeface="Playfair Display Regular"/>
+                <a:sym typeface="Playfair Display Regular"/>
+              </a:defRPr>
+            </a:lvl1pPr>
+            <a:lvl2pPr marR="0" lvl="1" algn="l" rtl="0">
+              <a:lnSpc>
+                <a:spcPct val="90000"/>
+              </a:lnSpc>
+              <a:spcBef>
+                <a:spcPts val="0"/>
+              </a:spcBef>
+              <a:spcAft>
+                <a:spcPts val="0"/>
+              </a:spcAft>
+              <a:buClr>
+                <a:schemeClr val="dk1"/>
+              </a:buClr>
+              <a:buSzPts val="5000"/>
+              <a:buFont typeface="Playfair Display Regular"/>
+              <a:buNone/>
+              <a:defRPr sz="5000" b="0" i="0" u="none" strike="noStrike" cap="none">
+                <a:solidFill>
+                  <a:schemeClr val="dk1"/>
+                </a:solidFill>
+                <a:latin typeface="Playfair Display Regular"/>
+                <a:ea typeface="Playfair Display Regular"/>
+                <a:cs typeface="Playfair Display Regular"/>
+                <a:sym typeface="Playfair Display Regular"/>
+              </a:defRPr>
+            </a:lvl2pPr>
+            <a:lvl3pPr marR="0" lvl="2" algn="l" rtl="0">
+              <a:lnSpc>
+                <a:spcPct val="90000"/>
+              </a:lnSpc>
+              <a:spcBef>
+                <a:spcPts val="0"/>
+              </a:spcBef>
+              <a:spcAft>
+                <a:spcPts val="0"/>
+              </a:spcAft>
+              <a:buClr>
+                <a:schemeClr val="dk1"/>
+              </a:buClr>
+              <a:buSzPts val="5000"/>
+              <a:buFont typeface="Playfair Display Regular"/>
+              <a:buNone/>
+              <a:defRPr sz="5000" b="0" i="0" u="none" strike="noStrike" cap="none">
+                <a:solidFill>
+                  <a:schemeClr val="dk1"/>
+                </a:solidFill>
+                <a:latin typeface="Playfair Display Regular"/>
+                <a:ea typeface="Playfair Display Regular"/>
+                <a:cs typeface="Playfair Display Regular"/>
+                <a:sym typeface="Playfair Display Regular"/>
+              </a:defRPr>
+            </a:lvl3pPr>
+            <a:lvl4pPr marR="0" lvl="3" algn="l" rtl="0">
+              <a:lnSpc>
+                <a:spcPct val="90000"/>
+              </a:lnSpc>
+              <a:spcBef>
+                <a:spcPts val="0"/>
+              </a:spcBef>
+              <a:spcAft>
+                <a:spcPts val="0"/>
+              </a:spcAft>
+              <a:buClr>
+                <a:schemeClr val="dk1"/>
+              </a:buClr>
+              <a:buSzPts val="5000"/>
+              <a:buFont typeface="Playfair Display Regular"/>
+              <a:buNone/>
+              <a:defRPr sz="5000" b="0" i="0" u="none" strike="noStrike" cap="none">
+                <a:solidFill>
+                  <a:schemeClr val="dk1"/>
+                </a:solidFill>
+                <a:latin typeface="Playfair Display Regular"/>
+                <a:ea typeface="Playfair Display Regular"/>
+                <a:cs typeface="Playfair Display Regular"/>
+                <a:sym typeface="Playfair Display Regular"/>
+              </a:defRPr>
+            </a:lvl4pPr>
+            <a:lvl5pPr marR="0" lvl="4" algn="l" rtl="0">
+              <a:lnSpc>
+                <a:spcPct val="90000"/>
+              </a:lnSpc>
+              <a:spcBef>
+                <a:spcPts val="0"/>
+              </a:spcBef>
+              <a:spcAft>
+                <a:spcPts val="0"/>
+              </a:spcAft>
+              <a:buClr>
+                <a:schemeClr val="dk1"/>
+              </a:buClr>
+              <a:buSzPts val="5000"/>
+              <a:buFont typeface="Playfair Display Regular"/>
+              <a:buNone/>
+              <a:defRPr sz="5000" b="0" i="0" u="none" strike="noStrike" cap="none">
+                <a:solidFill>
+                  <a:schemeClr val="dk1"/>
+                </a:solidFill>
+                <a:latin typeface="Playfair Display Regular"/>
+                <a:ea typeface="Playfair Display Regular"/>
+                <a:cs typeface="Playfair Display Regular"/>
+                <a:sym typeface="Playfair Display Regular"/>
+              </a:defRPr>
+            </a:lvl5pPr>
+            <a:lvl6pPr marR="0" lvl="5" algn="l" rtl="0">
+              <a:lnSpc>
+                <a:spcPct val="90000"/>
+              </a:lnSpc>
+              <a:spcBef>
+                <a:spcPts val="0"/>
+              </a:spcBef>
+              <a:spcAft>
+                <a:spcPts val="0"/>
+              </a:spcAft>
+              <a:buClr>
+                <a:schemeClr val="dk1"/>
+              </a:buClr>
+              <a:buSzPts val="5000"/>
+              <a:buFont typeface="Playfair Display Regular"/>
+              <a:buNone/>
+              <a:defRPr sz="5000" b="0" i="0" u="none" strike="noStrike" cap="none">
+                <a:solidFill>
+                  <a:schemeClr val="dk1"/>
+                </a:solidFill>
+                <a:latin typeface="Playfair Display Regular"/>
+                <a:ea typeface="Playfair Display Regular"/>
+                <a:cs typeface="Playfair Display Regular"/>
+                <a:sym typeface="Playfair Display Regular"/>
+              </a:defRPr>
+            </a:lvl6pPr>
+            <a:lvl7pPr marR="0" lvl="6" algn="l" rtl="0">
+              <a:lnSpc>
+                <a:spcPct val="90000"/>
+              </a:lnSpc>
+              <a:spcBef>
+                <a:spcPts val="0"/>
+              </a:spcBef>
+              <a:spcAft>
+                <a:spcPts val="0"/>
+              </a:spcAft>
+              <a:buClr>
+                <a:schemeClr val="dk1"/>
+              </a:buClr>
+              <a:buSzPts val="5000"/>
+              <a:buFont typeface="Playfair Display Regular"/>
+              <a:buNone/>
+              <a:defRPr sz="5000" b="0" i="0" u="none" strike="noStrike" cap="none">
+                <a:solidFill>
+                  <a:schemeClr val="dk1"/>
+                </a:solidFill>
+                <a:latin typeface="Playfair Display Regular"/>
+                <a:ea typeface="Playfair Display Regular"/>
+                <a:cs typeface="Playfair Display Regular"/>
+                <a:sym typeface="Playfair Display Regular"/>
+              </a:defRPr>
+            </a:lvl7pPr>
+            <a:lvl8pPr marR="0" lvl="7" algn="l" rtl="0">
+              <a:lnSpc>
+                <a:spcPct val="90000"/>
+              </a:lnSpc>
+              <a:spcBef>
+                <a:spcPts val="0"/>
+              </a:spcBef>
+              <a:spcAft>
+                <a:spcPts val="0"/>
+              </a:spcAft>
+              <a:buClr>
+                <a:schemeClr val="dk1"/>
+              </a:buClr>
+              <a:buSzPts val="5000"/>
+              <a:buFont typeface="Playfair Display Regular"/>
+              <a:buNone/>
+              <a:defRPr sz="5000" b="0" i="0" u="none" strike="noStrike" cap="none">
+                <a:solidFill>
+                  <a:schemeClr val="dk1"/>
+                </a:solidFill>
+                <a:latin typeface="Playfair Display Regular"/>
+                <a:ea typeface="Playfair Display Regular"/>
+                <a:cs typeface="Playfair Display Regular"/>
+                <a:sym typeface="Playfair Display Regular"/>
+              </a:defRPr>
+            </a:lvl8pPr>
+            <a:lvl9pPr marR="0" lvl="8" algn="l" rtl="0">
+              <a:lnSpc>
+                <a:spcPct val="90000"/>
+              </a:lnSpc>
+              <a:spcBef>
+                <a:spcPts val="0"/>
+              </a:spcBef>
+              <a:spcAft>
+                <a:spcPts val="0"/>
+              </a:spcAft>
+              <a:buClr>
+                <a:schemeClr val="dk1"/>
+              </a:buClr>
+              <a:buSzPts val="5000"/>
+              <a:buFont typeface="Playfair Display Regular"/>
+              <a:buNone/>
+              <a:defRPr sz="5000" b="0" i="0" u="none" strike="noStrike" cap="none">
+                <a:solidFill>
+                  <a:schemeClr val="dk1"/>
+                </a:solidFill>
+                <a:latin typeface="Playfair Display Regular"/>
+                <a:ea typeface="Playfair Display Regular"/>
+                <a:cs typeface="Playfair Display Regular"/>
+                <a:sym typeface="Playfair Display Regular"/>
+              </a:defRPr>
+            </a:lvl9pPr>
+          </a:lstStyle>
+          <a:p>
+            <a:r>
+              <a:rPr lang="en-US" sz="1100" dirty="0">
+                <a:solidFill>
+                  <a:srgbClr val="272364"/>
+                </a:solidFill>
+                <a:latin typeface="Calibri" panose="020F0502020204030204" pitchFamily="34" charset="0"/>
+                <a:cs typeface="Calibri" panose="020F0502020204030204" pitchFamily="34" charset="0"/>
+              </a:rPr>
+              <a:t>About us</a:t>
+            </a:r>
+          </a:p>
+        </p:txBody>
+      </p:sp>
+      <p:sp>
+        <p:nvSpPr>
+          <p:cNvPr id="17" name="Google Shape;79;p15">
+            <a:extLst>
+              <a:ext uri="{FF2B5EF4-FFF2-40B4-BE49-F238E27FC236}">
+                <a16:creationId xmlns:a16="http://schemas.microsoft.com/office/drawing/2014/main" id="{1F9425B2-B246-4255-8A73-109F2C3CE715}"/>
+              </a:ext>
+            </a:extLst>
+          </p:cNvPr>
+          <p:cNvSpPr txBox="1">
+            <a:spLocks/>
+          </p:cNvSpPr>
+          <p:nvPr/>
+        </p:nvSpPr>
+        <p:spPr>
+          <a:xfrm>
+            <a:off x="8416961" y="605510"/>
+            <a:ext cx="365608" cy="312588"/>
+          </a:xfrm>
+          <a:prstGeom prst="rect">
+            <a:avLst/>
+          </a:prstGeom>
+          <a:noFill/>
+          <a:ln>
+            <a:noFill/>
+          </a:ln>
+        </p:spPr>
+        <p:txBody>
+          <a:bodyPr spcFirstLastPara="1" wrap="square" lIns="0" tIns="0" rIns="0" bIns="0" anchor="ctr" anchorCtr="0">
+            <a:noAutofit/>
+          </a:bodyPr>
+          <a:lstStyle>
+            <a:defPPr marR="0" lvl="0" algn="l" rtl="0">
+              <a:lnSpc>
+                <a:spcPct val="100000"/>
+              </a:lnSpc>
+              <a:spcBef>
+                <a:spcPts val="0"/>
+              </a:spcBef>
+              <a:spcAft>
+                <a:spcPts val="0"/>
+              </a:spcAft>
+            </a:defPPr>
+            <a:lvl1pPr marR="0" lvl="0" algn="l" rtl="0">
+              <a:lnSpc>
+                <a:spcPct val="90000"/>
+              </a:lnSpc>
+              <a:spcBef>
+                <a:spcPts val="0"/>
+              </a:spcBef>
+              <a:spcAft>
+                <a:spcPts val="0"/>
+              </a:spcAft>
+              <a:buClr>
+                <a:schemeClr val="dk1"/>
+              </a:buClr>
+              <a:buSzPts val="5000"/>
+              <a:buFont typeface="Playfair Display Regular"/>
+              <a:buNone/>
+              <a:defRPr sz="5000" b="0" i="0" u="none" strike="noStrike" cap="none">
+                <a:solidFill>
+                  <a:schemeClr val="dk1"/>
+                </a:solidFill>
+                <a:latin typeface="Playfair Display Regular"/>
+                <a:ea typeface="Playfair Display Regular"/>
+                <a:cs typeface="Playfair Display Regular"/>
+                <a:sym typeface="Playfair Display Regular"/>
+              </a:defRPr>
+            </a:lvl1pPr>
+            <a:lvl2pPr marR="0" lvl="1" algn="l" rtl="0">
+              <a:lnSpc>
+                <a:spcPct val="90000"/>
+              </a:lnSpc>
+              <a:spcBef>
+                <a:spcPts val="0"/>
+              </a:spcBef>
+              <a:spcAft>
+                <a:spcPts val="0"/>
+              </a:spcAft>
+              <a:buClr>
+                <a:schemeClr val="dk1"/>
+              </a:buClr>
+              <a:buSzPts val="5000"/>
+              <a:buFont typeface="Playfair Display Regular"/>
+              <a:buNone/>
+              <a:defRPr sz="5000" b="0" i="0" u="none" strike="noStrike" cap="none">
+                <a:solidFill>
+                  <a:schemeClr val="dk1"/>
+                </a:solidFill>
+                <a:latin typeface="Playfair Display Regular"/>
+                <a:ea typeface="Playfair Display Regular"/>
+                <a:cs typeface="Playfair Display Regular"/>
+                <a:sym typeface="Playfair Display Regular"/>
+              </a:defRPr>
+            </a:lvl2pPr>
+            <a:lvl3pPr marR="0" lvl="2" algn="l" rtl="0">
+              <a:lnSpc>
+                <a:spcPct val="90000"/>
+              </a:lnSpc>
+              <a:spcBef>
+                <a:spcPts val="0"/>
+              </a:spcBef>
+              <a:spcAft>
+                <a:spcPts val="0"/>
+              </a:spcAft>
+              <a:buClr>
+                <a:schemeClr val="dk1"/>
+              </a:buClr>
+              <a:buSzPts val="5000"/>
+              <a:buFont typeface="Playfair Display Regular"/>
+              <a:buNone/>
+              <a:defRPr sz="5000" b="0" i="0" u="none" strike="noStrike" cap="none">
+                <a:solidFill>
+                  <a:schemeClr val="dk1"/>
+                </a:solidFill>
+                <a:latin typeface="Playfair Display Regular"/>
+                <a:ea typeface="Playfair Display Regular"/>
+                <a:cs typeface="Playfair Display Regular"/>
+                <a:sym typeface="Playfair Display Regular"/>
+              </a:defRPr>
+            </a:lvl3pPr>
+            <a:lvl4pPr marR="0" lvl="3" algn="l" rtl="0">
+              <a:lnSpc>
+                <a:spcPct val="90000"/>
+              </a:lnSpc>
+              <a:spcBef>
+                <a:spcPts val="0"/>
+              </a:spcBef>
+              <a:spcAft>
+                <a:spcPts val="0"/>
+              </a:spcAft>
+              <a:buClr>
+                <a:schemeClr val="dk1"/>
+              </a:buClr>
+              <a:buSzPts val="5000"/>
+              <a:buFont typeface="Playfair Display Regular"/>
+              <a:buNone/>
+              <a:defRPr sz="5000" b="0" i="0" u="none" strike="noStrike" cap="none">
+                <a:solidFill>
+                  <a:schemeClr val="dk1"/>
+                </a:solidFill>
+                <a:latin typeface="Playfair Display Regular"/>
+                <a:ea typeface="Playfair Display Regular"/>
+                <a:cs typeface="Playfair Display Regular"/>
+                <a:sym typeface="Playfair Display Regular"/>
+              </a:defRPr>
+            </a:lvl4pPr>
+            <a:lvl5pPr marR="0" lvl="4" algn="l" rtl="0">
+              <a:lnSpc>
+                <a:spcPct val="90000"/>
+              </a:lnSpc>
+              <a:spcBef>
+                <a:spcPts val="0"/>
+              </a:spcBef>
+              <a:spcAft>
+                <a:spcPts val="0"/>
+              </a:spcAft>
+              <a:buClr>
+                <a:schemeClr val="dk1"/>
+              </a:buClr>
+              <a:buSzPts val="5000"/>
+              <a:buFont typeface="Playfair Display Regular"/>
+              <a:buNone/>
+              <a:defRPr sz="5000" b="0" i="0" u="none" strike="noStrike" cap="none">
+                <a:solidFill>
+                  <a:schemeClr val="dk1"/>
+                </a:solidFill>
+                <a:latin typeface="Playfair Display Regular"/>
+                <a:ea typeface="Playfair Display Regular"/>
+                <a:cs typeface="Playfair Display Regular"/>
+                <a:sym typeface="Playfair Display Regular"/>
+              </a:defRPr>
+            </a:lvl5pPr>
+            <a:lvl6pPr marR="0" lvl="5" algn="l" rtl="0">
+              <a:lnSpc>
+                <a:spcPct val="90000"/>
+              </a:lnSpc>
+              <a:spcBef>
+                <a:spcPts val="0"/>
+              </a:spcBef>
+              <a:spcAft>
+                <a:spcPts val="0"/>
+              </a:spcAft>
+              <a:buClr>
+                <a:schemeClr val="dk1"/>
+              </a:buClr>
+              <a:buSzPts val="5000"/>
+              <a:buFont typeface="Playfair Display Regular"/>
+              <a:buNone/>
+              <a:defRPr sz="5000" b="0" i="0" u="none" strike="noStrike" cap="none">
+                <a:solidFill>
+                  <a:schemeClr val="dk1"/>
+                </a:solidFill>
+                <a:latin typeface="Playfair Display Regular"/>
+                <a:ea typeface="Playfair Display Regular"/>
+                <a:cs typeface="Playfair Display Regular"/>
+                <a:sym typeface="Playfair Display Regular"/>
+              </a:defRPr>
+            </a:lvl6pPr>
+            <a:lvl7pPr marR="0" lvl="6" algn="l" rtl="0">
+              <a:lnSpc>
+                <a:spcPct val="90000"/>
+              </a:lnSpc>
+              <a:spcBef>
+                <a:spcPts val="0"/>
+              </a:spcBef>
+              <a:spcAft>
+                <a:spcPts val="0"/>
+              </a:spcAft>
+              <a:buClr>
+                <a:schemeClr val="dk1"/>
+              </a:buClr>
+              <a:buSzPts val="5000"/>
+              <a:buFont typeface="Playfair Display Regular"/>
+              <a:buNone/>
+              <a:defRPr sz="5000" b="0" i="0" u="none" strike="noStrike" cap="none">
+                <a:solidFill>
+                  <a:schemeClr val="dk1"/>
+                </a:solidFill>
+                <a:latin typeface="Playfair Display Regular"/>
+                <a:ea typeface="Playfair Display Regular"/>
+                <a:cs typeface="Playfair Display Regular"/>
+                <a:sym typeface="Playfair Display Regular"/>
+              </a:defRPr>
+            </a:lvl7pPr>
+            <a:lvl8pPr marR="0" lvl="7" algn="l" rtl="0">
+              <a:lnSpc>
+                <a:spcPct val="90000"/>
+              </a:lnSpc>
+              <a:spcBef>
+                <a:spcPts val="0"/>
+              </a:spcBef>
+              <a:spcAft>
+                <a:spcPts val="0"/>
+              </a:spcAft>
+              <a:buClr>
+                <a:schemeClr val="dk1"/>
+              </a:buClr>
+              <a:buSzPts val="5000"/>
+              <a:buFont typeface="Playfair Display Regular"/>
+              <a:buNone/>
+              <a:defRPr sz="5000" b="0" i="0" u="none" strike="noStrike" cap="none">
+                <a:solidFill>
+                  <a:schemeClr val="dk1"/>
+                </a:solidFill>
+                <a:latin typeface="Playfair Display Regular"/>
+                <a:ea typeface="Playfair Display Regular"/>
+                <a:cs typeface="Playfair Display Regular"/>
+                <a:sym typeface="Playfair Display Regular"/>
+              </a:defRPr>
+            </a:lvl8pPr>
+            <a:lvl9pPr marR="0" lvl="8" algn="l" rtl="0">
+              <a:lnSpc>
+                <a:spcPct val="90000"/>
+              </a:lnSpc>
+              <a:spcBef>
+                <a:spcPts val="0"/>
+              </a:spcBef>
+              <a:spcAft>
+                <a:spcPts val="0"/>
+              </a:spcAft>
+              <a:buClr>
+                <a:schemeClr val="dk1"/>
+              </a:buClr>
+              <a:buSzPts val="5000"/>
+              <a:buFont typeface="Playfair Display Regular"/>
+              <a:buNone/>
+              <a:defRPr sz="5000" b="0" i="0" u="none" strike="noStrike" cap="none">
+                <a:solidFill>
+                  <a:schemeClr val="dk1"/>
+                </a:solidFill>
+                <a:latin typeface="Playfair Display Regular"/>
+                <a:ea typeface="Playfair Display Regular"/>
+                <a:cs typeface="Playfair Display Regular"/>
+                <a:sym typeface="Playfair Display Regular"/>
+              </a:defRPr>
+            </a:lvl9pPr>
+          </a:lstStyle>
+          <a:p>
+            <a:r>
+              <a:rPr lang="en-US" sz="1100" dirty="0">
+                <a:solidFill>
+                  <a:srgbClr val="272364"/>
+                </a:solidFill>
+                <a:latin typeface="Calibri" panose="020F0502020204030204" pitchFamily="34" charset="0"/>
+                <a:cs typeface="Calibri" panose="020F0502020204030204" pitchFamily="34" charset="0"/>
+              </a:rPr>
+              <a:t>Login</a:t>
+            </a:r>
+          </a:p>
+        </p:txBody>
+      </p:sp>
+      <p:sp>
+        <p:nvSpPr>
+          <p:cNvPr id="18" name="Google Shape;79;p15">
+            <a:extLst>
+              <a:ext uri="{FF2B5EF4-FFF2-40B4-BE49-F238E27FC236}">
+                <a16:creationId xmlns:a16="http://schemas.microsoft.com/office/drawing/2014/main" id="{F5567429-17FC-439B-8089-5E5B2DC84B77}"/>
+              </a:ext>
+            </a:extLst>
+          </p:cNvPr>
+          <p:cNvSpPr txBox="1">
+            <a:spLocks/>
+          </p:cNvSpPr>
+          <p:nvPr/>
+        </p:nvSpPr>
+        <p:spPr>
+          <a:xfrm>
+            <a:off x="7124923" y="605510"/>
+            <a:ext cx="1017591" cy="312588"/>
+          </a:xfrm>
+          <a:prstGeom prst="rect">
+            <a:avLst/>
+          </a:prstGeom>
+          <a:noFill/>
+          <a:ln>
+            <a:noFill/>
+          </a:ln>
+        </p:spPr>
+        <p:txBody>
+          <a:bodyPr spcFirstLastPara="1" wrap="square" lIns="0" tIns="0" rIns="0" bIns="0" anchor="ctr" anchorCtr="0">
+            <a:noAutofit/>
+          </a:bodyPr>
+          <a:lstStyle>
+            <a:defPPr marR="0" lvl="0" algn="l" rtl="0">
+              <a:lnSpc>
+                <a:spcPct val="100000"/>
+              </a:lnSpc>
+              <a:spcBef>
+                <a:spcPts val="0"/>
+              </a:spcBef>
+              <a:spcAft>
+                <a:spcPts val="0"/>
+              </a:spcAft>
+            </a:defPPr>
+            <a:lvl1pPr marR="0" lvl="0" algn="l" rtl="0">
+              <a:lnSpc>
+                <a:spcPct val="90000"/>
+              </a:lnSpc>
+              <a:spcBef>
+                <a:spcPts val="0"/>
+              </a:spcBef>
+              <a:spcAft>
+                <a:spcPts val="0"/>
+              </a:spcAft>
+              <a:buClr>
+                <a:schemeClr val="dk1"/>
+              </a:buClr>
+              <a:buSzPts val="5000"/>
+              <a:buFont typeface="Playfair Display Regular"/>
+              <a:buNone/>
+              <a:defRPr sz="5000" b="0" i="0" u="none" strike="noStrike" cap="none">
+                <a:solidFill>
+                  <a:schemeClr val="dk1"/>
+                </a:solidFill>
+                <a:latin typeface="Playfair Display Regular"/>
+                <a:ea typeface="Playfair Display Regular"/>
+                <a:cs typeface="Playfair Display Regular"/>
+                <a:sym typeface="Playfair Display Regular"/>
+              </a:defRPr>
+            </a:lvl1pPr>
+            <a:lvl2pPr marR="0" lvl="1" algn="l" rtl="0">
+              <a:lnSpc>
+                <a:spcPct val="90000"/>
+              </a:lnSpc>
+              <a:spcBef>
+                <a:spcPts val="0"/>
+              </a:spcBef>
+              <a:spcAft>
+                <a:spcPts val="0"/>
+              </a:spcAft>
+              <a:buClr>
+                <a:schemeClr val="dk1"/>
+              </a:buClr>
+              <a:buSzPts val="5000"/>
+              <a:buFont typeface="Playfair Display Regular"/>
+              <a:buNone/>
+              <a:defRPr sz="5000" b="0" i="0" u="none" strike="noStrike" cap="none">
+                <a:solidFill>
+                  <a:schemeClr val="dk1"/>
+                </a:solidFill>
+                <a:latin typeface="Playfair Display Regular"/>
+                <a:ea typeface="Playfair Display Regular"/>
+                <a:cs typeface="Playfair Display Regular"/>
+                <a:sym typeface="Playfair Display Regular"/>
+              </a:defRPr>
+            </a:lvl2pPr>
+            <a:lvl3pPr marR="0" lvl="2" algn="l" rtl="0">
+              <a:lnSpc>
+                <a:spcPct val="90000"/>
+              </a:lnSpc>
+              <a:spcBef>
+                <a:spcPts val="0"/>
+              </a:spcBef>
+              <a:spcAft>
+                <a:spcPts val="0"/>
+              </a:spcAft>
+              <a:buClr>
+                <a:schemeClr val="dk1"/>
+              </a:buClr>
+              <a:buSzPts val="5000"/>
+              <a:buFont typeface="Playfair Display Regular"/>
+              <a:buNone/>
+              <a:defRPr sz="5000" b="0" i="0" u="none" strike="noStrike" cap="none">
+                <a:solidFill>
+                  <a:schemeClr val="dk1"/>
+                </a:solidFill>
+                <a:latin typeface="Playfair Display Regular"/>
+                <a:ea typeface="Playfair Display Regular"/>
+                <a:cs typeface="Playfair Display Regular"/>
+                <a:sym typeface="Playfair Display Regular"/>
+              </a:defRPr>
+            </a:lvl3pPr>
+            <a:lvl4pPr marR="0" lvl="3" algn="l" rtl="0">
+              <a:lnSpc>
+                <a:spcPct val="90000"/>
+              </a:lnSpc>
+              <a:spcBef>
+                <a:spcPts val="0"/>
+              </a:spcBef>
+              <a:spcAft>
+                <a:spcPts val="0"/>
+              </a:spcAft>
+              <a:buClr>
+                <a:schemeClr val="dk1"/>
+              </a:buClr>
+              <a:buSzPts val="5000"/>
+              <a:buFont typeface="Playfair Display Regular"/>
+              <a:buNone/>
+              <a:defRPr sz="5000" b="0" i="0" u="none" strike="noStrike" cap="none">
+                <a:solidFill>
+                  <a:schemeClr val="dk1"/>
+                </a:solidFill>
+                <a:latin typeface="Playfair Display Regular"/>
+                <a:ea typeface="Playfair Display Regular"/>
+                <a:cs typeface="Playfair Display Regular"/>
+                <a:sym typeface="Playfair Display Regular"/>
+              </a:defRPr>
+            </a:lvl4pPr>
+            <a:lvl5pPr marR="0" lvl="4" algn="l" rtl="0">
+              <a:lnSpc>
+                <a:spcPct val="90000"/>
+              </a:lnSpc>
+              <a:spcBef>
+                <a:spcPts val="0"/>
+              </a:spcBef>
+              <a:spcAft>
+                <a:spcPts val="0"/>
+              </a:spcAft>
+              <a:buClr>
+                <a:schemeClr val="dk1"/>
+              </a:buClr>
+              <a:buSzPts val="5000"/>
+              <a:buFont typeface="Playfair Display Regular"/>
+              <a:buNone/>
+              <a:defRPr sz="5000" b="0" i="0" u="none" strike="noStrike" cap="none">
+                <a:solidFill>
+                  <a:schemeClr val="dk1"/>
+                </a:solidFill>
+                <a:latin typeface="Playfair Display Regular"/>
+                <a:ea typeface="Playfair Display Regular"/>
+                <a:cs typeface="Playfair Display Regular"/>
+                <a:sym typeface="Playfair Display Regular"/>
+              </a:defRPr>
+            </a:lvl5pPr>
+            <a:lvl6pPr marR="0" lvl="5" algn="l" rtl="0">
+              <a:lnSpc>
+                <a:spcPct val="90000"/>
+              </a:lnSpc>
+              <a:spcBef>
+                <a:spcPts val="0"/>
+              </a:spcBef>
+              <a:spcAft>
+                <a:spcPts val="0"/>
+              </a:spcAft>
+              <a:buClr>
+                <a:schemeClr val="dk1"/>
+              </a:buClr>
+              <a:buSzPts val="5000"/>
+              <a:buFont typeface="Playfair Display Regular"/>
+              <a:buNone/>
+              <a:defRPr sz="5000" b="0" i="0" u="none" strike="noStrike" cap="none">
+                <a:solidFill>
+                  <a:schemeClr val="dk1"/>
+                </a:solidFill>
+                <a:latin typeface="Playfair Display Regular"/>
+                <a:ea typeface="Playfair Display Regular"/>
+                <a:cs typeface="Playfair Display Regular"/>
+                <a:sym typeface="Playfair Display Regular"/>
+              </a:defRPr>
+            </a:lvl6pPr>
+            <a:lvl7pPr marR="0" lvl="6" algn="l" rtl="0">
+              <a:lnSpc>
+                <a:spcPct val="90000"/>
+              </a:lnSpc>
+              <a:spcBef>
+                <a:spcPts val="0"/>
+              </a:spcBef>
+              <a:spcAft>
+                <a:spcPts val="0"/>
+              </a:spcAft>
+              <a:buClr>
+                <a:schemeClr val="dk1"/>
+              </a:buClr>
+              <a:buSzPts val="5000"/>
+              <a:buFont typeface="Playfair Display Regular"/>
+              <a:buNone/>
+              <a:defRPr sz="5000" b="0" i="0" u="none" strike="noStrike" cap="none">
+                <a:solidFill>
+                  <a:schemeClr val="dk1"/>
+                </a:solidFill>
+                <a:latin typeface="Playfair Display Regular"/>
+                <a:ea typeface="Playfair Display Regular"/>
+                <a:cs typeface="Playfair Display Regular"/>
+                <a:sym typeface="Playfair Display Regular"/>
+              </a:defRPr>
+            </a:lvl7pPr>
+            <a:lvl8pPr marR="0" lvl="7" algn="l" rtl="0">
+              <a:lnSpc>
+                <a:spcPct val="90000"/>
+              </a:lnSpc>
+              <a:spcBef>
+                <a:spcPts val="0"/>
+              </a:spcBef>
+              <a:spcAft>
+                <a:spcPts val="0"/>
+              </a:spcAft>
+              <a:buClr>
+                <a:schemeClr val="dk1"/>
+              </a:buClr>
+              <a:buSzPts val="5000"/>
+              <a:buFont typeface="Playfair Display Regular"/>
+              <a:buNone/>
+              <a:defRPr sz="5000" b="0" i="0" u="none" strike="noStrike" cap="none">
+                <a:solidFill>
+                  <a:schemeClr val="dk1"/>
+                </a:solidFill>
+                <a:latin typeface="Playfair Display Regular"/>
+                <a:ea typeface="Playfair Display Regular"/>
+                <a:cs typeface="Playfair Display Regular"/>
+                <a:sym typeface="Playfair Display Regular"/>
+              </a:defRPr>
+            </a:lvl8pPr>
+            <a:lvl9pPr marR="0" lvl="8" algn="l" rtl="0">
+              <a:lnSpc>
+                <a:spcPct val="90000"/>
+              </a:lnSpc>
+              <a:spcBef>
+                <a:spcPts val="0"/>
+              </a:spcBef>
+              <a:spcAft>
+                <a:spcPts val="0"/>
+              </a:spcAft>
+              <a:buClr>
+                <a:schemeClr val="dk1"/>
+              </a:buClr>
+              <a:buSzPts val="5000"/>
+              <a:buFont typeface="Playfair Display Regular"/>
+              <a:buNone/>
+              <a:defRPr sz="5000" b="0" i="0" u="none" strike="noStrike" cap="none">
+                <a:solidFill>
+                  <a:schemeClr val="dk1"/>
+                </a:solidFill>
+                <a:latin typeface="Playfair Display Regular"/>
+                <a:ea typeface="Playfair Display Regular"/>
+                <a:cs typeface="Playfair Display Regular"/>
+                <a:sym typeface="Playfair Display Regular"/>
+              </a:defRPr>
+            </a:lvl9pPr>
+          </a:lstStyle>
+          <a:p>
+            <a:r>
+              <a:rPr lang="en-US" sz="1100" dirty="0">
+                <a:solidFill>
+                  <a:srgbClr val="272364"/>
+                </a:solidFill>
+                <a:latin typeface="Calibri" panose="020F0502020204030204" pitchFamily="34" charset="0"/>
+                <a:cs typeface="Calibri" panose="020F0502020204030204" pitchFamily="34" charset="0"/>
+              </a:rPr>
+              <a:t>Getting started</a:t>
+            </a:r>
+          </a:p>
+        </p:txBody>
+      </p:sp>
+    </p:spTree>
+    <p:extLst>
+      <p:ext uri="{BB962C8B-B14F-4D97-AF65-F5344CB8AC3E}">
+        <p14:creationId xmlns:p14="http://schemas.microsoft.com/office/powerpoint/2010/main" val="3249981803"/>
+      </p:ext>
+    </p:extLst>
+  </p:cSld>
+  <p:clrMapOvr>
+    <a:masterClrMapping/>
+  </p:clrMapOvr>
+</p:sld>
+</file>
+
+<file path=ppt/slides/slide6.xml><?xml version="1.0" encoding="utf-8"?>
+<p:sld xmlns:a="http://schemas.openxmlformats.org/drawingml/2006/main" xmlns:r="http://schemas.openxmlformats.org/officeDocument/2006/relationships" xmlns:p="http://schemas.openxmlformats.org/presentationml/2006/main" showMasterSp="0">
+  <p:cSld>
+    <p:bg>
+      <p:bgPr>
+        <a:pattFill prst="pct80">
+          <a:fgClr>
+            <a:schemeClr val="lt2"/>
+          </a:fgClr>
+          <a:bgClr>
+            <a:schemeClr val="bg1"/>
+          </a:bgClr>
+        </a:pattFill>
+        <a:effectLst/>
+      </p:bgPr>
+    </p:bg>
+    <p:spTree>
+      <p:nvGrpSpPr>
+        <p:cNvPr id="1" name="Shape 78"/>
+        <p:cNvGrpSpPr/>
+        <p:nvPr/>
+      </p:nvGrpSpPr>
+      <p:grpSpPr>
+        <a:xfrm>
+          <a:off x="0" y="0"/>
+          <a:ext cx="0" cy="0"/>
+          <a:chOff x="0" y="0"/>
+          <a:chExt cx="0" cy="0"/>
+        </a:xfrm>
+      </p:grpSpPr>
       <p:sp>
         <p:nvSpPr>
           <p:cNvPr id="20" name="Terminator 19">
@@ -14901,7 +16832,7 @@
 </p:sld>
 </file>
 
-<file path=ppt/slides/slide6.xml><?xml version="1.0" encoding="utf-8"?>
+<file path=ppt/slides/slide7.xml><?xml version="1.0" encoding="utf-8"?>
 <p:sld xmlns:a="http://schemas.openxmlformats.org/drawingml/2006/main" xmlns:r="http://schemas.openxmlformats.org/officeDocument/2006/relationships" xmlns:p="http://schemas.openxmlformats.org/presentationml/2006/main" showMasterSp="0">
   <p:cSld>
     <p:bg>

--- a/resources/glucocheck-Demo2.pptx
+++ b/resources/glucocheck-Demo2.pptx
@@ -13538,7 +13538,7 @@
         <p:spPr>
           <a:xfrm>
             <a:off x="496845" y="2023900"/>
-            <a:ext cx="4583746" cy="2321085"/>
+            <a:ext cx="4169076" cy="2644250"/>
           </a:xfrm>
           <a:prstGeom prst="rect">
             <a:avLst/>
@@ -13640,42 +13640,6 @@
           </a:p>
         </p:txBody>
       </p:sp>
-      <p:pic>
-        <p:nvPicPr>
-          <p:cNvPr id="6" name="Graphic 5">
-            <a:extLst>
-              <a:ext uri="{FF2B5EF4-FFF2-40B4-BE49-F238E27FC236}">
-                <a16:creationId xmlns:a16="http://schemas.microsoft.com/office/drawing/2014/main" id="{11450E05-AE9B-4A06-BF5F-D5CA4E0AB273}"/>
-              </a:ext>
-            </a:extLst>
-          </p:cNvPr>
-          <p:cNvPicPr>
-            <a:picLocks noChangeAspect="1"/>
-          </p:cNvPicPr>
-          <p:nvPr/>
-        </p:nvPicPr>
-        <p:blipFill>
-          <a:blip r:embed="rId6">
-            <a:extLst>
-              <a:ext uri="{96DAC541-7B7A-43D3-8B79-37D633B846F1}">
-                <asvg:svgBlip xmlns:asvg="http://schemas.microsoft.com/office/drawing/2016/SVG/main" r:embed="rId7"/>
-              </a:ext>
-            </a:extLst>
-          </a:blip>
-          <a:stretch>
-            <a:fillRect/>
-          </a:stretch>
-        </p:blipFill>
-        <p:spPr>
-          <a:xfrm>
-            <a:off x="5514045" y="1624398"/>
-            <a:ext cx="2899145" cy="2899145"/>
-          </a:xfrm>
-          <a:prstGeom prst="rect">
-            <a:avLst/>
-          </a:prstGeom>
-        </p:spPr>
-      </p:pic>
       <p:sp>
         <p:nvSpPr>
           <p:cNvPr id="14" name="Google Shape;79;p15">
@@ -15143,6 +15107,53 @@
           </a:p>
         </p:txBody>
       </p:sp>
+      <p:pic>
+        <p:nvPicPr>
+          <p:cNvPr id="1028" name="Picture 4">
+            <a:extLst>
+              <a:ext uri="{FF2B5EF4-FFF2-40B4-BE49-F238E27FC236}">
+                <a16:creationId xmlns:a16="http://schemas.microsoft.com/office/drawing/2014/main" id="{3289EF54-5C38-441B-8378-5CC5E927FA54}"/>
+              </a:ext>
+            </a:extLst>
+          </p:cNvPr>
+          <p:cNvPicPr>
+            <a:picLocks noChangeAspect="1" noChangeArrowheads="1"/>
+          </p:cNvPicPr>
+          <p:nvPr/>
+        </p:nvPicPr>
+        <p:blipFill>
+          <a:blip r:embed="rId6">
+            <a:extLst>
+              <a:ext uri="{28A0092B-C50C-407E-A947-70E740481C1C}">
+                <a14:useLocalDpi xmlns:a14="http://schemas.microsoft.com/office/drawing/2010/main" val="0"/>
+              </a:ext>
+            </a:extLst>
+          </a:blip>
+          <a:srcRect/>
+          <a:stretch>
+            <a:fillRect/>
+          </a:stretch>
+        </p:blipFill>
+        <p:spPr bwMode="auto">
+          <a:xfrm>
+            <a:off x="5029624" y="2669788"/>
+            <a:ext cx="3749024" cy="2279812"/>
+          </a:xfrm>
+          <a:prstGeom prst="rect">
+            <a:avLst/>
+          </a:prstGeom>
+          <a:noFill/>
+          <a:extLst>
+            <a:ext uri="{909E8E84-426E-40DD-AFC4-6F175D3DCCD1}">
+              <a14:hiddenFill xmlns:a14="http://schemas.microsoft.com/office/drawing/2010/main">
+                <a:solidFill>
+                  <a:srgbClr val="FFFFFF"/>
+                </a:solidFill>
+              </a14:hiddenFill>
+            </a:ext>
+          </a:extLst>
+        </p:spPr>
+      </p:pic>
     </p:spTree>
     <p:extLst>
       <p:ext uri="{BB962C8B-B14F-4D97-AF65-F5344CB8AC3E}">
